--- a/casestudy.pptx
+++ b/casestudy.pptx
@@ -5,12 +5,16 @@
     <p:sldMasterId id="2147483672" r:id="rId1"/>
   </p:sldMasterIdLst>
   <p:notesMasterIdLst>
-    <p:notesMasterId r:id="rId5"/>
+    <p:notesMasterId r:id="rId9"/>
   </p:notesMasterIdLst>
   <p:sldIdLst>
     <p:sldId id="256" r:id="rId2"/>
     <p:sldId id="258" r:id="rId3"/>
-    <p:sldId id="257" r:id="rId4"/>
+    <p:sldId id="259" r:id="rId4"/>
+    <p:sldId id="260" r:id="rId5"/>
+    <p:sldId id="261" r:id="rId6"/>
+    <p:sldId id="262" r:id="rId7"/>
+    <p:sldId id="257" r:id="rId8"/>
   </p:sldIdLst>
   <p:sldSz cx="12192000" cy="6858000"/>
   <p:notesSz cx="6858000" cy="9144000"/>
@@ -109,6 +113,14 @@
       </a:defRPr>
     </a:lvl9pPr>
   </p:defaultTextStyle>
+  <p:extLst>
+    <p:ext uri="{EFAFB233-063F-42B5-8137-9DF3F51BA10A}">
+      <p15:sldGuideLst xmlns:p15="http://schemas.microsoft.com/office/powerpoint/2012/main"/>
+    </p:ext>
+    <p:ext uri="{2D200454-40CA-4A62-9FC3-DE9A4176ACB9}">
+      <p15:notesGuideLst xmlns:p15="http://schemas.microsoft.com/office/powerpoint/2012/main"/>
+    </p:ext>
+  </p:extLst>
 </p:presentation>
 </file>
 
@@ -3346,12 +3358,38 @@
             <p:ph type="ctrTitle"/>
           </p:nvPr>
         </p:nvSpPr>
-        <p:spPr/>
-        <p:txBody>
-          <a:bodyPr/>
-          <a:lstStyle/>
-          <a:p>
-            <a:endParaRPr lang="pl-PL"/>
+        <p:spPr>
+          <a:xfrm>
+            <a:off x="0" y="1600199"/>
+            <a:ext cx="12192000" cy="1909763"/>
+          </a:xfrm>
+        </p:spPr>
+        <p:txBody>
+          <a:bodyPr>
+            <a:noAutofit/>
+          </a:bodyPr>
+          <a:lstStyle/>
+          <a:p>
+            <a:r>
+              <a:rPr lang="pl-PL" sz="5400" dirty="0">
+                <a:latin typeface="Arial" panose="020B0604020202020204" pitchFamily="34" charset="0"/>
+                <a:cs typeface="Arial" panose="020B0604020202020204" pitchFamily="34" charset="0"/>
+              </a:rPr>
+              <a:t>Analiza zarobków absolwentów studiów wyższych pięć lat </a:t>
+            </a:r>
+            <a:br>
+              <a:rPr lang="pl-PL" sz="5400" dirty="0">
+                <a:latin typeface="Arial" panose="020B0604020202020204" pitchFamily="34" charset="0"/>
+                <a:cs typeface="Arial" panose="020B0604020202020204" pitchFamily="34" charset="0"/>
+              </a:rPr>
+            </a:br>
+            <a:r>
+              <a:rPr lang="pl-PL" sz="5400" dirty="0">
+                <a:latin typeface="Arial" panose="020B0604020202020204" pitchFamily="34" charset="0"/>
+                <a:cs typeface="Arial" panose="020B0604020202020204" pitchFamily="34" charset="0"/>
+              </a:rPr>
+              <a:t>po uzyskaniu dyplomu</a:t>
+            </a:r>
           </a:p>
         </p:txBody>
       </p:sp>
@@ -3371,12 +3409,54 @@
             <p:ph type="subTitle" idx="1"/>
           </p:nvPr>
         </p:nvSpPr>
-        <p:spPr/>
-        <p:txBody>
-          <a:bodyPr/>
-          <a:lstStyle/>
-          <a:p>
-            <a:endParaRPr lang="pl-PL"/>
+        <p:spPr>
+          <a:xfrm>
+            <a:off x="1080001" y="3750197"/>
+            <a:ext cx="9788628" cy="3107803"/>
+          </a:xfrm>
+        </p:spPr>
+        <p:txBody>
+          <a:bodyPr>
+            <a:normAutofit/>
+          </a:bodyPr>
+          <a:lstStyle/>
+          <a:p>
+            <a:pPr marL="720000" algn="r"/>
+            <a:endParaRPr lang="pl-PL" sz="2800" dirty="0">
+              <a:latin typeface="Arial" panose="020B0604020202020204" pitchFamily="34" charset="0"/>
+              <a:cs typeface="Arial" panose="020B0604020202020204" pitchFamily="34" charset="0"/>
+            </a:endParaRPr>
+          </a:p>
+          <a:p>
+            <a:pPr marL="720000" algn="r"/>
+            <a:endParaRPr lang="pl-PL" sz="2800" dirty="0">
+              <a:latin typeface="Arial" panose="020B0604020202020204" pitchFamily="34" charset="0"/>
+              <a:cs typeface="Arial" panose="020B0604020202020204" pitchFamily="34" charset="0"/>
+            </a:endParaRPr>
+          </a:p>
+          <a:p>
+            <a:pPr marL="720000" algn="r"/>
+            <a:endParaRPr lang="pl-PL" sz="2800" dirty="0">
+              <a:latin typeface="Arial" panose="020B0604020202020204" pitchFamily="34" charset="0"/>
+              <a:cs typeface="Arial" panose="020B0604020202020204" pitchFamily="34" charset="0"/>
+            </a:endParaRPr>
+          </a:p>
+          <a:p>
+            <a:pPr marL="720000" algn="r"/>
+            <a:endParaRPr lang="pl-PL" sz="2800" dirty="0">
+              <a:latin typeface="Arial" panose="020B0604020202020204" pitchFamily="34" charset="0"/>
+              <a:cs typeface="Arial" panose="020B0604020202020204" pitchFamily="34" charset="0"/>
+            </a:endParaRPr>
+          </a:p>
+          <a:p>
+            <a:pPr marL="720000" algn="r"/>
+            <a:r>
+              <a:rPr lang="pl-PL" sz="2800" dirty="0">
+                <a:latin typeface="Arial" panose="020B0604020202020204" pitchFamily="34" charset="0"/>
+                <a:cs typeface="Arial" panose="020B0604020202020204" pitchFamily="34" charset="0"/>
+              </a:rPr>
+              <a:t>Przygotował: Kamil Kulesza</a:t>
+            </a:r>
           </a:p>
         </p:txBody>
       </p:sp>
@@ -3434,12 +3514,29 @@
             <p:ph type="title"/>
           </p:nvPr>
         </p:nvSpPr>
-        <p:spPr/>
-        <p:txBody>
-          <a:bodyPr/>
-          <a:lstStyle/>
-          <a:p>
-            <a:endParaRPr lang="pl-PL"/>
+        <p:spPr>
+          <a:xfrm>
+            <a:off x="0" y="180001"/>
+            <a:ext cx="12192000" cy="758980"/>
+          </a:xfrm>
+        </p:spPr>
+        <p:txBody>
+          <a:bodyPr>
+            <a:normAutofit/>
+          </a:bodyPr>
+          <a:lstStyle/>
+          <a:p>
+            <a:pPr marL="1080000"/>
+            <a:r>
+              <a:rPr lang="pl-PL" sz="4000" dirty="0">
+                <a:solidFill>
+                  <a:srgbClr val="002060"/>
+                </a:solidFill>
+                <a:latin typeface="Arial" panose="020B0604020202020204" pitchFamily="34" charset="0"/>
+                <a:cs typeface="Arial" panose="020B0604020202020204" pitchFamily="34" charset="0"/>
+              </a:rPr>
+              <a:t>Informacje o badaniu</a:t>
+            </a:r>
           </a:p>
         </p:txBody>
       </p:sp>
@@ -3459,12 +3556,289 @@
             <p:ph idx="1"/>
           </p:nvPr>
         </p:nvSpPr>
-        <p:spPr/>
-        <p:txBody>
-          <a:bodyPr/>
-          <a:lstStyle/>
-          <a:p>
-            <a:endParaRPr lang="pl-PL"/>
+        <p:spPr>
+          <a:xfrm>
+            <a:off x="0" y="1237130"/>
+            <a:ext cx="11112000" cy="4528970"/>
+          </a:xfrm>
+        </p:spPr>
+        <p:txBody>
+          <a:bodyPr>
+            <a:normAutofit/>
+          </a:bodyPr>
+          <a:lstStyle/>
+          <a:p>
+            <a:pPr marL="1080000" indent="0" algn="just">
+              <a:buNone/>
+            </a:pPr>
+            <a:r>
+              <a:rPr lang="pl-PL" sz="2400" dirty="0">
+                <a:latin typeface="Arial" panose="020B0604020202020204" pitchFamily="34" charset="0"/>
+                <a:cs typeface="Arial" panose="020B0604020202020204" pitchFamily="34" charset="0"/>
+              </a:rPr>
+              <a:t>	Przeprowadzone badanie ma na celu ukazać jak kształtują się zarobki absolwentów studiów magisterskich polskich uczelni pięć lat na pozyskaniu dyplomu. Dostępne dane pozwalają na przeprowadzenie analizy bazując na absolwentach lat 2014 i 2015.</a:t>
+            </a:r>
+          </a:p>
+          <a:p>
+            <a:pPr marL="1080000" indent="0" algn="just">
+              <a:buNone/>
+            </a:pPr>
+            <a:r>
+              <a:rPr lang="pl-PL" sz="2400" dirty="0">
+                <a:latin typeface="Arial" panose="020B0604020202020204" pitchFamily="34" charset="0"/>
+                <a:cs typeface="Arial" panose="020B0604020202020204" pitchFamily="34" charset="0"/>
+              </a:rPr>
+              <a:t>	Wykorzystane w badaniu dane pochodzą z serwisu systemu Ekonomicznych Losów Absolwentów szkół wyższych (ELA) </a:t>
+            </a:r>
+            <a:r>
+              <a:rPr lang="pl-PL" sz="2400" dirty="0">
+                <a:solidFill>
+                  <a:schemeClr val="accent4"/>
+                </a:solidFill>
+                <a:latin typeface="Arial" panose="020B0604020202020204" pitchFamily="34" charset="0"/>
+                <a:cs typeface="Arial" panose="020B0604020202020204" pitchFamily="34" charset="0"/>
+                <a:hlinkClick r:id="rId2">
+                  <a:extLst>
+                    <a:ext uri="{A12FA001-AC4F-418D-AE19-62706E023703}">
+                      <ahyp:hlinkClr xmlns:ahyp="http://schemas.microsoft.com/office/drawing/2018/hyperlinkcolor" val="tx"/>
+                    </a:ext>
+                  </a:extLst>
+                </a:hlinkClick>
+              </a:rPr>
+              <a:t>www.ela.nauka.gov.pl</a:t>
+            </a:r>
+            <a:r>
+              <a:rPr lang="pl-PL" sz="2400" dirty="0">
+                <a:solidFill>
+                  <a:schemeClr val="accent4"/>
+                </a:solidFill>
+                <a:latin typeface="Arial" panose="020B0604020202020204" pitchFamily="34" charset="0"/>
+                <a:cs typeface="Arial" panose="020B0604020202020204" pitchFamily="34" charset="0"/>
+              </a:rPr>
+              <a:t>.</a:t>
+            </a:r>
+          </a:p>
+          <a:p>
+            <a:pPr marL="1080000" indent="0" algn="just">
+              <a:buNone/>
+            </a:pPr>
+            <a:endParaRPr lang="pl-PL" sz="2400" dirty="0">
+              <a:solidFill>
+                <a:schemeClr val="accent4"/>
+              </a:solidFill>
+              <a:latin typeface="Arial" panose="020B0604020202020204" pitchFamily="34" charset="0"/>
+              <a:cs typeface="Arial" panose="020B0604020202020204" pitchFamily="34" charset="0"/>
+            </a:endParaRPr>
+          </a:p>
+        </p:txBody>
+      </p:sp>
+      <p:sp>
+        <p:nvSpPr>
+          <p:cNvPr id="7" name="Symbol zastępczy zawartości 12">
+            <a:extLst>
+              <a:ext uri="{FF2B5EF4-FFF2-40B4-BE49-F238E27FC236}">
+                <a16:creationId xmlns:a16="http://schemas.microsoft.com/office/drawing/2014/main" id="{28670177-31EF-45B8-9694-7BE806BE5EC0}"/>
+              </a:ext>
+            </a:extLst>
+          </p:cNvPr>
+          <p:cNvSpPr txBox="1">
+            <a:spLocks/>
+          </p:cNvSpPr>
+          <p:nvPr/>
+        </p:nvSpPr>
+        <p:spPr>
+          <a:xfrm>
+            <a:off x="0" y="6260951"/>
+            <a:ext cx="12192000" cy="417047"/>
+          </a:xfrm>
+          <a:prstGeom prst="rect">
+            <a:avLst/>
+          </a:prstGeom>
+        </p:spPr>
+        <p:txBody>
+          <a:bodyPr vert="horz" lIns="91440" tIns="45720" rIns="91440" bIns="45720" rtlCol="0">
+            <a:normAutofit/>
+          </a:bodyPr>
+          <a:lstStyle>
+            <a:lvl1pPr marL="228600" indent="-228600" algn="l" defTabSz="914400" rtl="0" eaLnBrk="1" latinLnBrk="0" hangingPunct="1">
+              <a:lnSpc>
+                <a:spcPct val="90000"/>
+              </a:lnSpc>
+              <a:spcBef>
+                <a:spcPts val="1000"/>
+              </a:spcBef>
+              <a:buFont typeface="Arial" panose="020B0604020202020204" pitchFamily="34" charset="0"/>
+              <a:buChar char="•"/>
+              <a:defRPr sz="2800" kern="1200">
+                <a:solidFill>
+                  <a:schemeClr val="tx1"/>
+                </a:solidFill>
+                <a:latin typeface="+mn-lt"/>
+                <a:ea typeface="+mn-ea"/>
+                <a:cs typeface="+mn-cs"/>
+              </a:defRPr>
+            </a:lvl1pPr>
+            <a:lvl2pPr marL="685800" indent="-228600" algn="l" defTabSz="914400" rtl="0" eaLnBrk="1" latinLnBrk="0" hangingPunct="1">
+              <a:lnSpc>
+                <a:spcPct val="90000"/>
+              </a:lnSpc>
+              <a:spcBef>
+                <a:spcPts val="500"/>
+              </a:spcBef>
+              <a:buFont typeface="Arial" panose="020B0604020202020204" pitchFamily="34" charset="0"/>
+              <a:buChar char="•"/>
+              <a:defRPr sz="2400" kern="1200">
+                <a:solidFill>
+                  <a:schemeClr val="tx1"/>
+                </a:solidFill>
+                <a:latin typeface="+mn-lt"/>
+                <a:ea typeface="+mn-ea"/>
+                <a:cs typeface="+mn-cs"/>
+              </a:defRPr>
+            </a:lvl2pPr>
+            <a:lvl3pPr marL="1143000" indent="-228600" algn="l" defTabSz="914400" rtl="0" eaLnBrk="1" latinLnBrk="0" hangingPunct="1">
+              <a:lnSpc>
+                <a:spcPct val="90000"/>
+              </a:lnSpc>
+              <a:spcBef>
+                <a:spcPts val="500"/>
+              </a:spcBef>
+              <a:buFont typeface="Arial" panose="020B0604020202020204" pitchFamily="34" charset="0"/>
+              <a:buChar char="•"/>
+              <a:defRPr sz="2000" kern="1200">
+                <a:solidFill>
+                  <a:schemeClr val="tx1"/>
+                </a:solidFill>
+                <a:latin typeface="+mn-lt"/>
+                <a:ea typeface="+mn-ea"/>
+                <a:cs typeface="+mn-cs"/>
+              </a:defRPr>
+            </a:lvl3pPr>
+            <a:lvl4pPr marL="1600200" indent="-228600" algn="l" defTabSz="914400" rtl="0" eaLnBrk="1" latinLnBrk="0" hangingPunct="1">
+              <a:lnSpc>
+                <a:spcPct val="90000"/>
+              </a:lnSpc>
+              <a:spcBef>
+                <a:spcPts val="500"/>
+              </a:spcBef>
+              <a:buFont typeface="Arial" panose="020B0604020202020204" pitchFamily="34" charset="0"/>
+              <a:buChar char="•"/>
+              <a:defRPr sz="1800" kern="1200">
+                <a:solidFill>
+                  <a:schemeClr val="tx1"/>
+                </a:solidFill>
+                <a:latin typeface="+mn-lt"/>
+                <a:ea typeface="+mn-ea"/>
+                <a:cs typeface="+mn-cs"/>
+              </a:defRPr>
+            </a:lvl4pPr>
+            <a:lvl5pPr marL="2057400" indent="-228600" algn="l" defTabSz="914400" rtl="0" eaLnBrk="1" latinLnBrk="0" hangingPunct="1">
+              <a:lnSpc>
+                <a:spcPct val="90000"/>
+              </a:lnSpc>
+              <a:spcBef>
+                <a:spcPts val="500"/>
+              </a:spcBef>
+              <a:buFont typeface="Arial" panose="020B0604020202020204" pitchFamily="34" charset="0"/>
+              <a:buChar char="•"/>
+              <a:defRPr sz="1800" kern="1200">
+                <a:solidFill>
+                  <a:schemeClr val="tx1"/>
+                </a:solidFill>
+                <a:latin typeface="+mn-lt"/>
+                <a:ea typeface="+mn-ea"/>
+                <a:cs typeface="+mn-cs"/>
+              </a:defRPr>
+            </a:lvl5pPr>
+            <a:lvl6pPr marL="2514600" indent="-228600" algn="l" defTabSz="914400" rtl="0" eaLnBrk="1" latinLnBrk="0" hangingPunct="1">
+              <a:lnSpc>
+                <a:spcPct val="90000"/>
+              </a:lnSpc>
+              <a:spcBef>
+                <a:spcPts val="500"/>
+              </a:spcBef>
+              <a:buFont typeface="Arial" panose="020B0604020202020204" pitchFamily="34" charset="0"/>
+              <a:buChar char="•"/>
+              <a:defRPr sz="1800" kern="1200">
+                <a:solidFill>
+                  <a:schemeClr val="tx1"/>
+                </a:solidFill>
+                <a:latin typeface="+mn-lt"/>
+                <a:ea typeface="+mn-ea"/>
+                <a:cs typeface="+mn-cs"/>
+              </a:defRPr>
+            </a:lvl6pPr>
+            <a:lvl7pPr marL="2971800" indent="-228600" algn="l" defTabSz="914400" rtl="0" eaLnBrk="1" latinLnBrk="0" hangingPunct="1">
+              <a:lnSpc>
+                <a:spcPct val="90000"/>
+              </a:lnSpc>
+              <a:spcBef>
+                <a:spcPts val="500"/>
+              </a:spcBef>
+              <a:buFont typeface="Arial" panose="020B0604020202020204" pitchFamily="34" charset="0"/>
+              <a:buChar char="•"/>
+              <a:defRPr sz="1800" kern="1200">
+                <a:solidFill>
+                  <a:schemeClr val="tx1"/>
+                </a:solidFill>
+                <a:latin typeface="+mn-lt"/>
+                <a:ea typeface="+mn-ea"/>
+                <a:cs typeface="+mn-cs"/>
+              </a:defRPr>
+            </a:lvl7pPr>
+            <a:lvl8pPr marL="3429000" indent="-228600" algn="l" defTabSz="914400" rtl="0" eaLnBrk="1" latinLnBrk="0" hangingPunct="1">
+              <a:lnSpc>
+                <a:spcPct val="90000"/>
+              </a:lnSpc>
+              <a:spcBef>
+                <a:spcPts val="500"/>
+              </a:spcBef>
+              <a:buFont typeface="Arial" panose="020B0604020202020204" pitchFamily="34" charset="0"/>
+              <a:buChar char="•"/>
+              <a:defRPr sz="1800" kern="1200">
+                <a:solidFill>
+                  <a:schemeClr val="tx1"/>
+                </a:solidFill>
+                <a:latin typeface="+mn-lt"/>
+                <a:ea typeface="+mn-ea"/>
+                <a:cs typeface="+mn-cs"/>
+              </a:defRPr>
+            </a:lvl8pPr>
+            <a:lvl9pPr marL="3886200" indent="-228600" algn="l" defTabSz="914400" rtl="0" eaLnBrk="1" latinLnBrk="0" hangingPunct="1">
+              <a:lnSpc>
+                <a:spcPct val="90000"/>
+              </a:lnSpc>
+              <a:spcBef>
+                <a:spcPts val="500"/>
+              </a:spcBef>
+              <a:buFont typeface="Arial" panose="020B0604020202020204" pitchFamily="34" charset="0"/>
+              <a:buChar char="•"/>
+              <a:defRPr sz="1800" kern="1200">
+                <a:solidFill>
+                  <a:schemeClr val="tx1"/>
+                </a:solidFill>
+                <a:latin typeface="+mn-lt"/>
+                <a:ea typeface="+mn-ea"/>
+                <a:cs typeface="+mn-cs"/>
+              </a:defRPr>
+            </a:lvl9pPr>
+          </a:lstStyle>
+          <a:p>
+            <a:pPr marL="0" indent="0" algn="ctr">
+              <a:buFont typeface="Arial" panose="020B0604020202020204" pitchFamily="34" charset="0"/>
+              <a:buNone/>
+            </a:pPr>
+            <a:r>
+              <a:rPr lang="pl-PL" sz="2000" dirty="0">
+                <a:latin typeface="Arial" panose="020B0604020202020204" pitchFamily="34" charset="0"/>
+                <a:cs typeface="Arial" panose="020B0604020202020204" pitchFamily="34" charset="0"/>
+              </a:rPr>
+              <a:t>1</a:t>
+            </a:r>
+            <a:endParaRPr lang="pl-PL" sz="1800" dirty="0">
+              <a:latin typeface="Arial" panose="020B0604020202020204" pitchFamily="34" charset="0"/>
+              <a:cs typeface="Arial" panose="020B0604020202020204" pitchFamily="34" charset="0"/>
+            </a:endParaRPr>
           </a:p>
         </p:txBody>
       </p:sp>
@@ -3482,6 +3856,1498 @@
 </file>
 
 <file path=ppt/slides/slide3.xml><?xml version="1.0" encoding="utf-8"?>
+<p:sld xmlns:a="http://schemas.openxmlformats.org/drawingml/2006/main" xmlns:r="http://schemas.openxmlformats.org/officeDocument/2006/relationships" xmlns:p="http://schemas.openxmlformats.org/presentationml/2006/main">
+  <p:cSld>
+    <p:bg>
+      <p:bgPr>
+        <a:solidFill>
+          <a:srgbClr val="EFEDEF"/>
+        </a:solidFill>
+        <a:effectLst/>
+      </p:bgPr>
+    </p:bg>
+    <p:spTree>
+      <p:nvGrpSpPr>
+        <p:cNvPr id="1" name=""/>
+        <p:cNvGrpSpPr/>
+        <p:nvPr/>
+      </p:nvGrpSpPr>
+      <p:grpSpPr>
+        <a:xfrm>
+          <a:off x="0" y="0"/>
+          <a:ext cx="0" cy="0"/>
+          <a:chOff x="0" y="0"/>
+          <a:chExt cx="0" cy="0"/>
+        </a:xfrm>
+      </p:grpSpPr>
+      <p:sp>
+        <p:nvSpPr>
+          <p:cNvPr id="11" name="Tytuł 10">
+            <a:extLst>
+              <a:ext uri="{FF2B5EF4-FFF2-40B4-BE49-F238E27FC236}">
+                <a16:creationId xmlns:a16="http://schemas.microsoft.com/office/drawing/2014/main" id="{E6572A4F-AEE0-4C43-A19A-0A4EFDB11758}"/>
+              </a:ext>
+            </a:extLst>
+          </p:cNvPr>
+          <p:cNvSpPr>
+            <a:spLocks noGrp="1"/>
+          </p:cNvSpPr>
+          <p:nvPr>
+            <p:ph type="title"/>
+          </p:nvPr>
+        </p:nvSpPr>
+        <p:spPr>
+          <a:xfrm>
+            <a:off x="0" y="180001"/>
+            <a:ext cx="12192000" cy="758980"/>
+          </a:xfrm>
+        </p:spPr>
+        <p:txBody>
+          <a:bodyPr>
+            <a:normAutofit/>
+          </a:bodyPr>
+          <a:lstStyle/>
+          <a:p>
+            <a:pPr marL="1080000"/>
+            <a:r>
+              <a:rPr lang="pl-PL" sz="4000" dirty="0">
+                <a:solidFill>
+                  <a:srgbClr val="002060"/>
+                </a:solidFill>
+                <a:latin typeface="Arial" panose="020B0604020202020204" pitchFamily="34" charset="0"/>
+                <a:cs typeface="Arial" panose="020B0604020202020204" pitchFamily="34" charset="0"/>
+              </a:rPr>
+              <a:t>Dziedzina i forma studiów</a:t>
+            </a:r>
+          </a:p>
+        </p:txBody>
+      </p:sp>
+      <p:sp>
+        <p:nvSpPr>
+          <p:cNvPr id="13" name="Symbol zastępczy zawartości 12">
+            <a:extLst>
+              <a:ext uri="{FF2B5EF4-FFF2-40B4-BE49-F238E27FC236}">
+                <a16:creationId xmlns:a16="http://schemas.microsoft.com/office/drawing/2014/main" id="{DA401464-8C74-4E2C-AA34-162A596EE429}"/>
+              </a:ext>
+            </a:extLst>
+          </p:cNvPr>
+          <p:cNvSpPr>
+            <a:spLocks noGrp="1"/>
+          </p:cNvSpPr>
+          <p:nvPr>
+            <p:ph idx="1"/>
+          </p:nvPr>
+        </p:nvSpPr>
+        <p:spPr>
+          <a:xfrm>
+            <a:off x="0" y="1237130"/>
+            <a:ext cx="11139948" cy="4528970"/>
+          </a:xfrm>
+        </p:spPr>
+        <p:txBody>
+          <a:bodyPr>
+            <a:normAutofit/>
+          </a:bodyPr>
+          <a:lstStyle/>
+          <a:p>
+            <a:pPr marL="1080000" indent="0" algn="just">
+              <a:buNone/>
+            </a:pPr>
+            <a:r>
+              <a:rPr lang="pl-PL" sz="2300" dirty="0">
+                <a:latin typeface="Arial" panose="020B0604020202020204" pitchFamily="34" charset="0"/>
+                <a:cs typeface="Arial" panose="020B0604020202020204" pitchFamily="34" charset="0"/>
+              </a:rPr>
+              <a:t>	Ponad połowa absolwentów uzyskała dyplom magistra na kierunku </a:t>
+            </a:r>
+            <a:br>
+              <a:rPr lang="pl-PL" sz="2300" dirty="0">
+                <a:latin typeface="Arial" panose="020B0604020202020204" pitchFamily="34" charset="0"/>
+                <a:cs typeface="Arial" panose="020B0604020202020204" pitchFamily="34" charset="0"/>
+              </a:rPr>
+            </a:br>
+            <a:r>
+              <a:rPr lang="pl-PL" sz="2300" dirty="0">
+                <a:latin typeface="Arial" panose="020B0604020202020204" pitchFamily="34" charset="0"/>
+                <a:cs typeface="Arial" panose="020B0604020202020204" pitchFamily="34" charset="0"/>
+              </a:rPr>
+              <a:t>w dziedzinie nauk społecznych. Innymi popularnymi kierunkami były kierunki związane z nowoczesnymi technologiami, medyczne i humanistyczne.</a:t>
+            </a:r>
+            <a:endParaRPr lang="pl-PL" sz="2300" dirty="0">
+              <a:solidFill>
+                <a:schemeClr val="accent4"/>
+              </a:solidFill>
+              <a:latin typeface="Arial" panose="020B0604020202020204" pitchFamily="34" charset="0"/>
+              <a:cs typeface="Arial" panose="020B0604020202020204" pitchFamily="34" charset="0"/>
+            </a:endParaRPr>
+          </a:p>
+        </p:txBody>
+      </p:sp>
+      <p:sp>
+        <p:nvSpPr>
+          <p:cNvPr id="7" name="Symbol zastępczy zawartości 12">
+            <a:extLst>
+              <a:ext uri="{FF2B5EF4-FFF2-40B4-BE49-F238E27FC236}">
+                <a16:creationId xmlns:a16="http://schemas.microsoft.com/office/drawing/2014/main" id="{28670177-31EF-45B8-9694-7BE806BE5EC0}"/>
+              </a:ext>
+            </a:extLst>
+          </p:cNvPr>
+          <p:cNvSpPr txBox="1">
+            <a:spLocks/>
+          </p:cNvSpPr>
+          <p:nvPr/>
+        </p:nvSpPr>
+        <p:spPr>
+          <a:xfrm>
+            <a:off x="0" y="6260951"/>
+            <a:ext cx="12192000" cy="417047"/>
+          </a:xfrm>
+          <a:prstGeom prst="rect">
+            <a:avLst/>
+          </a:prstGeom>
+        </p:spPr>
+        <p:txBody>
+          <a:bodyPr vert="horz" lIns="91440" tIns="45720" rIns="91440" bIns="45720" rtlCol="0">
+            <a:normAutofit/>
+          </a:bodyPr>
+          <a:lstStyle>
+            <a:lvl1pPr marL="228600" indent="-228600" algn="l" defTabSz="914400" rtl="0" eaLnBrk="1" latinLnBrk="0" hangingPunct="1">
+              <a:lnSpc>
+                <a:spcPct val="90000"/>
+              </a:lnSpc>
+              <a:spcBef>
+                <a:spcPts val="1000"/>
+              </a:spcBef>
+              <a:buFont typeface="Arial" panose="020B0604020202020204" pitchFamily="34" charset="0"/>
+              <a:buChar char="•"/>
+              <a:defRPr sz="2800" kern="1200">
+                <a:solidFill>
+                  <a:schemeClr val="tx1"/>
+                </a:solidFill>
+                <a:latin typeface="+mn-lt"/>
+                <a:ea typeface="+mn-ea"/>
+                <a:cs typeface="+mn-cs"/>
+              </a:defRPr>
+            </a:lvl1pPr>
+            <a:lvl2pPr marL="685800" indent="-228600" algn="l" defTabSz="914400" rtl="0" eaLnBrk="1" latinLnBrk="0" hangingPunct="1">
+              <a:lnSpc>
+                <a:spcPct val="90000"/>
+              </a:lnSpc>
+              <a:spcBef>
+                <a:spcPts val="500"/>
+              </a:spcBef>
+              <a:buFont typeface="Arial" panose="020B0604020202020204" pitchFamily="34" charset="0"/>
+              <a:buChar char="•"/>
+              <a:defRPr sz="2400" kern="1200">
+                <a:solidFill>
+                  <a:schemeClr val="tx1"/>
+                </a:solidFill>
+                <a:latin typeface="+mn-lt"/>
+                <a:ea typeface="+mn-ea"/>
+                <a:cs typeface="+mn-cs"/>
+              </a:defRPr>
+            </a:lvl2pPr>
+            <a:lvl3pPr marL="1143000" indent="-228600" algn="l" defTabSz="914400" rtl="0" eaLnBrk="1" latinLnBrk="0" hangingPunct="1">
+              <a:lnSpc>
+                <a:spcPct val="90000"/>
+              </a:lnSpc>
+              <a:spcBef>
+                <a:spcPts val="500"/>
+              </a:spcBef>
+              <a:buFont typeface="Arial" panose="020B0604020202020204" pitchFamily="34" charset="0"/>
+              <a:buChar char="•"/>
+              <a:defRPr sz="2000" kern="1200">
+                <a:solidFill>
+                  <a:schemeClr val="tx1"/>
+                </a:solidFill>
+                <a:latin typeface="+mn-lt"/>
+                <a:ea typeface="+mn-ea"/>
+                <a:cs typeface="+mn-cs"/>
+              </a:defRPr>
+            </a:lvl3pPr>
+            <a:lvl4pPr marL="1600200" indent="-228600" algn="l" defTabSz="914400" rtl="0" eaLnBrk="1" latinLnBrk="0" hangingPunct="1">
+              <a:lnSpc>
+                <a:spcPct val="90000"/>
+              </a:lnSpc>
+              <a:spcBef>
+                <a:spcPts val="500"/>
+              </a:spcBef>
+              <a:buFont typeface="Arial" panose="020B0604020202020204" pitchFamily="34" charset="0"/>
+              <a:buChar char="•"/>
+              <a:defRPr sz="1800" kern="1200">
+                <a:solidFill>
+                  <a:schemeClr val="tx1"/>
+                </a:solidFill>
+                <a:latin typeface="+mn-lt"/>
+                <a:ea typeface="+mn-ea"/>
+                <a:cs typeface="+mn-cs"/>
+              </a:defRPr>
+            </a:lvl4pPr>
+            <a:lvl5pPr marL="2057400" indent="-228600" algn="l" defTabSz="914400" rtl="0" eaLnBrk="1" latinLnBrk="0" hangingPunct="1">
+              <a:lnSpc>
+                <a:spcPct val="90000"/>
+              </a:lnSpc>
+              <a:spcBef>
+                <a:spcPts val="500"/>
+              </a:spcBef>
+              <a:buFont typeface="Arial" panose="020B0604020202020204" pitchFamily="34" charset="0"/>
+              <a:buChar char="•"/>
+              <a:defRPr sz="1800" kern="1200">
+                <a:solidFill>
+                  <a:schemeClr val="tx1"/>
+                </a:solidFill>
+                <a:latin typeface="+mn-lt"/>
+                <a:ea typeface="+mn-ea"/>
+                <a:cs typeface="+mn-cs"/>
+              </a:defRPr>
+            </a:lvl5pPr>
+            <a:lvl6pPr marL="2514600" indent="-228600" algn="l" defTabSz="914400" rtl="0" eaLnBrk="1" latinLnBrk="0" hangingPunct="1">
+              <a:lnSpc>
+                <a:spcPct val="90000"/>
+              </a:lnSpc>
+              <a:spcBef>
+                <a:spcPts val="500"/>
+              </a:spcBef>
+              <a:buFont typeface="Arial" panose="020B0604020202020204" pitchFamily="34" charset="0"/>
+              <a:buChar char="•"/>
+              <a:defRPr sz="1800" kern="1200">
+                <a:solidFill>
+                  <a:schemeClr val="tx1"/>
+                </a:solidFill>
+                <a:latin typeface="+mn-lt"/>
+                <a:ea typeface="+mn-ea"/>
+                <a:cs typeface="+mn-cs"/>
+              </a:defRPr>
+            </a:lvl6pPr>
+            <a:lvl7pPr marL="2971800" indent="-228600" algn="l" defTabSz="914400" rtl="0" eaLnBrk="1" latinLnBrk="0" hangingPunct="1">
+              <a:lnSpc>
+                <a:spcPct val="90000"/>
+              </a:lnSpc>
+              <a:spcBef>
+                <a:spcPts val="500"/>
+              </a:spcBef>
+              <a:buFont typeface="Arial" panose="020B0604020202020204" pitchFamily="34" charset="0"/>
+              <a:buChar char="•"/>
+              <a:defRPr sz="1800" kern="1200">
+                <a:solidFill>
+                  <a:schemeClr val="tx1"/>
+                </a:solidFill>
+                <a:latin typeface="+mn-lt"/>
+                <a:ea typeface="+mn-ea"/>
+                <a:cs typeface="+mn-cs"/>
+              </a:defRPr>
+            </a:lvl7pPr>
+            <a:lvl8pPr marL="3429000" indent="-228600" algn="l" defTabSz="914400" rtl="0" eaLnBrk="1" latinLnBrk="0" hangingPunct="1">
+              <a:lnSpc>
+                <a:spcPct val="90000"/>
+              </a:lnSpc>
+              <a:spcBef>
+                <a:spcPts val="500"/>
+              </a:spcBef>
+              <a:buFont typeface="Arial" panose="020B0604020202020204" pitchFamily="34" charset="0"/>
+              <a:buChar char="•"/>
+              <a:defRPr sz="1800" kern="1200">
+                <a:solidFill>
+                  <a:schemeClr val="tx1"/>
+                </a:solidFill>
+                <a:latin typeface="+mn-lt"/>
+                <a:ea typeface="+mn-ea"/>
+                <a:cs typeface="+mn-cs"/>
+              </a:defRPr>
+            </a:lvl8pPr>
+            <a:lvl9pPr marL="3886200" indent="-228600" algn="l" defTabSz="914400" rtl="0" eaLnBrk="1" latinLnBrk="0" hangingPunct="1">
+              <a:lnSpc>
+                <a:spcPct val="90000"/>
+              </a:lnSpc>
+              <a:spcBef>
+                <a:spcPts val="500"/>
+              </a:spcBef>
+              <a:buFont typeface="Arial" panose="020B0604020202020204" pitchFamily="34" charset="0"/>
+              <a:buChar char="•"/>
+              <a:defRPr sz="1800" kern="1200">
+                <a:solidFill>
+                  <a:schemeClr val="tx1"/>
+                </a:solidFill>
+                <a:latin typeface="+mn-lt"/>
+                <a:ea typeface="+mn-ea"/>
+                <a:cs typeface="+mn-cs"/>
+              </a:defRPr>
+            </a:lvl9pPr>
+          </a:lstStyle>
+          <a:p>
+            <a:pPr marL="0" indent="0" algn="ctr">
+              <a:buFont typeface="Arial" panose="020B0604020202020204" pitchFamily="34" charset="0"/>
+              <a:buNone/>
+            </a:pPr>
+            <a:r>
+              <a:rPr lang="pl-PL" sz="2000" dirty="0">
+                <a:latin typeface="Arial" panose="020B0604020202020204" pitchFamily="34" charset="0"/>
+                <a:cs typeface="Arial" panose="020B0604020202020204" pitchFamily="34" charset="0"/>
+              </a:rPr>
+              <a:t>2</a:t>
+            </a:r>
+            <a:endParaRPr lang="pl-PL" sz="1800" dirty="0">
+              <a:latin typeface="Arial" panose="020B0604020202020204" pitchFamily="34" charset="0"/>
+              <a:cs typeface="Arial" panose="020B0604020202020204" pitchFamily="34" charset="0"/>
+            </a:endParaRPr>
+          </a:p>
+        </p:txBody>
+      </p:sp>
+      <p:pic>
+        <p:nvPicPr>
+          <p:cNvPr id="24" name="Obraz 23">
+            <a:extLst>
+              <a:ext uri="{FF2B5EF4-FFF2-40B4-BE49-F238E27FC236}">
+                <a16:creationId xmlns:a16="http://schemas.microsoft.com/office/drawing/2014/main" id="{A12D4AA6-AC26-4312-BEC0-646E19AEA275}"/>
+              </a:ext>
+            </a:extLst>
+          </p:cNvPr>
+          <p:cNvPicPr>
+            <a:picLocks noChangeAspect="1"/>
+          </p:cNvPicPr>
+          <p:nvPr/>
+        </p:nvPicPr>
+        <p:blipFill>
+          <a:blip r:embed="rId2">
+            <a:extLst>
+              <a:ext uri="{28A0092B-C50C-407E-A947-70E740481C1C}">
+                <a14:useLocalDpi xmlns:a14="http://schemas.microsoft.com/office/drawing/2010/main" val="0"/>
+              </a:ext>
+            </a:extLst>
+          </a:blip>
+          <a:stretch>
+            <a:fillRect/>
+          </a:stretch>
+        </p:blipFill>
+        <p:spPr>
+          <a:xfrm>
+            <a:off x="1046827" y="2275173"/>
+            <a:ext cx="10098345" cy="4101703"/>
+          </a:xfrm>
+          <a:prstGeom prst="rect">
+            <a:avLst/>
+          </a:prstGeom>
+        </p:spPr>
+      </p:pic>
+    </p:spTree>
+    <p:extLst>
+      <p:ext uri="{BB962C8B-B14F-4D97-AF65-F5344CB8AC3E}">
+        <p14:creationId xmlns:p14="http://schemas.microsoft.com/office/powerpoint/2010/main" val="917658979"/>
+      </p:ext>
+    </p:extLst>
+  </p:cSld>
+  <p:clrMapOvr>
+    <a:masterClrMapping/>
+  </p:clrMapOvr>
+</p:sld>
+</file>
+
+<file path=ppt/slides/slide4.xml><?xml version="1.0" encoding="utf-8"?>
+<p:sld xmlns:a="http://schemas.openxmlformats.org/drawingml/2006/main" xmlns:r="http://schemas.openxmlformats.org/officeDocument/2006/relationships" xmlns:p="http://schemas.openxmlformats.org/presentationml/2006/main">
+  <p:cSld>
+    <p:bg>
+      <p:bgPr>
+        <a:solidFill>
+          <a:srgbClr val="EFEDEF"/>
+        </a:solidFill>
+        <a:effectLst/>
+      </p:bgPr>
+    </p:bg>
+    <p:spTree>
+      <p:nvGrpSpPr>
+        <p:cNvPr id="1" name=""/>
+        <p:cNvGrpSpPr/>
+        <p:nvPr/>
+      </p:nvGrpSpPr>
+      <p:grpSpPr>
+        <a:xfrm>
+          <a:off x="0" y="0"/>
+          <a:ext cx="0" cy="0"/>
+          <a:chOff x="0" y="0"/>
+          <a:chExt cx="0" cy="0"/>
+        </a:xfrm>
+      </p:grpSpPr>
+      <p:sp>
+        <p:nvSpPr>
+          <p:cNvPr id="11" name="Tytuł 10">
+            <a:extLst>
+              <a:ext uri="{FF2B5EF4-FFF2-40B4-BE49-F238E27FC236}">
+                <a16:creationId xmlns:a16="http://schemas.microsoft.com/office/drawing/2014/main" id="{E6572A4F-AEE0-4C43-A19A-0A4EFDB11758}"/>
+              </a:ext>
+            </a:extLst>
+          </p:cNvPr>
+          <p:cNvSpPr>
+            <a:spLocks noGrp="1"/>
+          </p:cNvSpPr>
+          <p:nvPr>
+            <p:ph type="title"/>
+          </p:nvPr>
+        </p:nvSpPr>
+        <p:spPr>
+          <a:xfrm>
+            <a:off x="0" y="180001"/>
+            <a:ext cx="12192000" cy="758980"/>
+          </a:xfrm>
+        </p:spPr>
+        <p:txBody>
+          <a:bodyPr>
+            <a:normAutofit/>
+          </a:bodyPr>
+          <a:lstStyle/>
+          <a:p>
+            <a:pPr marL="1080000"/>
+            <a:r>
+              <a:rPr lang="pl-PL" sz="4000" dirty="0">
+                <a:solidFill>
+                  <a:srgbClr val="002060"/>
+                </a:solidFill>
+                <a:latin typeface="Arial" panose="020B0604020202020204" pitchFamily="34" charset="0"/>
+                <a:cs typeface="Arial" panose="020B0604020202020204" pitchFamily="34" charset="0"/>
+              </a:rPr>
+              <a:t>Dziedzina i forma studiów</a:t>
+            </a:r>
+          </a:p>
+        </p:txBody>
+      </p:sp>
+      <p:sp>
+        <p:nvSpPr>
+          <p:cNvPr id="13" name="Symbol zastępczy zawartości 12">
+            <a:extLst>
+              <a:ext uri="{FF2B5EF4-FFF2-40B4-BE49-F238E27FC236}">
+                <a16:creationId xmlns:a16="http://schemas.microsoft.com/office/drawing/2014/main" id="{DA401464-8C74-4E2C-AA34-162A596EE429}"/>
+              </a:ext>
+            </a:extLst>
+          </p:cNvPr>
+          <p:cNvSpPr>
+            <a:spLocks noGrp="1"/>
+          </p:cNvSpPr>
+          <p:nvPr>
+            <p:ph idx="1"/>
+          </p:nvPr>
+        </p:nvSpPr>
+        <p:spPr>
+          <a:xfrm>
+            <a:off x="0" y="1237130"/>
+            <a:ext cx="11112000" cy="4528970"/>
+          </a:xfrm>
+        </p:spPr>
+        <p:txBody>
+          <a:bodyPr>
+            <a:normAutofit/>
+          </a:bodyPr>
+          <a:lstStyle/>
+          <a:p>
+            <a:pPr marL="1080000" indent="0" algn="just">
+              <a:buNone/>
+            </a:pPr>
+            <a:r>
+              <a:rPr lang="pl-PL" sz="2300" dirty="0">
+                <a:latin typeface="Arial" panose="020B0604020202020204" pitchFamily="34" charset="0"/>
+                <a:cs typeface="Arial" panose="020B0604020202020204" pitchFamily="34" charset="0"/>
+              </a:rPr>
+              <a:t>	Ponad połowa badanych studentów ukończyła studia magisterskie </a:t>
+            </a:r>
+            <a:br>
+              <a:rPr lang="pl-PL" sz="2300" dirty="0">
+                <a:latin typeface="Arial" panose="020B0604020202020204" pitchFamily="34" charset="0"/>
+                <a:cs typeface="Arial" panose="020B0604020202020204" pitchFamily="34" charset="0"/>
+              </a:rPr>
+            </a:br>
+            <a:r>
+              <a:rPr lang="pl-PL" sz="2300" dirty="0">
+                <a:latin typeface="Arial" panose="020B0604020202020204" pitchFamily="34" charset="0"/>
+                <a:cs typeface="Arial" panose="020B0604020202020204" pitchFamily="34" charset="0"/>
+              </a:rPr>
+              <a:t>na kierunku odbywającym się w formie stacjonarnej.</a:t>
+            </a:r>
+          </a:p>
+        </p:txBody>
+      </p:sp>
+      <p:sp>
+        <p:nvSpPr>
+          <p:cNvPr id="7" name="Symbol zastępczy zawartości 12">
+            <a:extLst>
+              <a:ext uri="{FF2B5EF4-FFF2-40B4-BE49-F238E27FC236}">
+                <a16:creationId xmlns:a16="http://schemas.microsoft.com/office/drawing/2014/main" id="{28670177-31EF-45B8-9694-7BE806BE5EC0}"/>
+              </a:ext>
+            </a:extLst>
+          </p:cNvPr>
+          <p:cNvSpPr txBox="1">
+            <a:spLocks/>
+          </p:cNvSpPr>
+          <p:nvPr/>
+        </p:nvSpPr>
+        <p:spPr>
+          <a:xfrm>
+            <a:off x="0" y="6260951"/>
+            <a:ext cx="12192000" cy="417047"/>
+          </a:xfrm>
+          <a:prstGeom prst="rect">
+            <a:avLst/>
+          </a:prstGeom>
+        </p:spPr>
+        <p:txBody>
+          <a:bodyPr vert="horz" lIns="91440" tIns="45720" rIns="91440" bIns="45720" rtlCol="0">
+            <a:normAutofit/>
+          </a:bodyPr>
+          <a:lstStyle>
+            <a:lvl1pPr marL="228600" indent="-228600" algn="l" defTabSz="914400" rtl="0" eaLnBrk="1" latinLnBrk="0" hangingPunct="1">
+              <a:lnSpc>
+                <a:spcPct val="90000"/>
+              </a:lnSpc>
+              <a:spcBef>
+                <a:spcPts val="1000"/>
+              </a:spcBef>
+              <a:buFont typeface="Arial" panose="020B0604020202020204" pitchFamily="34" charset="0"/>
+              <a:buChar char="•"/>
+              <a:defRPr sz="2800" kern="1200">
+                <a:solidFill>
+                  <a:schemeClr val="tx1"/>
+                </a:solidFill>
+                <a:latin typeface="+mn-lt"/>
+                <a:ea typeface="+mn-ea"/>
+                <a:cs typeface="+mn-cs"/>
+              </a:defRPr>
+            </a:lvl1pPr>
+            <a:lvl2pPr marL="685800" indent="-228600" algn="l" defTabSz="914400" rtl="0" eaLnBrk="1" latinLnBrk="0" hangingPunct="1">
+              <a:lnSpc>
+                <a:spcPct val="90000"/>
+              </a:lnSpc>
+              <a:spcBef>
+                <a:spcPts val="500"/>
+              </a:spcBef>
+              <a:buFont typeface="Arial" panose="020B0604020202020204" pitchFamily="34" charset="0"/>
+              <a:buChar char="•"/>
+              <a:defRPr sz="2400" kern="1200">
+                <a:solidFill>
+                  <a:schemeClr val="tx1"/>
+                </a:solidFill>
+                <a:latin typeface="+mn-lt"/>
+                <a:ea typeface="+mn-ea"/>
+                <a:cs typeface="+mn-cs"/>
+              </a:defRPr>
+            </a:lvl2pPr>
+            <a:lvl3pPr marL="1143000" indent="-228600" algn="l" defTabSz="914400" rtl="0" eaLnBrk="1" latinLnBrk="0" hangingPunct="1">
+              <a:lnSpc>
+                <a:spcPct val="90000"/>
+              </a:lnSpc>
+              <a:spcBef>
+                <a:spcPts val="500"/>
+              </a:spcBef>
+              <a:buFont typeface="Arial" panose="020B0604020202020204" pitchFamily="34" charset="0"/>
+              <a:buChar char="•"/>
+              <a:defRPr sz="2000" kern="1200">
+                <a:solidFill>
+                  <a:schemeClr val="tx1"/>
+                </a:solidFill>
+                <a:latin typeface="+mn-lt"/>
+                <a:ea typeface="+mn-ea"/>
+                <a:cs typeface="+mn-cs"/>
+              </a:defRPr>
+            </a:lvl3pPr>
+            <a:lvl4pPr marL="1600200" indent="-228600" algn="l" defTabSz="914400" rtl="0" eaLnBrk="1" latinLnBrk="0" hangingPunct="1">
+              <a:lnSpc>
+                <a:spcPct val="90000"/>
+              </a:lnSpc>
+              <a:spcBef>
+                <a:spcPts val="500"/>
+              </a:spcBef>
+              <a:buFont typeface="Arial" panose="020B0604020202020204" pitchFamily="34" charset="0"/>
+              <a:buChar char="•"/>
+              <a:defRPr sz="1800" kern="1200">
+                <a:solidFill>
+                  <a:schemeClr val="tx1"/>
+                </a:solidFill>
+                <a:latin typeface="+mn-lt"/>
+                <a:ea typeface="+mn-ea"/>
+                <a:cs typeface="+mn-cs"/>
+              </a:defRPr>
+            </a:lvl4pPr>
+            <a:lvl5pPr marL="2057400" indent="-228600" algn="l" defTabSz="914400" rtl="0" eaLnBrk="1" latinLnBrk="0" hangingPunct="1">
+              <a:lnSpc>
+                <a:spcPct val="90000"/>
+              </a:lnSpc>
+              <a:spcBef>
+                <a:spcPts val="500"/>
+              </a:spcBef>
+              <a:buFont typeface="Arial" panose="020B0604020202020204" pitchFamily="34" charset="0"/>
+              <a:buChar char="•"/>
+              <a:defRPr sz="1800" kern="1200">
+                <a:solidFill>
+                  <a:schemeClr val="tx1"/>
+                </a:solidFill>
+                <a:latin typeface="+mn-lt"/>
+                <a:ea typeface="+mn-ea"/>
+                <a:cs typeface="+mn-cs"/>
+              </a:defRPr>
+            </a:lvl5pPr>
+            <a:lvl6pPr marL="2514600" indent="-228600" algn="l" defTabSz="914400" rtl="0" eaLnBrk="1" latinLnBrk="0" hangingPunct="1">
+              <a:lnSpc>
+                <a:spcPct val="90000"/>
+              </a:lnSpc>
+              <a:spcBef>
+                <a:spcPts val="500"/>
+              </a:spcBef>
+              <a:buFont typeface="Arial" panose="020B0604020202020204" pitchFamily="34" charset="0"/>
+              <a:buChar char="•"/>
+              <a:defRPr sz="1800" kern="1200">
+                <a:solidFill>
+                  <a:schemeClr val="tx1"/>
+                </a:solidFill>
+                <a:latin typeface="+mn-lt"/>
+                <a:ea typeface="+mn-ea"/>
+                <a:cs typeface="+mn-cs"/>
+              </a:defRPr>
+            </a:lvl6pPr>
+            <a:lvl7pPr marL="2971800" indent="-228600" algn="l" defTabSz="914400" rtl="0" eaLnBrk="1" latinLnBrk="0" hangingPunct="1">
+              <a:lnSpc>
+                <a:spcPct val="90000"/>
+              </a:lnSpc>
+              <a:spcBef>
+                <a:spcPts val="500"/>
+              </a:spcBef>
+              <a:buFont typeface="Arial" panose="020B0604020202020204" pitchFamily="34" charset="0"/>
+              <a:buChar char="•"/>
+              <a:defRPr sz="1800" kern="1200">
+                <a:solidFill>
+                  <a:schemeClr val="tx1"/>
+                </a:solidFill>
+                <a:latin typeface="+mn-lt"/>
+                <a:ea typeface="+mn-ea"/>
+                <a:cs typeface="+mn-cs"/>
+              </a:defRPr>
+            </a:lvl7pPr>
+            <a:lvl8pPr marL="3429000" indent="-228600" algn="l" defTabSz="914400" rtl="0" eaLnBrk="1" latinLnBrk="0" hangingPunct="1">
+              <a:lnSpc>
+                <a:spcPct val="90000"/>
+              </a:lnSpc>
+              <a:spcBef>
+                <a:spcPts val="500"/>
+              </a:spcBef>
+              <a:buFont typeface="Arial" panose="020B0604020202020204" pitchFamily="34" charset="0"/>
+              <a:buChar char="•"/>
+              <a:defRPr sz="1800" kern="1200">
+                <a:solidFill>
+                  <a:schemeClr val="tx1"/>
+                </a:solidFill>
+                <a:latin typeface="+mn-lt"/>
+                <a:ea typeface="+mn-ea"/>
+                <a:cs typeface="+mn-cs"/>
+              </a:defRPr>
+            </a:lvl8pPr>
+            <a:lvl9pPr marL="3886200" indent="-228600" algn="l" defTabSz="914400" rtl="0" eaLnBrk="1" latinLnBrk="0" hangingPunct="1">
+              <a:lnSpc>
+                <a:spcPct val="90000"/>
+              </a:lnSpc>
+              <a:spcBef>
+                <a:spcPts val="500"/>
+              </a:spcBef>
+              <a:buFont typeface="Arial" panose="020B0604020202020204" pitchFamily="34" charset="0"/>
+              <a:buChar char="•"/>
+              <a:defRPr sz="1800" kern="1200">
+                <a:solidFill>
+                  <a:schemeClr val="tx1"/>
+                </a:solidFill>
+                <a:latin typeface="+mn-lt"/>
+                <a:ea typeface="+mn-ea"/>
+                <a:cs typeface="+mn-cs"/>
+              </a:defRPr>
+            </a:lvl9pPr>
+          </a:lstStyle>
+          <a:p>
+            <a:pPr marL="0" indent="0" algn="ctr">
+              <a:buFont typeface="Arial" panose="020B0604020202020204" pitchFamily="34" charset="0"/>
+              <a:buNone/>
+            </a:pPr>
+            <a:r>
+              <a:rPr lang="pl-PL" sz="2000" dirty="0">
+                <a:latin typeface="Arial" panose="020B0604020202020204" pitchFamily="34" charset="0"/>
+                <a:cs typeface="Arial" panose="020B0604020202020204" pitchFamily="34" charset="0"/>
+              </a:rPr>
+              <a:t>3</a:t>
+            </a:r>
+            <a:endParaRPr lang="pl-PL" sz="1800" dirty="0">
+              <a:latin typeface="Arial" panose="020B0604020202020204" pitchFamily="34" charset="0"/>
+              <a:cs typeface="Arial" panose="020B0604020202020204" pitchFamily="34" charset="0"/>
+            </a:endParaRPr>
+          </a:p>
+        </p:txBody>
+      </p:sp>
+      <p:pic>
+        <p:nvPicPr>
+          <p:cNvPr id="22" name="Obraz 21">
+            <a:extLst>
+              <a:ext uri="{FF2B5EF4-FFF2-40B4-BE49-F238E27FC236}">
+                <a16:creationId xmlns:a16="http://schemas.microsoft.com/office/drawing/2014/main" id="{FEE9E55E-7EC3-4B65-970D-0441DFBCA3D8}"/>
+              </a:ext>
+            </a:extLst>
+          </p:cNvPr>
+          <p:cNvPicPr>
+            <a:picLocks noChangeAspect="1"/>
+          </p:cNvPicPr>
+          <p:nvPr/>
+        </p:nvPicPr>
+        <p:blipFill>
+          <a:blip r:embed="rId2">
+            <a:extLst>
+              <a:ext uri="{28A0092B-C50C-407E-A947-70E740481C1C}">
+                <a14:useLocalDpi xmlns:a14="http://schemas.microsoft.com/office/drawing/2010/main" val="0"/>
+              </a:ext>
+            </a:extLst>
+          </a:blip>
+          <a:stretch>
+            <a:fillRect/>
+          </a:stretch>
+        </p:blipFill>
+        <p:spPr>
+          <a:xfrm>
+            <a:off x="3099707" y="2197545"/>
+            <a:ext cx="5992585" cy="4063406"/>
+          </a:xfrm>
+          <a:prstGeom prst="rect">
+            <a:avLst/>
+          </a:prstGeom>
+        </p:spPr>
+      </p:pic>
+    </p:spTree>
+    <p:extLst>
+      <p:ext uri="{BB962C8B-B14F-4D97-AF65-F5344CB8AC3E}">
+        <p14:creationId xmlns:p14="http://schemas.microsoft.com/office/powerpoint/2010/main" val="2745133864"/>
+      </p:ext>
+    </p:extLst>
+  </p:cSld>
+  <p:clrMapOvr>
+    <a:masterClrMapping/>
+  </p:clrMapOvr>
+</p:sld>
+</file>
+
+<file path=ppt/slides/slide5.xml><?xml version="1.0" encoding="utf-8"?>
+<p:sld xmlns:a="http://schemas.openxmlformats.org/drawingml/2006/main" xmlns:r="http://schemas.openxmlformats.org/officeDocument/2006/relationships" xmlns:p="http://schemas.openxmlformats.org/presentationml/2006/main">
+  <p:cSld>
+    <p:bg>
+      <p:bgPr>
+        <a:solidFill>
+          <a:srgbClr val="EFEDEF"/>
+        </a:solidFill>
+        <a:effectLst/>
+      </p:bgPr>
+    </p:bg>
+    <p:spTree>
+      <p:nvGrpSpPr>
+        <p:cNvPr id="1" name=""/>
+        <p:cNvGrpSpPr/>
+        <p:nvPr/>
+      </p:nvGrpSpPr>
+      <p:grpSpPr>
+        <a:xfrm>
+          <a:off x="0" y="0"/>
+          <a:ext cx="0" cy="0"/>
+          <a:chOff x="0" y="0"/>
+          <a:chExt cx="0" cy="0"/>
+        </a:xfrm>
+      </p:grpSpPr>
+      <p:sp>
+        <p:nvSpPr>
+          <p:cNvPr id="11" name="Tytuł 10">
+            <a:extLst>
+              <a:ext uri="{FF2B5EF4-FFF2-40B4-BE49-F238E27FC236}">
+                <a16:creationId xmlns:a16="http://schemas.microsoft.com/office/drawing/2014/main" id="{E6572A4F-AEE0-4C43-A19A-0A4EFDB11758}"/>
+              </a:ext>
+            </a:extLst>
+          </p:cNvPr>
+          <p:cNvSpPr>
+            <a:spLocks noGrp="1"/>
+          </p:cNvSpPr>
+          <p:nvPr>
+            <p:ph type="title"/>
+          </p:nvPr>
+        </p:nvSpPr>
+        <p:spPr>
+          <a:xfrm>
+            <a:off x="0" y="180001"/>
+            <a:ext cx="12192000" cy="758980"/>
+          </a:xfrm>
+        </p:spPr>
+        <p:txBody>
+          <a:bodyPr>
+            <a:normAutofit/>
+          </a:bodyPr>
+          <a:lstStyle/>
+          <a:p>
+            <a:pPr marL="1080000"/>
+            <a:r>
+              <a:rPr lang="pl-PL" sz="4000" dirty="0">
+                <a:solidFill>
+                  <a:srgbClr val="002060"/>
+                </a:solidFill>
+                <a:latin typeface="Arial" panose="020B0604020202020204" pitchFamily="34" charset="0"/>
+                <a:cs typeface="Arial" panose="020B0604020202020204" pitchFamily="34" charset="0"/>
+              </a:rPr>
+              <a:t>Dziedzina i forma studiów</a:t>
+            </a:r>
+          </a:p>
+        </p:txBody>
+      </p:sp>
+      <p:sp>
+        <p:nvSpPr>
+          <p:cNvPr id="13" name="Symbol zastępczy zawartości 12">
+            <a:extLst>
+              <a:ext uri="{FF2B5EF4-FFF2-40B4-BE49-F238E27FC236}">
+                <a16:creationId xmlns:a16="http://schemas.microsoft.com/office/drawing/2014/main" id="{DA401464-8C74-4E2C-AA34-162A596EE429}"/>
+              </a:ext>
+            </a:extLst>
+          </p:cNvPr>
+          <p:cNvSpPr>
+            <a:spLocks noGrp="1"/>
+          </p:cNvSpPr>
+          <p:nvPr>
+            <p:ph idx="1"/>
+          </p:nvPr>
+        </p:nvSpPr>
+        <p:spPr>
+          <a:xfrm>
+            <a:off x="0" y="1237130"/>
+            <a:ext cx="11112000" cy="4528970"/>
+          </a:xfrm>
+        </p:spPr>
+        <p:txBody>
+          <a:bodyPr>
+            <a:normAutofit/>
+          </a:bodyPr>
+          <a:lstStyle/>
+          <a:p>
+            <a:pPr marL="1080000" indent="0" algn="just">
+              <a:buNone/>
+            </a:pPr>
+            <a:r>
+              <a:rPr lang="pl-PL" sz="2300">
+                <a:latin typeface="Arial" panose="020B0604020202020204" pitchFamily="34" charset="0"/>
+                <a:cs typeface="Arial" panose="020B0604020202020204" pitchFamily="34" charset="0"/>
+              </a:rPr>
+              <a:t>	Ponad</a:t>
+            </a:r>
+            <a:endParaRPr lang="pl-PL" sz="2300" dirty="0">
+              <a:solidFill>
+                <a:schemeClr val="accent4"/>
+              </a:solidFill>
+              <a:latin typeface="Arial" panose="020B0604020202020204" pitchFamily="34" charset="0"/>
+              <a:cs typeface="Arial" panose="020B0604020202020204" pitchFamily="34" charset="0"/>
+            </a:endParaRPr>
+          </a:p>
+        </p:txBody>
+      </p:sp>
+      <p:sp>
+        <p:nvSpPr>
+          <p:cNvPr id="7" name="Symbol zastępczy zawartości 12">
+            <a:extLst>
+              <a:ext uri="{FF2B5EF4-FFF2-40B4-BE49-F238E27FC236}">
+                <a16:creationId xmlns:a16="http://schemas.microsoft.com/office/drawing/2014/main" id="{28670177-31EF-45B8-9694-7BE806BE5EC0}"/>
+              </a:ext>
+            </a:extLst>
+          </p:cNvPr>
+          <p:cNvSpPr txBox="1">
+            <a:spLocks/>
+          </p:cNvSpPr>
+          <p:nvPr/>
+        </p:nvSpPr>
+        <p:spPr>
+          <a:xfrm>
+            <a:off x="0" y="6260951"/>
+            <a:ext cx="12192000" cy="417047"/>
+          </a:xfrm>
+          <a:prstGeom prst="rect">
+            <a:avLst/>
+          </a:prstGeom>
+        </p:spPr>
+        <p:txBody>
+          <a:bodyPr vert="horz" lIns="91440" tIns="45720" rIns="91440" bIns="45720" rtlCol="0">
+            <a:normAutofit/>
+          </a:bodyPr>
+          <a:lstStyle>
+            <a:lvl1pPr marL="228600" indent="-228600" algn="l" defTabSz="914400" rtl="0" eaLnBrk="1" latinLnBrk="0" hangingPunct="1">
+              <a:lnSpc>
+                <a:spcPct val="90000"/>
+              </a:lnSpc>
+              <a:spcBef>
+                <a:spcPts val="1000"/>
+              </a:spcBef>
+              <a:buFont typeface="Arial" panose="020B0604020202020204" pitchFamily="34" charset="0"/>
+              <a:buChar char="•"/>
+              <a:defRPr sz="2800" kern="1200">
+                <a:solidFill>
+                  <a:schemeClr val="tx1"/>
+                </a:solidFill>
+                <a:latin typeface="+mn-lt"/>
+                <a:ea typeface="+mn-ea"/>
+                <a:cs typeface="+mn-cs"/>
+              </a:defRPr>
+            </a:lvl1pPr>
+            <a:lvl2pPr marL="685800" indent="-228600" algn="l" defTabSz="914400" rtl="0" eaLnBrk="1" latinLnBrk="0" hangingPunct="1">
+              <a:lnSpc>
+                <a:spcPct val="90000"/>
+              </a:lnSpc>
+              <a:spcBef>
+                <a:spcPts val="500"/>
+              </a:spcBef>
+              <a:buFont typeface="Arial" panose="020B0604020202020204" pitchFamily="34" charset="0"/>
+              <a:buChar char="•"/>
+              <a:defRPr sz="2400" kern="1200">
+                <a:solidFill>
+                  <a:schemeClr val="tx1"/>
+                </a:solidFill>
+                <a:latin typeface="+mn-lt"/>
+                <a:ea typeface="+mn-ea"/>
+                <a:cs typeface="+mn-cs"/>
+              </a:defRPr>
+            </a:lvl2pPr>
+            <a:lvl3pPr marL="1143000" indent="-228600" algn="l" defTabSz="914400" rtl="0" eaLnBrk="1" latinLnBrk="0" hangingPunct="1">
+              <a:lnSpc>
+                <a:spcPct val="90000"/>
+              </a:lnSpc>
+              <a:spcBef>
+                <a:spcPts val="500"/>
+              </a:spcBef>
+              <a:buFont typeface="Arial" panose="020B0604020202020204" pitchFamily="34" charset="0"/>
+              <a:buChar char="•"/>
+              <a:defRPr sz="2000" kern="1200">
+                <a:solidFill>
+                  <a:schemeClr val="tx1"/>
+                </a:solidFill>
+                <a:latin typeface="+mn-lt"/>
+                <a:ea typeface="+mn-ea"/>
+                <a:cs typeface="+mn-cs"/>
+              </a:defRPr>
+            </a:lvl3pPr>
+            <a:lvl4pPr marL="1600200" indent="-228600" algn="l" defTabSz="914400" rtl="0" eaLnBrk="1" latinLnBrk="0" hangingPunct="1">
+              <a:lnSpc>
+                <a:spcPct val="90000"/>
+              </a:lnSpc>
+              <a:spcBef>
+                <a:spcPts val="500"/>
+              </a:spcBef>
+              <a:buFont typeface="Arial" panose="020B0604020202020204" pitchFamily="34" charset="0"/>
+              <a:buChar char="•"/>
+              <a:defRPr sz="1800" kern="1200">
+                <a:solidFill>
+                  <a:schemeClr val="tx1"/>
+                </a:solidFill>
+                <a:latin typeface="+mn-lt"/>
+                <a:ea typeface="+mn-ea"/>
+                <a:cs typeface="+mn-cs"/>
+              </a:defRPr>
+            </a:lvl4pPr>
+            <a:lvl5pPr marL="2057400" indent="-228600" algn="l" defTabSz="914400" rtl="0" eaLnBrk="1" latinLnBrk="0" hangingPunct="1">
+              <a:lnSpc>
+                <a:spcPct val="90000"/>
+              </a:lnSpc>
+              <a:spcBef>
+                <a:spcPts val="500"/>
+              </a:spcBef>
+              <a:buFont typeface="Arial" panose="020B0604020202020204" pitchFamily="34" charset="0"/>
+              <a:buChar char="•"/>
+              <a:defRPr sz="1800" kern="1200">
+                <a:solidFill>
+                  <a:schemeClr val="tx1"/>
+                </a:solidFill>
+                <a:latin typeface="+mn-lt"/>
+                <a:ea typeface="+mn-ea"/>
+                <a:cs typeface="+mn-cs"/>
+              </a:defRPr>
+            </a:lvl5pPr>
+            <a:lvl6pPr marL="2514600" indent="-228600" algn="l" defTabSz="914400" rtl="0" eaLnBrk="1" latinLnBrk="0" hangingPunct="1">
+              <a:lnSpc>
+                <a:spcPct val="90000"/>
+              </a:lnSpc>
+              <a:spcBef>
+                <a:spcPts val="500"/>
+              </a:spcBef>
+              <a:buFont typeface="Arial" panose="020B0604020202020204" pitchFamily="34" charset="0"/>
+              <a:buChar char="•"/>
+              <a:defRPr sz="1800" kern="1200">
+                <a:solidFill>
+                  <a:schemeClr val="tx1"/>
+                </a:solidFill>
+                <a:latin typeface="+mn-lt"/>
+                <a:ea typeface="+mn-ea"/>
+                <a:cs typeface="+mn-cs"/>
+              </a:defRPr>
+            </a:lvl6pPr>
+            <a:lvl7pPr marL="2971800" indent="-228600" algn="l" defTabSz="914400" rtl="0" eaLnBrk="1" latinLnBrk="0" hangingPunct="1">
+              <a:lnSpc>
+                <a:spcPct val="90000"/>
+              </a:lnSpc>
+              <a:spcBef>
+                <a:spcPts val="500"/>
+              </a:spcBef>
+              <a:buFont typeface="Arial" panose="020B0604020202020204" pitchFamily="34" charset="0"/>
+              <a:buChar char="•"/>
+              <a:defRPr sz="1800" kern="1200">
+                <a:solidFill>
+                  <a:schemeClr val="tx1"/>
+                </a:solidFill>
+                <a:latin typeface="+mn-lt"/>
+                <a:ea typeface="+mn-ea"/>
+                <a:cs typeface="+mn-cs"/>
+              </a:defRPr>
+            </a:lvl7pPr>
+            <a:lvl8pPr marL="3429000" indent="-228600" algn="l" defTabSz="914400" rtl="0" eaLnBrk="1" latinLnBrk="0" hangingPunct="1">
+              <a:lnSpc>
+                <a:spcPct val="90000"/>
+              </a:lnSpc>
+              <a:spcBef>
+                <a:spcPts val="500"/>
+              </a:spcBef>
+              <a:buFont typeface="Arial" panose="020B0604020202020204" pitchFamily="34" charset="0"/>
+              <a:buChar char="•"/>
+              <a:defRPr sz="1800" kern="1200">
+                <a:solidFill>
+                  <a:schemeClr val="tx1"/>
+                </a:solidFill>
+                <a:latin typeface="+mn-lt"/>
+                <a:ea typeface="+mn-ea"/>
+                <a:cs typeface="+mn-cs"/>
+              </a:defRPr>
+            </a:lvl8pPr>
+            <a:lvl9pPr marL="3886200" indent="-228600" algn="l" defTabSz="914400" rtl="0" eaLnBrk="1" latinLnBrk="0" hangingPunct="1">
+              <a:lnSpc>
+                <a:spcPct val="90000"/>
+              </a:lnSpc>
+              <a:spcBef>
+                <a:spcPts val="500"/>
+              </a:spcBef>
+              <a:buFont typeface="Arial" panose="020B0604020202020204" pitchFamily="34" charset="0"/>
+              <a:buChar char="•"/>
+              <a:defRPr sz="1800" kern="1200">
+                <a:solidFill>
+                  <a:schemeClr val="tx1"/>
+                </a:solidFill>
+                <a:latin typeface="+mn-lt"/>
+                <a:ea typeface="+mn-ea"/>
+                <a:cs typeface="+mn-cs"/>
+              </a:defRPr>
+            </a:lvl9pPr>
+          </a:lstStyle>
+          <a:p>
+            <a:pPr marL="0" indent="0" algn="ctr">
+              <a:buFont typeface="Arial" panose="020B0604020202020204" pitchFamily="34" charset="0"/>
+              <a:buNone/>
+            </a:pPr>
+            <a:r>
+              <a:rPr lang="pl-PL" sz="2000" dirty="0">
+                <a:latin typeface="Arial" panose="020B0604020202020204" pitchFamily="34" charset="0"/>
+                <a:cs typeface="Arial" panose="020B0604020202020204" pitchFamily="34" charset="0"/>
+              </a:rPr>
+              <a:t>4</a:t>
+            </a:r>
+            <a:endParaRPr lang="pl-PL" sz="1800" dirty="0">
+              <a:latin typeface="Arial" panose="020B0604020202020204" pitchFamily="34" charset="0"/>
+              <a:cs typeface="Arial" panose="020B0604020202020204" pitchFamily="34" charset="0"/>
+            </a:endParaRPr>
+          </a:p>
+        </p:txBody>
+      </p:sp>
+    </p:spTree>
+    <p:extLst>
+      <p:ext uri="{BB962C8B-B14F-4D97-AF65-F5344CB8AC3E}">
+        <p14:creationId xmlns:p14="http://schemas.microsoft.com/office/powerpoint/2010/main" val="3294513519"/>
+      </p:ext>
+    </p:extLst>
+  </p:cSld>
+  <p:clrMapOvr>
+    <a:masterClrMapping/>
+  </p:clrMapOvr>
+</p:sld>
+</file>
+
+<file path=ppt/slides/slide6.xml><?xml version="1.0" encoding="utf-8"?>
+<p:sld xmlns:a="http://schemas.openxmlformats.org/drawingml/2006/main" xmlns:r="http://schemas.openxmlformats.org/officeDocument/2006/relationships" xmlns:p="http://schemas.openxmlformats.org/presentationml/2006/main">
+  <p:cSld>
+    <p:bg>
+      <p:bgPr>
+        <a:solidFill>
+          <a:srgbClr val="EFEDEF"/>
+        </a:solidFill>
+        <a:effectLst/>
+      </p:bgPr>
+    </p:bg>
+    <p:spTree>
+      <p:nvGrpSpPr>
+        <p:cNvPr id="1" name=""/>
+        <p:cNvGrpSpPr/>
+        <p:nvPr/>
+      </p:nvGrpSpPr>
+      <p:grpSpPr>
+        <a:xfrm>
+          <a:off x="0" y="0"/>
+          <a:ext cx="0" cy="0"/>
+          <a:chOff x="0" y="0"/>
+          <a:chExt cx="0" cy="0"/>
+        </a:xfrm>
+      </p:grpSpPr>
+      <p:sp>
+        <p:nvSpPr>
+          <p:cNvPr id="11" name="Tytuł 10">
+            <a:extLst>
+              <a:ext uri="{FF2B5EF4-FFF2-40B4-BE49-F238E27FC236}">
+                <a16:creationId xmlns:a16="http://schemas.microsoft.com/office/drawing/2014/main" id="{E6572A4F-AEE0-4C43-A19A-0A4EFDB11758}"/>
+              </a:ext>
+            </a:extLst>
+          </p:cNvPr>
+          <p:cNvSpPr>
+            <a:spLocks noGrp="1"/>
+          </p:cNvSpPr>
+          <p:nvPr>
+            <p:ph type="title"/>
+          </p:nvPr>
+        </p:nvSpPr>
+        <p:spPr>
+          <a:xfrm>
+            <a:off x="0" y="180001"/>
+            <a:ext cx="12192000" cy="758980"/>
+          </a:xfrm>
+        </p:spPr>
+        <p:txBody>
+          <a:bodyPr>
+            <a:normAutofit/>
+          </a:bodyPr>
+          <a:lstStyle/>
+          <a:p>
+            <a:pPr marL="1080000"/>
+            <a:r>
+              <a:rPr lang="pl-PL" sz="4000" dirty="0">
+                <a:solidFill>
+                  <a:srgbClr val="002060"/>
+                </a:solidFill>
+                <a:latin typeface="Arial" panose="020B0604020202020204" pitchFamily="34" charset="0"/>
+                <a:cs typeface="Arial" panose="020B0604020202020204" pitchFamily="34" charset="0"/>
+              </a:rPr>
+              <a:t>Dziedzina i forma studiów</a:t>
+            </a:r>
+          </a:p>
+        </p:txBody>
+      </p:sp>
+      <p:sp>
+        <p:nvSpPr>
+          <p:cNvPr id="13" name="Symbol zastępczy zawartości 12">
+            <a:extLst>
+              <a:ext uri="{FF2B5EF4-FFF2-40B4-BE49-F238E27FC236}">
+                <a16:creationId xmlns:a16="http://schemas.microsoft.com/office/drawing/2014/main" id="{DA401464-8C74-4E2C-AA34-162A596EE429}"/>
+              </a:ext>
+            </a:extLst>
+          </p:cNvPr>
+          <p:cNvSpPr>
+            <a:spLocks noGrp="1"/>
+          </p:cNvSpPr>
+          <p:nvPr>
+            <p:ph idx="1"/>
+          </p:nvPr>
+        </p:nvSpPr>
+        <p:spPr>
+          <a:xfrm>
+            <a:off x="0" y="1237130"/>
+            <a:ext cx="11112000" cy="4528970"/>
+          </a:xfrm>
+        </p:spPr>
+        <p:txBody>
+          <a:bodyPr>
+            <a:normAutofit/>
+          </a:bodyPr>
+          <a:lstStyle/>
+          <a:p>
+            <a:pPr marL="1080000" indent="0" algn="just">
+              <a:buNone/>
+            </a:pPr>
+            <a:r>
+              <a:rPr lang="pl-PL" sz="2300" dirty="0">
+                <a:latin typeface="Arial" panose="020B0604020202020204" pitchFamily="34" charset="0"/>
+                <a:cs typeface="Arial" panose="020B0604020202020204" pitchFamily="34" charset="0"/>
+              </a:rPr>
+              <a:t>	Ponad połowa absolwentów studiów społecznych ukończyła studia </a:t>
+            </a:r>
+            <a:br>
+              <a:rPr lang="pl-PL" sz="2300" dirty="0">
+                <a:latin typeface="Arial" panose="020B0604020202020204" pitchFamily="34" charset="0"/>
+                <a:cs typeface="Arial" panose="020B0604020202020204" pitchFamily="34" charset="0"/>
+              </a:rPr>
+            </a:br>
+            <a:r>
+              <a:rPr lang="pl-PL" sz="2300" dirty="0">
+                <a:latin typeface="Arial" panose="020B0604020202020204" pitchFamily="34" charset="0"/>
+                <a:cs typeface="Arial" panose="020B0604020202020204" pitchFamily="34" charset="0"/>
+              </a:rPr>
+              <a:t>w formie niestacjonarnej i są głównymi przedstawicielami tej grupy. Znacząca większość absolwentów pozostałych kierunków uzyskała dyplom w formie stacjonarnej.</a:t>
+            </a:r>
+            <a:endParaRPr lang="pl-PL" sz="2300" dirty="0">
+              <a:solidFill>
+                <a:schemeClr val="accent4"/>
+              </a:solidFill>
+              <a:latin typeface="Arial" panose="020B0604020202020204" pitchFamily="34" charset="0"/>
+              <a:cs typeface="Arial" panose="020B0604020202020204" pitchFamily="34" charset="0"/>
+            </a:endParaRPr>
+          </a:p>
+        </p:txBody>
+      </p:sp>
+      <p:sp>
+        <p:nvSpPr>
+          <p:cNvPr id="7" name="Symbol zastępczy zawartości 12">
+            <a:extLst>
+              <a:ext uri="{FF2B5EF4-FFF2-40B4-BE49-F238E27FC236}">
+                <a16:creationId xmlns:a16="http://schemas.microsoft.com/office/drawing/2014/main" id="{28670177-31EF-45B8-9694-7BE806BE5EC0}"/>
+              </a:ext>
+            </a:extLst>
+          </p:cNvPr>
+          <p:cNvSpPr txBox="1">
+            <a:spLocks/>
+          </p:cNvSpPr>
+          <p:nvPr/>
+        </p:nvSpPr>
+        <p:spPr>
+          <a:xfrm>
+            <a:off x="0" y="6260951"/>
+            <a:ext cx="12192000" cy="417047"/>
+          </a:xfrm>
+          <a:prstGeom prst="rect">
+            <a:avLst/>
+          </a:prstGeom>
+        </p:spPr>
+        <p:txBody>
+          <a:bodyPr vert="horz" lIns="91440" tIns="45720" rIns="91440" bIns="45720" rtlCol="0">
+            <a:normAutofit/>
+          </a:bodyPr>
+          <a:lstStyle>
+            <a:lvl1pPr marL="228600" indent="-228600" algn="l" defTabSz="914400" rtl="0" eaLnBrk="1" latinLnBrk="0" hangingPunct="1">
+              <a:lnSpc>
+                <a:spcPct val="90000"/>
+              </a:lnSpc>
+              <a:spcBef>
+                <a:spcPts val="1000"/>
+              </a:spcBef>
+              <a:buFont typeface="Arial" panose="020B0604020202020204" pitchFamily="34" charset="0"/>
+              <a:buChar char="•"/>
+              <a:defRPr sz="2800" kern="1200">
+                <a:solidFill>
+                  <a:schemeClr val="tx1"/>
+                </a:solidFill>
+                <a:latin typeface="+mn-lt"/>
+                <a:ea typeface="+mn-ea"/>
+                <a:cs typeface="+mn-cs"/>
+              </a:defRPr>
+            </a:lvl1pPr>
+            <a:lvl2pPr marL="685800" indent="-228600" algn="l" defTabSz="914400" rtl="0" eaLnBrk="1" latinLnBrk="0" hangingPunct="1">
+              <a:lnSpc>
+                <a:spcPct val="90000"/>
+              </a:lnSpc>
+              <a:spcBef>
+                <a:spcPts val="500"/>
+              </a:spcBef>
+              <a:buFont typeface="Arial" panose="020B0604020202020204" pitchFamily="34" charset="0"/>
+              <a:buChar char="•"/>
+              <a:defRPr sz="2400" kern="1200">
+                <a:solidFill>
+                  <a:schemeClr val="tx1"/>
+                </a:solidFill>
+                <a:latin typeface="+mn-lt"/>
+                <a:ea typeface="+mn-ea"/>
+                <a:cs typeface="+mn-cs"/>
+              </a:defRPr>
+            </a:lvl2pPr>
+            <a:lvl3pPr marL="1143000" indent="-228600" algn="l" defTabSz="914400" rtl="0" eaLnBrk="1" latinLnBrk="0" hangingPunct="1">
+              <a:lnSpc>
+                <a:spcPct val="90000"/>
+              </a:lnSpc>
+              <a:spcBef>
+                <a:spcPts val="500"/>
+              </a:spcBef>
+              <a:buFont typeface="Arial" panose="020B0604020202020204" pitchFamily="34" charset="0"/>
+              <a:buChar char="•"/>
+              <a:defRPr sz="2000" kern="1200">
+                <a:solidFill>
+                  <a:schemeClr val="tx1"/>
+                </a:solidFill>
+                <a:latin typeface="+mn-lt"/>
+                <a:ea typeface="+mn-ea"/>
+                <a:cs typeface="+mn-cs"/>
+              </a:defRPr>
+            </a:lvl3pPr>
+            <a:lvl4pPr marL="1600200" indent="-228600" algn="l" defTabSz="914400" rtl="0" eaLnBrk="1" latinLnBrk="0" hangingPunct="1">
+              <a:lnSpc>
+                <a:spcPct val="90000"/>
+              </a:lnSpc>
+              <a:spcBef>
+                <a:spcPts val="500"/>
+              </a:spcBef>
+              <a:buFont typeface="Arial" panose="020B0604020202020204" pitchFamily="34" charset="0"/>
+              <a:buChar char="•"/>
+              <a:defRPr sz="1800" kern="1200">
+                <a:solidFill>
+                  <a:schemeClr val="tx1"/>
+                </a:solidFill>
+                <a:latin typeface="+mn-lt"/>
+                <a:ea typeface="+mn-ea"/>
+                <a:cs typeface="+mn-cs"/>
+              </a:defRPr>
+            </a:lvl4pPr>
+            <a:lvl5pPr marL="2057400" indent="-228600" algn="l" defTabSz="914400" rtl="0" eaLnBrk="1" latinLnBrk="0" hangingPunct="1">
+              <a:lnSpc>
+                <a:spcPct val="90000"/>
+              </a:lnSpc>
+              <a:spcBef>
+                <a:spcPts val="500"/>
+              </a:spcBef>
+              <a:buFont typeface="Arial" panose="020B0604020202020204" pitchFamily="34" charset="0"/>
+              <a:buChar char="•"/>
+              <a:defRPr sz="1800" kern="1200">
+                <a:solidFill>
+                  <a:schemeClr val="tx1"/>
+                </a:solidFill>
+                <a:latin typeface="+mn-lt"/>
+                <a:ea typeface="+mn-ea"/>
+                <a:cs typeface="+mn-cs"/>
+              </a:defRPr>
+            </a:lvl5pPr>
+            <a:lvl6pPr marL="2514600" indent="-228600" algn="l" defTabSz="914400" rtl="0" eaLnBrk="1" latinLnBrk="0" hangingPunct="1">
+              <a:lnSpc>
+                <a:spcPct val="90000"/>
+              </a:lnSpc>
+              <a:spcBef>
+                <a:spcPts val="500"/>
+              </a:spcBef>
+              <a:buFont typeface="Arial" panose="020B0604020202020204" pitchFamily="34" charset="0"/>
+              <a:buChar char="•"/>
+              <a:defRPr sz="1800" kern="1200">
+                <a:solidFill>
+                  <a:schemeClr val="tx1"/>
+                </a:solidFill>
+                <a:latin typeface="+mn-lt"/>
+                <a:ea typeface="+mn-ea"/>
+                <a:cs typeface="+mn-cs"/>
+              </a:defRPr>
+            </a:lvl6pPr>
+            <a:lvl7pPr marL="2971800" indent="-228600" algn="l" defTabSz="914400" rtl="0" eaLnBrk="1" latinLnBrk="0" hangingPunct="1">
+              <a:lnSpc>
+                <a:spcPct val="90000"/>
+              </a:lnSpc>
+              <a:spcBef>
+                <a:spcPts val="500"/>
+              </a:spcBef>
+              <a:buFont typeface="Arial" panose="020B0604020202020204" pitchFamily="34" charset="0"/>
+              <a:buChar char="•"/>
+              <a:defRPr sz="1800" kern="1200">
+                <a:solidFill>
+                  <a:schemeClr val="tx1"/>
+                </a:solidFill>
+                <a:latin typeface="+mn-lt"/>
+                <a:ea typeface="+mn-ea"/>
+                <a:cs typeface="+mn-cs"/>
+              </a:defRPr>
+            </a:lvl7pPr>
+            <a:lvl8pPr marL="3429000" indent="-228600" algn="l" defTabSz="914400" rtl="0" eaLnBrk="1" latinLnBrk="0" hangingPunct="1">
+              <a:lnSpc>
+                <a:spcPct val="90000"/>
+              </a:lnSpc>
+              <a:spcBef>
+                <a:spcPts val="500"/>
+              </a:spcBef>
+              <a:buFont typeface="Arial" panose="020B0604020202020204" pitchFamily="34" charset="0"/>
+              <a:buChar char="•"/>
+              <a:defRPr sz="1800" kern="1200">
+                <a:solidFill>
+                  <a:schemeClr val="tx1"/>
+                </a:solidFill>
+                <a:latin typeface="+mn-lt"/>
+                <a:ea typeface="+mn-ea"/>
+                <a:cs typeface="+mn-cs"/>
+              </a:defRPr>
+            </a:lvl8pPr>
+            <a:lvl9pPr marL="3886200" indent="-228600" algn="l" defTabSz="914400" rtl="0" eaLnBrk="1" latinLnBrk="0" hangingPunct="1">
+              <a:lnSpc>
+                <a:spcPct val="90000"/>
+              </a:lnSpc>
+              <a:spcBef>
+                <a:spcPts val="500"/>
+              </a:spcBef>
+              <a:buFont typeface="Arial" panose="020B0604020202020204" pitchFamily="34" charset="0"/>
+              <a:buChar char="•"/>
+              <a:defRPr sz="1800" kern="1200">
+                <a:solidFill>
+                  <a:schemeClr val="tx1"/>
+                </a:solidFill>
+                <a:latin typeface="+mn-lt"/>
+                <a:ea typeface="+mn-ea"/>
+                <a:cs typeface="+mn-cs"/>
+              </a:defRPr>
+            </a:lvl9pPr>
+          </a:lstStyle>
+          <a:p>
+            <a:pPr marL="0" indent="0" algn="ctr">
+              <a:buFont typeface="Arial" panose="020B0604020202020204" pitchFamily="34" charset="0"/>
+              <a:buNone/>
+            </a:pPr>
+            <a:r>
+              <a:rPr lang="pl-PL" sz="2000" dirty="0">
+                <a:latin typeface="Arial" panose="020B0604020202020204" pitchFamily="34" charset="0"/>
+                <a:cs typeface="Arial" panose="020B0604020202020204" pitchFamily="34" charset="0"/>
+              </a:rPr>
+              <a:t>4</a:t>
+            </a:r>
+            <a:endParaRPr lang="pl-PL" sz="1800" dirty="0">
+              <a:latin typeface="Arial" panose="020B0604020202020204" pitchFamily="34" charset="0"/>
+              <a:cs typeface="Arial" panose="020B0604020202020204" pitchFamily="34" charset="0"/>
+            </a:endParaRPr>
+          </a:p>
+        </p:txBody>
+      </p:sp>
+      <p:pic>
+        <p:nvPicPr>
+          <p:cNvPr id="3" name="Obraz 2">
+            <a:extLst>
+              <a:ext uri="{FF2B5EF4-FFF2-40B4-BE49-F238E27FC236}">
+                <a16:creationId xmlns:a16="http://schemas.microsoft.com/office/drawing/2014/main" id="{4A880175-DDDC-43E9-9346-BE2C32465220}"/>
+              </a:ext>
+            </a:extLst>
+          </p:cNvPr>
+          <p:cNvPicPr>
+            <a:picLocks noChangeAspect="1"/>
+          </p:cNvPicPr>
+          <p:nvPr/>
+        </p:nvPicPr>
+        <p:blipFill>
+          <a:blip r:embed="rId2">
+            <a:extLst>
+              <a:ext uri="{28A0092B-C50C-407E-A947-70E740481C1C}">
+                <a14:useLocalDpi xmlns:a14="http://schemas.microsoft.com/office/drawing/2010/main" val="0"/>
+              </a:ext>
+            </a:extLst>
+          </a:blip>
+          <a:stretch>
+            <a:fillRect/>
+          </a:stretch>
+        </p:blipFill>
+        <p:spPr>
+          <a:xfrm>
+            <a:off x="1080000" y="2648498"/>
+            <a:ext cx="10032000" cy="3721197"/>
+          </a:xfrm>
+          <a:prstGeom prst="rect">
+            <a:avLst/>
+          </a:prstGeom>
+        </p:spPr>
+      </p:pic>
+    </p:spTree>
+    <p:extLst>
+      <p:ext uri="{BB962C8B-B14F-4D97-AF65-F5344CB8AC3E}">
+        <p14:creationId xmlns:p14="http://schemas.microsoft.com/office/powerpoint/2010/main" val="2478496760"/>
+      </p:ext>
+    </p:extLst>
+  </p:cSld>
+  <p:clrMapOvr>
+    <a:masterClrMapping/>
+  </p:clrMapOvr>
+</p:sld>
+</file>
+
+<file path=ppt/slides/slide7.xml><?xml version="1.0" encoding="utf-8"?>
 <p:sld xmlns:a="http://schemas.openxmlformats.org/drawingml/2006/main" xmlns:r="http://schemas.openxmlformats.org/officeDocument/2006/relationships" xmlns:p="http://schemas.openxmlformats.org/presentationml/2006/main">
   <p:cSld>
     <p:spTree>

--- a/casestudy.pptx
+++ b/casestudy.pptx
@@ -5,16 +5,20 @@
     <p:sldMasterId id="2147483672" r:id="rId1"/>
   </p:sldMasterIdLst>
   <p:notesMasterIdLst>
-    <p:notesMasterId r:id="rId9"/>
+    <p:notesMasterId r:id="rId13"/>
   </p:notesMasterIdLst>
   <p:sldIdLst>
     <p:sldId id="256" r:id="rId2"/>
     <p:sldId id="258" r:id="rId3"/>
     <p:sldId id="259" r:id="rId4"/>
     <p:sldId id="260" r:id="rId5"/>
-    <p:sldId id="261" r:id="rId6"/>
-    <p:sldId id="262" r:id="rId7"/>
-    <p:sldId id="257" r:id="rId8"/>
+    <p:sldId id="262" r:id="rId6"/>
+    <p:sldId id="261" r:id="rId7"/>
+    <p:sldId id="263" r:id="rId8"/>
+    <p:sldId id="266" r:id="rId9"/>
+    <p:sldId id="264" r:id="rId10"/>
+    <p:sldId id="265" r:id="rId11"/>
+    <p:sldId id="257" r:id="rId12"/>
   </p:sldIdLst>
   <p:sldSz cx="12192000" cy="6858000"/>
   <p:notesSz cx="6858000" cy="9144000"/>
@@ -3473,6 +3477,424 @@
 </p:sld>
 </file>
 
+<file path=ppt/slides/slide10.xml><?xml version="1.0" encoding="utf-8"?>
+<p:sld xmlns:a="http://schemas.openxmlformats.org/drawingml/2006/main" xmlns:r="http://schemas.openxmlformats.org/officeDocument/2006/relationships" xmlns:p="http://schemas.openxmlformats.org/presentationml/2006/main">
+  <p:cSld>
+    <p:bg>
+      <p:bgPr>
+        <a:solidFill>
+          <a:srgbClr val="EFEDEF"/>
+        </a:solidFill>
+        <a:effectLst/>
+      </p:bgPr>
+    </p:bg>
+    <p:spTree>
+      <p:nvGrpSpPr>
+        <p:cNvPr id="1" name=""/>
+        <p:cNvGrpSpPr/>
+        <p:nvPr/>
+      </p:nvGrpSpPr>
+      <p:grpSpPr>
+        <a:xfrm>
+          <a:off x="0" y="0"/>
+          <a:ext cx="0" cy="0"/>
+          <a:chOff x="0" y="0"/>
+          <a:chExt cx="0" cy="0"/>
+        </a:xfrm>
+      </p:grpSpPr>
+      <p:sp>
+        <p:nvSpPr>
+          <p:cNvPr id="11" name="Tytuł 10">
+            <a:extLst>
+              <a:ext uri="{FF2B5EF4-FFF2-40B4-BE49-F238E27FC236}">
+                <a16:creationId xmlns:a16="http://schemas.microsoft.com/office/drawing/2014/main" id="{E6572A4F-AEE0-4C43-A19A-0A4EFDB11758}"/>
+              </a:ext>
+            </a:extLst>
+          </p:cNvPr>
+          <p:cNvSpPr>
+            <a:spLocks noGrp="1"/>
+          </p:cNvSpPr>
+          <p:nvPr>
+            <p:ph type="title"/>
+          </p:nvPr>
+        </p:nvSpPr>
+        <p:spPr>
+          <a:xfrm>
+            <a:off x="0" y="180001"/>
+            <a:ext cx="12192000" cy="758980"/>
+          </a:xfrm>
+        </p:spPr>
+        <p:txBody>
+          <a:bodyPr>
+            <a:normAutofit/>
+          </a:bodyPr>
+          <a:lstStyle/>
+          <a:p>
+            <a:pPr marL="1080000"/>
+            <a:r>
+              <a:rPr lang="pl-PL" sz="4000" dirty="0">
+                <a:solidFill>
+                  <a:srgbClr val="002060"/>
+                </a:solidFill>
+                <a:latin typeface="Arial" panose="020B0604020202020204" pitchFamily="34" charset="0"/>
+                <a:cs typeface="Arial" panose="020B0604020202020204" pitchFamily="34" charset="0"/>
+              </a:rPr>
+              <a:t>Podsumowanie</a:t>
+            </a:r>
+          </a:p>
+        </p:txBody>
+      </p:sp>
+      <p:sp>
+        <p:nvSpPr>
+          <p:cNvPr id="13" name="Symbol zastępczy zawartości 12">
+            <a:extLst>
+              <a:ext uri="{FF2B5EF4-FFF2-40B4-BE49-F238E27FC236}">
+                <a16:creationId xmlns:a16="http://schemas.microsoft.com/office/drawing/2014/main" id="{DA401464-8C74-4E2C-AA34-162A596EE429}"/>
+              </a:ext>
+            </a:extLst>
+          </p:cNvPr>
+          <p:cNvSpPr>
+            <a:spLocks noGrp="1"/>
+          </p:cNvSpPr>
+          <p:nvPr>
+            <p:ph idx="1"/>
+          </p:nvPr>
+        </p:nvSpPr>
+        <p:spPr>
+          <a:xfrm>
+            <a:off x="0" y="1237130"/>
+            <a:ext cx="11112000" cy="4528970"/>
+          </a:xfrm>
+        </p:spPr>
+        <p:txBody>
+          <a:bodyPr>
+            <a:normAutofit/>
+          </a:bodyPr>
+          <a:lstStyle/>
+          <a:p>
+            <a:pPr marL="1080000" indent="0" algn="just">
+              <a:buNone/>
+            </a:pPr>
+            <a:r>
+              <a:rPr lang="pl-PL" sz="2300" dirty="0" err="1">
+                <a:latin typeface="Arial" panose="020B0604020202020204" pitchFamily="34" charset="0"/>
+                <a:cs typeface="Arial" panose="020B0604020202020204" pitchFamily="34" charset="0"/>
+              </a:rPr>
+              <a:t>podus</a:t>
+            </a:r>
+            <a:endParaRPr lang="pl-PL" sz="2300" dirty="0">
+              <a:solidFill>
+                <a:schemeClr val="accent4"/>
+              </a:solidFill>
+              <a:latin typeface="Arial" panose="020B0604020202020204" pitchFamily="34" charset="0"/>
+              <a:cs typeface="Arial" panose="020B0604020202020204" pitchFamily="34" charset="0"/>
+            </a:endParaRPr>
+          </a:p>
+        </p:txBody>
+      </p:sp>
+      <p:sp>
+        <p:nvSpPr>
+          <p:cNvPr id="7" name="Symbol zastępczy zawartości 12">
+            <a:extLst>
+              <a:ext uri="{FF2B5EF4-FFF2-40B4-BE49-F238E27FC236}">
+                <a16:creationId xmlns:a16="http://schemas.microsoft.com/office/drawing/2014/main" id="{28670177-31EF-45B8-9694-7BE806BE5EC0}"/>
+              </a:ext>
+            </a:extLst>
+          </p:cNvPr>
+          <p:cNvSpPr txBox="1">
+            <a:spLocks/>
+          </p:cNvSpPr>
+          <p:nvPr/>
+        </p:nvSpPr>
+        <p:spPr>
+          <a:xfrm>
+            <a:off x="0" y="6260951"/>
+            <a:ext cx="12192000" cy="417047"/>
+          </a:xfrm>
+          <a:prstGeom prst="rect">
+            <a:avLst/>
+          </a:prstGeom>
+        </p:spPr>
+        <p:txBody>
+          <a:bodyPr vert="horz" lIns="91440" tIns="45720" rIns="91440" bIns="45720" rtlCol="0">
+            <a:normAutofit/>
+          </a:bodyPr>
+          <a:lstStyle>
+            <a:lvl1pPr marL="228600" indent="-228600" algn="l" defTabSz="914400" rtl="0" eaLnBrk="1" latinLnBrk="0" hangingPunct="1">
+              <a:lnSpc>
+                <a:spcPct val="90000"/>
+              </a:lnSpc>
+              <a:spcBef>
+                <a:spcPts val="1000"/>
+              </a:spcBef>
+              <a:buFont typeface="Arial" panose="020B0604020202020204" pitchFamily="34" charset="0"/>
+              <a:buChar char="•"/>
+              <a:defRPr sz="2800" kern="1200">
+                <a:solidFill>
+                  <a:schemeClr val="tx1"/>
+                </a:solidFill>
+                <a:latin typeface="+mn-lt"/>
+                <a:ea typeface="+mn-ea"/>
+                <a:cs typeface="+mn-cs"/>
+              </a:defRPr>
+            </a:lvl1pPr>
+            <a:lvl2pPr marL="685800" indent="-228600" algn="l" defTabSz="914400" rtl="0" eaLnBrk="1" latinLnBrk="0" hangingPunct="1">
+              <a:lnSpc>
+                <a:spcPct val="90000"/>
+              </a:lnSpc>
+              <a:spcBef>
+                <a:spcPts val="500"/>
+              </a:spcBef>
+              <a:buFont typeface="Arial" panose="020B0604020202020204" pitchFamily="34" charset="0"/>
+              <a:buChar char="•"/>
+              <a:defRPr sz="2400" kern="1200">
+                <a:solidFill>
+                  <a:schemeClr val="tx1"/>
+                </a:solidFill>
+                <a:latin typeface="+mn-lt"/>
+                <a:ea typeface="+mn-ea"/>
+                <a:cs typeface="+mn-cs"/>
+              </a:defRPr>
+            </a:lvl2pPr>
+            <a:lvl3pPr marL="1143000" indent="-228600" algn="l" defTabSz="914400" rtl="0" eaLnBrk="1" latinLnBrk="0" hangingPunct="1">
+              <a:lnSpc>
+                <a:spcPct val="90000"/>
+              </a:lnSpc>
+              <a:spcBef>
+                <a:spcPts val="500"/>
+              </a:spcBef>
+              <a:buFont typeface="Arial" panose="020B0604020202020204" pitchFamily="34" charset="0"/>
+              <a:buChar char="•"/>
+              <a:defRPr sz="2000" kern="1200">
+                <a:solidFill>
+                  <a:schemeClr val="tx1"/>
+                </a:solidFill>
+                <a:latin typeface="+mn-lt"/>
+                <a:ea typeface="+mn-ea"/>
+                <a:cs typeface="+mn-cs"/>
+              </a:defRPr>
+            </a:lvl3pPr>
+            <a:lvl4pPr marL="1600200" indent="-228600" algn="l" defTabSz="914400" rtl="0" eaLnBrk="1" latinLnBrk="0" hangingPunct="1">
+              <a:lnSpc>
+                <a:spcPct val="90000"/>
+              </a:lnSpc>
+              <a:spcBef>
+                <a:spcPts val="500"/>
+              </a:spcBef>
+              <a:buFont typeface="Arial" panose="020B0604020202020204" pitchFamily="34" charset="0"/>
+              <a:buChar char="•"/>
+              <a:defRPr sz="1800" kern="1200">
+                <a:solidFill>
+                  <a:schemeClr val="tx1"/>
+                </a:solidFill>
+                <a:latin typeface="+mn-lt"/>
+                <a:ea typeface="+mn-ea"/>
+                <a:cs typeface="+mn-cs"/>
+              </a:defRPr>
+            </a:lvl4pPr>
+            <a:lvl5pPr marL="2057400" indent="-228600" algn="l" defTabSz="914400" rtl="0" eaLnBrk="1" latinLnBrk="0" hangingPunct="1">
+              <a:lnSpc>
+                <a:spcPct val="90000"/>
+              </a:lnSpc>
+              <a:spcBef>
+                <a:spcPts val="500"/>
+              </a:spcBef>
+              <a:buFont typeface="Arial" panose="020B0604020202020204" pitchFamily="34" charset="0"/>
+              <a:buChar char="•"/>
+              <a:defRPr sz="1800" kern="1200">
+                <a:solidFill>
+                  <a:schemeClr val="tx1"/>
+                </a:solidFill>
+                <a:latin typeface="+mn-lt"/>
+                <a:ea typeface="+mn-ea"/>
+                <a:cs typeface="+mn-cs"/>
+              </a:defRPr>
+            </a:lvl5pPr>
+            <a:lvl6pPr marL="2514600" indent="-228600" algn="l" defTabSz="914400" rtl="0" eaLnBrk="1" latinLnBrk="0" hangingPunct="1">
+              <a:lnSpc>
+                <a:spcPct val="90000"/>
+              </a:lnSpc>
+              <a:spcBef>
+                <a:spcPts val="500"/>
+              </a:spcBef>
+              <a:buFont typeface="Arial" panose="020B0604020202020204" pitchFamily="34" charset="0"/>
+              <a:buChar char="•"/>
+              <a:defRPr sz="1800" kern="1200">
+                <a:solidFill>
+                  <a:schemeClr val="tx1"/>
+                </a:solidFill>
+                <a:latin typeface="+mn-lt"/>
+                <a:ea typeface="+mn-ea"/>
+                <a:cs typeface="+mn-cs"/>
+              </a:defRPr>
+            </a:lvl6pPr>
+            <a:lvl7pPr marL="2971800" indent="-228600" algn="l" defTabSz="914400" rtl="0" eaLnBrk="1" latinLnBrk="0" hangingPunct="1">
+              <a:lnSpc>
+                <a:spcPct val="90000"/>
+              </a:lnSpc>
+              <a:spcBef>
+                <a:spcPts val="500"/>
+              </a:spcBef>
+              <a:buFont typeface="Arial" panose="020B0604020202020204" pitchFamily="34" charset="0"/>
+              <a:buChar char="•"/>
+              <a:defRPr sz="1800" kern="1200">
+                <a:solidFill>
+                  <a:schemeClr val="tx1"/>
+                </a:solidFill>
+                <a:latin typeface="+mn-lt"/>
+                <a:ea typeface="+mn-ea"/>
+                <a:cs typeface="+mn-cs"/>
+              </a:defRPr>
+            </a:lvl7pPr>
+            <a:lvl8pPr marL="3429000" indent="-228600" algn="l" defTabSz="914400" rtl="0" eaLnBrk="1" latinLnBrk="0" hangingPunct="1">
+              <a:lnSpc>
+                <a:spcPct val="90000"/>
+              </a:lnSpc>
+              <a:spcBef>
+                <a:spcPts val="500"/>
+              </a:spcBef>
+              <a:buFont typeface="Arial" panose="020B0604020202020204" pitchFamily="34" charset="0"/>
+              <a:buChar char="•"/>
+              <a:defRPr sz="1800" kern="1200">
+                <a:solidFill>
+                  <a:schemeClr val="tx1"/>
+                </a:solidFill>
+                <a:latin typeface="+mn-lt"/>
+                <a:ea typeface="+mn-ea"/>
+                <a:cs typeface="+mn-cs"/>
+              </a:defRPr>
+            </a:lvl8pPr>
+            <a:lvl9pPr marL="3886200" indent="-228600" algn="l" defTabSz="914400" rtl="0" eaLnBrk="1" latinLnBrk="0" hangingPunct="1">
+              <a:lnSpc>
+                <a:spcPct val="90000"/>
+              </a:lnSpc>
+              <a:spcBef>
+                <a:spcPts val="500"/>
+              </a:spcBef>
+              <a:buFont typeface="Arial" panose="020B0604020202020204" pitchFamily="34" charset="0"/>
+              <a:buChar char="•"/>
+              <a:defRPr sz="1800" kern="1200">
+                <a:solidFill>
+                  <a:schemeClr val="tx1"/>
+                </a:solidFill>
+                <a:latin typeface="+mn-lt"/>
+                <a:ea typeface="+mn-ea"/>
+                <a:cs typeface="+mn-cs"/>
+              </a:defRPr>
+            </a:lvl9pPr>
+          </a:lstStyle>
+          <a:p>
+            <a:pPr marL="0" indent="0" algn="ctr">
+              <a:buFont typeface="Arial" panose="020B0604020202020204" pitchFamily="34" charset="0"/>
+              <a:buNone/>
+            </a:pPr>
+            <a:r>
+              <a:rPr lang="pl-PL" sz="2000" dirty="0">
+                <a:latin typeface="Arial" panose="020B0604020202020204" pitchFamily="34" charset="0"/>
+                <a:cs typeface="Arial" panose="020B0604020202020204" pitchFamily="34" charset="0"/>
+              </a:rPr>
+              <a:t>4</a:t>
+            </a:r>
+            <a:endParaRPr lang="pl-PL" sz="1800" dirty="0">
+              <a:latin typeface="Arial" panose="020B0604020202020204" pitchFamily="34" charset="0"/>
+              <a:cs typeface="Arial" panose="020B0604020202020204" pitchFamily="34" charset="0"/>
+            </a:endParaRPr>
+          </a:p>
+        </p:txBody>
+      </p:sp>
+    </p:spTree>
+    <p:extLst>
+      <p:ext uri="{BB962C8B-B14F-4D97-AF65-F5344CB8AC3E}">
+        <p14:creationId xmlns:p14="http://schemas.microsoft.com/office/powerpoint/2010/main" val="531703356"/>
+      </p:ext>
+    </p:extLst>
+  </p:cSld>
+  <p:clrMapOvr>
+    <a:masterClrMapping/>
+  </p:clrMapOvr>
+</p:sld>
+</file>
+
+<file path=ppt/slides/slide11.xml><?xml version="1.0" encoding="utf-8"?>
+<p:sld xmlns:a="http://schemas.openxmlformats.org/drawingml/2006/main" xmlns:r="http://schemas.openxmlformats.org/officeDocument/2006/relationships" xmlns:p="http://schemas.openxmlformats.org/presentationml/2006/main">
+  <p:cSld>
+    <p:spTree>
+      <p:nvGrpSpPr>
+        <p:cNvPr id="1" name=""/>
+        <p:cNvGrpSpPr/>
+        <p:nvPr/>
+      </p:nvGrpSpPr>
+      <p:grpSpPr>
+        <a:xfrm>
+          <a:off x="0" y="0"/>
+          <a:ext cx="0" cy="0"/>
+          <a:chOff x="0" y="0"/>
+          <a:chExt cx="0" cy="0"/>
+        </a:xfrm>
+      </p:grpSpPr>
+      <p:sp>
+        <p:nvSpPr>
+          <p:cNvPr id="2" name="Tytuł 1">
+            <a:extLst>
+              <a:ext uri="{FF2B5EF4-FFF2-40B4-BE49-F238E27FC236}">
+                <a16:creationId xmlns:a16="http://schemas.microsoft.com/office/drawing/2014/main" id="{6ABB9CF2-4DE2-42C6-BEC8-4D75F45A853E}"/>
+              </a:ext>
+            </a:extLst>
+          </p:cNvPr>
+          <p:cNvSpPr>
+            <a:spLocks noGrp="1"/>
+          </p:cNvSpPr>
+          <p:nvPr>
+            <p:ph type="title"/>
+          </p:nvPr>
+        </p:nvSpPr>
+        <p:spPr/>
+        <p:txBody>
+          <a:bodyPr/>
+          <a:lstStyle/>
+          <a:p>
+            <a:endParaRPr lang="pl-PL"/>
+          </a:p>
+        </p:txBody>
+      </p:sp>
+      <p:sp>
+        <p:nvSpPr>
+          <p:cNvPr id="3" name="Symbol zastępczy zawartości 2">
+            <a:extLst>
+              <a:ext uri="{FF2B5EF4-FFF2-40B4-BE49-F238E27FC236}">
+                <a16:creationId xmlns:a16="http://schemas.microsoft.com/office/drawing/2014/main" id="{4CAEBF3F-D911-45DE-B52C-66AD055007EE}"/>
+              </a:ext>
+            </a:extLst>
+          </p:cNvPr>
+          <p:cNvSpPr>
+            <a:spLocks noGrp="1"/>
+          </p:cNvSpPr>
+          <p:nvPr>
+            <p:ph idx="1"/>
+          </p:nvPr>
+        </p:nvSpPr>
+        <p:spPr/>
+        <p:txBody>
+          <a:bodyPr/>
+          <a:lstStyle/>
+          <a:p>
+            <a:endParaRPr lang="pl-PL"/>
+          </a:p>
+        </p:txBody>
+      </p:sp>
+    </p:spTree>
+    <p:extLst>
+      <p:ext uri="{BB962C8B-B14F-4D97-AF65-F5344CB8AC3E}">
+        <p14:creationId xmlns:p14="http://schemas.microsoft.com/office/powerpoint/2010/main" val="3294463735"/>
+      </p:ext>
+    </p:extLst>
+  </p:cSld>
+  <p:clrMapOvr>
+    <a:masterClrMapping/>
+  </p:clrMapOvr>
+</p:sld>
+</file>
+
 <file path=ppt/slides/slide2.xml><?xml version="1.0" encoding="utf-8"?>
 <p:sld xmlns:a="http://schemas.openxmlformats.org/drawingml/2006/main" xmlns:r="http://schemas.openxmlformats.org/officeDocument/2006/relationships" xmlns:p="http://schemas.openxmlformats.org/presentationml/2006/main">
   <p:cSld>
@@ -3576,7 +3998,33 @@
                 <a:latin typeface="Arial" panose="020B0604020202020204" pitchFamily="34" charset="0"/>
                 <a:cs typeface="Arial" panose="020B0604020202020204" pitchFamily="34" charset="0"/>
               </a:rPr>
-              <a:t>	Przeprowadzone badanie ma na celu ukazać jak kształtują się zarobki absolwentów studiów magisterskich polskich uczelni pięć lat na pozyskaniu dyplomu. Dostępne dane pozwalają na przeprowadzenie analizy bazując na absolwentach lat 2014 i 2015.</a:t>
+              <a:t>	Badanie to ma na celu ukazać jak kształtują się zarobki absolwentów studiów magisterskich polskich uczelni, pięć lat </a:t>
+            </a:r>
+            <a:br>
+              <a:rPr lang="pl-PL" sz="2400" dirty="0">
+                <a:latin typeface="Arial" panose="020B0604020202020204" pitchFamily="34" charset="0"/>
+                <a:cs typeface="Arial" panose="020B0604020202020204" pitchFamily="34" charset="0"/>
+              </a:rPr>
+            </a:br>
+            <a:r>
+              <a:rPr lang="pl-PL" sz="2400" dirty="0">
+                <a:latin typeface="Arial" panose="020B0604020202020204" pitchFamily="34" charset="0"/>
+                <a:cs typeface="Arial" panose="020B0604020202020204" pitchFamily="34" charset="0"/>
+              </a:rPr>
+              <a:t>od uzyskaniu dyplomu. Dostępne dane pozwalają na przeprowadzenie analizy bazując na danych o absolwentach lat 2014 i 2015. </a:t>
+            </a:r>
+            <a:br>
+              <a:rPr lang="pl-PL" sz="2400" dirty="0">
+                <a:latin typeface="Arial" panose="020B0604020202020204" pitchFamily="34" charset="0"/>
+                <a:cs typeface="Arial" panose="020B0604020202020204" pitchFamily="34" charset="0"/>
+              </a:rPr>
+            </a:br>
+            <a:r>
+              <a:rPr lang="pl-PL" sz="2400" dirty="0">
+                <a:latin typeface="Arial" panose="020B0604020202020204" pitchFamily="34" charset="0"/>
+                <a:cs typeface="Arial" panose="020B0604020202020204" pitchFamily="34" charset="0"/>
+              </a:rPr>
+              <a:t>Za reprezentację zarobków poszczególnych kierunków przyjęto średnie mediany wynagrodzeń kierunków, których liczności wynosiła co najmniej 30 absolwentów. Uzyskana w ten sposób grupa przedstawia zarobki absolwentów łącznie 2459 kierunków.</a:t>
             </a:r>
           </a:p>
           <a:p>
@@ -3622,6 +4070,13 @@
             <a:pPr marL="1080000" indent="0" algn="just">
               <a:buNone/>
             </a:pPr>
+            <a:r>
+              <a:rPr lang="pl-PL" sz="2400" dirty="0">
+                <a:latin typeface="Arial" panose="020B0604020202020204" pitchFamily="34" charset="0"/>
+                <a:cs typeface="Arial" panose="020B0604020202020204" pitchFamily="34" charset="0"/>
+              </a:rPr>
+              <a:t>2459 badanych kierunków</a:t>
+            </a:r>
             <a:endParaRPr lang="pl-PL" sz="2400" dirty="0">
               <a:solidFill>
                 <a:schemeClr val="accent4"/>
@@ -4721,344 +5176,6 @@
               <a:buNone/>
             </a:pPr>
             <a:r>
-              <a:rPr lang="pl-PL" sz="2300">
-                <a:latin typeface="Arial" panose="020B0604020202020204" pitchFamily="34" charset="0"/>
-                <a:cs typeface="Arial" panose="020B0604020202020204" pitchFamily="34" charset="0"/>
-              </a:rPr>
-              <a:t>	Ponad</a:t>
-            </a:r>
-            <a:endParaRPr lang="pl-PL" sz="2300" dirty="0">
-              <a:solidFill>
-                <a:schemeClr val="accent4"/>
-              </a:solidFill>
-              <a:latin typeface="Arial" panose="020B0604020202020204" pitchFamily="34" charset="0"/>
-              <a:cs typeface="Arial" panose="020B0604020202020204" pitchFamily="34" charset="0"/>
-            </a:endParaRPr>
-          </a:p>
-        </p:txBody>
-      </p:sp>
-      <p:sp>
-        <p:nvSpPr>
-          <p:cNvPr id="7" name="Symbol zastępczy zawartości 12">
-            <a:extLst>
-              <a:ext uri="{FF2B5EF4-FFF2-40B4-BE49-F238E27FC236}">
-                <a16:creationId xmlns:a16="http://schemas.microsoft.com/office/drawing/2014/main" id="{28670177-31EF-45B8-9694-7BE806BE5EC0}"/>
-              </a:ext>
-            </a:extLst>
-          </p:cNvPr>
-          <p:cNvSpPr txBox="1">
-            <a:spLocks/>
-          </p:cNvSpPr>
-          <p:nvPr/>
-        </p:nvSpPr>
-        <p:spPr>
-          <a:xfrm>
-            <a:off x="0" y="6260951"/>
-            <a:ext cx="12192000" cy="417047"/>
-          </a:xfrm>
-          <a:prstGeom prst="rect">
-            <a:avLst/>
-          </a:prstGeom>
-        </p:spPr>
-        <p:txBody>
-          <a:bodyPr vert="horz" lIns="91440" tIns="45720" rIns="91440" bIns="45720" rtlCol="0">
-            <a:normAutofit/>
-          </a:bodyPr>
-          <a:lstStyle>
-            <a:lvl1pPr marL="228600" indent="-228600" algn="l" defTabSz="914400" rtl="0" eaLnBrk="1" latinLnBrk="0" hangingPunct="1">
-              <a:lnSpc>
-                <a:spcPct val="90000"/>
-              </a:lnSpc>
-              <a:spcBef>
-                <a:spcPts val="1000"/>
-              </a:spcBef>
-              <a:buFont typeface="Arial" panose="020B0604020202020204" pitchFamily="34" charset="0"/>
-              <a:buChar char="•"/>
-              <a:defRPr sz="2800" kern="1200">
-                <a:solidFill>
-                  <a:schemeClr val="tx1"/>
-                </a:solidFill>
-                <a:latin typeface="+mn-lt"/>
-                <a:ea typeface="+mn-ea"/>
-                <a:cs typeface="+mn-cs"/>
-              </a:defRPr>
-            </a:lvl1pPr>
-            <a:lvl2pPr marL="685800" indent="-228600" algn="l" defTabSz="914400" rtl="0" eaLnBrk="1" latinLnBrk="0" hangingPunct="1">
-              <a:lnSpc>
-                <a:spcPct val="90000"/>
-              </a:lnSpc>
-              <a:spcBef>
-                <a:spcPts val="500"/>
-              </a:spcBef>
-              <a:buFont typeface="Arial" panose="020B0604020202020204" pitchFamily="34" charset="0"/>
-              <a:buChar char="•"/>
-              <a:defRPr sz="2400" kern="1200">
-                <a:solidFill>
-                  <a:schemeClr val="tx1"/>
-                </a:solidFill>
-                <a:latin typeface="+mn-lt"/>
-                <a:ea typeface="+mn-ea"/>
-                <a:cs typeface="+mn-cs"/>
-              </a:defRPr>
-            </a:lvl2pPr>
-            <a:lvl3pPr marL="1143000" indent="-228600" algn="l" defTabSz="914400" rtl="0" eaLnBrk="1" latinLnBrk="0" hangingPunct="1">
-              <a:lnSpc>
-                <a:spcPct val="90000"/>
-              </a:lnSpc>
-              <a:spcBef>
-                <a:spcPts val="500"/>
-              </a:spcBef>
-              <a:buFont typeface="Arial" panose="020B0604020202020204" pitchFamily="34" charset="0"/>
-              <a:buChar char="•"/>
-              <a:defRPr sz="2000" kern="1200">
-                <a:solidFill>
-                  <a:schemeClr val="tx1"/>
-                </a:solidFill>
-                <a:latin typeface="+mn-lt"/>
-                <a:ea typeface="+mn-ea"/>
-                <a:cs typeface="+mn-cs"/>
-              </a:defRPr>
-            </a:lvl3pPr>
-            <a:lvl4pPr marL="1600200" indent="-228600" algn="l" defTabSz="914400" rtl="0" eaLnBrk="1" latinLnBrk="0" hangingPunct="1">
-              <a:lnSpc>
-                <a:spcPct val="90000"/>
-              </a:lnSpc>
-              <a:spcBef>
-                <a:spcPts val="500"/>
-              </a:spcBef>
-              <a:buFont typeface="Arial" panose="020B0604020202020204" pitchFamily="34" charset="0"/>
-              <a:buChar char="•"/>
-              <a:defRPr sz="1800" kern="1200">
-                <a:solidFill>
-                  <a:schemeClr val="tx1"/>
-                </a:solidFill>
-                <a:latin typeface="+mn-lt"/>
-                <a:ea typeface="+mn-ea"/>
-                <a:cs typeface="+mn-cs"/>
-              </a:defRPr>
-            </a:lvl4pPr>
-            <a:lvl5pPr marL="2057400" indent="-228600" algn="l" defTabSz="914400" rtl="0" eaLnBrk="1" latinLnBrk="0" hangingPunct="1">
-              <a:lnSpc>
-                <a:spcPct val="90000"/>
-              </a:lnSpc>
-              <a:spcBef>
-                <a:spcPts val="500"/>
-              </a:spcBef>
-              <a:buFont typeface="Arial" panose="020B0604020202020204" pitchFamily="34" charset="0"/>
-              <a:buChar char="•"/>
-              <a:defRPr sz="1800" kern="1200">
-                <a:solidFill>
-                  <a:schemeClr val="tx1"/>
-                </a:solidFill>
-                <a:latin typeface="+mn-lt"/>
-                <a:ea typeface="+mn-ea"/>
-                <a:cs typeface="+mn-cs"/>
-              </a:defRPr>
-            </a:lvl5pPr>
-            <a:lvl6pPr marL="2514600" indent="-228600" algn="l" defTabSz="914400" rtl="0" eaLnBrk="1" latinLnBrk="0" hangingPunct="1">
-              <a:lnSpc>
-                <a:spcPct val="90000"/>
-              </a:lnSpc>
-              <a:spcBef>
-                <a:spcPts val="500"/>
-              </a:spcBef>
-              <a:buFont typeface="Arial" panose="020B0604020202020204" pitchFamily="34" charset="0"/>
-              <a:buChar char="•"/>
-              <a:defRPr sz="1800" kern="1200">
-                <a:solidFill>
-                  <a:schemeClr val="tx1"/>
-                </a:solidFill>
-                <a:latin typeface="+mn-lt"/>
-                <a:ea typeface="+mn-ea"/>
-                <a:cs typeface="+mn-cs"/>
-              </a:defRPr>
-            </a:lvl6pPr>
-            <a:lvl7pPr marL="2971800" indent="-228600" algn="l" defTabSz="914400" rtl="0" eaLnBrk="1" latinLnBrk="0" hangingPunct="1">
-              <a:lnSpc>
-                <a:spcPct val="90000"/>
-              </a:lnSpc>
-              <a:spcBef>
-                <a:spcPts val="500"/>
-              </a:spcBef>
-              <a:buFont typeface="Arial" panose="020B0604020202020204" pitchFamily="34" charset="0"/>
-              <a:buChar char="•"/>
-              <a:defRPr sz="1800" kern="1200">
-                <a:solidFill>
-                  <a:schemeClr val="tx1"/>
-                </a:solidFill>
-                <a:latin typeface="+mn-lt"/>
-                <a:ea typeface="+mn-ea"/>
-                <a:cs typeface="+mn-cs"/>
-              </a:defRPr>
-            </a:lvl7pPr>
-            <a:lvl8pPr marL="3429000" indent="-228600" algn="l" defTabSz="914400" rtl="0" eaLnBrk="1" latinLnBrk="0" hangingPunct="1">
-              <a:lnSpc>
-                <a:spcPct val="90000"/>
-              </a:lnSpc>
-              <a:spcBef>
-                <a:spcPts val="500"/>
-              </a:spcBef>
-              <a:buFont typeface="Arial" panose="020B0604020202020204" pitchFamily="34" charset="0"/>
-              <a:buChar char="•"/>
-              <a:defRPr sz="1800" kern="1200">
-                <a:solidFill>
-                  <a:schemeClr val="tx1"/>
-                </a:solidFill>
-                <a:latin typeface="+mn-lt"/>
-                <a:ea typeface="+mn-ea"/>
-                <a:cs typeface="+mn-cs"/>
-              </a:defRPr>
-            </a:lvl8pPr>
-            <a:lvl9pPr marL="3886200" indent="-228600" algn="l" defTabSz="914400" rtl="0" eaLnBrk="1" latinLnBrk="0" hangingPunct="1">
-              <a:lnSpc>
-                <a:spcPct val="90000"/>
-              </a:lnSpc>
-              <a:spcBef>
-                <a:spcPts val="500"/>
-              </a:spcBef>
-              <a:buFont typeface="Arial" panose="020B0604020202020204" pitchFamily="34" charset="0"/>
-              <a:buChar char="•"/>
-              <a:defRPr sz="1800" kern="1200">
-                <a:solidFill>
-                  <a:schemeClr val="tx1"/>
-                </a:solidFill>
-                <a:latin typeface="+mn-lt"/>
-                <a:ea typeface="+mn-ea"/>
-                <a:cs typeface="+mn-cs"/>
-              </a:defRPr>
-            </a:lvl9pPr>
-          </a:lstStyle>
-          <a:p>
-            <a:pPr marL="0" indent="0" algn="ctr">
-              <a:buFont typeface="Arial" panose="020B0604020202020204" pitchFamily="34" charset="0"/>
-              <a:buNone/>
-            </a:pPr>
-            <a:r>
-              <a:rPr lang="pl-PL" sz="2000" dirty="0">
-                <a:latin typeface="Arial" panose="020B0604020202020204" pitchFamily="34" charset="0"/>
-                <a:cs typeface="Arial" panose="020B0604020202020204" pitchFamily="34" charset="0"/>
-              </a:rPr>
-              <a:t>4</a:t>
-            </a:r>
-            <a:endParaRPr lang="pl-PL" sz="1800" dirty="0">
-              <a:latin typeface="Arial" panose="020B0604020202020204" pitchFamily="34" charset="0"/>
-              <a:cs typeface="Arial" panose="020B0604020202020204" pitchFamily="34" charset="0"/>
-            </a:endParaRPr>
-          </a:p>
-        </p:txBody>
-      </p:sp>
-    </p:spTree>
-    <p:extLst>
-      <p:ext uri="{BB962C8B-B14F-4D97-AF65-F5344CB8AC3E}">
-        <p14:creationId xmlns:p14="http://schemas.microsoft.com/office/powerpoint/2010/main" val="3294513519"/>
-      </p:ext>
-    </p:extLst>
-  </p:cSld>
-  <p:clrMapOvr>
-    <a:masterClrMapping/>
-  </p:clrMapOvr>
-</p:sld>
-</file>
-
-<file path=ppt/slides/slide6.xml><?xml version="1.0" encoding="utf-8"?>
-<p:sld xmlns:a="http://schemas.openxmlformats.org/drawingml/2006/main" xmlns:r="http://schemas.openxmlformats.org/officeDocument/2006/relationships" xmlns:p="http://schemas.openxmlformats.org/presentationml/2006/main">
-  <p:cSld>
-    <p:bg>
-      <p:bgPr>
-        <a:solidFill>
-          <a:srgbClr val="EFEDEF"/>
-        </a:solidFill>
-        <a:effectLst/>
-      </p:bgPr>
-    </p:bg>
-    <p:spTree>
-      <p:nvGrpSpPr>
-        <p:cNvPr id="1" name=""/>
-        <p:cNvGrpSpPr/>
-        <p:nvPr/>
-      </p:nvGrpSpPr>
-      <p:grpSpPr>
-        <a:xfrm>
-          <a:off x="0" y="0"/>
-          <a:ext cx="0" cy="0"/>
-          <a:chOff x="0" y="0"/>
-          <a:chExt cx="0" cy="0"/>
-        </a:xfrm>
-      </p:grpSpPr>
-      <p:sp>
-        <p:nvSpPr>
-          <p:cNvPr id="11" name="Tytuł 10">
-            <a:extLst>
-              <a:ext uri="{FF2B5EF4-FFF2-40B4-BE49-F238E27FC236}">
-                <a16:creationId xmlns:a16="http://schemas.microsoft.com/office/drawing/2014/main" id="{E6572A4F-AEE0-4C43-A19A-0A4EFDB11758}"/>
-              </a:ext>
-            </a:extLst>
-          </p:cNvPr>
-          <p:cNvSpPr>
-            <a:spLocks noGrp="1"/>
-          </p:cNvSpPr>
-          <p:nvPr>
-            <p:ph type="title"/>
-          </p:nvPr>
-        </p:nvSpPr>
-        <p:spPr>
-          <a:xfrm>
-            <a:off x="0" y="180001"/>
-            <a:ext cx="12192000" cy="758980"/>
-          </a:xfrm>
-        </p:spPr>
-        <p:txBody>
-          <a:bodyPr>
-            <a:normAutofit/>
-          </a:bodyPr>
-          <a:lstStyle/>
-          <a:p>
-            <a:pPr marL="1080000"/>
-            <a:r>
-              <a:rPr lang="pl-PL" sz="4000" dirty="0">
-                <a:solidFill>
-                  <a:srgbClr val="002060"/>
-                </a:solidFill>
-                <a:latin typeface="Arial" panose="020B0604020202020204" pitchFamily="34" charset="0"/>
-                <a:cs typeface="Arial" panose="020B0604020202020204" pitchFamily="34" charset="0"/>
-              </a:rPr>
-              <a:t>Dziedzina i forma studiów</a:t>
-            </a:r>
-          </a:p>
-        </p:txBody>
-      </p:sp>
-      <p:sp>
-        <p:nvSpPr>
-          <p:cNvPr id="13" name="Symbol zastępczy zawartości 12">
-            <a:extLst>
-              <a:ext uri="{FF2B5EF4-FFF2-40B4-BE49-F238E27FC236}">
-                <a16:creationId xmlns:a16="http://schemas.microsoft.com/office/drawing/2014/main" id="{DA401464-8C74-4E2C-AA34-162A596EE429}"/>
-              </a:ext>
-            </a:extLst>
-          </p:cNvPr>
-          <p:cNvSpPr>
-            <a:spLocks noGrp="1"/>
-          </p:cNvSpPr>
-          <p:nvPr>
-            <p:ph idx="1"/>
-          </p:nvPr>
-        </p:nvSpPr>
-        <p:spPr>
-          <a:xfrm>
-            <a:off x="0" y="1237130"/>
-            <a:ext cx="11112000" cy="4528970"/>
-          </a:xfrm>
-        </p:spPr>
-        <p:txBody>
-          <a:bodyPr>
-            <a:normAutofit/>
-          </a:bodyPr>
-          <a:lstStyle/>
-          <a:p>
-            <a:pPr marL="1080000" indent="0" algn="just">
-              <a:buNone/>
-            </a:pPr>
-            <a:r>
               <a:rPr lang="pl-PL" sz="2300" dirty="0">
                 <a:latin typeface="Arial" panose="020B0604020202020204" pitchFamily="34" charset="0"/>
                 <a:cs typeface="Arial" panose="020B0604020202020204" pitchFamily="34" charset="0"/>
@@ -5076,7 +5193,33 @@
                 <a:latin typeface="Arial" panose="020B0604020202020204" pitchFamily="34" charset="0"/>
                 <a:cs typeface="Arial" panose="020B0604020202020204" pitchFamily="34" charset="0"/>
               </a:rPr>
-              <a:t>w formie niestacjonarnej i są głównymi przedstawicielami tej grupy. Znacząca większość absolwentów pozostałych kierunków uzyskała dyplom w formie stacjonarnej.</a:t>
+              <a:t>w formie niestacjonarnej i są głównymi przedstawicielami tej grupy. </a:t>
+            </a:r>
+            <a:br>
+              <a:rPr lang="pl-PL" sz="2300" dirty="0">
+                <a:latin typeface="Arial" panose="020B0604020202020204" pitchFamily="34" charset="0"/>
+                <a:cs typeface="Arial" panose="020B0604020202020204" pitchFamily="34" charset="0"/>
+              </a:rPr>
+            </a:br>
+            <a:r>
+              <a:rPr lang="pl-PL" sz="2300" dirty="0">
+                <a:latin typeface="Arial" panose="020B0604020202020204" pitchFamily="34" charset="0"/>
+                <a:cs typeface="Arial" panose="020B0604020202020204" pitchFamily="34" charset="0"/>
+              </a:rPr>
+              <a:t>Znaczna większość absolwentów pozostałych kierunków uzyskała dyplom </a:t>
+            </a:r>
+            <a:br>
+              <a:rPr lang="pl-PL" sz="2300" dirty="0">
+                <a:latin typeface="Arial" panose="020B0604020202020204" pitchFamily="34" charset="0"/>
+                <a:cs typeface="Arial" panose="020B0604020202020204" pitchFamily="34" charset="0"/>
+              </a:rPr>
+            </a:br>
+            <a:r>
+              <a:rPr lang="pl-PL" sz="2300" dirty="0">
+                <a:latin typeface="Arial" panose="020B0604020202020204" pitchFamily="34" charset="0"/>
+                <a:cs typeface="Arial" panose="020B0604020202020204" pitchFamily="34" charset="0"/>
+              </a:rPr>
+              <a:t>w formie stacjonarnej.</a:t>
             </a:r>
             <a:endParaRPr lang="pl-PL" sz="2300" dirty="0">
               <a:solidFill>
@@ -5347,9 +5490,17 @@
 </p:sld>
 </file>
 
-<file path=ppt/slides/slide7.xml><?xml version="1.0" encoding="utf-8"?>
+<file path=ppt/slides/slide6.xml><?xml version="1.0" encoding="utf-8"?>
 <p:sld xmlns:a="http://schemas.openxmlformats.org/drawingml/2006/main" xmlns:r="http://schemas.openxmlformats.org/officeDocument/2006/relationships" xmlns:p="http://schemas.openxmlformats.org/presentationml/2006/main">
   <p:cSld>
+    <p:bg>
+      <p:bgPr>
+        <a:solidFill>
+          <a:srgbClr val="EFEDEF"/>
+        </a:solidFill>
+        <a:effectLst/>
+      </p:bgPr>
+    </p:bg>
     <p:spTree>
       <p:nvGrpSpPr>
         <p:cNvPr id="1" name=""/>
@@ -5366,10 +5517,10 @@
       </p:grpSpPr>
       <p:sp>
         <p:nvSpPr>
-          <p:cNvPr id="2" name="Tytuł 1">
+          <p:cNvPr id="11" name="Tytuł 10">
             <a:extLst>
               <a:ext uri="{FF2B5EF4-FFF2-40B4-BE49-F238E27FC236}">
-                <a16:creationId xmlns:a16="http://schemas.microsoft.com/office/drawing/2014/main" id="{6ABB9CF2-4DE2-42C6-BEC8-4D75F45A853E}"/>
+                <a16:creationId xmlns:a16="http://schemas.microsoft.com/office/drawing/2014/main" id="{E6572A4F-AEE0-4C43-A19A-0A4EFDB11758}"/>
               </a:ext>
             </a:extLst>
           </p:cNvPr>
@@ -5380,21 +5531,38 @@
             <p:ph type="title"/>
           </p:nvPr>
         </p:nvSpPr>
-        <p:spPr/>
-        <p:txBody>
-          <a:bodyPr/>
+        <p:spPr>
+          <a:xfrm>
+            <a:off x="0" y="180001"/>
+            <a:ext cx="12192000" cy="758980"/>
+          </a:xfrm>
+        </p:spPr>
+        <p:txBody>
+          <a:bodyPr>
+            <a:normAutofit/>
+          </a:bodyPr>
           <a:lstStyle/>
           <a:p>
-            <a:endParaRPr lang="pl-PL"/>
-          </a:p>
-        </p:txBody>
-      </p:sp>
-      <p:sp>
-        <p:nvSpPr>
-          <p:cNvPr id="3" name="Symbol zastępczy zawartości 2">
+            <a:pPr marL="1080000"/>
+            <a:r>
+              <a:rPr lang="pl-PL" sz="4000" dirty="0">
+                <a:solidFill>
+                  <a:srgbClr val="002060"/>
+                </a:solidFill>
+                <a:latin typeface="Arial" panose="020B0604020202020204" pitchFamily="34" charset="0"/>
+                <a:cs typeface="Arial" panose="020B0604020202020204" pitchFamily="34" charset="0"/>
+              </a:rPr>
+              <a:t>Zarobki absolwentów</a:t>
+            </a:r>
+          </a:p>
+        </p:txBody>
+      </p:sp>
+      <p:sp>
+        <p:nvSpPr>
+          <p:cNvPr id="13" name="Symbol zastępczy zawartości 12">
             <a:extLst>
               <a:ext uri="{FF2B5EF4-FFF2-40B4-BE49-F238E27FC236}">
-                <a16:creationId xmlns:a16="http://schemas.microsoft.com/office/drawing/2014/main" id="{4CAEBF3F-D911-45DE-B52C-66AD055007EE}"/>
+                <a16:creationId xmlns:a16="http://schemas.microsoft.com/office/drawing/2014/main" id="{DA401464-8C74-4E2C-AA34-162A596EE429}"/>
               </a:ext>
             </a:extLst>
           </p:cNvPr>
@@ -5405,19 +5573,2745 @@
             <p:ph idx="1"/>
           </p:nvPr>
         </p:nvSpPr>
-        <p:spPr/>
-        <p:txBody>
-          <a:bodyPr/>
+        <p:spPr>
+          <a:xfrm>
+            <a:off x="0" y="1237130"/>
+            <a:ext cx="11112000" cy="4528970"/>
+          </a:xfrm>
+        </p:spPr>
+        <p:txBody>
+          <a:bodyPr>
+            <a:normAutofit/>
+          </a:bodyPr>
           <a:lstStyle/>
           <a:p>
-            <a:endParaRPr lang="pl-PL"/>
-          </a:p>
-        </p:txBody>
-      </p:sp>
+            <a:pPr marL="1080000" indent="0" algn="just">
+              <a:buNone/>
+            </a:pPr>
+            <a:r>
+              <a:rPr lang="pl-PL" sz="2300" dirty="0">
+                <a:latin typeface="Arial" panose="020B0604020202020204" pitchFamily="34" charset="0"/>
+                <a:cs typeface="Arial" panose="020B0604020202020204" pitchFamily="34" charset="0"/>
+              </a:rPr>
+              <a:t>	Zarobki połowy absolwentów po pięciu latach nie przekraczają 4000 złotych, </a:t>
+            </a:r>
+            <a:endParaRPr lang="pl-PL" sz="2300" dirty="0">
+              <a:solidFill>
+                <a:schemeClr val="accent4"/>
+              </a:solidFill>
+              <a:latin typeface="Arial" panose="020B0604020202020204" pitchFamily="34" charset="0"/>
+              <a:cs typeface="Arial" panose="020B0604020202020204" pitchFamily="34" charset="0"/>
+            </a:endParaRPr>
+          </a:p>
+        </p:txBody>
+      </p:sp>
+      <p:sp>
+        <p:nvSpPr>
+          <p:cNvPr id="7" name="Symbol zastępczy zawartości 12">
+            <a:extLst>
+              <a:ext uri="{FF2B5EF4-FFF2-40B4-BE49-F238E27FC236}">
+                <a16:creationId xmlns:a16="http://schemas.microsoft.com/office/drawing/2014/main" id="{28670177-31EF-45B8-9694-7BE806BE5EC0}"/>
+              </a:ext>
+            </a:extLst>
+          </p:cNvPr>
+          <p:cNvSpPr txBox="1">
+            <a:spLocks/>
+          </p:cNvSpPr>
+          <p:nvPr/>
+        </p:nvSpPr>
+        <p:spPr>
+          <a:xfrm>
+            <a:off x="0" y="6260951"/>
+            <a:ext cx="12192000" cy="417047"/>
+          </a:xfrm>
+          <a:prstGeom prst="rect">
+            <a:avLst/>
+          </a:prstGeom>
+        </p:spPr>
+        <p:txBody>
+          <a:bodyPr vert="horz" lIns="91440" tIns="45720" rIns="91440" bIns="45720" rtlCol="0">
+            <a:normAutofit/>
+          </a:bodyPr>
+          <a:lstStyle>
+            <a:lvl1pPr marL="228600" indent="-228600" algn="l" defTabSz="914400" rtl="0" eaLnBrk="1" latinLnBrk="0" hangingPunct="1">
+              <a:lnSpc>
+                <a:spcPct val="90000"/>
+              </a:lnSpc>
+              <a:spcBef>
+                <a:spcPts val="1000"/>
+              </a:spcBef>
+              <a:buFont typeface="Arial" panose="020B0604020202020204" pitchFamily="34" charset="0"/>
+              <a:buChar char="•"/>
+              <a:defRPr sz="2800" kern="1200">
+                <a:solidFill>
+                  <a:schemeClr val="tx1"/>
+                </a:solidFill>
+                <a:latin typeface="+mn-lt"/>
+                <a:ea typeface="+mn-ea"/>
+                <a:cs typeface="+mn-cs"/>
+              </a:defRPr>
+            </a:lvl1pPr>
+            <a:lvl2pPr marL="685800" indent="-228600" algn="l" defTabSz="914400" rtl="0" eaLnBrk="1" latinLnBrk="0" hangingPunct="1">
+              <a:lnSpc>
+                <a:spcPct val="90000"/>
+              </a:lnSpc>
+              <a:spcBef>
+                <a:spcPts val="500"/>
+              </a:spcBef>
+              <a:buFont typeface="Arial" panose="020B0604020202020204" pitchFamily="34" charset="0"/>
+              <a:buChar char="•"/>
+              <a:defRPr sz="2400" kern="1200">
+                <a:solidFill>
+                  <a:schemeClr val="tx1"/>
+                </a:solidFill>
+                <a:latin typeface="+mn-lt"/>
+                <a:ea typeface="+mn-ea"/>
+                <a:cs typeface="+mn-cs"/>
+              </a:defRPr>
+            </a:lvl2pPr>
+            <a:lvl3pPr marL="1143000" indent="-228600" algn="l" defTabSz="914400" rtl="0" eaLnBrk="1" latinLnBrk="0" hangingPunct="1">
+              <a:lnSpc>
+                <a:spcPct val="90000"/>
+              </a:lnSpc>
+              <a:spcBef>
+                <a:spcPts val="500"/>
+              </a:spcBef>
+              <a:buFont typeface="Arial" panose="020B0604020202020204" pitchFamily="34" charset="0"/>
+              <a:buChar char="•"/>
+              <a:defRPr sz="2000" kern="1200">
+                <a:solidFill>
+                  <a:schemeClr val="tx1"/>
+                </a:solidFill>
+                <a:latin typeface="+mn-lt"/>
+                <a:ea typeface="+mn-ea"/>
+                <a:cs typeface="+mn-cs"/>
+              </a:defRPr>
+            </a:lvl3pPr>
+            <a:lvl4pPr marL="1600200" indent="-228600" algn="l" defTabSz="914400" rtl="0" eaLnBrk="1" latinLnBrk="0" hangingPunct="1">
+              <a:lnSpc>
+                <a:spcPct val="90000"/>
+              </a:lnSpc>
+              <a:spcBef>
+                <a:spcPts val="500"/>
+              </a:spcBef>
+              <a:buFont typeface="Arial" panose="020B0604020202020204" pitchFamily="34" charset="0"/>
+              <a:buChar char="•"/>
+              <a:defRPr sz="1800" kern="1200">
+                <a:solidFill>
+                  <a:schemeClr val="tx1"/>
+                </a:solidFill>
+                <a:latin typeface="+mn-lt"/>
+                <a:ea typeface="+mn-ea"/>
+                <a:cs typeface="+mn-cs"/>
+              </a:defRPr>
+            </a:lvl4pPr>
+            <a:lvl5pPr marL="2057400" indent="-228600" algn="l" defTabSz="914400" rtl="0" eaLnBrk="1" latinLnBrk="0" hangingPunct="1">
+              <a:lnSpc>
+                <a:spcPct val="90000"/>
+              </a:lnSpc>
+              <a:spcBef>
+                <a:spcPts val="500"/>
+              </a:spcBef>
+              <a:buFont typeface="Arial" panose="020B0604020202020204" pitchFamily="34" charset="0"/>
+              <a:buChar char="•"/>
+              <a:defRPr sz="1800" kern="1200">
+                <a:solidFill>
+                  <a:schemeClr val="tx1"/>
+                </a:solidFill>
+                <a:latin typeface="+mn-lt"/>
+                <a:ea typeface="+mn-ea"/>
+                <a:cs typeface="+mn-cs"/>
+              </a:defRPr>
+            </a:lvl5pPr>
+            <a:lvl6pPr marL="2514600" indent="-228600" algn="l" defTabSz="914400" rtl="0" eaLnBrk="1" latinLnBrk="0" hangingPunct="1">
+              <a:lnSpc>
+                <a:spcPct val="90000"/>
+              </a:lnSpc>
+              <a:spcBef>
+                <a:spcPts val="500"/>
+              </a:spcBef>
+              <a:buFont typeface="Arial" panose="020B0604020202020204" pitchFamily="34" charset="0"/>
+              <a:buChar char="•"/>
+              <a:defRPr sz="1800" kern="1200">
+                <a:solidFill>
+                  <a:schemeClr val="tx1"/>
+                </a:solidFill>
+                <a:latin typeface="+mn-lt"/>
+                <a:ea typeface="+mn-ea"/>
+                <a:cs typeface="+mn-cs"/>
+              </a:defRPr>
+            </a:lvl6pPr>
+            <a:lvl7pPr marL="2971800" indent="-228600" algn="l" defTabSz="914400" rtl="0" eaLnBrk="1" latinLnBrk="0" hangingPunct="1">
+              <a:lnSpc>
+                <a:spcPct val="90000"/>
+              </a:lnSpc>
+              <a:spcBef>
+                <a:spcPts val="500"/>
+              </a:spcBef>
+              <a:buFont typeface="Arial" panose="020B0604020202020204" pitchFamily="34" charset="0"/>
+              <a:buChar char="•"/>
+              <a:defRPr sz="1800" kern="1200">
+                <a:solidFill>
+                  <a:schemeClr val="tx1"/>
+                </a:solidFill>
+                <a:latin typeface="+mn-lt"/>
+                <a:ea typeface="+mn-ea"/>
+                <a:cs typeface="+mn-cs"/>
+              </a:defRPr>
+            </a:lvl7pPr>
+            <a:lvl8pPr marL="3429000" indent="-228600" algn="l" defTabSz="914400" rtl="0" eaLnBrk="1" latinLnBrk="0" hangingPunct="1">
+              <a:lnSpc>
+                <a:spcPct val="90000"/>
+              </a:lnSpc>
+              <a:spcBef>
+                <a:spcPts val="500"/>
+              </a:spcBef>
+              <a:buFont typeface="Arial" panose="020B0604020202020204" pitchFamily="34" charset="0"/>
+              <a:buChar char="•"/>
+              <a:defRPr sz="1800" kern="1200">
+                <a:solidFill>
+                  <a:schemeClr val="tx1"/>
+                </a:solidFill>
+                <a:latin typeface="+mn-lt"/>
+                <a:ea typeface="+mn-ea"/>
+                <a:cs typeface="+mn-cs"/>
+              </a:defRPr>
+            </a:lvl8pPr>
+            <a:lvl9pPr marL="3886200" indent="-228600" algn="l" defTabSz="914400" rtl="0" eaLnBrk="1" latinLnBrk="0" hangingPunct="1">
+              <a:lnSpc>
+                <a:spcPct val="90000"/>
+              </a:lnSpc>
+              <a:spcBef>
+                <a:spcPts val="500"/>
+              </a:spcBef>
+              <a:buFont typeface="Arial" panose="020B0604020202020204" pitchFamily="34" charset="0"/>
+              <a:buChar char="•"/>
+              <a:defRPr sz="1800" kern="1200">
+                <a:solidFill>
+                  <a:schemeClr val="tx1"/>
+                </a:solidFill>
+                <a:latin typeface="+mn-lt"/>
+                <a:ea typeface="+mn-ea"/>
+                <a:cs typeface="+mn-cs"/>
+              </a:defRPr>
+            </a:lvl9pPr>
+          </a:lstStyle>
+          <a:p>
+            <a:pPr marL="0" indent="0" algn="ctr">
+              <a:buFont typeface="Arial" panose="020B0604020202020204" pitchFamily="34" charset="0"/>
+              <a:buNone/>
+            </a:pPr>
+            <a:r>
+              <a:rPr lang="pl-PL" sz="2000" dirty="0">
+                <a:latin typeface="Arial" panose="020B0604020202020204" pitchFamily="34" charset="0"/>
+                <a:cs typeface="Arial" panose="020B0604020202020204" pitchFamily="34" charset="0"/>
+              </a:rPr>
+              <a:t>4</a:t>
+            </a:r>
+            <a:endParaRPr lang="pl-PL" sz="1800" dirty="0">
+              <a:latin typeface="Arial" panose="020B0604020202020204" pitchFamily="34" charset="0"/>
+              <a:cs typeface="Arial" panose="020B0604020202020204" pitchFamily="34" charset="0"/>
+            </a:endParaRPr>
+          </a:p>
+        </p:txBody>
+      </p:sp>
+      <p:pic>
+        <p:nvPicPr>
+          <p:cNvPr id="5" name="Obraz 4">
+            <a:extLst>
+              <a:ext uri="{FF2B5EF4-FFF2-40B4-BE49-F238E27FC236}">
+                <a16:creationId xmlns:a16="http://schemas.microsoft.com/office/drawing/2014/main" id="{FA6DEEC3-DCC6-4ACD-B103-322720798AB0}"/>
+              </a:ext>
+            </a:extLst>
+          </p:cNvPr>
+          <p:cNvPicPr>
+            <a:picLocks noChangeAspect="1"/>
+          </p:cNvPicPr>
+          <p:nvPr/>
+        </p:nvPicPr>
+        <p:blipFill>
+          <a:blip r:embed="rId2">
+            <a:extLst>
+              <a:ext uri="{28A0092B-C50C-407E-A947-70E740481C1C}">
+                <a14:useLocalDpi xmlns:a14="http://schemas.microsoft.com/office/drawing/2010/main" val="0"/>
+              </a:ext>
+            </a:extLst>
+          </a:blip>
+          <a:stretch>
+            <a:fillRect/>
+          </a:stretch>
+        </p:blipFill>
+        <p:spPr>
+          <a:xfrm>
+            <a:off x="915950" y="2090303"/>
+            <a:ext cx="9742220" cy="4170648"/>
+          </a:xfrm>
+          <a:prstGeom prst="rect">
+            <a:avLst/>
+          </a:prstGeom>
+        </p:spPr>
+      </p:pic>
     </p:spTree>
     <p:extLst>
       <p:ext uri="{BB962C8B-B14F-4D97-AF65-F5344CB8AC3E}">
-        <p14:creationId xmlns:p14="http://schemas.microsoft.com/office/powerpoint/2010/main" val="3294463735"/>
+        <p14:creationId xmlns:p14="http://schemas.microsoft.com/office/powerpoint/2010/main" val="3294513519"/>
+      </p:ext>
+    </p:extLst>
+  </p:cSld>
+  <p:clrMapOvr>
+    <a:masterClrMapping/>
+  </p:clrMapOvr>
+</p:sld>
+</file>
+
+<file path=ppt/slides/slide7.xml><?xml version="1.0" encoding="utf-8"?>
+<p:sld xmlns:a="http://schemas.openxmlformats.org/drawingml/2006/main" xmlns:r="http://schemas.openxmlformats.org/officeDocument/2006/relationships" xmlns:p="http://schemas.openxmlformats.org/presentationml/2006/main">
+  <p:cSld>
+    <p:bg>
+      <p:bgPr>
+        <a:solidFill>
+          <a:srgbClr val="EFEDEF"/>
+        </a:solidFill>
+        <a:effectLst/>
+      </p:bgPr>
+    </p:bg>
+    <p:spTree>
+      <p:nvGrpSpPr>
+        <p:cNvPr id="1" name=""/>
+        <p:cNvGrpSpPr/>
+        <p:nvPr/>
+      </p:nvGrpSpPr>
+      <p:grpSpPr>
+        <a:xfrm>
+          <a:off x="0" y="0"/>
+          <a:ext cx="0" cy="0"/>
+          <a:chOff x="0" y="0"/>
+          <a:chExt cx="0" cy="0"/>
+        </a:xfrm>
+      </p:grpSpPr>
+      <p:sp>
+        <p:nvSpPr>
+          <p:cNvPr id="11" name="Tytuł 10">
+            <a:extLst>
+              <a:ext uri="{FF2B5EF4-FFF2-40B4-BE49-F238E27FC236}">
+                <a16:creationId xmlns:a16="http://schemas.microsoft.com/office/drawing/2014/main" id="{E6572A4F-AEE0-4C43-A19A-0A4EFDB11758}"/>
+              </a:ext>
+            </a:extLst>
+          </p:cNvPr>
+          <p:cNvSpPr>
+            <a:spLocks noGrp="1"/>
+          </p:cNvSpPr>
+          <p:nvPr>
+            <p:ph type="title"/>
+          </p:nvPr>
+        </p:nvSpPr>
+        <p:spPr>
+          <a:xfrm>
+            <a:off x="0" y="180001"/>
+            <a:ext cx="12192000" cy="758980"/>
+          </a:xfrm>
+        </p:spPr>
+        <p:txBody>
+          <a:bodyPr>
+            <a:normAutofit/>
+          </a:bodyPr>
+          <a:lstStyle/>
+          <a:p>
+            <a:pPr marL="1080000"/>
+            <a:r>
+              <a:rPr lang="pl-PL" sz="4000" dirty="0">
+                <a:solidFill>
+                  <a:srgbClr val="002060"/>
+                </a:solidFill>
+                <a:latin typeface="Arial" panose="020B0604020202020204" pitchFamily="34" charset="0"/>
+                <a:cs typeface="Arial" panose="020B0604020202020204" pitchFamily="34" charset="0"/>
+              </a:rPr>
+              <a:t>Zarobki absolwentów</a:t>
+            </a:r>
+          </a:p>
+        </p:txBody>
+      </p:sp>
+      <p:sp>
+        <p:nvSpPr>
+          <p:cNvPr id="13" name="Symbol zastępczy zawartości 12">
+            <a:extLst>
+              <a:ext uri="{FF2B5EF4-FFF2-40B4-BE49-F238E27FC236}">
+                <a16:creationId xmlns:a16="http://schemas.microsoft.com/office/drawing/2014/main" id="{DA401464-8C74-4E2C-AA34-162A596EE429}"/>
+              </a:ext>
+            </a:extLst>
+          </p:cNvPr>
+          <p:cNvSpPr>
+            <a:spLocks noGrp="1"/>
+          </p:cNvSpPr>
+          <p:nvPr>
+            <p:ph idx="1"/>
+          </p:nvPr>
+        </p:nvSpPr>
+        <p:spPr>
+          <a:xfrm>
+            <a:off x="0" y="1237130"/>
+            <a:ext cx="11112000" cy="4528970"/>
+          </a:xfrm>
+        </p:spPr>
+        <p:txBody>
+          <a:bodyPr>
+            <a:normAutofit/>
+          </a:bodyPr>
+          <a:lstStyle/>
+          <a:p>
+            <a:pPr marL="1080000" indent="0" algn="just">
+              <a:buNone/>
+            </a:pPr>
+            <a:r>
+              <a:rPr lang="pl-PL" sz="2300" dirty="0">
+                <a:latin typeface="Arial" panose="020B0604020202020204" pitchFamily="34" charset="0"/>
+                <a:cs typeface="Arial" panose="020B0604020202020204" pitchFamily="34" charset="0"/>
+              </a:rPr>
+              <a:t>	Zarobki absolwentów po studiach inżynieryjno-technicznych wyróżniają się na tle pozostałych kierunków.</a:t>
+            </a:r>
+            <a:endParaRPr lang="pl-PL" sz="2300" dirty="0">
+              <a:solidFill>
+                <a:schemeClr val="accent4"/>
+              </a:solidFill>
+              <a:latin typeface="Arial" panose="020B0604020202020204" pitchFamily="34" charset="0"/>
+              <a:cs typeface="Arial" panose="020B0604020202020204" pitchFamily="34" charset="0"/>
+            </a:endParaRPr>
+          </a:p>
+        </p:txBody>
+      </p:sp>
+      <p:sp>
+        <p:nvSpPr>
+          <p:cNvPr id="7" name="Symbol zastępczy zawartości 12">
+            <a:extLst>
+              <a:ext uri="{FF2B5EF4-FFF2-40B4-BE49-F238E27FC236}">
+                <a16:creationId xmlns:a16="http://schemas.microsoft.com/office/drawing/2014/main" id="{28670177-31EF-45B8-9694-7BE806BE5EC0}"/>
+              </a:ext>
+            </a:extLst>
+          </p:cNvPr>
+          <p:cNvSpPr txBox="1">
+            <a:spLocks/>
+          </p:cNvSpPr>
+          <p:nvPr/>
+        </p:nvSpPr>
+        <p:spPr>
+          <a:xfrm>
+            <a:off x="0" y="6260951"/>
+            <a:ext cx="12192000" cy="417047"/>
+          </a:xfrm>
+          <a:prstGeom prst="rect">
+            <a:avLst/>
+          </a:prstGeom>
+        </p:spPr>
+        <p:txBody>
+          <a:bodyPr vert="horz" lIns="91440" tIns="45720" rIns="91440" bIns="45720" rtlCol="0">
+            <a:normAutofit/>
+          </a:bodyPr>
+          <a:lstStyle>
+            <a:lvl1pPr marL="228600" indent="-228600" algn="l" defTabSz="914400" rtl="0" eaLnBrk="1" latinLnBrk="0" hangingPunct="1">
+              <a:lnSpc>
+                <a:spcPct val="90000"/>
+              </a:lnSpc>
+              <a:spcBef>
+                <a:spcPts val="1000"/>
+              </a:spcBef>
+              <a:buFont typeface="Arial" panose="020B0604020202020204" pitchFamily="34" charset="0"/>
+              <a:buChar char="•"/>
+              <a:defRPr sz="2800" kern="1200">
+                <a:solidFill>
+                  <a:schemeClr val="tx1"/>
+                </a:solidFill>
+                <a:latin typeface="+mn-lt"/>
+                <a:ea typeface="+mn-ea"/>
+                <a:cs typeface="+mn-cs"/>
+              </a:defRPr>
+            </a:lvl1pPr>
+            <a:lvl2pPr marL="685800" indent="-228600" algn="l" defTabSz="914400" rtl="0" eaLnBrk="1" latinLnBrk="0" hangingPunct="1">
+              <a:lnSpc>
+                <a:spcPct val="90000"/>
+              </a:lnSpc>
+              <a:spcBef>
+                <a:spcPts val="500"/>
+              </a:spcBef>
+              <a:buFont typeface="Arial" panose="020B0604020202020204" pitchFamily="34" charset="0"/>
+              <a:buChar char="•"/>
+              <a:defRPr sz="2400" kern="1200">
+                <a:solidFill>
+                  <a:schemeClr val="tx1"/>
+                </a:solidFill>
+                <a:latin typeface="+mn-lt"/>
+                <a:ea typeface="+mn-ea"/>
+                <a:cs typeface="+mn-cs"/>
+              </a:defRPr>
+            </a:lvl2pPr>
+            <a:lvl3pPr marL="1143000" indent="-228600" algn="l" defTabSz="914400" rtl="0" eaLnBrk="1" latinLnBrk="0" hangingPunct="1">
+              <a:lnSpc>
+                <a:spcPct val="90000"/>
+              </a:lnSpc>
+              <a:spcBef>
+                <a:spcPts val="500"/>
+              </a:spcBef>
+              <a:buFont typeface="Arial" panose="020B0604020202020204" pitchFamily="34" charset="0"/>
+              <a:buChar char="•"/>
+              <a:defRPr sz="2000" kern="1200">
+                <a:solidFill>
+                  <a:schemeClr val="tx1"/>
+                </a:solidFill>
+                <a:latin typeface="+mn-lt"/>
+                <a:ea typeface="+mn-ea"/>
+                <a:cs typeface="+mn-cs"/>
+              </a:defRPr>
+            </a:lvl3pPr>
+            <a:lvl4pPr marL="1600200" indent="-228600" algn="l" defTabSz="914400" rtl="0" eaLnBrk="1" latinLnBrk="0" hangingPunct="1">
+              <a:lnSpc>
+                <a:spcPct val="90000"/>
+              </a:lnSpc>
+              <a:spcBef>
+                <a:spcPts val="500"/>
+              </a:spcBef>
+              <a:buFont typeface="Arial" panose="020B0604020202020204" pitchFamily="34" charset="0"/>
+              <a:buChar char="•"/>
+              <a:defRPr sz="1800" kern="1200">
+                <a:solidFill>
+                  <a:schemeClr val="tx1"/>
+                </a:solidFill>
+                <a:latin typeface="+mn-lt"/>
+                <a:ea typeface="+mn-ea"/>
+                <a:cs typeface="+mn-cs"/>
+              </a:defRPr>
+            </a:lvl4pPr>
+            <a:lvl5pPr marL="2057400" indent="-228600" algn="l" defTabSz="914400" rtl="0" eaLnBrk="1" latinLnBrk="0" hangingPunct="1">
+              <a:lnSpc>
+                <a:spcPct val="90000"/>
+              </a:lnSpc>
+              <a:spcBef>
+                <a:spcPts val="500"/>
+              </a:spcBef>
+              <a:buFont typeface="Arial" panose="020B0604020202020204" pitchFamily="34" charset="0"/>
+              <a:buChar char="•"/>
+              <a:defRPr sz="1800" kern="1200">
+                <a:solidFill>
+                  <a:schemeClr val="tx1"/>
+                </a:solidFill>
+                <a:latin typeface="+mn-lt"/>
+                <a:ea typeface="+mn-ea"/>
+                <a:cs typeface="+mn-cs"/>
+              </a:defRPr>
+            </a:lvl5pPr>
+            <a:lvl6pPr marL="2514600" indent="-228600" algn="l" defTabSz="914400" rtl="0" eaLnBrk="1" latinLnBrk="0" hangingPunct="1">
+              <a:lnSpc>
+                <a:spcPct val="90000"/>
+              </a:lnSpc>
+              <a:spcBef>
+                <a:spcPts val="500"/>
+              </a:spcBef>
+              <a:buFont typeface="Arial" panose="020B0604020202020204" pitchFamily="34" charset="0"/>
+              <a:buChar char="•"/>
+              <a:defRPr sz="1800" kern="1200">
+                <a:solidFill>
+                  <a:schemeClr val="tx1"/>
+                </a:solidFill>
+                <a:latin typeface="+mn-lt"/>
+                <a:ea typeface="+mn-ea"/>
+                <a:cs typeface="+mn-cs"/>
+              </a:defRPr>
+            </a:lvl6pPr>
+            <a:lvl7pPr marL="2971800" indent="-228600" algn="l" defTabSz="914400" rtl="0" eaLnBrk="1" latinLnBrk="0" hangingPunct="1">
+              <a:lnSpc>
+                <a:spcPct val="90000"/>
+              </a:lnSpc>
+              <a:spcBef>
+                <a:spcPts val="500"/>
+              </a:spcBef>
+              <a:buFont typeface="Arial" panose="020B0604020202020204" pitchFamily="34" charset="0"/>
+              <a:buChar char="•"/>
+              <a:defRPr sz="1800" kern="1200">
+                <a:solidFill>
+                  <a:schemeClr val="tx1"/>
+                </a:solidFill>
+                <a:latin typeface="+mn-lt"/>
+                <a:ea typeface="+mn-ea"/>
+                <a:cs typeface="+mn-cs"/>
+              </a:defRPr>
+            </a:lvl7pPr>
+            <a:lvl8pPr marL="3429000" indent="-228600" algn="l" defTabSz="914400" rtl="0" eaLnBrk="1" latinLnBrk="0" hangingPunct="1">
+              <a:lnSpc>
+                <a:spcPct val="90000"/>
+              </a:lnSpc>
+              <a:spcBef>
+                <a:spcPts val="500"/>
+              </a:spcBef>
+              <a:buFont typeface="Arial" panose="020B0604020202020204" pitchFamily="34" charset="0"/>
+              <a:buChar char="•"/>
+              <a:defRPr sz="1800" kern="1200">
+                <a:solidFill>
+                  <a:schemeClr val="tx1"/>
+                </a:solidFill>
+                <a:latin typeface="+mn-lt"/>
+                <a:ea typeface="+mn-ea"/>
+                <a:cs typeface="+mn-cs"/>
+              </a:defRPr>
+            </a:lvl8pPr>
+            <a:lvl9pPr marL="3886200" indent="-228600" algn="l" defTabSz="914400" rtl="0" eaLnBrk="1" latinLnBrk="0" hangingPunct="1">
+              <a:lnSpc>
+                <a:spcPct val="90000"/>
+              </a:lnSpc>
+              <a:spcBef>
+                <a:spcPts val="500"/>
+              </a:spcBef>
+              <a:buFont typeface="Arial" panose="020B0604020202020204" pitchFamily="34" charset="0"/>
+              <a:buChar char="•"/>
+              <a:defRPr sz="1800" kern="1200">
+                <a:solidFill>
+                  <a:schemeClr val="tx1"/>
+                </a:solidFill>
+                <a:latin typeface="+mn-lt"/>
+                <a:ea typeface="+mn-ea"/>
+                <a:cs typeface="+mn-cs"/>
+              </a:defRPr>
+            </a:lvl9pPr>
+          </a:lstStyle>
+          <a:p>
+            <a:pPr marL="0" indent="0" algn="ctr">
+              <a:buFont typeface="Arial" panose="020B0604020202020204" pitchFamily="34" charset="0"/>
+              <a:buNone/>
+            </a:pPr>
+            <a:r>
+              <a:rPr lang="pl-PL" sz="2000" dirty="0">
+                <a:latin typeface="Arial" panose="020B0604020202020204" pitchFamily="34" charset="0"/>
+                <a:cs typeface="Arial" panose="020B0604020202020204" pitchFamily="34" charset="0"/>
+              </a:rPr>
+              <a:t>4</a:t>
+            </a:r>
+            <a:endParaRPr lang="pl-PL" sz="1800" dirty="0">
+              <a:latin typeface="Arial" panose="020B0604020202020204" pitchFamily="34" charset="0"/>
+              <a:cs typeface="Arial" panose="020B0604020202020204" pitchFamily="34" charset="0"/>
+            </a:endParaRPr>
+          </a:p>
+        </p:txBody>
+      </p:sp>
+      <p:pic>
+        <p:nvPicPr>
+          <p:cNvPr id="9" name="Obraz 8">
+            <a:extLst>
+              <a:ext uri="{FF2B5EF4-FFF2-40B4-BE49-F238E27FC236}">
+                <a16:creationId xmlns:a16="http://schemas.microsoft.com/office/drawing/2014/main" id="{941B2C5B-0385-452F-A9BF-5F97A3ADB09A}"/>
+              </a:ext>
+            </a:extLst>
+          </p:cNvPr>
+          <p:cNvPicPr>
+            <a:picLocks noChangeAspect="1"/>
+          </p:cNvPicPr>
+          <p:nvPr/>
+        </p:nvPicPr>
+        <p:blipFill>
+          <a:blip r:embed="rId2">
+            <a:extLst>
+              <a:ext uri="{28A0092B-C50C-407E-A947-70E740481C1C}">
+                <a14:useLocalDpi xmlns:a14="http://schemas.microsoft.com/office/drawing/2010/main" val="0"/>
+              </a:ext>
+            </a:extLst>
+          </a:blip>
+          <a:stretch>
+            <a:fillRect/>
+          </a:stretch>
+        </p:blipFill>
+        <p:spPr>
+          <a:xfrm>
+            <a:off x="926690" y="2126748"/>
+            <a:ext cx="10338620" cy="4242950"/>
+          </a:xfrm>
+          <a:prstGeom prst="rect">
+            <a:avLst/>
+          </a:prstGeom>
+        </p:spPr>
+      </p:pic>
+    </p:spTree>
+    <p:extLst>
+      <p:ext uri="{BB962C8B-B14F-4D97-AF65-F5344CB8AC3E}">
+        <p14:creationId xmlns:p14="http://schemas.microsoft.com/office/powerpoint/2010/main" val="2047692305"/>
+      </p:ext>
+    </p:extLst>
+  </p:cSld>
+  <p:clrMapOvr>
+    <a:masterClrMapping/>
+  </p:clrMapOvr>
+</p:sld>
+</file>
+
+<file path=ppt/slides/slide8.xml><?xml version="1.0" encoding="utf-8"?>
+<p:sld xmlns:a="http://schemas.openxmlformats.org/drawingml/2006/main" xmlns:r="http://schemas.openxmlformats.org/officeDocument/2006/relationships" xmlns:p="http://schemas.openxmlformats.org/presentationml/2006/main">
+  <p:cSld>
+    <p:bg>
+      <p:bgPr>
+        <a:solidFill>
+          <a:srgbClr val="EFEDEF"/>
+        </a:solidFill>
+        <a:effectLst/>
+      </p:bgPr>
+    </p:bg>
+    <p:spTree>
+      <p:nvGrpSpPr>
+        <p:cNvPr id="1" name=""/>
+        <p:cNvGrpSpPr/>
+        <p:nvPr/>
+      </p:nvGrpSpPr>
+      <p:grpSpPr>
+        <a:xfrm>
+          <a:off x="0" y="0"/>
+          <a:ext cx="0" cy="0"/>
+          <a:chOff x="0" y="0"/>
+          <a:chExt cx="0" cy="0"/>
+        </a:xfrm>
+      </p:grpSpPr>
+      <p:sp>
+        <p:nvSpPr>
+          <p:cNvPr id="11" name="Tytuł 10">
+            <a:extLst>
+              <a:ext uri="{FF2B5EF4-FFF2-40B4-BE49-F238E27FC236}">
+                <a16:creationId xmlns:a16="http://schemas.microsoft.com/office/drawing/2014/main" id="{E6572A4F-AEE0-4C43-A19A-0A4EFDB11758}"/>
+              </a:ext>
+            </a:extLst>
+          </p:cNvPr>
+          <p:cNvSpPr>
+            <a:spLocks noGrp="1"/>
+          </p:cNvSpPr>
+          <p:nvPr>
+            <p:ph type="title"/>
+          </p:nvPr>
+        </p:nvSpPr>
+        <p:spPr>
+          <a:xfrm>
+            <a:off x="0" y="180001"/>
+            <a:ext cx="12192000" cy="758980"/>
+          </a:xfrm>
+        </p:spPr>
+        <p:txBody>
+          <a:bodyPr>
+            <a:normAutofit/>
+          </a:bodyPr>
+          <a:lstStyle/>
+          <a:p>
+            <a:pPr marL="1080000"/>
+            <a:r>
+              <a:rPr lang="pl-PL" sz="4000" dirty="0">
+                <a:solidFill>
+                  <a:srgbClr val="002060"/>
+                </a:solidFill>
+                <a:latin typeface="Arial" panose="020B0604020202020204" pitchFamily="34" charset="0"/>
+                <a:cs typeface="Arial" panose="020B0604020202020204" pitchFamily="34" charset="0"/>
+              </a:rPr>
+              <a:t>Informacje o setce najlepiej płatnych kierunków</a:t>
+            </a:r>
+          </a:p>
+        </p:txBody>
+      </p:sp>
+      <p:sp>
+        <p:nvSpPr>
+          <p:cNvPr id="13" name="Symbol zastępczy zawartości 12">
+            <a:extLst>
+              <a:ext uri="{FF2B5EF4-FFF2-40B4-BE49-F238E27FC236}">
+                <a16:creationId xmlns:a16="http://schemas.microsoft.com/office/drawing/2014/main" id="{DA401464-8C74-4E2C-AA34-162A596EE429}"/>
+              </a:ext>
+            </a:extLst>
+          </p:cNvPr>
+          <p:cNvSpPr>
+            <a:spLocks noGrp="1"/>
+          </p:cNvSpPr>
+          <p:nvPr>
+            <p:ph idx="1"/>
+          </p:nvPr>
+        </p:nvSpPr>
+        <p:spPr>
+          <a:xfrm>
+            <a:off x="-1" y="1237130"/>
+            <a:ext cx="11336595" cy="4528970"/>
+          </a:xfrm>
+        </p:spPr>
+        <p:txBody>
+          <a:bodyPr>
+            <a:normAutofit/>
+          </a:bodyPr>
+          <a:lstStyle/>
+          <a:p>
+            <a:pPr marL="1080000" indent="0" algn="just">
+              <a:buNone/>
+            </a:pPr>
+            <a:r>
+              <a:rPr lang="pl-PL" sz="2300" dirty="0">
+                <a:latin typeface="Arial" panose="020B0604020202020204" pitchFamily="34" charset="0"/>
+                <a:cs typeface="Arial" panose="020B0604020202020204" pitchFamily="34" charset="0"/>
+              </a:rPr>
+              <a:t>Znaczna część najlepiej płatnych kierunków związana jest z rozwojem technologii i medycyną, a ich studenci w większości odbyli studia stacjonarne.</a:t>
+            </a:r>
+            <a:endParaRPr lang="pl-PL" sz="2300" dirty="0">
+              <a:solidFill>
+                <a:schemeClr val="accent4"/>
+              </a:solidFill>
+              <a:latin typeface="Arial" panose="020B0604020202020204" pitchFamily="34" charset="0"/>
+              <a:cs typeface="Arial" panose="020B0604020202020204" pitchFamily="34" charset="0"/>
+            </a:endParaRPr>
+          </a:p>
+        </p:txBody>
+      </p:sp>
+      <p:sp>
+        <p:nvSpPr>
+          <p:cNvPr id="7" name="Symbol zastępczy zawartości 12">
+            <a:extLst>
+              <a:ext uri="{FF2B5EF4-FFF2-40B4-BE49-F238E27FC236}">
+                <a16:creationId xmlns:a16="http://schemas.microsoft.com/office/drawing/2014/main" id="{28670177-31EF-45B8-9694-7BE806BE5EC0}"/>
+              </a:ext>
+            </a:extLst>
+          </p:cNvPr>
+          <p:cNvSpPr txBox="1">
+            <a:spLocks/>
+          </p:cNvSpPr>
+          <p:nvPr/>
+        </p:nvSpPr>
+        <p:spPr>
+          <a:xfrm>
+            <a:off x="0" y="6260951"/>
+            <a:ext cx="12192000" cy="417047"/>
+          </a:xfrm>
+          <a:prstGeom prst="rect">
+            <a:avLst/>
+          </a:prstGeom>
+        </p:spPr>
+        <p:txBody>
+          <a:bodyPr vert="horz" lIns="91440" tIns="45720" rIns="91440" bIns="45720" rtlCol="0">
+            <a:normAutofit/>
+          </a:bodyPr>
+          <a:lstStyle>
+            <a:lvl1pPr marL="228600" indent="-228600" algn="l" defTabSz="914400" rtl="0" eaLnBrk="1" latinLnBrk="0" hangingPunct="1">
+              <a:lnSpc>
+                <a:spcPct val="90000"/>
+              </a:lnSpc>
+              <a:spcBef>
+                <a:spcPts val="1000"/>
+              </a:spcBef>
+              <a:buFont typeface="Arial" panose="020B0604020202020204" pitchFamily="34" charset="0"/>
+              <a:buChar char="•"/>
+              <a:defRPr sz="2800" kern="1200">
+                <a:solidFill>
+                  <a:schemeClr val="tx1"/>
+                </a:solidFill>
+                <a:latin typeface="+mn-lt"/>
+                <a:ea typeface="+mn-ea"/>
+                <a:cs typeface="+mn-cs"/>
+              </a:defRPr>
+            </a:lvl1pPr>
+            <a:lvl2pPr marL="685800" indent="-228600" algn="l" defTabSz="914400" rtl="0" eaLnBrk="1" latinLnBrk="0" hangingPunct="1">
+              <a:lnSpc>
+                <a:spcPct val="90000"/>
+              </a:lnSpc>
+              <a:spcBef>
+                <a:spcPts val="500"/>
+              </a:spcBef>
+              <a:buFont typeface="Arial" panose="020B0604020202020204" pitchFamily="34" charset="0"/>
+              <a:buChar char="•"/>
+              <a:defRPr sz="2400" kern="1200">
+                <a:solidFill>
+                  <a:schemeClr val="tx1"/>
+                </a:solidFill>
+                <a:latin typeface="+mn-lt"/>
+                <a:ea typeface="+mn-ea"/>
+                <a:cs typeface="+mn-cs"/>
+              </a:defRPr>
+            </a:lvl2pPr>
+            <a:lvl3pPr marL="1143000" indent="-228600" algn="l" defTabSz="914400" rtl="0" eaLnBrk="1" latinLnBrk="0" hangingPunct="1">
+              <a:lnSpc>
+                <a:spcPct val="90000"/>
+              </a:lnSpc>
+              <a:spcBef>
+                <a:spcPts val="500"/>
+              </a:spcBef>
+              <a:buFont typeface="Arial" panose="020B0604020202020204" pitchFamily="34" charset="0"/>
+              <a:buChar char="•"/>
+              <a:defRPr sz="2000" kern="1200">
+                <a:solidFill>
+                  <a:schemeClr val="tx1"/>
+                </a:solidFill>
+                <a:latin typeface="+mn-lt"/>
+                <a:ea typeface="+mn-ea"/>
+                <a:cs typeface="+mn-cs"/>
+              </a:defRPr>
+            </a:lvl3pPr>
+            <a:lvl4pPr marL="1600200" indent="-228600" algn="l" defTabSz="914400" rtl="0" eaLnBrk="1" latinLnBrk="0" hangingPunct="1">
+              <a:lnSpc>
+                <a:spcPct val="90000"/>
+              </a:lnSpc>
+              <a:spcBef>
+                <a:spcPts val="500"/>
+              </a:spcBef>
+              <a:buFont typeface="Arial" panose="020B0604020202020204" pitchFamily="34" charset="0"/>
+              <a:buChar char="•"/>
+              <a:defRPr sz="1800" kern="1200">
+                <a:solidFill>
+                  <a:schemeClr val="tx1"/>
+                </a:solidFill>
+                <a:latin typeface="+mn-lt"/>
+                <a:ea typeface="+mn-ea"/>
+                <a:cs typeface="+mn-cs"/>
+              </a:defRPr>
+            </a:lvl4pPr>
+            <a:lvl5pPr marL="2057400" indent="-228600" algn="l" defTabSz="914400" rtl="0" eaLnBrk="1" latinLnBrk="0" hangingPunct="1">
+              <a:lnSpc>
+                <a:spcPct val="90000"/>
+              </a:lnSpc>
+              <a:spcBef>
+                <a:spcPts val="500"/>
+              </a:spcBef>
+              <a:buFont typeface="Arial" panose="020B0604020202020204" pitchFamily="34" charset="0"/>
+              <a:buChar char="•"/>
+              <a:defRPr sz="1800" kern="1200">
+                <a:solidFill>
+                  <a:schemeClr val="tx1"/>
+                </a:solidFill>
+                <a:latin typeface="+mn-lt"/>
+                <a:ea typeface="+mn-ea"/>
+                <a:cs typeface="+mn-cs"/>
+              </a:defRPr>
+            </a:lvl5pPr>
+            <a:lvl6pPr marL="2514600" indent="-228600" algn="l" defTabSz="914400" rtl="0" eaLnBrk="1" latinLnBrk="0" hangingPunct="1">
+              <a:lnSpc>
+                <a:spcPct val="90000"/>
+              </a:lnSpc>
+              <a:spcBef>
+                <a:spcPts val="500"/>
+              </a:spcBef>
+              <a:buFont typeface="Arial" panose="020B0604020202020204" pitchFamily="34" charset="0"/>
+              <a:buChar char="•"/>
+              <a:defRPr sz="1800" kern="1200">
+                <a:solidFill>
+                  <a:schemeClr val="tx1"/>
+                </a:solidFill>
+                <a:latin typeface="+mn-lt"/>
+                <a:ea typeface="+mn-ea"/>
+                <a:cs typeface="+mn-cs"/>
+              </a:defRPr>
+            </a:lvl6pPr>
+            <a:lvl7pPr marL="2971800" indent="-228600" algn="l" defTabSz="914400" rtl="0" eaLnBrk="1" latinLnBrk="0" hangingPunct="1">
+              <a:lnSpc>
+                <a:spcPct val="90000"/>
+              </a:lnSpc>
+              <a:spcBef>
+                <a:spcPts val="500"/>
+              </a:spcBef>
+              <a:buFont typeface="Arial" panose="020B0604020202020204" pitchFamily="34" charset="0"/>
+              <a:buChar char="•"/>
+              <a:defRPr sz="1800" kern="1200">
+                <a:solidFill>
+                  <a:schemeClr val="tx1"/>
+                </a:solidFill>
+                <a:latin typeface="+mn-lt"/>
+                <a:ea typeface="+mn-ea"/>
+                <a:cs typeface="+mn-cs"/>
+              </a:defRPr>
+            </a:lvl7pPr>
+            <a:lvl8pPr marL="3429000" indent="-228600" algn="l" defTabSz="914400" rtl="0" eaLnBrk="1" latinLnBrk="0" hangingPunct="1">
+              <a:lnSpc>
+                <a:spcPct val="90000"/>
+              </a:lnSpc>
+              <a:spcBef>
+                <a:spcPts val="500"/>
+              </a:spcBef>
+              <a:buFont typeface="Arial" panose="020B0604020202020204" pitchFamily="34" charset="0"/>
+              <a:buChar char="•"/>
+              <a:defRPr sz="1800" kern="1200">
+                <a:solidFill>
+                  <a:schemeClr val="tx1"/>
+                </a:solidFill>
+                <a:latin typeface="+mn-lt"/>
+                <a:ea typeface="+mn-ea"/>
+                <a:cs typeface="+mn-cs"/>
+              </a:defRPr>
+            </a:lvl8pPr>
+            <a:lvl9pPr marL="3886200" indent="-228600" algn="l" defTabSz="914400" rtl="0" eaLnBrk="1" latinLnBrk="0" hangingPunct="1">
+              <a:lnSpc>
+                <a:spcPct val="90000"/>
+              </a:lnSpc>
+              <a:spcBef>
+                <a:spcPts val="500"/>
+              </a:spcBef>
+              <a:buFont typeface="Arial" panose="020B0604020202020204" pitchFamily="34" charset="0"/>
+              <a:buChar char="•"/>
+              <a:defRPr sz="1800" kern="1200">
+                <a:solidFill>
+                  <a:schemeClr val="tx1"/>
+                </a:solidFill>
+                <a:latin typeface="+mn-lt"/>
+                <a:ea typeface="+mn-ea"/>
+                <a:cs typeface="+mn-cs"/>
+              </a:defRPr>
+            </a:lvl9pPr>
+          </a:lstStyle>
+          <a:p>
+            <a:pPr marL="0" indent="0" algn="ctr">
+              <a:buFont typeface="Arial" panose="020B0604020202020204" pitchFamily="34" charset="0"/>
+              <a:buNone/>
+            </a:pPr>
+            <a:r>
+              <a:rPr lang="pl-PL" sz="2000" dirty="0">
+                <a:latin typeface="Arial" panose="020B0604020202020204" pitchFamily="34" charset="0"/>
+                <a:cs typeface="Arial" panose="020B0604020202020204" pitchFamily="34" charset="0"/>
+              </a:rPr>
+              <a:t>4</a:t>
+            </a:r>
+            <a:endParaRPr lang="pl-PL" sz="1800" dirty="0">
+              <a:latin typeface="Arial" panose="020B0604020202020204" pitchFamily="34" charset="0"/>
+              <a:cs typeface="Arial" panose="020B0604020202020204" pitchFamily="34" charset="0"/>
+            </a:endParaRPr>
+          </a:p>
+        </p:txBody>
+      </p:sp>
+      <p:pic>
+        <p:nvPicPr>
+          <p:cNvPr id="15" name="Obraz 14" descr="Obraz zawierający tekst&#10;&#10;Opis wygenerowany automatycznie">
+            <a:extLst>
+              <a:ext uri="{FF2B5EF4-FFF2-40B4-BE49-F238E27FC236}">
+                <a16:creationId xmlns:a16="http://schemas.microsoft.com/office/drawing/2014/main" id="{860B5D60-8234-448F-9F5B-81BB21A5AC63}"/>
+              </a:ext>
+            </a:extLst>
+          </p:cNvPr>
+          <p:cNvPicPr>
+            <a:picLocks noChangeAspect="1"/>
+          </p:cNvPicPr>
+          <p:nvPr/>
+        </p:nvPicPr>
+        <p:blipFill>
+          <a:blip r:embed="rId2">
+            <a:extLst>
+              <a:ext uri="{28A0092B-C50C-407E-A947-70E740481C1C}">
+                <a14:useLocalDpi xmlns:a14="http://schemas.microsoft.com/office/drawing/2010/main" val="0"/>
+              </a:ext>
+            </a:extLst>
+          </a:blip>
+          <a:stretch>
+            <a:fillRect/>
+          </a:stretch>
+        </p:blipFill>
+        <p:spPr>
+          <a:xfrm>
+            <a:off x="565354" y="2663223"/>
+            <a:ext cx="11061292" cy="2972111"/>
+          </a:xfrm>
+          <a:prstGeom prst="rect">
+            <a:avLst/>
+          </a:prstGeom>
+        </p:spPr>
+      </p:pic>
+    </p:spTree>
+    <p:extLst>
+      <p:ext uri="{BB962C8B-B14F-4D97-AF65-F5344CB8AC3E}">
+        <p14:creationId xmlns:p14="http://schemas.microsoft.com/office/powerpoint/2010/main" val="124113824"/>
+      </p:ext>
+    </p:extLst>
+  </p:cSld>
+  <p:clrMapOvr>
+    <a:masterClrMapping/>
+  </p:clrMapOvr>
+</p:sld>
+</file>
+
+<file path=ppt/slides/slide9.xml><?xml version="1.0" encoding="utf-8"?>
+<p:sld xmlns:a="http://schemas.openxmlformats.org/drawingml/2006/main" xmlns:r="http://schemas.openxmlformats.org/officeDocument/2006/relationships" xmlns:p="http://schemas.openxmlformats.org/presentationml/2006/main">
+  <p:cSld>
+    <p:bg>
+      <p:bgPr>
+        <a:solidFill>
+          <a:srgbClr val="EFEDEF"/>
+        </a:solidFill>
+        <a:effectLst/>
+      </p:bgPr>
+    </p:bg>
+    <p:spTree>
+      <p:nvGrpSpPr>
+        <p:cNvPr id="1" name=""/>
+        <p:cNvGrpSpPr/>
+        <p:nvPr/>
+      </p:nvGrpSpPr>
+      <p:grpSpPr>
+        <a:xfrm>
+          <a:off x="0" y="0"/>
+          <a:ext cx="0" cy="0"/>
+          <a:chOff x="0" y="0"/>
+          <a:chExt cx="0" cy="0"/>
+        </a:xfrm>
+      </p:grpSpPr>
+      <p:sp>
+        <p:nvSpPr>
+          <p:cNvPr id="11" name="Tytuł 10">
+            <a:extLst>
+              <a:ext uri="{FF2B5EF4-FFF2-40B4-BE49-F238E27FC236}">
+                <a16:creationId xmlns:a16="http://schemas.microsoft.com/office/drawing/2014/main" id="{E6572A4F-AEE0-4C43-A19A-0A4EFDB11758}"/>
+              </a:ext>
+            </a:extLst>
+          </p:cNvPr>
+          <p:cNvSpPr>
+            <a:spLocks noGrp="1"/>
+          </p:cNvSpPr>
+          <p:nvPr>
+            <p:ph type="title"/>
+          </p:nvPr>
+        </p:nvSpPr>
+        <p:spPr>
+          <a:xfrm>
+            <a:off x="0" y="180001"/>
+            <a:ext cx="12192000" cy="758980"/>
+          </a:xfrm>
+        </p:spPr>
+        <p:txBody>
+          <a:bodyPr>
+            <a:normAutofit/>
+          </a:bodyPr>
+          <a:lstStyle/>
+          <a:p>
+            <a:pPr marL="1080000"/>
+            <a:r>
+              <a:rPr lang="pl-PL" sz="4000" dirty="0">
+                <a:solidFill>
+                  <a:srgbClr val="002060"/>
+                </a:solidFill>
+                <a:latin typeface="Arial" panose="020B0604020202020204" pitchFamily="34" charset="0"/>
+                <a:cs typeface="Arial" panose="020B0604020202020204" pitchFamily="34" charset="0"/>
+              </a:rPr>
+              <a:t>Ranking kierunków pod względem zarobków</a:t>
+            </a:r>
+          </a:p>
+        </p:txBody>
+      </p:sp>
+      <p:sp>
+        <p:nvSpPr>
+          <p:cNvPr id="13" name="Symbol zastępczy zawartości 12">
+            <a:extLst>
+              <a:ext uri="{FF2B5EF4-FFF2-40B4-BE49-F238E27FC236}">
+                <a16:creationId xmlns:a16="http://schemas.microsoft.com/office/drawing/2014/main" id="{DA401464-8C74-4E2C-AA34-162A596EE429}"/>
+              </a:ext>
+            </a:extLst>
+          </p:cNvPr>
+          <p:cNvSpPr>
+            <a:spLocks noGrp="1"/>
+          </p:cNvSpPr>
+          <p:nvPr>
+            <p:ph idx="1"/>
+          </p:nvPr>
+        </p:nvSpPr>
+        <p:spPr>
+          <a:xfrm>
+            <a:off x="0" y="1237130"/>
+            <a:ext cx="11112000" cy="4528970"/>
+          </a:xfrm>
+        </p:spPr>
+        <p:txBody>
+          <a:bodyPr>
+            <a:normAutofit/>
+          </a:bodyPr>
+          <a:lstStyle/>
+          <a:p>
+            <a:pPr marL="1080000" indent="0" algn="just">
+              <a:buNone/>
+            </a:pPr>
+            <a:r>
+              <a:rPr lang="pl-PL" sz="2300" dirty="0">
+                <a:latin typeface="Arial" panose="020B0604020202020204" pitchFamily="34" charset="0"/>
+                <a:cs typeface="Arial" panose="020B0604020202020204" pitchFamily="34" charset="0"/>
+              </a:rPr>
+              <a:t>Zarobki studentów w oparciu o 2459 </a:t>
+            </a:r>
+            <a:endParaRPr lang="pl-PL" sz="2300" dirty="0">
+              <a:solidFill>
+                <a:schemeClr val="accent4"/>
+              </a:solidFill>
+              <a:latin typeface="Arial" panose="020B0604020202020204" pitchFamily="34" charset="0"/>
+              <a:cs typeface="Arial" panose="020B0604020202020204" pitchFamily="34" charset="0"/>
+            </a:endParaRPr>
+          </a:p>
+        </p:txBody>
+      </p:sp>
+      <p:sp>
+        <p:nvSpPr>
+          <p:cNvPr id="7" name="Symbol zastępczy zawartości 12">
+            <a:extLst>
+              <a:ext uri="{FF2B5EF4-FFF2-40B4-BE49-F238E27FC236}">
+                <a16:creationId xmlns:a16="http://schemas.microsoft.com/office/drawing/2014/main" id="{28670177-31EF-45B8-9694-7BE806BE5EC0}"/>
+              </a:ext>
+            </a:extLst>
+          </p:cNvPr>
+          <p:cNvSpPr txBox="1">
+            <a:spLocks/>
+          </p:cNvSpPr>
+          <p:nvPr/>
+        </p:nvSpPr>
+        <p:spPr>
+          <a:xfrm>
+            <a:off x="0" y="6260951"/>
+            <a:ext cx="12192000" cy="417047"/>
+          </a:xfrm>
+          <a:prstGeom prst="rect">
+            <a:avLst/>
+          </a:prstGeom>
+        </p:spPr>
+        <p:txBody>
+          <a:bodyPr vert="horz" lIns="91440" tIns="45720" rIns="91440" bIns="45720" rtlCol="0">
+            <a:normAutofit/>
+          </a:bodyPr>
+          <a:lstStyle>
+            <a:lvl1pPr marL="228600" indent="-228600" algn="l" defTabSz="914400" rtl="0" eaLnBrk="1" latinLnBrk="0" hangingPunct="1">
+              <a:lnSpc>
+                <a:spcPct val="90000"/>
+              </a:lnSpc>
+              <a:spcBef>
+                <a:spcPts val="1000"/>
+              </a:spcBef>
+              <a:buFont typeface="Arial" panose="020B0604020202020204" pitchFamily="34" charset="0"/>
+              <a:buChar char="•"/>
+              <a:defRPr sz="2800" kern="1200">
+                <a:solidFill>
+                  <a:schemeClr val="tx1"/>
+                </a:solidFill>
+                <a:latin typeface="+mn-lt"/>
+                <a:ea typeface="+mn-ea"/>
+                <a:cs typeface="+mn-cs"/>
+              </a:defRPr>
+            </a:lvl1pPr>
+            <a:lvl2pPr marL="685800" indent="-228600" algn="l" defTabSz="914400" rtl="0" eaLnBrk="1" latinLnBrk="0" hangingPunct="1">
+              <a:lnSpc>
+                <a:spcPct val="90000"/>
+              </a:lnSpc>
+              <a:spcBef>
+                <a:spcPts val="500"/>
+              </a:spcBef>
+              <a:buFont typeface="Arial" panose="020B0604020202020204" pitchFamily="34" charset="0"/>
+              <a:buChar char="•"/>
+              <a:defRPr sz="2400" kern="1200">
+                <a:solidFill>
+                  <a:schemeClr val="tx1"/>
+                </a:solidFill>
+                <a:latin typeface="+mn-lt"/>
+                <a:ea typeface="+mn-ea"/>
+                <a:cs typeface="+mn-cs"/>
+              </a:defRPr>
+            </a:lvl2pPr>
+            <a:lvl3pPr marL="1143000" indent="-228600" algn="l" defTabSz="914400" rtl="0" eaLnBrk="1" latinLnBrk="0" hangingPunct="1">
+              <a:lnSpc>
+                <a:spcPct val="90000"/>
+              </a:lnSpc>
+              <a:spcBef>
+                <a:spcPts val="500"/>
+              </a:spcBef>
+              <a:buFont typeface="Arial" panose="020B0604020202020204" pitchFamily="34" charset="0"/>
+              <a:buChar char="•"/>
+              <a:defRPr sz="2000" kern="1200">
+                <a:solidFill>
+                  <a:schemeClr val="tx1"/>
+                </a:solidFill>
+                <a:latin typeface="+mn-lt"/>
+                <a:ea typeface="+mn-ea"/>
+                <a:cs typeface="+mn-cs"/>
+              </a:defRPr>
+            </a:lvl3pPr>
+            <a:lvl4pPr marL="1600200" indent="-228600" algn="l" defTabSz="914400" rtl="0" eaLnBrk="1" latinLnBrk="0" hangingPunct="1">
+              <a:lnSpc>
+                <a:spcPct val="90000"/>
+              </a:lnSpc>
+              <a:spcBef>
+                <a:spcPts val="500"/>
+              </a:spcBef>
+              <a:buFont typeface="Arial" panose="020B0604020202020204" pitchFamily="34" charset="0"/>
+              <a:buChar char="•"/>
+              <a:defRPr sz="1800" kern="1200">
+                <a:solidFill>
+                  <a:schemeClr val="tx1"/>
+                </a:solidFill>
+                <a:latin typeface="+mn-lt"/>
+                <a:ea typeface="+mn-ea"/>
+                <a:cs typeface="+mn-cs"/>
+              </a:defRPr>
+            </a:lvl4pPr>
+            <a:lvl5pPr marL="2057400" indent="-228600" algn="l" defTabSz="914400" rtl="0" eaLnBrk="1" latinLnBrk="0" hangingPunct="1">
+              <a:lnSpc>
+                <a:spcPct val="90000"/>
+              </a:lnSpc>
+              <a:spcBef>
+                <a:spcPts val="500"/>
+              </a:spcBef>
+              <a:buFont typeface="Arial" panose="020B0604020202020204" pitchFamily="34" charset="0"/>
+              <a:buChar char="•"/>
+              <a:defRPr sz="1800" kern="1200">
+                <a:solidFill>
+                  <a:schemeClr val="tx1"/>
+                </a:solidFill>
+                <a:latin typeface="+mn-lt"/>
+                <a:ea typeface="+mn-ea"/>
+                <a:cs typeface="+mn-cs"/>
+              </a:defRPr>
+            </a:lvl5pPr>
+            <a:lvl6pPr marL="2514600" indent="-228600" algn="l" defTabSz="914400" rtl="0" eaLnBrk="1" latinLnBrk="0" hangingPunct="1">
+              <a:lnSpc>
+                <a:spcPct val="90000"/>
+              </a:lnSpc>
+              <a:spcBef>
+                <a:spcPts val="500"/>
+              </a:spcBef>
+              <a:buFont typeface="Arial" panose="020B0604020202020204" pitchFamily="34" charset="0"/>
+              <a:buChar char="•"/>
+              <a:defRPr sz="1800" kern="1200">
+                <a:solidFill>
+                  <a:schemeClr val="tx1"/>
+                </a:solidFill>
+                <a:latin typeface="+mn-lt"/>
+                <a:ea typeface="+mn-ea"/>
+                <a:cs typeface="+mn-cs"/>
+              </a:defRPr>
+            </a:lvl6pPr>
+            <a:lvl7pPr marL="2971800" indent="-228600" algn="l" defTabSz="914400" rtl="0" eaLnBrk="1" latinLnBrk="0" hangingPunct="1">
+              <a:lnSpc>
+                <a:spcPct val="90000"/>
+              </a:lnSpc>
+              <a:spcBef>
+                <a:spcPts val="500"/>
+              </a:spcBef>
+              <a:buFont typeface="Arial" panose="020B0604020202020204" pitchFamily="34" charset="0"/>
+              <a:buChar char="•"/>
+              <a:defRPr sz="1800" kern="1200">
+                <a:solidFill>
+                  <a:schemeClr val="tx1"/>
+                </a:solidFill>
+                <a:latin typeface="+mn-lt"/>
+                <a:ea typeface="+mn-ea"/>
+                <a:cs typeface="+mn-cs"/>
+              </a:defRPr>
+            </a:lvl7pPr>
+            <a:lvl8pPr marL="3429000" indent="-228600" algn="l" defTabSz="914400" rtl="0" eaLnBrk="1" latinLnBrk="0" hangingPunct="1">
+              <a:lnSpc>
+                <a:spcPct val="90000"/>
+              </a:lnSpc>
+              <a:spcBef>
+                <a:spcPts val="500"/>
+              </a:spcBef>
+              <a:buFont typeface="Arial" panose="020B0604020202020204" pitchFamily="34" charset="0"/>
+              <a:buChar char="•"/>
+              <a:defRPr sz="1800" kern="1200">
+                <a:solidFill>
+                  <a:schemeClr val="tx1"/>
+                </a:solidFill>
+                <a:latin typeface="+mn-lt"/>
+                <a:ea typeface="+mn-ea"/>
+                <a:cs typeface="+mn-cs"/>
+              </a:defRPr>
+            </a:lvl8pPr>
+            <a:lvl9pPr marL="3886200" indent="-228600" algn="l" defTabSz="914400" rtl="0" eaLnBrk="1" latinLnBrk="0" hangingPunct="1">
+              <a:lnSpc>
+                <a:spcPct val="90000"/>
+              </a:lnSpc>
+              <a:spcBef>
+                <a:spcPts val="500"/>
+              </a:spcBef>
+              <a:buFont typeface="Arial" panose="020B0604020202020204" pitchFamily="34" charset="0"/>
+              <a:buChar char="•"/>
+              <a:defRPr sz="1800" kern="1200">
+                <a:solidFill>
+                  <a:schemeClr val="tx1"/>
+                </a:solidFill>
+                <a:latin typeface="+mn-lt"/>
+                <a:ea typeface="+mn-ea"/>
+                <a:cs typeface="+mn-cs"/>
+              </a:defRPr>
+            </a:lvl9pPr>
+          </a:lstStyle>
+          <a:p>
+            <a:pPr marL="0" indent="0" algn="ctr">
+              <a:buFont typeface="Arial" panose="020B0604020202020204" pitchFamily="34" charset="0"/>
+              <a:buNone/>
+            </a:pPr>
+            <a:r>
+              <a:rPr lang="pl-PL" sz="2000" dirty="0">
+                <a:latin typeface="Arial" panose="020B0604020202020204" pitchFamily="34" charset="0"/>
+                <a:cs typeface="Arial" panose="020B0604020202020204" pitchFamily="34" charset="0"/>
+              </a:rPr>
+              <a:t>4</a:t>
+            </a:r>
+            <a:endParaRPr lang="pl-PL" sz="1800" dirty="0">
+              <a:latin typeface="Arial" panose="020B0604020202020204" pitchFamily="34" charset="0"/>
+              <a:cs typeface="Arial" panose="020B0604020202020204" pitchFamily="34" charset="0"/>
+            </a:endParaRPr>
+          </a:p>
+        </p:txBody>
+      </p:sp>
+      <p:graphicFrame>
+        <p:nvGraphicFramePr>
+          <p:cNvPr id="5" name="Tabela 4">
+            <a:extLst>
+              <a:ext uri="{FF2B5EF4-FFF2-40B4-BE49-F238E27FC236}">
+                <a16:creationId xmlns:a16="http://schemas.microsoft.com/office/drawing/2014/main" id="{AC157A6A-FB17-4F9E-BDDF-71C14E41EADE}"/>
+              </a:ext>
+            </a:extLst>
+          </p:cNvPr>
+          <p:cNvGraphicFramePr>
+            <a:graphicFrameLocks noGrp="1"/>
+          </p:cNvGraphicFramePr>
+          <p:nvPr>
+            <p:extLst>
+              <p:ext uri="{D42A27DB-BD31-4B8C-83A1-F6EECF244321}">
+                <p14:modId xmlns:p14="http://schemas.microsoft.com/office/powerpoint/2010/main" val="4017999556"/>
+              </p:ext>
+            </p:extLst>
+          </p:nvPr>
+        </p:nvGraphicFramePr>
+        <p:xfrm>
+          <a:off x="1164348" y="1091900"/>
+          <a:ext cx="9863303" cy="5100017"/>
+        </p:xfrm>
+        <a:graphic>
+          <a:graphicData uri="http://schemas.openxmlformats.org/drawingml/2006/table">
+            <a:tbl>
+              <a:tblPr>
+                <a:tableStyleId>{616DA210-FB5B-4158-B5E0-FEB733F419BA}</a:tableStyleId>
+              </a:tblPr>
+              <a:tblGrid>
+                <a:gridCol w="273032">
+                  <a:extLst>
+                    <a:ext uri="{9D8B030D-6E8A-4147-A177-3AD203B41FA5}">
+                      <a16:colId xmlns:a16="http://schemas.microsoft.com/office/drawing/2014/main" val="2933899059"/>
+                    </a:ext>
+                  </a:extLst>
+                </a:gridCol>
+                <a:gridCol w="2269584">
+                  <a:extLst>
+                    <a:ext uri="{9D8B030D-6E8A-4147-A177-3AD203B41FA5}">
+                      <a16:colId xmlns:a16="http://schemas.microsoft.com/office/drawing/2014/main" val="353010117"/>
+                    </a:ext>
+                  </a:extLst>
+                </a:gridCol>
+                <a:gridCol w="5716621">
+                  <a:extLst>
+                    <a:ext uri="{9D8B030D-6E8A-4147-A177-3AD203B41FA5}">
+                      <a16:colId xmlns:a16="http://schemas.microsoft.com/office/drawing/2014/main" val="3963521193"/>
+                    </a:ext>
+                  </a:extLst>
+                </a:gridCol>
+                <a:gridCol w="1604066">
+                  <a:extLst>
+                    <a:ext uri="{9D8B030D-6E8A-4147-A177-3AD203B41FA5}">
+                      <a16:colId xmlns:a16="http://schemas.microsoft.com/office/drawing/2014/main" val="1385609779"/>
+                    </a:ext>
+                  </a:extLst>
+                </a:gridCol>
+              </a:tblGrid>
+              <a:tr h="181306">
+                <a:tc>
+                  <a:txBody>
+                    <a:bodyPr/>
+                    <a:lstStyle/>
+                    <a:p>
+                      <a:pPr algn="ctr" fontAlgn="ctr"/>
+                      <a:r>
+                        <a:rPr lang="pl-PL" sz="1400" u="none" strike="noStrike">
+                          <a:effectLst/>
+                        </a:rPr>
+                        <a:t>LP</a:t>
+                      </a:r>
+                      <a:endParaRPr lang="pl-PL" sz="1400" b="1" i="0" u="none" strike="noStrike">
+                        <a:solidFill>
+                          <a:srgbClr val="000000"/>
+                        </a:solidFill>
+                        <a:effectLst/>
+                        <a:latin typeface="Calibri" panose="020F0502020204030204" pitchFamily="34" charset="0"/>
+                      </a:endParaRPr>
+                    </a:p>
+                  </a:txBody>
+                  <a:tcPr marL="7554" marR="7554" marT="7554" marB="0" anchor="ctr">
+                    <a:solidFill>
+                      <a:schemeClr val="accent5">
+                        <a:lumMod val="20000"/>
+                        <a:lumOff val="80000"/>
+                      </a:schemeClr>
+                    </a:solidFill>
+                  </a:tcPr>
+                </a:tc>
+                <a:tc>
+                  <a:txBody>
+                    <a:bodyPr/>
+                    <a:lstStyle/>
+                    <a:p>
+                      <a:pPr algn="ctr" fontAlgn="ctr"/>
+                      <a:r>
+                        <a:rPr lang="pl-PL" sz="1400" u="none" strike="noStrike" dirty="0">
+                          <a:effectLst/>
+                        </a:rPr>
+                        <a:t>Nazwa uczelni</a:t>
+                      </a:r>
+                      <a:endParaRPr lang="pl-PL" sz="1400" b="1" i="0" u="none" strike="noStrike" dirty="0">
+                        <a:solidFill>
+                          <a:srgbClr val="000000"/>
+                        </a:solidFill>
+                        <a:effectLst/>
+                        <a:latin typeface="Calibri" panose="020F0502020204030204" pitchFamily="34" charset="0"/>
+                      </a:endParaRPr>
+                    </a:p>
+                  </a:txBody>
+                  <a:tcPr marL="7554" marR="7554" marT="7554" marB="0" anchor="ctr">
+                    <a:solidFill>
+                      <a:schemeClr val="accent5">
+                        <a:lumMod val="20000"/>
+                        <a:lumOff val="80000"/>
+                      </a:schemeClr>
+                    </a:solidFill>
+                  </a:tcPr>
+                </a:tc>
+                <a:tc>
+                  <a:txBody>
+                    <a:bodyPr/>
+                    <a:lstStyle/>
+                    <a:p>
+                      <a:pPr algn="ctr" fontAlgn="ctr"/>
+                      <a:r>
+                        <a:rPr lang="pl-PL" sz="1400" u="none" strike="noStrike" dirty="0">
+                          <a:effectLst/>
+                        </a:rPr>
+                        <a:t>Nazwa kierunku</a:t>
+                      </a:r>
+                      <a:endParaRPr lang="pl-PL" sz="1400" b="1" i="0" u="none" strike="noStrike" dirty="0">
+                        <a:solidFill>
+                          <a:srgbClr val="000000"/>
+                        </a:solidFill>
+                        <a:effectLst/>
+                        <a:latin typeface="Calibri" panose="020F0502020204030204" pitchFamily="34" charset="0"/>
+                      </a:endParaRPr>
+                    </a:p>
+                  </a:txBody>
+                  <a:tcPr marL="7554" marR="7554" marT="7554" marB="0" anchor="ctr">
+                    <a:solidFill>
+                      <a:schemeClr val="accent5">
+                        <a:lumMod val="20000"/>
+                        <a:lumOff val="80000"/>
+                      </a:schemeClr>
+                    </a:solidFill>
+                  </a:tcPr>
+                </a:tc>
+                <a:tc>
+                  <a:txBody>
+                    <a:bodyPr/>
+                    <a:lstStyle/>
+                    <a:p>
+                      <a:pPr algn="ctr" fontAlgn="ctr"/>
+                      <a:r>
+                        <a:rPr lang="pl-PL" sz="1400" u="none" strike="noStrike" dirty="0">
+                          <a:effectLst/>
+                        </a:rPr>
+                        <a:t>Mediana zarobków</a:t>
+                      </a:r>
+                      <a:endParaRPr lang="pl-PL" sz="1400" b="1" i="0" u="none" strike="noStrike" dirty="0">
+                        <a:solidFill>
+                          <a:srgbClr val="000000"/>
+                        </a:solidFill>
+                        <a:effectLst/>
+                        <a:latin typeface="Calibri" panose="020F0502020204030204" pitchFamily="34" charset="0"/>
+                      </a:endParaRPr>
+                    </a:p>
+                  </a:txBody>
+                  <a:tcPr marL="7554" marR="7554" marT="7554" marB="0" anchor="ctr">
+                    <a:solidFill>
+                      <a:schemeClr val="accent5">
+                        <a:lumMod val="20000"/>
+                        <a:lumOff val="80000"/>
+                      </a:schemeClr>
+                    </a:solidFill>
+                  </a:tcPr>
+                </a:tc>
+                <a:extLst>
+                  <a:ext uri="{0D108BD9-81ED-4DB2-BD59-A6C34878D82A}">
+                    <a16:rowId xmlns:a16="http://schemas.microsoft.com/office/drawing/2014/main" val="691464249"/>
+                  </a:ext>
+                </a:extLst>
+              </a:tr>
+              <a:tr h="543917">
+                <a:tc>
+                  <a:txBody>
+                    <a:bodyPr/>
+                    <a:lstStyle/>
+                    <a:p>
+                      <a:pPr algn="ctr" fontAlgn="ctr"/>
+                      <a:r>
+                        <a:rPr lang="pl-PL" sz="1400" u="none" strike="noStrike" dirty="0">
+                          <a:effectLst/>
+                        </a:rPr>
+                        <a:t>1</a:t>
+                      </a:r>
+                      <a:endParaRPr lang="pl-PL" sz="1400" b="1" i="0" u="none" strike="noStrike" dirty="0">
+                        <a:solidFill>
+                          <a:srgbClr val="000000"/>
+                        </a:solidFill>
+                        <a:effectLst/>
+                        <a:latin typeface="Calibri" panose="020F0502020204030204" pitchFamily="34" charset="0"/>
+                      </a:endParaRPr>
+                    </a:p>
+                  </a:txBody>
+                  <a:tcPr marL="7554" marR="7554" marT="7554" marB="0" anchor="ctr">
+                    <a:solidFill>
+                      <a:schemeClr val="accent5">
+                        <a:lumMod val="20000"/>
+                        <a:lumOff val="80000"/>
+                      </a:schemeClr>
+                    </a:solidFill>
+                  </a:tcPr>
+                </a:tc>
+                <a:tc>
+                  <a:txBody>
+                    <a:bodyPr/>
+                    <a:lstStyle/>
+                    <a:p>
+                      <a:pPr algn="ctr" fontAlgn="ctr"/>
+                      <a:r>
+                        <a:rPr lang="pl-PL" sz="1400" u="none" strike="noStrike" dirty="0">
+                          <a:effectLst/>
+                        </a:rPr>
+                        <a:t>Akademia Górniczo-Hutnicza im. Stanisława Staszica w Krakowie</a:t>
+                      </a:r>
+                      <a:endParaRPr lang="pl-PL" sz="1400" b="0" i="0" u="none" strike="noStrike" dirty="0">
+                        <a:solidFill>
+                          <a:srgbClr val="000000"/>
+                        </a:solidFill>
+                        <a:effectLst/>
+                        <a:latin typeface="Calibri" panose="020F0502020204030204" pitchFamily="34" charset="0"/>
+                      </a:endParaRPr>
+                    </a:p>
+                  </a:txBody>
+                  <a:tcPr marL="7554" marR="7554" marT="7554" marB="0" anchor="ctr">
+                    <a:solidFill>
+                      <a:schemeClr val="bg1"/>
+                    </a:solidFill>
+                  </a:tcPr>
+                </a:tc>
+                <a:tc>
+                  <a:txBody>
+                    <a:bodyPr/>
+                    <a:lstStyle/>
+                    <a:p>
+                      <a:pPr algn="ctr" fontAlgn="ctr"/>
+                      <a:r>
+                        <a:rPr lang="pl-PL" sz="1400" u="none" strike="noStrike" dirty="0">
+                          <a:effectLst/>
+                        </a:rPr>
+                        <a:t>Informatyka, studia stacjonarne drugiego stopnia, 3-semestralne, profil ogólnoakademicki</a:t>
+                      </a:r>
+                      <a:endParaRPr lang="pl-PL" sz="1400" b="0" i="0" u="none" strike="noStrike" dirty="0">
+                        <a:solidFill>
+                          <a:srgbClr val="000000"/>
+                        </a:solidFill>
+                        <a:effectLst/>
+                        <a:latin typeface="Calibri" panose="020F0502020204030204" pitchFamily="34" charset="0"/>
+                      </a:endParaRPr>
+                    </a:p>
+                  </a:txBody>
+                  <a:tcPr marL="7554" marR="7554" marT="7554" marB="0" anchor="ctr">
+                    <a:solidFill>
+                      <a:schemeClr val="bg1"/>
+                    </a:solidFill>
+                  </a:tcPr>
+                </a:tc>
+                <a:tc>
+                  <a:txBody>
+                    <a:bodyPr/>
+                    <a:lstStyle/>
+                    <a:p>
+                      <a:pPr algn="ctr" fontAlgn="ctr"/>
+                      <a:r>
+                        <a:rPr lang="pl-PL" sz="1400" u="none" strike="noStrike">
+                          <a:effectLst/>
+                        </a:rPr>
+                        <a:t>15177,51</a:t>
+                      </a:r>
+                      <a:endParaRPr lang="pl-PL" sz="1400" b="0" i="0" u="none" strike="noStrike">
+                        <a:solidFill>
+                          <a:srgbClr val="000000"/>
+                        </a:solidFill>
+                        <a:effectLst/>
+                        <a:latin typeface="Calibri" panose="020F0502020204030204" pitchFamily="34" charset="0"/>
+                      </a:endParaRPr>
+                    </a:p>
+                  </a:txBody>
+                  <a:tcPr marL="7554" marR="7554" marT="7554" marB="0" anchor="ctr">
+                    <a:solidFill>
+                      <a:schemeClr val="bg1"/>
+                    </a:solidFill>
+                  </a:tcPr>
+                </a:tc>
+                <a:extLst>
+                  <a:ext uri="{0D108BD9-81ED-4DB2-BD59-A6C34878D82A}">
+                    <a16:rowId xmlns:a16="http://schemas.microsoft.com/office/drawing/2014/main" val="4142452148"/>
+                  </a:ext>
+                </a:extLst>
+              </a:tr>
+              <a:tr h="362611">
+                <a:tc>
+                  <a:txBody>
+                    <a:bodyPr/>
+                    <a:lstStyle/>
+                    <a:p>
+                      <a:pPr algn="ctr" fontAlgn="ctr"/>
+                      <a:r>
+                        <a:rPr lang="pl-PL" sz="1400" u="none" strike="noStrike" dirty="0">
+                          <a:effectLst/>
+                        </a:rPr>
+                        <a:t>2</a:t>
+                      </a:r>
+                      <a:endParaRPr lang="pl-PL" sz="1400" b="1" i="0" u="none" strike="noStrike" dirty="0">
+                        <a:solidFill>
+                          <a:srgbClr val="000000"/>
+                        </a:solidFill>
+                        <a:effectLst/>
+                        <a:latin typeface="Calibri" panose="020F0502020204030204" pitchFamily="34" charset="0"/>
+                      </a:endParaRPr>
+                    </a:p>
+                  </a:txBody>
+                  <a:tcPr marL="7554" marR="7554" marT="7554" marB="0" anchor="ctr">
+                    <a:solidFill>
+                      <a:schemeClr val="accent5">
+                        <a:lumMod val="20000"/>
+                        <a:lumOff val="80000"/>
+                      </a:schemeClr>
+                    </a:solidFill>
+                  </a:tcPr>
+                </a:tc>
+                <a:tc>
+                  <a:txBody>
+                    <a:bodyPr/>
+                    <a:lstStyle/>
+                    <a:p>
+                      <a:pPr algn="ctr" fontAlgn="ctr"/>
+                      <a:r>
+                        <a:rPr lang="pl-PL" sz="1400" u="none" strike="noStrike" dirty="0">
+                          <a:effectLst/>
+                        </a:rPr>
+                        <a:t>Polsko-Japońska Akademia Technik Komputerowych</a:t>
+                      </a:r>
+                      <a:endParaRPr lang="pl-PL" sz="1400" b="0" i="0" u="none" strike="noStrike" dirty="0">
+                        <a:solidFill>
+                          <a:srgbClr val="000000"/>
+                        </a:solidFill>
+                        <a:effectLst/>
+                        <a:latin typeface="Calibri" panose="020F0502020204030204" pitchFamily="34" charset="0"/>
+                      </a:endParaRPr>
+                    </a:p>
+                  </a:txBody>
+                  <a:tcPr marL="7554" marR="7554" marT="7554" marB="0" anchor="ctr">
+                    <a:solidFill>
+                      <a:schemeClr val="bg1"/>
+                    </a:solidFill>
+                  </a:tcPr>
+                </a:tc>
+                <a:tc>
+                  <a:txBody>
+                    <a:bodyPr/>
+                    <a:lstStyle/>
+                    <a:p>
+                      <a:pPr algn="ctr" fontAlgn="ctr"/>
+                      <a:r>
+                        <a:rPr lang="pl-PL" sz="1400" u="none" strike="noStrike" dirty="0">
+                          <a:effectLst/>
+                        </a:rPr>
+                        <a:t>Informatyka, studia niestacjonarne drugiego stopnia, 5-semestralne, profil ogólnoakademicki</a:t>
+                      </a:r>
+                      <a:endParaRPr lang="pl-PL" sz="1400" b="0" i="0" u="none" strike="noStrike" dirty="0">
+                        <a:solidFill>
+                          <a:srgbClr val="000000"/>
+                        </a:solidFill>
+                        <a:effectLst/>
+                        <a:latin typeface="Calibri" panose="020F0502020204030204" pitchFamily="34" charset="0"/>
+                      </a:endParaRPr>
+                    </a:p>
+                  </a:txBody>
+                  <a:tcPr marL="7554" marR="7554" marT="7554" marB="0" anchor="ctr">
+                    <a:solidFill>
+                      <a:schemeClr val="bg1"/>
+                    </a:solidFill>
+                  </a:tcPr>
+                </a:tc>
+                <a:tc>
+                  <a:txBody>
+                    <a:bodyPr/>
+                    <a:lstStyle/>
+                    <a:p>
+                      <a:pPr algn="ctr" fontAlgn="ctr"/>
+                      <a:r>
+                        <a:rPr lang="pl-PL" sz="1400" u="none" strike="noStrike">
+                          <a:effectLst/>
+                        </a:rPr>
+                        <a:t>14264,42</a:t>
+                      </a:r>
+                      <a:endParaRPr lang="pl-PL" sz="1400" b="0" i="0" u="none" strike="noStrike">
+                        <a:solidFill>
+                          <a:srgbClr val="000000"/>
+                        </a:solidFill>
+                        <a:effectLst/>
+                        <a:latin typeface="Calibri" panose="020F0502020204030204" pitchFamily="34" charset="0"/>
+                      </a:endParaRPr>
+                    </a:p>
+                  </a:txBody>
+                  <a:tcPr marL="7554" marR="7554" marT="7554" marB="0" anchor="ctr">
+                    <a:solidFill>
+                      <a:schemeClr val="bg1"/>
+                    </a:solidFill>
+                  </a:tcPr>
+                </a:tc>
+                <a:extLst>
+                  <a:ext uri="{0D108BD9-81ED-4DB2-BD59-A6C34878D82A}">
+                    <a16:rowId xmlns:a16="http://schemas.microsoft.com/office/drawing/2014/main" val="2546951303"/>
+                  </a:ext>
+                </a:extLst>
+              </a:tr>
+              <a:tr h="362611">
+                <a:tc>
+                  <a:txBody>
+                    <a:bodyPr/>
+                    <a:lstStyle/>
+                    <a:p>
+                      <a:pPr algn="ctr" fontAlgn="ctr"/>
+                      <a:r>
+                        <a:rPr lang="pl-PL" sz="1400" u="none" strike="noStrike">
+                          <a:effectLst/>
+                        </a:rPr>
+                        <a:t>3</a:t>
+                      </a:r>
+                      <a:endParaRPr lang="pl-PL" sz="1400" b="1" i="0" u="none" strike="noStrike">
+                        <a:solidFill>
+                          <a:srgbClr val="000000"/>
+                        </a:solidFill>
+                        <a:effectLst/>
+                        <a:latin typeface="Calibri" panose="020F0502020204030204" pitchFamily="34" charset="0"/>
+                      </a:endParaRPr>
+                    </a:p>
+                  </a:txBody>
+                  <a:tcPr marL="7554" marR="7554" marT="7554" marB="0" anchor="ctr">
+                    <a:solidFill>
+                      <a:schemeClr val="accent5">
+                        <a:lumMod val="20000"/>
+                        <a:lumOff val="80000"/>
+                      </a:schemeClr>
+                    </a:solidFill>
+                  </a:tcPr>
+                </a:tc>
+                <a:tc>
+                  <a:txBody>
+                    <a:bodyPr/>
+                    <a:lstStyle/>
+                    <a:p>
+                      <a:pPr algn="ctr" fontAlgn="ctr"/>
+                      <a:r>
+                        <a:rPr lang="pl-PL" sz="1400" u="none" strike="noStrike">
+                          <a:effectLst/>
+                        </a:rPr>
+                        <a:t>Politechnika Warszawska</a:t>
+                      </a:r>
+                      <a:endParaRPr lang="pl-PL" sz="1400" b="0" i="0" u="none" strike="noStrike">
+                        <a:solidFill>
+                          <a:srgbClr val="000000"/>
+                        </a:solidFill>
+                        <a:effectLst/>
+                        <a:latin typeface="Calibri" panose="020F0502020204030204" pitchFamily="34" charset="0"/>
+                      </a:endParaRPr>
+                    </a:p>
+                  </a:txBody>
+                  <a:tcPr marL="7554" marR="7554" marT="7554" marB="0" anchor="ctr">
+                    <a:solidFill>
+                      <a:schemeClr val="bg1"/>
+                    </a:solidFill>
+                  </a:tcPr>
+                </a:tc>
+                <a:tc>
+                  <a:txBody>
+                    <a:bodyPr/>
+                    <a:lstStyle/>
+                    <a:p>
+                      <a:pPr algn="ctr" fontAlgn="ctr"/>
+                      <a:r>
+                        <a:rPr lang="pl-PL" sz="1400" u="none" strike="noStrike" dirty="0">
+                          <a:effectLst/>
+                        </a:rPr>
+                        <a:t>Informatyka, studia stacjonarne drugiego stopnia, 4-semestralne, profil ogólnoakademicki</a:t>
+                      </a:r>
+                      <a:endParaRPr lang="pl-PL" sz="1400" b="0" i="0" u="none" strike="noStrike" dirty="0">
+                        <a:solidFill>
+                          <a:srgbClr val="000000"/>
+                        </a:solidFill>
+                        <a:effectLst/>
+                        <a:latin typeface="Calibri" panose="020F0502020204030204" pitchFamily="34" charset="0"/>
+                      </a:endParaRPr>
+                    </a:p>
+                  </a:txBody>
+                  <a:tcPr marL="7554" marR="7554" marT="7554" marB="0" anchor="ctr">
+                    <a:solidFill>
+                      <a:schemeClr val="bg1"/>
+                    </a:solidFill>
+                  </a:tcPr>
+                </a:tc>
+                <a:tc>
+                  <a:txBody>
+                    <a:bodyPr/>
+                    <a:lstStyle/>
+                    <a:p>
+                      <a:pPr algn="ctr" fontAlgn="ctr"/>
+                      <a:r>
+                        <a:rPr lang="pl-PL" sz="1400" u="none" strike="noStrike">
+                          <a:effectLst/>
+                        </a:rPr>
+                        <a:t>14038,355</a:t>
+                      </a:r>
+                      <a:endParaRPr lang="pl-PL" sz="1400" b="0" i="0" u="none" strike="noStrike">
+                        <a:solidFill>
+                          <a:srgbClr val="000000"/>
+                        </a:solidFill>
+                        <a:effectLst/>
+                        <a:latin typeface="Calibri" panose="020F0502020204030204" pitchFamily="34" charset="0"/>
+                      </a:endParaRPr>
+                    </a:p>
+                  </a:txBody>
+                  <a:tcPr marL="7554" marR="7554" marT="7554" marB="0" anchor="ctr">
+                    <a:solidFill>
+                      <a:schemeClr val="bg1"/>
+                    </a:solidFill>
+                  </a:tcPr>
+                </a:tc>
+                <a:extLst>
+                  <a:ext uri="{0D108BD9-81ED-4DB2-BD59-A6C34878D82A}">
+                    <a16:rowId xmlns:a16="http://schemas.microsoft.com/office/drawing/2014/main" val="422805389"/>
+                  </a:ext>
+                </a:extLst>
+              </a:tr>
+              <a:tr h="362611">
+                <a:tc>
+                  <a:txBody>
+                    <a:bodyPr/>
+                    <a:lstStyle/>
+                    <a:p>
+                      <a:pPr algn="ctr" fontAlgn="ctr"/>
+                      <a:r>
+                        <a:rPr lang="pl-PL" sz="1400" u="none" strike="noStrike" dirty="0">
+                          <a:effectLst/>
+                        </a:rPr>
+                        <a:t>4</a:t>
+                      </a:r>
+                      <a:endParaRPr lang="pl-PL" sz="1400" b="1" i="0" u="none" strike="noStrike" dirty="0">
+                        <a:solidFill>
+                          <a:srgbClr val="000000"/>
+                        </a:solidFill>
+                        <a:effectLst/>
+                        <a:latin typeface="Calibri" panose="020F0502020204030204" pitchFamily="34" charset="0"/>
+                      </a:endParaRPr>
+                    </a:p>
+                  </a:txBody>
+                  <a:tcPr marL="7554" marR="7554" marT="7554" marB="0" anchor="ctr">
+                    <a:solidFill>
+                      <a:schemeClr val="accent5">
+                        <a:lumMod val="20000"/>
+                        <a:lumOff val="80000"/>
+                      </a:schemeClr>
+                    </a:solidFill>
+                  </a:tcPr>
+                </a:tc>
+                <a:tc>
+                  <a:txBody>
+                    <a:bodyPr/>
+                    <a:lstStyle/>
+                    <a:p>
+                      <a:pPr algn="ctr" fontAlgn="ctr"/>
+                      <a:r>
+                        <a:rPr lang="pl-PL" sz="1400" u="none" strike="noStrike">
+                          <a:effectLst/>
+                        </a:rPr>
+                        <a:t>Polsko-Japońska Akademia Technik Komputerowych</a:t>
+                      </a:r>
+                      <a:endParaRPr lang="pl-PL" sz="1400" b="0" i="0" u="none" strike="noStrike">
+                        <a:solidFill>
+                          <a:srgbClr val="000000"/>
+                        </a:solidFill>
+                        <a:effectLst/>
+                        <a:latin typeface="Calibri" panose="020F0502020204030204" pitchFamily="34" charset="0"/>
+                      </a:endParaRPr>
+                    </a:p>
+                  </a:txBody>
+                  <a:tcPr marL="7554" marR="7554" marT="7554" marB="0" anchor="ctr">
+                    <a:solidFill>
+                      <a:schemeClr val="bg1"/>
+                    </a:solidFill>
+                  </a:tcPr>
+                </a:tc>
+                <a:tc>
+                  <a:txBody>
+                    <a:bodyPr/>
+                    <a:lstStyle/>
+                    <a:p>
+                      <a:pPr algn="ctr" fontAlgn="ctr"/>
+                      <a:r>
+                        <a:rPr lang="pl-PL" sz="1400" u="none" strike="noStrike" dirty="0">
+                          <a:effectLst/>
+                        </a:rPr>
+                        <a:t>Informatyka, studia niestacjonarne drugiego stopnia, 5-semestralne, profil praktyczny</a:t>
+                      </a:r>
+                      <a:endParaRPr lang="pl-PL" sz="1400" b="0" i="0" u="none" strike="noStrike" dirty="0">
+                        <a:solidFill>
+                          <a:srgbClr val="000000"/>
+                        </a:solidFill>
+                        <a:effectLst/>
+                        <a:latin typeface="Calibri" panose="020F0502020204030204" pitchFamily="34" charset="0"/>
+                      </a:endParaRPr>
+                    </a:p>
+                  </a:txBody>
+                  <a:tcPr marL="7554" marR="7554" marT="7554" marB="0" anchor="ctr">
+                    <a:solidFill>
+                      <a:schemeClr val="bg1"/>
+                    </a:solidFill>
+                  </a:tcPr>
+                </a:tc>
+                <a:tc>
+                  <a:txBody>
+                    <a:bodyPr/>
+                    <a:lstStyle/>
+                    <a:p>
+                      <a:pPr algn="ctr" fontAlgn="ctr"/>
+                      <a:r>
+                        <a:rPr lang="pl-PL" sz="1400" u="none" strike="noStrike" dirty="0">
+                          <a:effectLst/>
+                        </a:rPr>
+                        <a:t>13586,03</a:t>
+                      </a:r>
+                      <a:endParaRPr lang="pl-PL" sz="1400" b="0" i="0" u="none" strike="noStrike" dirty="0">
+                        <a:solidFill>
+                          <a:srgbClr val="000000"/>
+                        </a:solidFill>
+                        <a:effectLst/>
+                        <a:latin typeface="Calibri" panose="020F0502020204030204" pitchFamily="34" charset="0"/>
+                      </a:endParaRPr>
+                    </a:p>
+                  </a:txBody>
+                  <a:tcPr marL="7554" marR="7554" marT="7554" marB="0" anchor="ctr">
+                    <a:solidFill>
+                      <a:schemeClr val="bg1"/>
+                    </a:solidFill>
+                  </a:tcPr>
+                </a:tc>
+                <a:extLst>
+                  <a:ext uri="{0D108BD9-81ED-4DB2-BD59-A6C34878D82A}">
+                    <a16:rowId xmlns:a16="http://schemas.microsoft.com/office/drawing/2014/main" val="697248532"/>
+                  </a:ext>
+                </a:extLst>
+              </a:tr>
+              <a:tr h="362611">
+                <a:tc>
+                  <a:txBody>
+                    <a:bodyPr/>
+                    <a:lstStyle/>
+                    <a:p>
+                      <a:pPr algn="ctr" fontAlgn="ctr"/>
+                      <a:r>
+                        <a:rPr lang="pl-PL" sz="1400" u="none" strike="noStrike" dirty="0">
+                          <a:effectLst/>
+                        </a:rPr>
+                        <a:t>5</a:t>
+                      </a:r>
+                      <a:endParaRPr lang="pl-PL" sz="1400" b="1" i="0" u="none" strike="noStrike" dirty="0">
+                        <a:solidFill>
+                          <a:srgbClr val="000000"/>
+                        </a:solidFill>
+                        <a:effectLst/>
+                        <a:latin typeface="Calibri" panose="020F0502020204030204" pitchFamily="34" charset="0"/>
+                      </a:endParaRPr>
+                    </a:p>
+                  </a:txBody>
+                  <a:tcPr marL="7554" marR="7554" marT="7554" marB="0" anchor="ctr">
+                    <a:solidFill>
+                      <a:schemeClr val="accent5">
+                        <a:lumMod val="20000"/>
+                        <a:lumOff val="80000"/>
+                      </a:schemeClr>
+                    </a:solidFill>
+                  </a:tcPr>
+                </a:tc>
+                <a:tc>
+                  <a:txBody>
+                    <a:bodyPr/>
+                    <a:lstStyle/>
+                    <a:p>
+                      <a:pPr algn="ctr" fontAlgn="ctr"/>
+                      <a:r>
+                        <a:rPr lang="pl-PL" sz="1400" u="none" strike="noStrike">
+                          <a:effectLst/>
+                        </a:rPr>
+                        <a:t>Politechnika Warszawska</a:t>
+                      </a:r>
+                      <a:endParaRPr lang="pl-PL" sz="1400" b="0" i="0" u="none" strike="noStrike">
+                        <a:solidFill>
+                          <a:srgbClr val="000000"/>
+                        </a:solidFill>
+                        <a:effectLst/>
+                        <a:latin typeface="Calibri" panose="020F0502020204030204" pitchFamily="34" charset="0"/>
+                      </a:endParaRPr>
+                    </a:p>
+                  </a:txBody>
+                  <a:tcPr marL="7554" marR="7554" marT="7554" marB="0" anchor="ctr">
+                    <a:solidFill>
+                      <a:schemeClr val="bg1"/>
+                    </a:solidFill>
+                  </a:tcPr>
+                </a:tc>
+                <a:tc>
+                  <a:txBody>
+                    <a:bodyPr/>
+                    <a:lstStyle/>
+                    <a:p>
+                      <a:pPr algn="ctr" fontAlgn="ctr"/>
+                      <a:r>
+                        <a:rPr lang="pl-PL" sz="1400" u="none" strike="noStrike" dirty="0">
+                          <a:effectLst/>
+                        </a:rPr>
+                        <a:t>Informatyka, studia stacjonarne drugiego stopnia, 4-semestralne, profil ogólnoakademicki</a:t>
+                      </a:r>
+                      <a:endParaRPr lang="pl-PL" sz="1400" b="0" i="0" u="none" strike="noStrike" dirty="0">
+                        <a:solidFill>
+                          <a:srgbClr val="000000"/>
+                        </a:solidFill>
+                        <a:effectLst/>
+                        <a:latin typeface="Calibri" panose="020F0502020204030204" pitchFamily="34" charset="0"/>
+                      </a:endParaRPr>
+                    </a:p>
+                  </a:txBody>
+                  <a:tcPr marL="7554" marR="7554" marT="7554" marB="0" anchor="ctr">
+                    <a:solidFill>
+                      <a:schemeClr val="bg1"/>
+                    </a:solidFill>
+                  </a:tcPr>
+                </a:tc>
+                <a:tc>
+                  <a:txBody>
+                    <a:bodyPr/>
+                    <a:lstStyle/>
+                    <a:p>
+                      <a:pPr algn="ctr" fontAlgn="ctr"/>
+                      <a:r>
+                        <a:rPr lang="pl-PL" sz="1400" u="none" strike="noStrike">
+                          <a:effectLst/>
+                        </a:rPr>
+                        <a:t>13216,63</a:t>
+                      </a:r>
+                      <a:endParaRPr lang="pl-PL" sz="1400" b="0" i="0" u="none" strike="noStrike">
+                        <a:solidFill>
+                          <a:srgbClr val="000000"/>
+                        </a:solidFill>
+                        <a:effectLst/>
+                        <a:latin typeface="Calibri" panose="020F0502020204030204" pitchFamily="34" charset="0"/>
+                      </a:endParaRPr>
+                    </a:p>
+                  </a:txBody>
+                  <a:tcPr marL="7554" marR="7554" marT="7554" marB="0" anchor="ctr">
+                    <a:solidFill>
+                      <a:schemeClr val="bg1"/>
+                    </a:solidFill>
+                  </a:tcPr>
+                </a:tc>
+                <a:extLst>
+                  <a:ext uri="{0D108BD9-81ED-4DB2-BD59-A6C34878D82A}">
+                    <a16:rowId xmlns:a16="http://schemas.microsoft.com/office/drawing/2014/main" val="3798690421"/>
+                  </a:ext>
+                </a:extLst>
+              </a:tr>
+              <a:tr h="543917">
+                <a:tc>
+                  <a:txBody>
+                    <a:bodyPr/>
+                    <a:lstStyle/>
+                    <a:p>
+                      <a:pPr algn="ctr" fontAlgn="ctr"/>
+                      <a:r>
+                        <a:rPr lang="pl-PL" sz="1400" u="none" strike="noStrike" dirty="0">
+                          <a:effectLst/>
+                        </a:rPr>
+                        <a:t>6</a:t>
+                      </a:r>
+                      <a:endParaRPr lang="pl-PL" sz="1400" b="1" i="0" u="none" strike="noStrike" dirty="0">
+                        <a:solidFill>
+                          <a:srgbClr val="000000"/>
+                        </a:solidFill>
+                        <a:effectLst/>
+                        <a:latin typeface="Calibri" panose="020F0502020204030204" pitchFamily="34" charset="0"/>
+                      </a:endParaRPr>
+                    </a:p>
+                  </a:txBody>
+                  <a:tcPr marL="7554" marR="7554" marT="7554" marB="0" anchor="ctr">
+                    <a:solidFill>
+                      <a:schemeClr val="accent5">
+                        <a:lumMod val="20000"/>
+                        <a:lumOff val="80000"/>
+                      </a:schemeClr>
+                    </a:solidFill>
+                  </a:tcPr>
+                </a:tc>
+                <a:tc>
+                  <a:txBody>
+                    <a:bodyPr/>
+                    <a:lstStyle/>
+                    <a:p>
+                      <a:pPr algn="ctr" fontAlgn="ctr"/>
+                      <a:r>
+                        <a:rPr lang="pl-PL" sz="1400" u="none" strike="noStrike">
+                          <a:effectLst/>
+                        </a:rPr>
+                        <a:t>Akademia Górniczo-Hutnicza im. Stanisława Staszica w Krakowie</a:t>
+                      </a:r>
+                      <a:endParaRPr lang="pl-PL" sz="1400" b="0" i="0" u="none" strike="noStrike">
+                        <a:solidFill>
+                          <a:srgbClr val="000000"/>
+                        </a:solidFill>
+                        <a:effectLst/>
+                        <a:latin typeface="Calibri" panose="020F0502020204030204" pitchFamily="34" charset="0"/>
+                      </a:endParaRPr>
+                    </a:p>
+                  </a:txBody>
+                  <a:tcPr marL="7554" marR="7554" marT="7554" marB="0" anchor="ctr">
+                    <a:solidFill>
+                      <a:schemeClr val="bg1"/>
+                    </a:solidFill>
+                  </a:tcPr>
+                </a:tc>
+                <a:tc>
+                  <a:txBody>
+                    <a:bodyPr/>
+                    <a:lstStyle/>
+                    <a:p>
+                      <a:pPr algn="ctr" fontAlgn="ctr"/>
+                      <a:r>
+                        <a:rPr lang="pl-PL" sz="1400" u="none" strike="noStrike" dirty="0">
+                          <a:effectLst/>
+                        </a:rPr>
+                        <a:t>Informatyka stosowana, studia stacjonarne drugiego stopnia, 3-semestralne, profil ogólnoakademicki</a:t>
+                      </a:r>
+                      <a:endParaRPr lang="pl-PL" sz="1400" b="0" i="0" u="none" strike="noStrike" dirty="0">
+                        <a:solidFill>
+                          <a:srgbClr val="000000"/>
+                        </a:solidFill>
+                        <a:effectLst/>
+                        <a:latin typeface="Calibri" panose="020F0502020204030204" pitchFamily="34" charset="0"/>
+                      </a:endParaRPr>
+                    </a:p>
+                  </a:txBody>
+                  <a:tcPr marL="7554" marR="7554" marT="7554" marB="0" anchor="ctr">
+                    <a:solidFill>
+                      <a:schemeClr val="bg1"/>
+                    </a:solidFill>
+                  </a:tcPr>
+                </a:tc>
+                <a:tc>
+                  <a:txBody>
+                    <a:bodyPr/>
+                    <a:lstStyle/>
+                    <a:p>
+                      <a:pPr algn="ctr" fontAlgn="ctr"/>
+                      <a:r>
+                        <a:rPr lang="pl-PL" sz="1400" u="none" strike="noStrike">
+                          <a:effectLst/>
+                        </a:rPr>
+                        <a:t>12756,725</a:t>
+                      </a:r>
+                      <a:endParaRPr lang="pl-PL" sz="1400" b="0" i="0" u="none" strike="noStrike">
+                        <a:solidFill>
+                          <a:srgbClr val="000000"/>
+                        </a:solidFill>
+                        <a:effectLst/>
+                        <a:latin typeface="Calibri" panose="020F0502020204030204" pitchFamily="34" charset="0"/>
+                      </a:endParaRPr>
+                    </a:p>
+                  </a:txBody>
+                  <a:tcPr marL="7554" marR="7554" marT="7554" marB="0" anchor="ctr">
+                    <a:solidFill>
+                      <a:schemeClr val="bg1"/>
+                    </a:solidFill>
+                  </a:tcPr>
+                </a:tc>
+                <a:extLst>
+                  <a:ext uri="{0D108BD9-81ED-4DB2-BD59-A6C34878D82A}">
+                    <a16:rowId xmlns:a16="http://schemas.microsoft.com/office/drawing/2014/main" val="1225163271"/>
+                  </a:ext>
+                </a:extLst>
+              </a:tr>
+              <a:tr h="543917">
+                <a:tc>
+                  <a:txBody>
+                    <a:bodyPr/>
+                    <a:lstStyle/>
+                    <a:p>
+                      <a:pPr algn="ctr" fontAlgn="ctr"/>
+                      <a:r>
+                        <a:rPr lang="pl-PL" sz="1400" u="none" strike="noStrike" dirty="0">
+                          <a:effectLst/>
+                        </a:rPr>
+                        <a:t>7</a:t>
+                      </a:r>
+                      <a:endParaRPr lang="pl-PL" sz="1400" b="1" i="0" u="none" strike="noStrike" dirty="0">
+                        <a:solidFill>
+                          <a:srgbClr val="000000"/>
+                        </a:solidFill>
+                        <a:effectLst/>
+                        <a:latin typeface="Calibri" panose="020F0502020204030204" pitchFamily="34" charset="0"/>
+                      </a:endParaRPr>
+                    </a:p>
+                  </a:txBody>
+                  <a:tcPr marL="7554" marR="7554" marT="7554" marB="0" anchor="ctr">
+                    <a:solidFill>
+                      <a:schemeClr val="accent5">
+                        <a:lumMod val="20000"/>
+                        <a:lumOff val="80000"/>
+                      </a:schemeClr>
+                    </a:solidFill>
+                  </a:tcPr>
+                </a:tc>
+                <a:tc>
+                  <a:txBody>
+                    <a:bodyPr/>
+                    <a:lstStyle/>
+                    <a:p>
+                      <a:pPr algn="ctr" fontAlgn="ctr"/>
+                      <a:r>
+                        <a:rPr lang="pl-PL" sz="1400" u="none" strike="noStrike">
+                          <a:effectLst/>
+                        </a:rPr>
+                        <a:t>Polsko-Japońska Wyższa Szkoła Technik Komputerowych</a:t>
+                      </a:r>
+                      <a:endParaRPr lang="pl-PL" sz="1400" b="0" i="0" u="none" strike="noStrike">
+                        <a:solidFill>
+                          <a:srgbClr val="000000"/>
+                        </a:solidFill>
+                        <a:effectLst/>
+                        <a:latin typeface="Calibri" panose="020F0502020204030204" pitchFamily="34" charset="0"/>
+                      </a:endParaRPr>
+                    </a:p>
+                  </a:txBody>
+                  <a:tcPr marL="7554" marR="7554" marT="7554" marB="0" anchor="ctr">
+                    <a:solidFill>
+                      <a:schemeClr val="bg1"/>
+                    </a:solidFill>
+                  </a:tcPr>
+                </a:tc>
+                <a:tc>
+                  <a:txBody>
+                    <a:bodyPr/>
+                    <a:lstStyle/>
+                    <a:p>
+                      <a:pPr algn="ctr" fontAlgn="ctr"/>
+                      <a:r>
+                        <a:rPr lang="pl-PL" sz="1400" u="none" strike="noStrike" dirty="0">
+                          <a:effectLst/>
+                        </a:rPr>
+                        <a:t>Informatyka, studia niestacjonarne drugiego stopnia, 5-semestralne, profil praktyczny</a:t>
+                      </a:r>
+                      <a:endParaRPr lang="pl-PL" sz="1400" b="0" i="0" u="none" strike="noStrike" dirty="0">
+                        <a:solidFill>
+                          <a:srgbClr val="000000"/>
+                        </a:solidFill>
+                        <a:effectLst/>
+                        <a:latin typeface="Calibri" panose="020F0502020204030204" pitchFamily="34" charset="0"/>
+                      </a:endParaRPr>
+                    </a:p>
+                  </a:txBody>
+                  <a:tcPr marL="7554" marR="7554" marT="7554" marB="0" anchor="ctr">
+                    <a:solidFill>
+                      <a:schemeClr val="bg1"/>
+                    </a:solidFill>
+                  </a:tcPr>
+                </a:tc>
+                <a:tc>
+                  <a:txBody>
+                    <a:bodyPr/>
+                    <a:lstStyle/>
+                    <a:p>
+                      <a:pPr algn="ctr" fontAlgn="ctr"/>
+                      <a:r>
+                        <a:rPr lang="pl-PL" sz="1400" u="none" strike="noStrike" dirty="0">
+                          <a:effectLst/>
+                        </a:rPr>
+                        <a:t>12740,78</a:t>
+                      </a:r>
+                      <a:endParaRPr lang="pl-PL" sz="1400" b="0" i="0" u="none" strike="noStrike" dirty="0">
+                        <a:solidFill>
+                          <a:srgbClr val="000000"/>
+                        </a:solidFill>
+                        <a:effectLst/>
+                        <a:latin typeface="Calibri" panose="020F0502020204030204" pitchFamily="34" charset="0"/>
+                      </a:endParaRPr>
+                    </a:p>
+                  </a:txBody>
+                  <a:tcPr marL="7554" marR="7554" marT="7554" marB="0" anchor="ctr">
+                    <a:solidFill>
+                      <a:schemeClr val="bg1"/>
+                    </a:solidFill>
+                  </a:tcPr>
+                </a:tc>
+                <a:extLst>
+                  <a:ext uri="{0D108BD9-81ED-4DB2-BD59-A6C34878D82A}">
+                    <a16:rowId xmlns:a16="http://schemas.microsoft.com/office/drawing/2014/main" val="3333635380"/>
+                  </a:ext>
+                </a:extLst>
+              </a:tr>
+              <a:tr h="362611">
+                <a:tc>
+                  <a:txBody>
+                    <a:bodyPr/>
+                    <a:lstStyle/>
+                    <a:p>
+                      <a:pPr algn="ctr" fontAlgn="ctr"/>
+                      <a:r>
+                        <a:rPr lang="pl-PL" sz="1400" u="none" strike="noStrike" dirty="0">
+                          <a:effectLst/>
+                        </a:rPr>
+                        <a:t>8</a:t>
+                      </a:r>
+                      <a:endParaRPr lang="pl-PL" sz="1400" b="1" i="0" u="none" strike="noStrike" dirty="0">
+                        <a:solidFill>
+                          <a:srgbClr val="000000"/>
+                        </a:solidFill>
+                        <a:effectLst/>
+                        <a:latin typeface="Calibri" panose="020F0502020204030204" pitchFamily="34" charset="0"/>
+                      </a:endParaRPr>
+                    </a:p>
+                  </a:txBody>
+                  <a:tcPr marL="7554" marR="7554" marT="7554" marB="0" anchor="ctr">
+                    <a:solidFill>
+                      <a:schemeClr val="accent5">
+                        <a:lumMod val="20000"/>
+                        <a:lumOff val="80000"/>
+                      </a:schemeClr>
+                    </a:solidFill>
+                  </a:tcPr>
+                </a:tc>
+                <a:tc>
+                  <a:txBody>
+                    <a:bodyPr/>
+                    <a:lstStyle/>
+                    <a:p>
+                      <a:pPr algn="ctr" fontAlgn="ctr"/>
+                      <a:r>
+                        <a:rPr lang="pl-PL" sz="1400" u="none" strike="noStrike">
+                          <a:effectLst/>
+                        </a:rPr>
+                        <a:t>Politechnika Gdańska</a:t>
+                      </a:r>
+                      <a:endParaRPr lang="pl-PL" sz="1400" b="0" i="0" u="none" strike="noStrike">
+                        <a:solidFill>
+                          <a:srgbClr val="000000"/>
+                        </a:solidFill>
+                        <a:effectLst/>
+                        <a:latin typeface="Calibri" panose="020F0502020204030204" pitchFamily="34" charset="0"/>
+                      </a:endParaRPr>
+                    </a:p>
+                  </a:txBody>
+                  <a:tcPr marL="7554" marR="7554" marT="7554" marB="0" anchor="ctr">
+                    <a:solidFill>
+                      <a:schemeClr val="bg1"/>
+                    </a:solidFill>
+                  </a:tcPr>
+                </a:tc>
+                <a:tc>
+                  <a:txBody>
+                    <a:bodyPr/>
+                    <a:lstStyle/>
+                    <a:p>
+                      <a:pPr algn="ctr" fontAlgn="ctr"/>
+                      <a:r>
+                        <a:rPr lang="pl-PL" sz="1400" u="none" strike="noStrike" dirty="0">
+                          <a:effectLst/>
+                        </a:rPr>
+                        <a:t>Informatyka, studia stacjonarne drugiego stopnia, 3-semestralne, profil ogólnoakademicki</a:t>
+                      </a:r>
+                      <a:endParaRPr lang="pl-PL" sz="1400" b="0" i="0" u="none" strike="noStrike" dirty="0">
+                        <a:solidFill>
+                          <a:srgbClr val="000000"/>
+                        </a:solidFill>
+                        <a:effectLst/>
+                        <a:latin typeface="Calibri" panose="020F0502020204030204" pitchFamily="34" charset="0"/>
+                      </a:endParaRPr>
+                    </a:p>
+                  </a:txBody>
+                  <a:tcPr marL="7554" marR="7554" marT="7554" marB="0" anchor="ctr">
+                    <a:solidFill>
+                      <a:schemeClr val="bg1"/>
+                    </a:solidFill>
+                  </a:tcPr>
+                </a:tc>
+                <a:tc>
+                  <a:txBody>
+                    <a:bodyPr/>
+                    <a:lstStyle/>
+                    <a:p>
+                      <a:pPr algn="ctr" fontAlgn="ctr"/>
+                      <a:r>
+                        <a:rPr lang="pl-PL" sz="1400" u="none" strike="noStrike" dirty="0">
+                          <a:effectLst/>
+                        </a:rPr>
+                        <a:t>12618,515</a:t>
+                      </a:r>
+                      <a:endParaRPr lang="pl-PL" sz="1400" b="0" i="0" u="none" strike="noStrike" dirty="0">
+                        <a:solidFill>
+                          <a:srgbClr val="000000"/>
+                        </a:solidFill>
+                        <a:effectLst/>
+                        <a:latin typeface="Calibri" panose="020F0502020204030204" pitchFamily="34" charset="0"/>
+                      </a:endParaRPr>
+                    </a:p>
+                  </a:txBody>
+                  <a:tcPr marL="7554" marR="7554" marT="7554" marB="0" anchor="ctr">
+                    <a:solidFill>
+                      <a:schemeClr val="bg1"/>
+                    </a:solidFill>
+                  </a:tcPr>
+                </a:tc>
+                <a:extLst>
+                  <a:ext uri="{0D108BD9-81ED-4DB2-BD59-A6C34878D82A}">
+                    <a16:rowId xmlns:a16="http://schemas.microsoft.com/office/drawing/2014/main" val="2622987208"/>
+                  </a:ext>
+                </a:extLst>
+              </a:tr>
+              <a:tr h="362611">
+                <a:tc>
+                  <a:txBody>
+                    <a:bodyPr/>
+                    <a:lstStyle/>
+                    <a:p>
+                      <a:pPr algn="ctr" fontAlgn="ctr"/>
+                      <a:r>
+                        <a:rPr lang="pl-PL" sz="1400" u="none" strike="noStrike">
+                          <a:effectLst/>
+                        </a:rPr>
+                        <a:t>9</a:t>
+                      </a:r>
+                      <a:endParaRPr lang="pl-PL" sz="1400" b="1" i="0" u="none" strike="noStrike">
+                        <a:solidFill>
+                          <a:srgbClr val="000000"/>
+                        </a:solidFill>
+                        <a:effectLst/>
+                        <a:latin typeface="Calibri" panose="020F0502020204030204" pitchFamily="34" charset="0"/>
+                      </a:endParaRPr>
+                    </a:p>
+                  </a:txBody>
+                  <a:tcPr marL="7554" marR="7554" marT="7554" marB="0" anchor="ctr">
+                    <a:solidFill>
+                      <a:schemeClr val="accent5">
+                        <a:lumMod val="20000"/>
+                        <a:lumOff val="80000"/>
+                      </a:schemeClr>
+                    </a:solidFill>
+                  </a:tcPr>
+                </a:tc>
+                <a:tc>
+                  <a:txBody>
+                    <a:bodyPr/>
+                    <a:lstStyle/>
+                    <a:p>
+                      <a:pPr algn="ctr" fontAlgn="ctr"/>
+                      <a:r>
+                        <a:rPr lang="pl-PL" sz="1400" u="none" strike="noStrike" dirty="0">
+                          <a:effectLst/>
+                        </a:rPr>
+                        <a:t>Politechnika Wrocławska</a:t>
+                      </a:r>
+                      <a:endParaRPr lang="pl-PL" sz="1400" b="0" i="0" u="none" strike="noStrike" dirty="0">
+                        <a:solidFill>
+                          <a:srgbClr val="000000"/>
+                        </a:solidFill>
+                        <a:effectLst/>
+                        <a:latin typeface="Calibri" panose="020F0502020204030204" pitchFamily="34" charset="0"/>
+                      </a:endParaRPr>
+                    </a:p>
+                  </a:txBody>
+                  <a:tcPr marL="7554" marR="7554" marT="7554" marB="0" anchor="ctr">
+                    <a:solidFill>
+                      <a:schemeClr val="bg1"/>
+                    </a:solidFill>
+                  </a:tcPr>
+                </a:tc>
+                <a:tc>
+                  <a:txBody>
+                    <a:bodyPr/>
+                    <a:lstStyle/>
+                    <a:p>
+                      <a:pPr algn="ctr" fontAlgn="ctr"/>
+                      <a:r>
+                        <a:rPr lang="pl-PL" sz="1400" u="none" strike="noStrike" dirty="0">
+                          <a:effectLst/>
+                        </a:rPr>
+                        <a:t>Informatyka, studia stacjonarne drugiego stopnia, 3-semestralne, profil ogólnoakademicki</a:t>
+                      </a:r>
+                      <a:endParaRPr lang="pl-PL" sz="1400" b="0" i="0" u="none" strike="noStrike" dirty="0">
+                        <a:solidFill>
+                          <a:srgbClr val="000000"/>
+                        </a:solidFill>
+                        <a:effectLst/>
+                        <a:latin typeface="Calibri" panose="020F0502020204030204" pitchFamily="34" charset="0"/>
+                      </a:endParaRPr>
+                    </a:p>
+                  </a:txBody>
+                  <a:tcPr marL="7554" marR="7554" marT="7554" marB="0" anchor="ctr">
+                    <a:solidFill>
+                      <a:schemeClr val="bg1"/>
+                    </a:solidFill>
+                  </a:tcPr>
+                </a:tc>
+                <a:tc>
+                  <a:txBody>
+                    <a:bodyPr/>
+                    <a:lstStyle/>
+                    <a:p>
+                      <a:pPr algn="ctr" fontAlgn="ctr"/>
+                      <a:r>
+                        <a:rPr lang="pl-PL" sz="1400" u="none" strike="noStrike" dirty="0">
+                          <a:effectLst/>
+                        </a:rPr>
+                        <a:t>12416,86</a:t>
+                      </a:r>
+                      <a:endParaRPr lang="pl-PL" sz="1400" b="0" i="0" u="none" strike="noStrike" dirty="0">
+                        <a:solidFill>
+                          <a:srgbClr val="000000"/>
+                        </a:solidFill>
+                        <a:effectLst/>
+                        <a:latin typeface="Calibri" panose="020F0502020204030204" pitchFamily="34" charset="0"/>
+                      </a:endParaRPr>
+                    </a:p>
+                  </a:txBody>
+                  <a:tcPr marL="7554" marR="7554" marT="7554" marB="0" anchor="ctr">
+                    <a:solidFill>
+                      <a:schemeClr val="bg1"/>
+                    </a:solidFill>
+                  </a:tcPr>
+                </a:tc>
+                <a:extLst>
+                  <a:ext uri="{0D108BD9-81ED-4DB2-BD59-A6C34878D82A}">
+                    <a16:rowId xmlns:a16="http://schemas.microsoft.com/office/drawing/2014/main" val="1979160866"/>
+                  </a:ext>
+                </a:extLst>
+              </a:tr>
+              <a:tr h="362611">
+                <a:tc>
+                  <a:txBody>
+                    <a:bodyPr/>
+                    <a:lstStyle/>
+                    <a:p>
+                      <a:pPr algn="ctr" fontAlgn="ctr"/>
+                      <a:r>
+                        <a:rPr lang="pl-PL" sz="1400" u="none" strike="noStrike" dirty="0">
+                          <a:effectLst/>
+                        </a:rPr>
+                        <a:t>10</a:t>
+                      </a:r>
+                      <a:endParaRPr lang="pl-PL" sz="1400" b="1" i="0" u="none" strike="noStrike" dirty="0">
+                        <a:solidFill>
+                          <a:srgbClr val="000000"/>
+                        </a:solidFill>
+                        <a:effectLst/>
+                        <a:latin typeface="Calibri" panose="020F0502020204030204" pitchFamily="34" charset="0"/>
+                      </a:endParaRPr>
+                    </a:p>
+                  </a:txBody>
+                  <a:tcPr marL="7554" marR="7554" marT="7554" marB="0" anchor="ctr">
+                    <a:solidFill>
+                      <a:schemeClr val="accent5">
+                        <a:lumMod val="20000"/>
+                        <a:lumOff val="80000"/>
+                      </a:schemeClr>
+                    </a:solidFill>
+                  </a:tcPr>
+                </a:tc>
+                <a:tc>
+                  <a:txBody>
+                    <a:bodyPr/>
+                    <a:lstStyle/>
+                    <a:p>
+                      <a:pPr algn="ctr" fontAlgn="ctr"/>
+                      <a:r>
+                        <a:rPr lang="pl-PL" sz="1400" u="none" strike="noStrike" dirty="0">
+                          <a:effectLst/>
+                        </a:rPr>
+                        <a:t>Uniwersytet Jagielloński w Krakowie</a:t>
+                      </a:r>
+                      <a:endParaRPr lang="pl-PL" sz="1400" b="0" i="0" u="none" strike="noStrike" dirty="0">
+                        <a:solidFill>
+                          <a:srgbClr val="000000"/>
+                        </a:solidFill>
+                        <a:effectLst/>
+                        <a:latin typeface="Calibri" panose="020F0502020204030204" pitchFamily="34" charset="0"/>
+                      </a:endParaRPr>
+                    </a:p>
+                  </a:txBody>
+                  <a:tcPr marL="7554" marR="7554" marT="7554" marB="0" anchor="ctr">
+                    <a:solidFill>
+                      <a:schemeClr val="bg1"/>
+                    </a:solidFill>
+                  </a:tcPr>
+                </a:tc>
+                <a:tc>
+                  <a:txBody>
+                    <a:bodyPr/>
+                    <a:lstStyle/>
+                    <a:p>
+                      <a:pPr algn="ctr" fontAlgn="ctr"/>
+                      <a:r>
+                        <a:rPr lang="pl-PL" sz="1400" u="none" strike="noStrike" dirty="0">
+                          <a:effectLst/>
+                        </a:rPr>
+                        <a:t>Informatyka, studia stacjonarne drugiego stopnia, 4-semestralne, profil ogólnoakademicki</a:t>
+                      </a:r>
+                      <a:endParaRPr lang="pl-PL" sz="1400" b="0" i="0" u="none" strike="noStrike" dirty="0">
+                        <a:solidFill>
+                          <a:srgbClr val="000000"/>
+                        </a:solidFill>
+                        <a:effectLst/>
+                        <a:latin typeface="Calibri" panose="020F0502020204030204" pitchFamily="34" charset="0"/>
+                      </a:endParaRPr>
+                    </a:p>
+                  </a:txBody>
+                  <a:tcPr marL="7554" marR="7554" marT="7554" marB="0" anchor="ctr">
+                    <a:solidFill>
+                      <a:schemeClr val="bg1"/>
+                    </a:solidFill>
+                  </a:tcPr>
+                </a:tc>
+                <a:tc>
+                  <a:txBody>
+                    <a:bodyPr/>
+                    <a:lstStyle/>
+                    <a:p>
+                      <a:pPr algn="ctr" fontAlgn="ctr"/>
+                      <a:r>
+                        <a:rPr lang="pl-PL" sz="1400" u="none" strike="noStrike" dirty="0">
+                          <a:effectLst/>
+                        </a:rPr>
+                        <a:t>12326,155</a:t>
+                      </a:r>
+                      <a:endParaRPr lang="pl-PL" sz="1400" b="0" i="0" u="none" strike="noStrike" dirty="0">
+                        <a:solidFill>
+                          <a:srgbClr val="000000"/>
+                        </a:solidFill>
+                        <a:effectLst/>
+                        <a:latin typeface="Calibri" panose="020F0502020204030204" pitchFamily="34" charset="0"/>
+                      </a:endParaRPr>
+                    </a:p>
+                  </a:txBody>
+                  <a:tcPr marL="7554" marR="7554" marT="7554" marB="0" anchor="ctr">
+                    <a:solidFill>
+                      <a:schemeClr val="bg1"/>
+                    </a:solidFill>
+                  </a:tcPr>
+                </a:tc>
+                <a:extLst>
+                  <a:ext uri="{0D108BD9-81ED-4DB2-BD59-A6C34878D82A}">
+                    <a16:rowId xmlns:a16="http://schemas.microsoft.com/office/drawing/2014/main" val="700867460"/>
+                  </a:ext>
+                </a:extLst>
+              </a:tr>
+            </a:tbl>
+          </a:graphicData>
+        </a:graphic>
+      </p:graphicFrame>
+    </p:spTree>
+    <p:extLst>
+      <p:ext uri="{BB962C8B-B14F-4D97-AF65-F5344CB8AC3E}">
+        <p14:creationId xmlns:p14="http://schemas.microsoft.com/office/powerpoint/2010/main" val="1326709179"/>
       </p:ext>
     </p:extLst>
   </p:cSld>

--- a/casestudy.pptx
+++ b/casestudy.pptx
@@ -210,7 +210,7 @@
           <a:p>
             <a:fld id="{B443D341-78E8-43F7-A99A-CC2F3F9E7527}" type="datetimeFigureOut">
               <a:rPr lang="pl-PL" smtClean="0"/>
-              <a:t>14.04.2022</a:t>
+              <a:t>15.04.2022</a:t>
             </a:fld>
             <a:endParaRPr lang="pl-PL"/>
           </a:p>
@@ -608,7 +608,7 @@
           <a:p>
             <a:fld id="{B984C45A-C844-4512-B5CE-0277F559D025}" type="datetimeFigureOut">
               <a:rPr lang="pl-PL" smtClean="0"/>
-              <a:t>14.04.2022</a:t>
+              <a:t>15.04.2022</a:t>
             </a:fld>
             <a:endParaRPr lang="pl-PL"/>
           </a:p>
@@ -778,7 +778,7 @@
           <a:p>
             <a:fld id="{B984C45A-C844-4512-B5CE-0277F559D025}" type="datetimeFigureOut">
               <a:rPr lang="pl-PL" smtClean="0"/>
-              <a:t>14.04.2022</a:t>
+              <a:t>15.04.2022</a:t>
             </a:fld>
             <a:endParaRPr lang="pl-PL"/>
           </a:p>
@@ -958,7 +958,7 @@
           <a:p>
             <a:fld id="{B984C45A-C844-4512-B5CE-0277F559D025}" type="datetimeFigureOut">
               <a:rPr lang="pl-PL" smtClean="0"/>
-              <a:t>14.04.2022</a:t>
+              <a:t>15.04.2022</a:t>
             </a:fld>
             <a:endParaRPr lang="pl-PL"/>
           </a:p>
@@ -1128,7 +1128,7 @@
           <a:p>
             <a:fld id="{B984C45A-C844-4512-B5CE-0277F559D025}" type="datetimeFigureOut">
               <a:rPr lang="pl-PL" smtClean="0"/>
-              <a:t>14.04.2022</a:t>
+              <a:t>15.04.2022</a:t>
             </a:fld>
             <a:endParaRPr lang="pl-PL"/>
           </a:p>
@@ -1374,7 +1374,7 @@
           <a:p>
             <a:fld id="{B984C45A-C844-4512-B5CE-0277F559D025}" type="datetimeFigureOut">
               <a:rPr lang="pl-PL" smtClean="0"/>
-              <a:t>14.04.2022</a:t>
+              <a:t>15.04.2022</a:t>
             </a:fld>
             <a:endParaRPr lang="pl-PL"/>
           </a:p>
@@ -1606,7 +1606,7 @@
           <a:p>
             <a:fld id="{B984C45A-C844-4512-B5CE-0277F559D025}" type="datetimeFigureOut">
               <a:rPr lang="pl-PL" smtClean="0"/>
-              <a:t>14.04.2022</a:t>
+              <a:t>15.04.2022</a:t>
             </a:fld>
             <a:endParaRPr lang="pl-PL"/>
           </a:p>
@@ -1973,7 +1973,7 @@
           <a:p>
             <a:fld id="{B984C45A-C844-4512-B5CE-0277F559D025}" type="datetimeFigureOut">
               <a:rPr lang="pl-PL" smtClean="0"/>
-              <a:t>14.04.2022</a:t>
+              <a:t>15.04.2022</a:t>
             </a:fld>
             <a:endParaRPr lang="pl-PL"/>
           </a:p>
@@ -2091,7 +2091,7 @@
           <a:p>
             <a:fld id="{B984C45A-C844-4512-B5CE-0277F559D025}" type="datetimeFigureOut">
               <a:rPr lang="pl-PL" smtClean="0"/>
-              <a:t>14.04.2022</a:t>
+              <a:t>15.04.2022</a:t>
             </a:fld>
             <a:endParaRPr lang="pl-PL"/>
           </a:p>
@@ -2186,7 +2186,7 @@
           <a:p>
             <a:fld id="{B984C45A-C844-4512-B5CE-0277F559D025}" type="datetimeFigureOut">
               <a:rPr lang="pl-PL" smtClean="0"/>
-              <a:t>14.04.2022</a:t>
+              <a:t>15.04.2022</a:t>
             </a:fld>
             <a:endParaRPr lang="pl-PL"/>
           </a:p>
@@ -2463,7 +2463,7 @@
           <a:p>
             <a:fld id="{B984C45A-C844-4512-B5CE-0277F559D025}" type="datetimeFigureOut">
               <a:rPr lang="pl-PL" smtClean="0"/>
-              <a:t>14.04.2022</a:t>
+              <a:t>15.04.2022</a:t>
             </a:fld>
             <a:endParaRPr lang="pl-PL"/>
           </a:p>
@@ -2720,7 +2720,7 @@
           <a:p>
             <a:fld id="{B984C45A-C844-4512-B5CE-0277F559D025}" type="datetimeFigureOut">
               <a:rPr lang="pl-PL" smtClean="0"/>
-              <a:t>14.04.2022</a:t>
+              <a:t>15.04.2022</a:t>
             </a:fld>
             <a:endParaRPr lang="pl-PL"/>
           </a:p>
@@ -2933,7 +2933,7 @@
           <a:p>
             <a:fld id="{B984C45A-C844-4512-B5CE-0277F559D025}" type="datetimeFigureOut">
               <a:rPr lang="pl-PL" smtClean="0"/>
-              <a:t>14.04.2022</a:t>
+              <a:t>15.04.2022</a:t>
             </a:fld>
             <a:endParaRPr lang="pl-PL"/>
           </a:p>
@@ -3793,7 +3793,7 @@
                 <a:latin typeface="Arial" panose="020B0604020202020204" pitchFamily="34" charset="0"/>
                 <a:cs typeface="Arial" panose="020B0604020202020204" pitchFamily="34" charset="0"/>
               </a:rPr>
-              <a:t>4</a:t>
+              <a:t>9</a:t>
             </a:r>
             <a:endParaRPr lang="pl-PL" sz="1800" dirty="0">
               <a:latin typeface="Arial" panose="020B0604020202020204" pitchFamily="34" charset="0"/>
@@ -4024,7 +4024,20 @@
                 <a:latin typeface="Arial" panose="020B0604020202020204" pitchFamily="34" charset="0"/>
                 <a:cs typeface="Arial" panose="020B0604020202020204" pitchFamily="34" charset="0"/>
               </a:rPr>
-              <a:t>Za reprezentację zarobków poszczególnych kierunków przyjęto średnie mediany wynagrodzeń kierunków, których liczności wynosiła co najmniej 30 absolwentów. Uzyskana w ten sposób grupa przedstawia zarobki absolwentów łącznie 2459 kierunków.</a:t>
+              <a:t>Za reprezentację zarobków poszczególnych kierunków przyjęto średnie mediany wynagrodzeń kierunków, których liczności wynosiła co najmniej 30 absolwentów. Uzyskana w ten sposób grupa przedstawia zarobki </a:t>
+            </a:r>
+            <a:br>
+              <a:rPr lang="pl-PL" sz="2400" dirty="0">
+                <a:latin typeface="Arial" panose="020B0604020202020204" pitchFamily="34" charset="0"/>
+                <a:cs typeface="Arial" panose="020B0604020202020204" pitchFamily="34" charset="0"/>
+              </a:rPr>
+            </a:br>
+            <a:r>
+              <a:rPr lang="pl-PL" sz="2400" dirty="0">
+                <a:latin typeface="Arial" panose="020B0604020202020204" pitchFamily="34" charset="0"/>
+                <a:cs typeface="Arial" panose="020B0604020202020204" pitchFamily="34" charset="0"/>
+              </a:rPr>
+              <a:t>314 tysięcy absolwentów po prawie 2500 kierunków.</a:t>
             </a:r>
           </a:p>
           <a:p>
@@ -4065,25 +4078,6 @@
               </a:rPr>
               <a:t>.</a:t>
             </a:r>
-          </a:p>
-          <a:p>
-            <a:pPr marL="1080000" indent="0" algn="just">
-              <a:buNone/>
-            </a:pPr>
-            <a:r>
-              <a:rPr lang="pl-PL" sz="2400" dirty="0">
-                <a:latin typeface="Arial" panose="020B0604020202020204" pitchFamily="34" charset="0"/>
-                <a:cs typeface="Arial" panose="020B0604020202020204" pitchFamily="34" charset="0"/>
-              </a:rPr>
-              <a:t>2459 badanych kierunków</a:t>
-            </a:r>
-            <a:endParaRPr lang="pl-PL" sz="2400" dirty="0">
-              <a:solidFill>
-                <a:schemeClr val="accent4"/>
-              </a:solidFill>
-              <a:latin typeface="Arial" panose="020B0604020202020204" pitchFamily="34" charset="0"/>
-              <a:cs typeface="Arial" panose="020B0604020202020204" pitchFamily="34" charset="0"/>
-            </a:endParaRPr>
           </a:p>
         </p:txBody>
       </p:sp>
@@ -5806,7 +5800,7 @@
                 <a:latin typeface="Arial" panose="020B0604020202020204" pitchFamily="34" charset="0"/>
                 <a:cs typeface="Arial" panose="020B0604020202020204" pitchFamily="34" charset="0"/>
               </a:rPr>
-              <a:t>4</a:t>
+              <a:t>5</a:t>
             </a:r>
             <a:endParaRPr lang="pl-PL" sz="1800" dirty="0">
               <a:latin typeface="Arial" panose="020B0604020202020204" pitchFamily="34" charset="0"/>
@@ -6180,7 +6174,7 @@
                 <a:latin typeface="Arial" panose="020B0604020202020204" pitchFamily="34" charset="0"/>
                 <a:cs typeface="Arial" panose="020B0604020202020204" pitchFamily="34" charset="0"/>
               </a:rPr>
-              <a:t>4</a:t>
+              <a:t>6</a:t>
             </a:r>
             <a:endParaRPr lang="pl-PL" sz="1800" dirty="0">
               <a:latin typeface="Arial" panose="020B0604020202020204" pitchFamily="34" charset="0"/>
@@ -6554,7 +6548,7 @@
                 <a:latin typeface="Arial" panose="020B0604020202020204" pitchFamily="34" charset="0"/>
                 <a:cs typeface="Arial" panose="020B0604020202020204" pitchFamily="34" charset="0"/>
               </a:rPr>
-              <a:t>4</a:t>
+              <a:t>7</a:t>
             </a:r>
             <a:endParaRPr lang="pl-PL" sz="1800" dirty="0">
               <a:latin typeface="Arial" panose="020B0604020202020204" pitchFamily="34" charset="0"/>
@@ -6928,7 +6922,7 @@
                 <a:latin typeface="Arial" panose="020B0604020202020204" pitchFamily="34" charset="0"/>
                 <a:cs typeface="Arial" panose="020B0604020202020204" pitchFamily="34" charset="0"/>
               </a:rPr>
-              <a:t>4</a:t>
+              <a:t>8</a:t>
             </a:r>
             <a:endParaRPr lang="pl-PL" sz="1800" dirty="0">
               <a:latin typeface="Arial" panose="020B0604020202020204" pitchFamily="34" charset="0"/>

--- a/casestudy.pptx
+++ b/casestudy.pptx
@@ -3392,7 +3392,7 @@
                 <a:latin typeface="Arial" panose="020B0604020202020204" pitchFamily="34" charset="0"/>
                 <a:cs typeface="Arial" panose="020B0604020202020204" pitchFamily="34" charset="0"/>
               </a:rPr>
-              <a:t>po uzyskaniu dyplomu</a:t>
+              <a:t>od uzyskania dyplomu</a:t>
             </a:r>
           </a:p>
         </p:txBody>
@@ -3415,7 +3415,7 @@
         </p:nvSpPr>
         <p:spPr>
           <a:xfrm>
-            <a:off x="1080001" y="3750197"/>
+            <a:off x="1080001" y="2825963"/>
             <a:ext cx="9788628" cy="3107803"/>
           </a:xfrm>
         </p:spPr>
@@ -4407,7 +4407,7 @@
                 <a:latin typeface="Arial" panose="020B0604020202020204" pitchFamily="34" charset="0"/>
                 <a:cs typeface="Arial" panose="020B0604020202020204" pitchFamily="34" charset="0"/>
               </a:rPr>
-              <a:t>	Ponad połowa absolwentów uzyskała dyplom magistra na kierunku </a:t>
+              <a:t>Ponad połowa absolwentów uzyskała dyplom magistra na kierunku </a:t>
             </a:r>
             <a:br>
               <a:rPr lang="pl-PL" sz="2300" dirty="0">
@@ -4642,42 +4642,6 @@
           </a:p>
         </p:txBody>
       </p:sp>
-      <p:pic>
-        <p:nvPicPr>
-          <p:cNvPr id="24" name="Obraz 23">
-            <a:extLst>
-              <a:ext uri="{FF2B5EF4-FFF2-40B4-BE49-F238E27FC236}">
-                <a16:creationId xmlns:a16="http://schemas.microsoft.com/office/drawing/2014/main" id="{A12D4AA6-AC26-4312-BEC0-646E19AEA275}"/>
-              </a:ext>
-            </a:extLst>
-          </p:cNvPr>
-          <p:cNvPicPr>
-            <a:picLocks noChangeAspect="1"/>
-          </p:cNvPicPr>
-          <p:nvPr/>
-        </p:nvPicPr>
-        <p:blipFill>
-          <a:blip r:embed="rId2">
-            <a:extLst>
-              <a:ext uri="{28A0092B-C50C-407E-A947-70E740481C1C}">
-                <a14:useLocalDpi xmlns:a14="http://schemas.microsoft.com/office/drawing/2010/main" val="0"/>
-              </a:ext>
-            </a:extLst>
-          </a:blip>
-          <a:stretch>
-            <a:fillRect/>
-          </a:stretch>
-        </p:blipFill>
-        <p:spPr>
-          <a:xfrm>
-            <a:off x="1046827" y="2275173"/>
-            <a:ext cx="10098345" cy="4101703"/>
-          </a:xfrm>
-          <a:prstGeom prst="rect">
-            <a:avLst/>
-          </a:prstGeom>
-        </p:spPr>
-      </p:pic>
     </p:spTree>
     <p:extLst>
       <p:ext uri="{BB962C8B-B14F-4D97-AF65-F5344CB8AC3E}">
@@ -4794,7 +4758,7 @@
                 <a:latin typeface="Arial" panose="020B0604020202020204" pitchFamily="34" charset="0"/>
                 <a:cs typeface="Arial" panose="020B0604020202020204" pitchFamily="34" charset="0"/>
               </a:rPr>
-              <a:t>	Ponad połowa badanych studentów ukończyła studia magisterskie </a:t>
+              <a:t>Ponad połowa badanych studentów ukończyła studia magisterskie </a:t>
             </a:r>
             <a:br>
               <a:rPr lang="pl-PL" sz="2300" dirty="0">
@@ -5174,7 +5138,7 @@
                 <a:latin typeface="Arial" panose="020B0604020202020204" pitchFamily="34" charset="0"/>
                 <a:cs typeface="Arial" panose="020B0604020202020204" pitchFamily="34" charset="0"/>
               </a:rPr>
-              <a:t>	Ponad połowa absolwentów studiów społecznych ukończyła studia </a:t>
+              <a:t>Ponad połowa absolwentów studiów społecznych ukończyła studia </a:t>
             </a:r>
             <a:br>
               <a:rPr lang="pl-PL" sz="2300" dirty="0">
@@ -5587,7 +5551,7 @@
                 <a:latin typeface="Arial" panose="020B0604020202020204" pitchFamily="34" charset="0"/>
                 <a:cs typeface="Arial" panose="020B0604020202020204" pitchFamily="34" charset="0"/>
               </a:rPr>
-              <a:t>	Zarobki połowy absolwentów po pięciu latach nie przekraczają 4000 złotych, </a:t>
+              <a:t>Zarobki połowy absolwentów po pięciu latach nie przekraczają 4000 złotych. </a:t>
             </a:r>
             <a:endParaRPr lang="pl-PL" sz="2300" dirty="0">
               <a:solidFill>

--- a/casestudy.pptx
+++ b/casestudy.pptx
@@ -4642,6 +4642,42 @@
           </a:p>
         </p:txBody>
       </p:sp>
+      <p:pic>
+        <p:nvPicPr>
+          <p:cNvPr id="3" name="Obraz 2">
+            <a:extLst>
+              <a:ext uri="{FF2B5EF4-FFF2-40B4-BE49-F238E27FC236}">
+                <a16:creationId xmlns:a16="http://schemas.microsoft.com/office/drawing/2014/main" id="{D1E5B763-1B80-47AF-8D68-F73C433800C0}"/>
+              </a:ext>
+            </a:extLst>
+          </p:cNvPr>
+          <p:cNvPicPr>
+            <a:picLocks noChangeAspect="1"/>
+          </p:cNvPicPr>
+          <p:nvPr/>
+        </p:nvPicPr>
+        <p:blipFill>
+          <a:blip r:embed="rId2">
+            <a:extLst>
+              <a:ext uri="{28A0092B-C50C-407E-A947-70E740481C1C}">
+                <a14:useLocalDpi xmlns:a14="http://schemas.microsoft.com/office/drawing/2010/main" val="0"/>
+              </a:ext>
+            </a:extLst>
+          </a:blip>
+          <a:stretch>
+            <a:fillRect/>
+          </a:stretch>
+        </p:blipFill>
+        <p:spPr>
+          <a:xfrm>
+            <a:off x="1140542" y="2324115"/>
+            <a:ext cx="9910916" cy="4025574"/>
+          </a:xfrm>
+          <a:prstGeom prst="rect">
+            <a:avLst/>
+          </a:prstGeom>
+        </p:spPr>
+      </p:pic>
     </p:spTree>
     <p:extLst>
       <p:ext uri="{BB962C8B-B14F-4D97-AF65-F5344CB8AC3E}">
@@ -4988,10 +5024,10 @@
       </p:sp>
       <p:pic>
         <p:nvPicPr>
-          <p:cNvPr id="22" name="Obraz 21">
+          <p:cNvPr id="3" name="Obraz 2">
             <a:extLst>
               <a:ext uri="{FF2B5EF4-FFF2-40B4-BE49-F238E27FC236}">
-                <a16:creationId xmlns:a16="http://schemas.microsoft.com/office/drawing/2014/main" id="{FEE9E55E-7EC3-4B65-970D-0441DFBCA3D8}"/>
+                <a16:creationId xmlns:a16="http://schemas.microsoft.com/office/drawing/2014/main" id="{0516EFA4-07DC-4909-877E-38AB3053D2B8}"/>
               </a:ext>
             </a:extLst>
           </p:cNvPr>
@@ -5014,8 +5050,8 @@
         </p:blipFill>
         <p:spPr>
           <a:xfrm>
-            <a:off x="3099707" y="2197545"/>
-            <a:ext cx="5992585" cy="4063406"/>
+            <a:off x="3517354" y="2149028"/>
+            <a:ext cx="5530917" cy="4528970"/>
           </a:xfrm>
           <a:prstGeom prst="rect">
             <a:avLst/>
@@ -5401,10 +5437,10 @@
       </p:sp>
       <p:pic>
         <p:nvPicPr>
-          <p:cNvPr id="3" name="Obraz 2">
+          <p:cNvPr id="4" name="Obraz 3">
             <a:extLst>
               <a:ext uri="{FF2B5EF4-FFF2-40B4-BE49-F238E27FC236}">
-                <a16:creationId xmlns:a16="http://schemas.microsoft.com/office/drawing/2014/main" id="{4A880175-DDDC-43E9-9346-BE2C32465220}"/>
+                <a16:creationId xmlns:a16="http://schemas.microsoft.com/office/drawing/2014/main" id="{21925CB9-6D42-480D-AF4F-8D3E6117105E}"/>
               </a:ext>
             </a:extLst>
           </p:cNvPr>
@@ -5427,8 +5463,8 @@
         </p:blipFill>
         <p:spPr>
           <a:xfrm>
-            <a:off x="1080000" y="2648498"/>
-            <a:ext cx="10032000" cy="3721197"/>
+            <a:off x="1080000" y="2516282"/>
+            <a:ext cx="9537290" cy="3873816"/>
           </a:xfrm>
           <a:prstGeom prst="rect">
             <a:avLst/>
@@ -5775,10 +5811,10 @@
       </p:sp>
       <p:pic>
         <p:nvPicPr>
-          <p:cNvPr id="5" name="Obraz 4">
+          <p:cNvPr id="3" name="Obraz 2">
             <a:extLst>
               <a:ext uri="{FF2B5EF4-FFF2-40B4-BE49-F238E27FC236}">
-                <a16:creationId xmlns:a16="http://schemas.microsoft.com/office/drawing/2014/main" id="{FA6DEEC3-DCC6-4ACD-B103-322720798AB0}"/>
+                <a16:creationId xmlns:a16="http://schemas.microsoft.com/office/drawing/2014/main" id="{120EF48A-1AB1-41AE-A34A-CEC407663B41}"/>
               </a:ext>
             </a:extLst>
           </p:cNvPr>
@@ -5801,8 +5837,8 @@
         </p:blipFill>
         <p:spPr>
           <a:xfrm>
-            <a:off x="915950" y="2090303"/>
-            <a:ext cx="9742220" cy="4170648"/>
+            <a:off x="1932405" y="2439500"/>
+            <a:ext cx="8327189" cy="3574025"/>
           </a:xfrm>
           <a:prstGeom prst="rect">
             <a:avLst/>
@@ -6149,10 +6185,10 @@
       </p:sp>
       <p:pic>
         <p:nvPicPr>
-          <p:cNvPr id="9" name="Obraz 8">
+          <p:cNvPr id="3" name="Obraz 2">
             <a:extLst>
               <a:ext uri="{FF2B5EF4-FFF2-40B4-BE49-F238E27FC236}">
-                <a16:creationId xmlns:a16="http://schemas.microsoft.com/office/drawing/2014/main" id="{941B2C5B-0385-452F-A9BF-5F97A3ADB09A}"/>
+                <a16:creationId xmlns:a16="http://schemas.microsoft.com/office/drawing/2014/main" id="{D432E957-F8B6-4F00-BC2A-000EAF4EE1D6}"/>
               </a:ext>
             </a:extLst>
           </p:cNvPr>
@@ -6175,8 +6211,8 @@
         </p:blipFill>
         <p:spPr>
           <a:xfrm>
-            <a:off x="926690" y="2126748"/>
-            <a:ext cx="10338620" cy="4242950"/>
+            <a:off x="1179870" y="2274692"/>
+            <a:ext cx="9665110" cy="3986259"/>
           </a:xfrm>
           <a:prstGeom prst="rect">
             <a:avLst/>
@@ -6523,10 +6559,10 @@
       </p:sp>
       <p:pic>
         <p:nvPicPr>
-          <p:cNvPr id="15" name="Obraz 14" descr="Obraz zawierający tekst&#10;&#10;Opis wygenerowany automatycznie">
+          <p:cNvPr id="3" name="Obraz 2" descr="Obraz zawierający tekst, grafika wektorowa&#10;&#10;Opis wygenerowany automatycznie">
             <a:extLst>
               <a:ext uri="{FF2B5EF4-FFF2-40B4-BE49-F238E27FC236}">
-                <a16:creationId xmlns:a16="http://schemas.microsoft.com/office/drawing/2014/main" id="{860B5D60-8234-448F-9F5B-81BB21A5AC63}"/>
+                <a16:creationId xmlns:a16="http://schemas.microsoft.com/office/drawing/2014/main" id="{BAA48698-DB7A-46C1-BC85-EB710B159D45}"/>
               </a:ext>
             </a:extLst>
           </p:cNvPr>
@@ -6549,8 +6585,8 @@
         </p:blipFill>
         <p:spPr>
           <a:xfrm>
-            <a:off x="565354" y="2663223"/>
-            <a:ext cx="11061292" cy="2972111"/>
+            <a:off x="1071716" y="2675412"/>
+            <a:ext cx="10471355" cy="3090688"/>
           </a:xfrm>
           <a:prstGeom prst="rect">
             <a:avLst/>

--- a/casestudy.pptx
+++ b/casestudy.pptx
@@ -5,7 +5,7 @@
     <p:sldMasterId id="2147483672" r:id="rId1"/>
   </p:sldMasterIdLst>
   <p:notesMasterIdLst>
-    <p:notesMasterId r:id="rId13"/>
+    <p:notesMasterId r:id="rId14"/>
   </p:notesMasterIdLst>
   <p:sldIdLst>
     <p:sldId id="256" r:id="rId2"/>
@@ -17,8 +17,9 @@
     <p:sldId id="263" r:id="rId8"/>
     <p:sldId id="266" r:id="rId9"/>
     <p:sldId id="264" r:id="rId10"/>
-    <p:sldId id="265" r:id="rId11"/>
-    <p:sldId id="257" r:id="rId12"/>
+    <p:sldId id="267" r:id="rId11"/>
+    <p:sldId id="268" r:id="rId12"/>
+    <p:sldId id="265" r:id="rId13"/>
   </p:sldIdLst>
   <p:sldSz cx="12192000" cy="6858000"/>
   <p:notesSz cx="6858000" cy="9144000"/>
@@ -210,7 +211,7 @@
           <a:p>
             <a:fld id="{B443D341-78E8-43F7-A99A-CC2F3F9E7527}" type="datetimeFigureOut">
               <a:rPr lang="pl-PL" smtClean="0"/>
-              <a:t>15.04.2022</a:t>
+              <a:t>16.04.2022</a:t>
             </a:fld>
             <a:endParaRPr lang="pl-PL"/>
           </a:p>
@@ -608,7 +609,7 @@
           <a:p>
             <a:fld id="{B984C45A-C844-4512-B5CE-0277F559D025}" type="datetimeFigureOut">
               <a:rPr lang="pl-PL" smtClean="0"/>
-              <a:t>15.04.2022</a:t>
+              <a:t>16.04.2022</a:t>
             </a:fld>
             <a:endParaRPr lang="pl-PL"/>
           </a:p>
@@ -778,7 +779,7 @@
           <a:p>
             <a:fld id="{B984C45A-C844-4512-B5CE-0277F559D025}" type="datetimeFigureOut">
               <a:rPr lang="pl-PL" smtClean="0"/>
-              <a:t>15.04.2022</a:t>
+              <a:t>16.04.2022</a:t>
             </a:fld>
             <a:endParaRPr lang="pl-PL"/>
           </a:p>
@@ -958,7 +959,7 @@
           <a:p>
             <a:fld id="{B984C45A-C844-4512-B5CE-0277F559D025}" type="datetimeFigureOut">
               <a:rPr lang="pl-PL" smtClean="0"/>
-              <a:t>15.04.2022</a:t>
+              <a:t>16.04.2022</a:t>
             </a:fld>
             <a:endParaRPr lang="pl-PL"/>
           </a:p>
@@ -1128,7 +1129,7 @@
           <a:p>
             <a:fld id="{B984C45A-C844-4512-B5CE-0277F559D025}" type="datetimeFigureOut">
               <a:rPr lang="pl-PL" smtClean="0"/>
-              <a:t>15.04.2022</a:t>
+              <a:t>16.04.2022</a:t>
             </a:fld>
             <a:endParaRPr lang="pl-PL"/>
           </a:p>
@@ -1374,7 +1375,7 @@
           <a:p>
             <a:fld id="{B984C45A-C844-4512-B5CE-0277F559D025}" type="datetimeFigureOut">
               <a:rPr lang="pl-PL" smtClean="0"/>
-              <a:t>15.04.2022</a:t>
+              <a:t>16.04.2022</a:t>
             </a:fld>
             <a:endParaRPr lang="pl-PL"/>
           </a:p>
@@ -1606,7 +1607,7 @@
           <a:p>
             <a:fld id="{B984C45A-C844-4512-B5CE-0277F559D025}" type="datetimeFigureOut">
               <a:rPr lang="pl-PL" smtClean="0"/>
-              <a:t>15.04.2022</a:t>
+              <a:t>16.04.2022</a:t>
             </a:fld>
             <a:endParaRPr lang="pl-PL"/>
           </a:p>
@@ -1973,7 +1974,7 @@
           <a:p>
             <a:fld id="{B984C45A-C844-4512-B5CE-0277F559D025}" type="datetimeFigureOut">
               <a:rPr lang="pl-PL" smtClean="0"/>
-              <a:t>15.04.2022</a:t>
+              <a:t>16.04.2022</a:t>
             </a:fld>
             <a:endParaRPr lang="pl-PL"/>
           </a:p>
@@ -2091,7 +2092,7 @@
           <a:p>
             <a:fld id="{B984C45A-C844-4512-B5CE-0277F559D025}" type="datetimeFigureOut">
               <a:rPr lang="pl-PL" smtClean="0"/>
-              <a:t>15.04.2022</a:t>
+              <a:t>16.04.2022</a:t>
             </a:fld>
             <a:endParaRPr lang="pl-PL"/>
           </a:p>
@@ -2186,7 +2187,7 @@
           <a:p>
             <a:fld id="{B984C45A-C844-4512-B5CE-0277F559D025}" type="datetimeFigureOut">
               <a:rPr lang="pl-PL" smtClean="0"/>
-              <a:t>15.04.2022</a:t>
+              <a:t>16.04.2022</a:t>
             </a:fld>
             <a:endParaRPr lang="pl-PL"/>
           </a:p>
@@ -2463,7 +2464,7 @@
           <a:p>
             <a:fld id="{B984C45A-C844-4512-B5CE-0277F559D025}" type="datetimeFigureOut">
               <a:rPr lang="pl-PL" smtClean="0"/>
-              <a:t>15.04.2022</a:t>
+              <a:t>16.04.2022</a:t>
             </a:fld>
             <a:endParaRPr lang="pl-PL"/>
           </a:p>
@@ -2720,7 +2721,7 @@
           <a:p>
             <a:fld id="{B984C45A-C844-4512-B5CE-0277F559D025}" type="datetimeFigureOut">
               <a:rPr lang="pl-PL" smtClean="0"/>
-              <a:t>15.04.2022</a:t>
+              <a:t>16.04.2022</a:t>
             </a:fld>
             <a:endParaRPr lang="pl-PL"/>
           </a:p>
@@ -2933,7 +2934,7 @@
           <a:p>
             <a:fld id="{B984C45A-C844-4512-B5CE-0277F559D025}" type="datetimeFigureOut">
               <a:rPr lang="pl-PL" smtClean="0"/>
-              <a:t>15.04.2022</a:t>
+              <a:t>16.04.2022</a:t>
             </a:fld>
             <a:endParaRPr lang="pl-PL"/>
           </a:p>
@@ -3348,6 +3349,203 @@
       </p:grpSpPr>
       <p:sp>
         <p:nvSpPr>
+          <p:cNvPr id="11" name="Prostokąt 10">
+            <a:extLst>
+              <a:ext uri="{FF2B5EF4-FFF2-40B4-BE49-F238E27FC236}">
+                <a16:creationId xmlns:a16="http://schemas.microsoft.com/office/drawing/2014/main" id="{9F39EE03-3446-430B-B727-0F18F1B1F783}"/>
+              </a:ext>
+            </a:extLst>
+          </p:cNvPr>
+          <p:cNvSpPr/>
+          <p:nvPr/>
+        </p:nvSpPr>
+        <p:spPr>
+          <a:xfrm>
+            <a:off x="6290310" y="5122749"/>
+            <a:ext cx="4643089" cy="135052"/>
+          </a:xfrm>
+          <a:custGeom>
+            <a:avLst/>
+            <a:gdLst>
+              <a:gd name="connsiteX0" fmla="*/ 0 w 4573337"/>
+              <a:gd name="connsiteY0" fmla="*/ 0 h 111368"/>
+              <a:gd name="connsiteX1" fmla="*/ 4573337 w 4573337"/>
+              <a:gd name="connsiteY1" fmla="*/ 0 h 111368"/>
+              <a:gd name="connsiteX2" fmla="*/ 4573337 w 4573337"/>
+              <a:gd name="connsiteY2" fmla="*/ 111368 h 111368"/>
+              <a:gd name="connsiteX3" fmla="*/ 0 w 4573337"/>
+              <a:gd name="connsiteY3" fmla="*/ 111368 h 111368"/>
+              <a:gd name="connsiteX4" fmla="*/ 0 w 4573337"/>
+              <a:gd name="connsiteY4" fmla="*/ 0 h 111368"/>
+              <a:gd name="connsiteX0" fmla="*/ 386861 w 4573337"/>
+              <a:gd name="connsiteY0" fmla="*/ 0 h 123091"/>
+              <a:gd name="connsiteX1" fmla="*/ 4573337 w 4573337"/>
+              <a:gd name="connsiteY1" fmla="*/ 11723 h 123091"/>
+              <a:gd name="connsiteX2" fmla="*/ 4573337 w 4573337"/>
+              <a:gd name="connsiteY2" fmla="*/ 123091 h 123091"/>
+              <a:gd name="connsiteX3" fmla="*/ 0 w 4573337"/>
+              <a:gd name="connsiteY3" fmla="*/ 123091 h 123091"/>
+              <a:gd name="connsiteX4" fmla="*/ 386861 w 4573337"/>
+              <a:gd name="connsiteY4" fmla="*/ 0 h 123091"/>
+              <a:gd name="connsiteX0" fmla="*/ 386861 w 4573337"/>
+              <a:gd name="connsiteY0" fmla="*/ 0 h 123091"/>
+              <a:gd name="connsiteX1" fmla="*/ 4573337 w 4573337"/>
+              <a:gd name="connsiteY1" fmla="*/ 11723 h 123091"/>
+              <a:gd name="connsiteX2" fmla="*/ 4464319 w 4573337"/>
+              <a:gd name="connsiteY2" fmla="*/ 118880 h 123091"/>
+              <a:gd name="connsiteX3" fmla="*/ 0 w 4573337"/>
+              <a:gd name="connsiteY3" fmla="*/ 123091 h 123091"/>
+              <a:gd name="connsiteX4" fmla="*/ 386861 w 4573337"/>
+              <a:gd name="connsiteY4" fmla="*/ 0 h 123091"/>
+              <a:gd name="connsiteX0" fmla="*/ 386861 w 4730807"/>
+              <a:gd name="connsiteY0" fmla="*/ 13543 h 136634"/>
+              <a:gd name="connsiteX1" fmla="*/ 4730807 w 4730807"/>
+              <a:gd name="connsiteY1" fmla="*/ 0 h 136634"/>
+              <a:gd name="connsiteX2" fmla="*/ 4464319 w 4730807"/>
+              <a:gd name="connsiteY2" fmla="*/ 132423 h 136634"/>
+              <a:gd name="connsiteX3" fmla="*/ 0 w 4730807"/>
+              <a:gd name="connsiteY3" fmla="*/ 136634 h 136634"/>
+              <a:gd name="connsiteX4" fmla="*/ 386861 w 4730807"/>
+              <a:gd name="connsiteY4" fmla="*/ 13543 h 136634"/>
+              <a:gd name="connsiteX0" fmla="*/ 386861 w 4674279"/>
+              <a:gd name="connsiteY0" fmla="*/ 17754 h 140845"/>
+              <a:gd name="connsiteX1" fmla="*/ 4674279 w 4674279"/>
+              <a:gd name="connsiteY1" fmla="*/ 0 h 140845"/>
+              <a:gd name="connsiteX2" fmla="*/ 4464319 w 4674279"/>
+              <a:gd name="connsiteY2" fmla="*/ 136634 h 140845"/>
+              <a:gd name="connsiteX3" fmla="*/ 0 w 4674279"/>
+              <a:gd name="connsiteY3" fmla="*/ 140845 h 140845"/>
+              <a:gd name="connsiteX4" fmla="*/ 386861 w 4674279"/>
+              <a:gd name="connsiteY4" fmla="*/ 17754 h 140845"/>
+              <a:gd name="connsiteX0" fmla="*/ 633161 w 4920579"/>
+              <a:gd name="connsiteY0" fmla="*/ 17754 h 149267"/>
+              <a:gd name="connsiteX1" fmla="*/ 4920579 w 4920579"/>
+              <a:gd name="connsiteY1" fmla="*/ 0 h 149267"/>
+              <a:gd name="connsiteX2" fmla="*/ 4710619 w 4920579"/>
+              <a:gd name="connsiteY2" fmla="*/ 136634 h 149267"/>
+              <a:gd name="connsiteX3" fmla="*/ 0 w 4920579"/>
+              <a:gd name="connsiteY3" fmla="*/ 149267 h 149267"/>
+              <a:gd name="connsiteX4" fmla="*/ 633161 w 4920579"/>
+              <a:gd name="connsiteY4" fmla="*/ 17754 h 149267"/>
+              <a:gd name="connsiteX0" fmla="*/ 366673 w 4920579"/>
+              <a:gd name="connsiteY0" fmla="*/ 9332 h 149267"/>
+              <a:gd name="connsiteX1" fmla="*/ 4920579 w 4920579"/>
+              <a:gd name="connsiteY1" fmla="*/ 0 h 149267"/>
+              <a:gd name="connsiteX2" fmla="*/ 4710619 w 4920579"/>
+              <a:gd name="connsiteY2" fmla="*/ 136634 h 149267"/>
+              <a:gd name="connsiteX3" fmla="*/ 0 w 4920579"/>
+              <a:gd name="connsiteY3" fmla="*/ 149267 h 149267"/>
+              <a:gd name="connsiteX4" fmla="*/ 366673 w 4920579"/>
+              <a:gd name="connsiteY4" fmla="*/ 9332 h 149267"/>
+              <a:gd name="connsiteX0" fmla="*/ 289957 w 4920579"/>
+              <a:gd name="connsiteY0" fmla="*/ 76708 h 149267"/>
+              <a:gd name="connsiteX1" fmla="*/ 4920579 w 4920579"/>
+              <a:gd name="connsiteY1" fmla="*/ 0 h 149267"/>
+              <a:gd name="connsiteX2" fmla="*/ 4710619 w 4920579"/>
+              <a:gd name="connsiteY2" fmla="*/ 136634 h 149267"/>
+              <a:gd name="connsiteX3" fmla="*/ 0 w 4920579"/>
+              <a:gd name="connsiteY3" fmla="*/ 149267 h 149267"/>
+              <a:gd name="connsiteX4" fmla="*/ 289957 w 4920579"/>
+              <a:gd name="connsiteY4" fmla="*/ 76708 h 149267"/>
+              <a:gd name="connsiteX0" fmla="*/ 253617 w 4920579"/>
+              <a:gd name="connsiteY0" fmla="*/ 55653 h 149267"/>
+              <a:gd name="connsiteX1" fmla="*/ 4920579 w 4920579"/>
+              <a:gd name="connsiteY1" fmla="*/ 0 h 149267"/>
+              <a:gd name="connsiteX2" fmla="*/ 4710619 w 4920579"/>
+              <a:gd name="connsiteY2" fmla="*/ 136634 h 149267"/>
+              <a:gd name="connsiteX3" fmla="*/ 0 w 4920579"/>
+              <a:gd name="connsiteY3" fmla="*/ 149267 h 149267"/>
+              <a:gd name="connsiteX4" fmla="*/ 253617 w 4920579"/>
+              <a:gd name="connsiteY4" fmla="*/ 55653 h 149267"/>
+              <a:gd name="connsiteX0" fmla="*/ 152675 w 4920579"/>
+              <a:gd name="connsiteY0" fmla="*/ 51442 h 149267"/>
+              <a:gd name="connsiteX1" fmla="*/ 4920579 w 4920579"/>
+              <a:gd name="connsiteY1" fmla="*/ 0 h 149267"/>
+              <a:gd name="connsiteX2" fmla="*/ 4710619 w 4920579"/>
+              <a:gd name="connsiteY2" fmla="*/ 136634 h 149267"/>
+              <a:gd name="connsiteX3" fmla="*/ 0 w 4920579"/>
+              <a:gd name="connsiteY3" fmla="*/ 149267 h 149267"/>
+              <a:gd name="connsiteX4" fmla="*/ 152675 w 4920579"/>
+              <a:gd name="connsiteY4" fmla="*/ 51442 h 149267"/>
+            </a:gdLst>
+            <a:ahLst/>
+            <a:cxnLst>
+              <a:cxn ang="0">
+                <a:pos x="connsiteX0" y="connsiteY0"/>
+              </a:cxn>
+              <a:cxn ang="0">
+                <a:pos x="connsiteX1" y="connsiteY1"/>
+              </a:cxn>
+              <a:cxn ang="0">
+                <a:pos x="connsiteX2" y="connsiteY2"/>
+              </a:cxn>
+              <a:cxn ang="0">
+                <a:pos x="connsiteX3" y="connsiteY3"/>
+              </a:cxn>
+              <a:cxn ang="0">
+                <a:pos x="connsiteX4" y="connsiteY4"/>
+              </a:cxn>
+            </a:cxnLst>
+            <a:rect l="l" t="t" r="r" b="b"/>
+            <a:pathLst>
+              <a:path w="4920579" h="149267">
+                <a:moveTo>
+                  <a:pt x="152675" y="51442"/>
+                </a:moveTo>
+                <a:lnTo>
+                  <a:pt x="4920579" y="0"/>
+                </a:lnTo>
+                <a:lnTo>
+                  <a:pt x="4710619" y="136634"/>
+                </a:lnTo>
+                <a:lnTo>
+                  <a:pt x="0" y="149267"/>
+                </a:lnTo>
+                <a:lnTo>
+                  <a:pt x="152675" y="51442"/>
+                </a:lnTo>
+                <a:close/>
+              </a:path>
+            </a:pathLst>
+          </a:custGeom>
+          <a:solidFill>
+            <a:schemeClr val="accent4">
+              <a:lumMod val="40000"/>
+              <a:lumOff val="60000"/>
+              <a:alpha val="50196"/>
+            </a:schemeClr>
+          </a:solidFill>
+          <a:ln>
+            <a:noFill/>
+          </a:ln>
+        </p:spPr>
+        <p:style>
+          <a:lnRef idx="2">
+            <a:schemeClr val="accent1">
+              <a:shade val="50000"/>
+            </a:schemeClr>
+          </a:lnRef>
+          <a:fillRef idx="1">
+            <a:schemeClr val="accent1"/>
+          </a:fillRef>
+          <a:effectRef idx="0">
+            <a:schemeClr val="accent1"/>
+          </a:effectRef>
+          <a:fontRef idx="minor">
+            <a:schemeClr val="lt1"/>
+          </a:fontRef>
+        </p:style>
+        <p:txBody>
+          <a:bodyPr rtlCol="0" anchor="ctr"/>
+          <a:lstStyle/>
+          <a:p>
+            <a:pPr algn="ctr"/>
+            <a:endParaRPr lang="pl-PL"/>
+          </a:p>
+        </p:txBody>
+      </p:sp>
+      <p:sp>
+        <p:nvSpPr>
           <p:cNvPr id="4" name="Tytuł 3">
             <a:extLst>
               <a:ext uri="{FF2B5EF4-FFF2-40B4-BE49-F238E27FC236}">
@@ -3376,6 +3574,16 @@
           <a:p>
             <a:r>
               <a:rPr lang="pl-PL" sz="5400" dirty="0">
+                <a:solidFill>
+                  <a:srgbClr val="002060"/>
+                </a:solidFill>
+                <a:effectLst>
+                  <a:outerShdw blurRad="38100" dist="38100" dir="2700000" algn="tl">
+                    <a:srgbClr val="000000">
+                      <a:alpha val="43137"/>
+                    </a:srgbClr>
+                  </a:outerShdw>
+                </a:effectLst>
                 <a:latin typeface="Arial" panose="020B0604020202020204" pitchFamily="34" charset="0"/>
                 <a:cs typeface="Arial" panose="020B0604020202020204" pitchFamily="34" charset="0"/>
               </a:rPr>
@@ -3383,12 +3591,32 @@
             </a:r>
             <a:br>
               <a:rPr lang="pl-PL" sz="5400" dirty="0">
+                <a:solidFill>
+                  <a:srgbClr val="002060"/>
+                </a:solidFill>
+                <a:effectLst>
+                  <a:outerShdw blurRad="38100" dist="38100" dir="2700000" algn="tl">
+                    <a:srgbClr val="000000">
+                      <a:alpha val="43137"/>
+                    </a:srgbClr>
+                  </a:outerShdw>
+                </a:effectLst>
                 <a:latin typeface="Arial" panose="020B0604020202020204" pitchFamily="34" charset="0"/>
                 <a:cs typeface="Arial" panose="020B0604020202020204" pitchFamily="34" charset="0"/>
               </a:rPr>
             </a:br>
             <a:r>
               <a:rPr lang="pl-PL" sz="5400" dirty="0">
+                <a:solidFill>
+                  <a:srgbClr val="002060"/>
+                </a:solidFill>
+                <a:effectLst>
+                  <a:outerShdw blurRad="38100" dist="38100" dir="2700000" algn="tl">
+                    <a:srgbClr val="000000">
+                      <a:alpha val="43137"/>
+                    </a:srgbClr>
+                  </a:outerShdw>
+                </a:effectLst>
                 <a:latin typeface="Arial" panose="020B0604020202020204" pitchFamily="34" charset="0"/>
                 <a:cs typeface="Arial" panose="020B0604020202020204" pitchFamily="34" charset="0"/>
               </a:rPr>
@@ -3415,7 +3643,7 @@
         </p:nvSpPr>
         <p:spPr>
           <a:xfrm>
-            <a:off x="1080001" y="2825963"/>
+            <a:off x="1080001" y="2777703"/>
             <a:ext cx="9788628" cy="3107803"/>
           </a:xfrm>
         </p:spPr>
@@ -3456,6 +3684,9 @@
             <a:pPr marL="720000" algn="r"/>
             <a:r>
               <a:rPr lang="pl-PL" sz="2800" dirty="0">
+                <a:solidFill>
+                  <a:srgbClr val="002060"/>
+                </a:solidFill>
                 <a:latin typeface="Arial" panose="020B0604020202020204" pitchFamily="34" charset="0"/>
                 <a:cs typeface="Arial" panose="020B0604020202020204" pitchFamily="34" charset="0"/>
               </a:rPr>
@@ -3464,6 +3695,49 @@
           </a:p>
         </p:txBody>
       </p:sp>
+      <p:cxnSp>
+        <p:nvCxnSpPr>
+          <p:cNvPr id="13" name="Łącznik prosty 12">
+            <a:extLst>
+              <a:ext uri="{FF2B5EF4-FFF2-40B4-BE49-F238E27FC236}">
+                <a16:creationId xmlns:a16="http://schemas.microsoft.com/office/drawing/2014/main" id="{32501FC6-0AA4-487E-A1F6-EE9EEB447193}"/>
+              </a:ext>
+            </a:extLst>
+          </p:cNvPr>
+          <p:cNvCxnSpPr>
+            <a:cxnSpLocks/>
+          </p:cNvCxnSpPr>
+          <p:nvPr/>
+        </p:nvCxnSpPr>
+        <p:spPr>
+          <a:xfrm>
+            <a:off x="1080000" y="3893574"/>
+            <a:ext cx="10032000" cy="0"/>
+          </a:xfrm>
+          <a:prstGeom prst="line">
+            <a:avLst/>
+          </a:prstGeom>
+          <a:ln w="22225">
+            <a:solidFill>
+              <a:schemeClr val="accent6"/>
+            </a:solidFill>
+          </a:ln>
+        </p:spPr>
+        <p:style>
+          <a:lnRef idx="1">
+            <a:schemeClr val="accent1"/>
+          </a:lnRef>
+          <a:fillRef idx="0">
+            <a:schemeClr val="accent1"/>
+          </a:fillRef>
+          <a:effectRef idx="0">
+            <a:schemeClr val="accent1"/>
+          </a:effectRef>
+          <a:fontRef idx="minor">
+            <a:schemeClr val="tx1"/>
+          </a:fontRef>
+        </p:style>
+      </p:cxnSp>
     </p:spTree>
     <p:extLst>
       <p:ext uri="{BB962C8B-B14F-4D97-AF65-F5344CB8AC3E}">
@@ -3504,6 +3778,4199 @@
       </p:grpSpPr>
       <p:sp>
         <p:nvSpPr>
+          <p:cNvPr id="5" name="Prostokąt 10">
+            <a:extLst>
+              <a:ext uri="{FF2B5EF4-FFF2-40B4-BE49-F238E27FC236}">
+                <a16:creationId xmlns:a16="http://schemas.microsoft.com/office/drawing/2014/main" id="{E2B7F47F-06CC-4327-999C-0AFF97F5784A}"/>
+              </a:ext>
+            </a:extLst>
+          </p:cNvPr>
+          <p:cNvSpPr/>
+          <p:nvPr/>
+        </p:nvSpPr>
+        <p:spPr>
+          <a:xfrm>
+            <a:off x="1055370" y="650240"/>
+            <a:ext cx="10415270" cy="130582"/>
+          </a:xfrm>
+          <a:custGeom>
+            <a:avLst/>
+            <a:gdLst>
+              <a:gd name="connsiteX0" fmla="*/ 0 w 4573337"/>
+              <a:gd name="connsiteY0" fmla="*/ 0 h 111368"/>
+              <a:gd name="connsiteX1" fmla="*/ 4573337 w 4573337"/>
+              <a:gd name="connsiteY1" fmla="*/ 0 h 111368"/>
+              <a:gd name="connsiteX2" fmla="*/ 4573337 w 4573337"/>
+              <a:gd name="connsiteY2" fmla="*/ 111368 h 111368"/>
+              <a:gd name="connsiteX3" fmla="*/ 0 w 4573337"/>
+              <a:gd name="connsiteY3" fmla="*/ 111368 h 111368"/>
+              <a:gd name="connsiteX4" fmla="*/ 0 w 4573337"/>
+              <a:gd name="connsiteY4" fmla="*/ 0 h 111368"/>
+              <a:gd name="connsiteX0" fmla="*/ 386861 w 4573337"/>
+              <a:gd name="connsiteY0" fmla="*/ 0 h 123091"/>
+              <a:gd name="connsiteX1" fmla="*/ 4573337 w 4573337"/>
+              <a:gd name="connsiteY1" fmla="*/ 11723 h 123091"/>
+              <a:gd name="connsiteX2" fmla="*/ 4573337 w 4573337"/>
+              <a:gd name="connsiteY2" fmla="*/ 123091 h 123091"/>
+              <a:gd name="connsiteX3" fmla="*/ 0 w 4573337"/>
+              <a:gd name="connsiteY3" fmla="*/ 123091 h 123091"/>
+              <a:gd name="connsiteX4" fmla="*/ 386861 w 4573337"/>
+              <a:gd name="connsiteY4" fmla="*/ 0 h 123091"/>
+              <a:gd name="connsiteX0" fmla="*/ 386861 w 4573337"/>
+              <a:gd name="connsiteY0" fmla="*/ 0 h 123091"/>
+              <a:gd name="connsiteX1" fmla="*/ 4573337 w 4573337"/>
+              <a:gd name="connsiteY1" fmla="*/ 11723 h 123091"/>
+              <a:gd name="connsiteX2" fmla="*/ 4464319 w 4573337"/>
+              <a:gd name="connsiteY2" fmla="*/ 118880 h 123091"/>
+              <a:gd name="connsiteX3" fmla="*/ 0 w 4573337"/>
+              <a:gd name="connsiteY3" fmla="*/ 123091 h 123091"/>
+              <a:gd name="connsiteX4" fmla="*/ 386861 w 4573337"/>
+              <a:gd name="connsiteY4" fmla="*/ 0 h 123091"/>
+              <a:gd name="connsiteX0" fmla="*/ 386861 w 4730807"/>
+              <a:gd name="connsiteY0" fmla="*/ 13543 h 136634"/>
+              <a:gd name="connsiteX1" fmla="*/ 4730807 w 4730807"/>
+              <a:gd name="connsiteY1" fmla="*/ 0 h 136634"/>
+              <a:gd name="connsiteX2" fmla="*/ 4464319 w 4730807"/>
+              <a:gd name="connsiteY2" fmla="*/ 132423 h 136634"/>
+              <a:gd name="connsiteX3" fmla="*/ 0 w 4730807"/>
+              <a:gd name="connsiteY3" fmla="*/ 136634 h 136634"/>
+              <a:gd name="connsiteX4" fmla="*/ 386861 w 4730807"/>
+              <a:gd name="connsiteY4" fmla="*/ 13543 h 136634"/>
+              <a:gd name="connsiteX0" fmla="*/ 386861 w 4674279"/>
+              <a:gd name="connsiteY0" fmla="*/ 17754 h 140845"/>
+              <a:gd name="connsiteX1" fmla="*/ 4674279 w 4674279"/>
+              <a:gd name="connsiteY1" fmla="*/ 0 h 140845"/>
+              <a:gd name="connsiteX2" fmla="*/ 4464319 w 4674279"/>
+              <a:gd name="connsiteY2" fmla="*/ 136634 h 140845"/>
+              <a:gd name="connsiteX3" fmla="*/ 0 w 4674279"/>
+              <a:gd name="connsiteY3" fmla="*/ 140845 h 140845"/>
+              <a:gd name="connsiteX4" fmla="*/ 386861 w 4674279"/>
+              <a:gd name="connsiteY4" fmla="*/ 17754 h 140845"/>
+              <a:gd name="connsiteX0" fmla="*/ 633161 w 4920579"/>
+              <a:gd name="connsiteY0" fmla="*/ 17754 h 149267"/>
+              <a:gd name="connsiteX1" fmla="*/ 4920579 w 4920579"/>
+              <a:gd name="connsiteY1" fmla="*/ 0 h 149267"/>
+              <a:gd name="connsiteX2" fmla="*/ 4710619 w 4920579"/>
+              <a:gd name="connsiteY2" fmla="*/ 136634 h 149267"/>
+              <a:gd name="connsiteX3" fmla="*/ 0 w 4920579"/>
+              <a:gd name="connsiteY3" fmla="*/ 149267 h 149267"/>
+              <a:gd name="connsiteX4" fmla="*/ 633161 w 4920579"/>
+              <a:gd name="connsiteY4" fmla="*/ 17754 h 149267"/>
+              <a:gd name="connsiteX0" fmla="*/ 366673 w 4920579"/>
+              <a:gd name="connsiteY0" fmla="*/ 9332 h 149267"/>
+              <a:gd name="connsiteX1" fmla="*/ 4920579 w 4920579"/>
+              <a:gd name="connsiteY1" fmla="*/ 0 h 149267"/>
+              <a:gd name="connsiteX2" fmla="*/ 4710619 w 4920579"/>
+              <a:gd name="connsiteY2" fmla="*/ 136634 h 149267"/>
+              <a:gd name="connsiteX3" fmla="*/ 0 w 4920579"/>
+              <a:gd name="connsiteY3" fmla="*/ 149267 h 149267"/>
+              <a:gd name="connsiteX4" fmla="*/ 366673 w 4920579"/>
+              <a:gd name="connsiteY4" fmla="*/ 9332 h 149267"/>
+              <a:gd name="connsiteX0" fmla="*/ 289957 w 4920579"/>
+              <a:gd name="connsiteY0" fmla="*/ 76708 h 149267"/>
+              <a:gd name="connsiteX1" fmla="*/ 4920579 w 4920579"/>
+              <a:gd name="connsiteY1" fmla="*/ 0 h 149267"/>
+              <a:gd name="connsiteX2" fmla="*/ 4710619 w 4920579"/>
+              <a:gd name="connsiteY2" fmla="*/ 136634 h 149267"/>
+              <a:gd name="connsiteX3" fmla="*/ 0 w 4920579"/>
+              <a:gd name="connsiteY3" fmla="*/ 149267 h 149267"/>
+              <a:gd name="connsiteX4" fmla="*/ 289957 w 4920579"/>
+              <a:gd name="connsiteY4" fmla="*/ 76708 h 149267"/>
+              <a:gd name="connsiteX0" fmla="*/ 253617 w 4920579"/>
+              <a:gd name="connsiteY0" fmla="*/ 55653 h 149267"/>
+              <a:gd name="connsiteX1" fmla="*/ 4920579 w 4920579"/>
+              <a:gd name="connsiteY1" fmla="*/ 0 h 149267"/>
+              <a:gd name="connsiteX2" fmla="*/ 4710619 w 4920579"/>
+              <a:gd name="connsiteY2" fmla="*/ 136634 h 149267"/>
+              <a:gd name="connsiteX3" fmla="*/ 0 w 4920579"/>
+              <a:gd name="connsiteY3" fmla="*/ 149267 h 149267"/>
+              <a:gd name="connsiteX4" fmla="*/ 253617 w 4920579"/>
+              <a:gd name="connsiteY4" fmla="*/ 55653 h 149267"/>
+              <a:gd name="connsiteX0" fmla="*/ 152675 w 4920579"/>
+              <a:gd name="connsiteY0" fmla="*/ 51442 h 149267"/>
+              <a:gd name="connsiteX1" fmla="*/ 4920579 w 4920579"/>
+              <a:gd name="connsiteY1" fmla="*/ 0 h 149267"/>
+              <a:gd name="connsiteX2" fmla="*/ 4710619 w 4920579"/>
+              <a:gd name="connsiteY2" fmla="*/ 136634 h 149267"/>
+              <a:gd name="connsiteX3" fmla="*/ 0 w 4920579"/>
+              <a:gd name="connsiteY3" fmla="*/ 149267 h 149267"/>
+              <a:gd name="connsiteX4" fmla="*/ 152675 w 4920579"/>
+              <a:gd name="connsiteY4" fmla="*/ 51442 h 149267"/>
+            </a:gdLst>
+            <a:ahLst/>
+            <a:cxnLst>
+              <a:cxn ang="0">
+                <a:pos x="connsiteX0" y="connsiteY0"/>
+              </a:cxn>
+              <a:cxn ang="0">
+                <a:pos x="connsiteX1" y="connsiteY1"/>
+              </a:cxn>
+              <a:cxn ang="0">
+                <a:pos x="connsiteX2" y="connsiteY2"/>
+              </a:cxn>
+              <a:cxn ang="0">
+                <a:pos x="connsiteX3" y="connsiteY3"/>
+              </a:cxn>
+              <a:cxn ang="0">
+                <a:pos x="connsiteX4" y="connsiteY4"/>
+              </a:cxn>
+            </a:cxnLst>
+            <a:rect l="l" t="t" r="r" b="b"/>
+            <a:pathLst>
+              <a:path w="4920579" h="149267">
+                <a:moveTo>
+                  <a:pt x="152675" y="51442"/>
+                </a:moveTo>
+                <a:lnTo>
+                  <a:pt x="4920579" y="0"/>
+                </a:lnTo>
+                <a:lnTo>
+                  <a:pt x="4710619" y="136634"/>
+                </a:lnTo>
+                <a:lnTo>
+                  <a:pt x="0" y="149267"/>
+                </a:lnTo>
+                <a:lnTo>
+                  <a:pt x="152675" y="51442"/>
+                </a:lnTo>
+                <a:close/>
+              </a:path>
+            </a:pathLst>
+          </a:custGeom>
+          <a:solidFill>
+            <a:schemeClr val="accent4">
+              <a:lumMod val="40000"/>
+              <a:lumOff val="60000"/>
+              <a:alpha val="50196"/>
+            </a:schemeClr>
+          </a:solidFill>
+          <a:ln>
+            <a:noFill/>
+          </a:ln>
+        </p:spPr>
+        <p:style>
+          <a:lnRef idx="2">
+            <a:schemeClr val="accent1">
+              <a:shade val="50000"/>
+            </a:schemeClr>
+          </a:lnRef>
+          <a:fillRef idx="1">
+            <a:schemeClr val="accent1"/>
+          </a:fillRef>
+          <a:effectRef idx="0">
+            <a:schemeClr val="accent1"/>
+          </a:effectRef>
+          <a:fontRef idx="minor">
+            <a:schemeClr val="lt1"/>
+          </a:fontRef>
+        </p:style>
+        <p:txBody>
+          <a:bodyPr rtlCol="0" anchor="ctr"/>
+          <a:lstStyle/>
+          <a:p>
+            <a:pPr algn="ctr"/>
+            <a:endParaRPr lang="pl-PL"/>
+          </a:p>
+        </p:txBody>
+      </p:sp>
+      <p:sp>
+        <p:nvSpPr>
+          <p:cNvPr id="11" name="Tytuł 10">
+            <a:extLst>
+              <a:ext uri="{FF2B5EF4-FFF2-40B4-BE49-F238E27FC236}">
+                <a16:creationId xmlns:a16="http://schemas.microsoft.com/office/drawing/2014/main" id="{E6572A4F-AEE0-4C43-A19A-0A4EFDB11758}"/>
+              </a:ext>
+            </a:extLst>
+          </p:cNvPr>
+          <p:cNvSpPr>
+            <a:spLocks noGrp="1"/>
+          </p:cNvSpPr>
+          <p:nvPr>
+            <p:ph type="title"/>
+          </p:nvPr>
+        </p:nvSpPr>
+        <p:spPr>
+          <a:xfrm>
+            <a:off x="0" y="180001"/>
+            <a:ext cx="12192000" cy="758980"/>
+          </a:xfrm>
+        </p:spPr>
+        <p:txBody>
+          <a:bodyPr>
+            <a:normAutofit/>
+          </a:bodyPr>
+          <a:lstStyle/>
+          <a:p>
+            <a:pPr marL="1080000"/>
+            <a:r>
+              <a:rPr lang="pl-PL" sz="4000" dirty="0">
+                <a:solidFill>
+                  <a:srgbClr val="002060"/>
+                </a:solidFill>
+                <a:latin typeface="Arial" panose="020B0604020202020204" pitchFamily="34" charset="0"/>
+                <a:cs typeface="Arial" panose="020B0604020202020204" pitchFamily="34" charset="0"/>
+              </a:rPr>
+              <a:t>Najlepiej opłacane kierunki w województwach</a:t>
+            </a:r>
+          </a:p>
+        </p:txBody>
+      </p:sp>
+      <p:graphicFrame>
+        <p:nvGraphicFramePr>
+          <p:cNvPr id="3" name="Symbol zastępczy zawartości 2">
+            <a:extLst>
+              <a:ext uri="{FF2B5EF4-FFF2-40B4-BE49-F238E27FC236}">
+                <a16:creationId xmlns:a16="http://schemas.microsoft.com/office/drawing/2014/main" id="{415C6C03-B991-4632-BB00-C69DD95177E3}"/>
+              </a:ext>
+            </a:extLst>
+          </p:cNvPr>
+          <p:cNvGraphicFramePr>
+            <a:graphicFrameLocks noGrp="1"/>
+          </p:cNvGraphicFramePr>
+          <p:nvPr>
+            <p:ph idx="1"/>
+            <p:extLst>
+              <p:ext uri="{D42A27DB-BD31-4B8C-83A1-F6EECF244321}">
+                <p14:modId xmlns:p14="http://schemas.microsoft.com/office/powerpoint/2010/main" val="1123820325"/>
+              </p:ext>
+            </p:extLst>
+          </p:nvPr>
+        </p:nvGraphicFramePr>
+        <p:xfrm>
+          <a:off x="539750" y="1162075"/>
+          <a:ext cx="11123929" cy="4731115"/>
+        </p:xfrm>
+        <a:graphic>
+          <a:graphicData uri="http://schemas.openxmlformats.org/drawingml/2006/table">
+            <a:tbl>
+              <a:tblPr>
+                <a:tableStyleId>{5940675A-B579-460E-94D1-54222C63F5DA}</a:tableStyleId>
+              </a:tblPr>
+              <a:tblGrid>
+                <a:gridCol w="384810">
+                  <a:extLst>
+                    <a:ext uri="{9D8B030D-6E8A-4147-A177-3AD203B41FA5}">
+                      <a16:colId xmlns:a16="http://schemas.microsoft.com/office/drawing/2014/main" val="286682112"/>
+                    </a:ext>
+                  </a:extLst>
+                </a:gridCol>
+                <a:gridCol w="1666240">
+                  <a:extLst>
+                    <a:ext uri="{9D8B030D-6E8A-4147-A177-3AD203B41FA5}">
+                      <a16:colId xmlns:a16="http://schemas.microsoft.com/office/drawing/2014/main" val="2371264202"/>
+                    </a:ext>
+                  </a:extLst>
+                </a:gridCol>
+                <a:gridCol w="1940560">
+                  <a:extLst>
+                    <a:ext uri="{9D8B030D-6E8A-4147-A177-3AD203B41FA5}">
+                      <a16:colId xmlns:a16="http://schemas.microsoft.com/office/drawing/2014/main" val="411073058"/>
+                    </a:ext>
+                  </a:extLst>
+                </a:gridCol>
+                <a:gridCol w="5191760">
+                  <a:extLst>
+                    <a:ext uri="{9D8B030D-6E8A-4147-A177-3AD203B41FA5}">
+                      <a16:colId xmlns:a16="http://schemas.microsoft.com/office/drawing/2014/main" val="2559168455"/>
+                    </a:ext>
+                  </a:extLst>
+                </a:gridCol>
+                <a:gridCol w="1940559">
+                  <a:extLst>
+                    <a:ext uri="{9D8B030D-6E8A-4147-A177-3AD203B41FA5}">
+                      <a16:colId xmlns:a16="http://schemas.microsoft.com/office/drawing/2014/main" val="3708089434"/>
+                    </a:ext>
+                  </a:extLst>
+                </a:gridCol>
+              </a:tblGrid>
+              <a:tr h="269257">
+                <a:tc>
+                  <a:txBody>
+                    <a:bodyPr/>
+                    <a:lstStyle/>
+                    <a:p>
+                      <a:pPr algn="ctr" fontAlgn="ctr"/>
+                      <a:r>
+                        <a:rPr lang="pl-PL" sz="1400" b="1" u="none" strike="noStrike" dirty="0">
+                          <a:effectLst/>
+                        </a:rPr>
+                        <a:t> LP</a:t>
+                      </a:r>
+                      <a:endParaRPr lang="pl-PL" sz="1400" b="1" i="0" u="none" strike="noStrike" dirty="0">
+                        <a:solidFill>
+                          <a:srgbClr val="000000"/>
+                        </a:solidFill>
+                        <a:effectLst/>
+                        <a:latin typeface="Calibri" panose="020F0502020204030204" pitchFamily="34" charset="0"/>
+                      </a:endParaRPr>
+                    </a:p>
+                  </a:txBody>
+                  <a:tcPr marL="7620" marR="7620" marT="7620" marB="0" anchor="ctr">
+                    <a:solidFill>
+                      <a:schemeClr val="accent5">
+                        <a:lumMod val="20000"/>
+                        <a:lumOff val="80000"/>
+                      </a:schemeClr>
+                    </a:solidFill>
+                  </a:tcPr>
+                </a:tc>
+                <a:tc>
+                  <a:txBody>
+                    <a:bodyPr/>
+                    <a:lstStyle/>
+                    <a:p>
+                      <a:pPr algn="ctr" fontAlgn="ctr"/>
+                      <a:r>
+                        <a:rPr lang="pl-PL" sz="1400" b="1" u="none" strike="noStrike" dirty="0">
+                          <a:effectLst/>
+                        </a:rPr>
+                        <a:t>Województwo</a:t>
+                      </a:r>
+                      <a:endParaRPr lang="pl-PL" sz="1400" b="1" i="0" u="none" strike="noStrike" dirty="0">
+                        <a:solidFill>
+                          <a:srgbClr val="000000"/>
+                        </a:solidFill>
+                        <a:effectLst/>
+                        <a:latin typeface="Calibri" panose="020F0502020204030204" pitchFamily="34" charset="0"/>
+                      </a:endParaRPr>
+                    </a:p>
+                  </a:txBody>
+                  <a:tcPr marL="7620" marR="7620" marT="7620" marB="0" anchor="ctr">
+                    <a:solidFill>
+                      <a:schemeClr val="accent5">
+                        <a:lumMod val="20000"/>
+                        <a:lumOff val="80000"/>
+                      </a:schemeClr>
+                    </a:solidFill>
+                  </a:tcPr>
+                </a:tc>
+                <a:tc>
+                  <a:txBody>
+                    <a:bodyPr/>
+                    <a:lstStyle/>
+                    <a:p>
+                      <a:pPr algn="ctr" fontAlgn="ctr"/>
+                      <a:r>
+                        <a:rPr lang="pl-PL" sz="1400" b="1" u="none" strike="noStrike" dirty="0">
+                          <a:effectLst/>
+                        </a:rPr>
+                        <a:t>Nazwa uczelni</a:t>
+                      </a:r>
+                      <a:endParaRPr lang="pl-PL" sz="1400" b="1" i="0" u="none" strike="noStrike" dirty="0">
+                        <a:solidFill>
+                          <a:srgbClr val="000000"/>
+                        </a:solidFill>
+                        <a:effectLst/>
+                        <a:latin typeface="Calibri" panose="020F0502020204030204" pitchFamily="34" charset="0"/>
+                      </a:endParaRPr>
+                    </a:p>
+                  </a:txBody>
+                  <a:tcPr marL="7620" marR="7620" marT="7620" marB="0" anchor="ctr">
+                    <a:solidFill>
+                      <a:schemeClr val="accent5">
+                        <a:lumMod val="20000"/>
+                        <a:lumOff val="80000"/>
+                      </a:schemeClr>
+                    </a:solidFill>
+                  </a:tcPr>
+                </a:tc>
+                <a:tc>
+                  <a:txBody>
+                    <a:bodyPr/>
+                    <a:lstStyle/>
+                    <a:p>
+                      <a:pPr algn="ctr" fontAlgn="ctr"/>
+                      <a:r>
+                        <a:rPr lang="pl-PL" sz="1400" b="1" u="none" strike="noStrike" dirty="0">
+                          <a:effectLst/>
+                        </a:rPr>
+                        <a:t>Nazwa kierunku</a:t>
+                      </a:r>
+                      <a:endParaRPr lang="pl-PL" sz="1400" b="1" i="0" u="none" strike="noStrike" dirty="0">
+                        <a:solidFill>
+                          <a:srgbClr val="000000"/>
+                        </a:solidFill>
+                        <a:effectLst/>
+                        <a:latin typeface="Calibri" panose="020F0502020204030204" pitchFamily="34" charset="0"/>
+                      </a:endParaRPr>
+                    </a:p>
+                  </a:txBody>
+                  <a:tcPr marL="7620" marR="7620" marT="7620" marB="0" anchor="ctr">
+                    <a:solidFill>
+                      <a:schemeClr val="accent5">
+                        <a:lumMod val="20000"/>
+                        <a:lumOff val="80000"/>
+                      </a:schemeClr>
+                    </a:solidFill>
+                  </a:tcPr>
+                </a:tc>
+                <a:tc>
+                  <a:txBody>
+                    <a:bodyPr/>
+                    <a:lstStyle/>
+                    <a:p>
+                      <a:pPr algn="ctr" fontAlgn="ctr"/>
+                      <a:r>
+                        <a:rPr lang="pl-PL" sz="1400" b="1" u="none" strike="noStrike" dirty="0">
+                          <a:effectLst/>
+                        </a:rPr>
+                        <a:t>Mediana zarobków (PLN)</a:t>
+                      </a:r>
+                      <a:endParaRPr lang="pl-PL" sz="1400" b="1" i="0" u="none" strike="noStrike" dirty="0">
+                        <a:solidFill>
+                          <a:srgbClr val="000000"/>
+                        </a:solidFill>
+                        <a:effectLst/>
+                        <a:latin typeface="Calibri" panose="020F0502020204030204" pitchFamily="34" charset="0"/>
+                      </a:endParaRPr>
+                    </a:p>
+                  </a:txBody>
+                  <a:tcPr marL="7620" marR="7620" marT="7620" marB="0" anchor="ctr">
+                    <a:solidFill>
+                      <a:schemeClr val="accent5">
+                        <a:lumMod val="20000"/>
+                        <a:lumOff val="80000"/>
+                      </a:schemeClr>
+                    </a:solidFill>
+                  </a:tcPr>
+                </a:tc>
+                <a:extLst>
+                  <a:ext uri="{0D108BD9-81ED-4DB2-BD59-A6C34878D82A}">
+                    <a16:rowId xmlns:a16="http://schemas.microsoft.com/office/drawing/2014/main" val="4098597411"/>
+                  </a:ext>
+                </a:extLst>
+              </a:tr>
+              <a:tr h="527743">
+                <a:tc>
+                  <a:txBody>
+                    <a:bodyPr/>
+                    <a:lstStyle/>
+                    <a:p>
+                      <a:pPr algn="ctr" fontAlgn="ctr"/>
+                      <a:r>
+                        <a:rPr lang="pl-PL" sz="1400" b="1" u="none" strike="noStrike" dirty="0">
+                          <a:effectLst/>
+                        </a:rPr>
+                        <a:t>1</a:t>
+                      </a:r>
+                      <a:endParaRPr lang="pl-PL" sz="1400" b="1" i="0" u="none" strike="noStrike" dirty="0">
+                        <a:solidFill>
+                          <a:srgbClr val="000000"/>
+                        </a:solidFill>
+                        <a:effectLst/>
+                        <a:latin typeface="Calibri" panose="020F0502020204030204" pitchFamily="34" charset="0"/>
+                      </a:endParaRPr>
+                    </a:p>
+                  </a:txBody>
+                  <a:tcPr marL="7620" marR="7620" marT="7620" marB="0" anchor="ctr">
+                    <a:solidFill>
+                      <a:schemeClr val="accent5">
+                        <a:lumMod val="20000"/>
+                        <a:lumOff val="80000"/>
+                      </a:schemeClr>
+                    </a:solidFill>
+                  </a:tcPr>
+                </a:tc>
+                <a:tc>
+                  <a:txBody>
+                    <a:bodyPr/>
+                    <a:lstStyle/>
+                    <a:p>
+                      <a:pPr algn="ctr" fontAlgn="ctr"/>
+                      <a:r>
+                        <a:rPr lang="pl-PL" sz="1400" u="none" strike="noStrike" dirty="0">
+                          <a:effectLst/>
+                        </a:rPr>
+                        <a:t>Małopolskie</a:t>
+                      </a:r>
+                      <a:endParaRPr lang="pl-PL" sz="1400" b="0" i="0" u="none" strike="noStrike" dirty="0">
+                        <a:solidFill>
+                          <a:srgbClr val="000000"/>
+                        </a:solidFill>
+                        <a:effectLst/>
+                        <a:latin typeface="Calibri" panose="020F0502020204030204" pitchFamily="34" charset="0"/>
+                      </a:endParaRPr>
+                    </a:p>
+                  </a:txBody>
+                  <a:tcPr marL="7620" marR="7620" marT="7620" marB="0" anchor="ctr">
+                    <a:solidFill>
+                      <a:schemeClr val="bg1"/>
+                    </a:solidFill>
+                  </a:tcPr>
+                </a:tc>
+                <a:tc>
+                  <a:txBody>
+                    <a:bodyPr/>
+                    <a:lstStyle/>
+                    <a:p>
+                      <a:pPr algn="ctr" fontAlgn="ctr"/>
+                      <a:r>
+                        <a:rPr lang="pl-PL" sz="1400" u="none" strike="noStrike" dirty="0">
+                          <a:effectLst/>
+                        </a:rPr>
+                        <a:t>Akademia Górniczo-Hutnicza im. Stanisława Staszica w Krakowie</a:t>
+                      </a:r>
+                      <a:endParaRPr lang="pl-PL" sz="1400" b="0" i="0" u="none" strike="noStrike" dirty="0">
+                        <a:solidFill>
+                          <a:srgbClr val="000000"/>
+                        </a:solidFill>
+                        <a:effectLst/>
+                        <a:latin typeface="Calibri" panose="020F0502020204030204" pitchFamily="34" charset="0"/>
+                      </a:endParaRPr>
+                    </a:p>
+                  </a:txBody>
+                  <a:tcPr marL="7620" marR="7620" marT="7620" marB="0" anchor="ctr">
+                    <a:solidFill>
+                      <a:schemeClr val="bg1"/>
+                    </a:solidFill>
+                  </a:tcPr>
+                </a:tc>
+                <a:tc>
+                  <a:txBody>
+                    <a:bodyPr/>
+                    <a:lstStyle/>
+                    <a:p>
+                      <a:pPr algn="ctr" fontAlgn="ctr"/>
+                      <a:r>
+                        <a:rPr lang="pl-PL" sz="1400" u="none" strike="noStrike" dirty="0">
+                          <a:effectLst/>
+                        </a:rPr>
+                        <a:t>Informatyka, studia stacjonarne drugiego stopnia, </a:t>
+                      </a:r>
+                      <a:br>
+                        <a:rPr lang="pl-PL" sz="1400" u="none" strike="noStrike" dirty="0">
+                          <a:effectLst/>
+                        </a:rPr>
+                      </a:br>
+                      <a:r>
+                        <a:rPr lang="pl-PL" sz="1400" u="none" strike="noStrike" dirty="0">
+                          <a:effectLst/>
+                        </a:rPr>
+                        <a:t>3-semestralne, profil ogólnoakademicki</a:t>
+                      </a:r>
+                      <a:endParaRPr lang="pl-PL" sz="1400" b="0" i="0" u="none" strike="noStrike" dirty="0">
+                        <a:solidFill>
+                          <a:srgbClr val="000000"/>
+                        </a:solidFill>
+                        <a:effectLst/>
+                        <a:latin typeface="Calibri" panose="020F0502020204030204" pitchFamily="34" charset="0"/>
+                      </a:endParaRPr>
+                    </a:p>
+                  </a:txBody>
+                  <a:tcPr marL="7620" marR="7620" marT="7620" marB="0" anchor="ctr">
+                    <a:solidFill>
+                      <a:schemeClr val="bg1"/>
+                    </a:solidFill>
+                  </a:tcPr>
+                </a:tc>
+                <a:tc>
+                  <a:txBody>
+                    <a:bodyPr/>
+                    <a:lstStyle/>
+                    <a:p>
+                      <a:pPr algn="ctr" fontAlgn="ctr"/>
+                      <a:r>
+                        <a:rPr lang="pl-PL" sz="1400" u="none" strike="noStrike" dirty="0">
+                          <a:effectLst/>
+                        </a:rPr>
+                        <a:t>15177</a:t>
+                      </a:r>
+                      <a:endParaRPr lang="pl-PL" sz="1400" b="0" i="0" u="none" strike="noStrike" dirty="0">
+                        <a:solidFill>
+                          <a:srgbClr val="000000"/>
+                        </a:solidFill>
+                        <a:effectLst/>
+                        <a:latin typeface="Calibri" panose="020F0502020204030204" pitchFamily="34" charset="0"/>
+                      </a:endParaRPr>
+                    </a:p>
+                  </a:txBody>
+                  <a:tcPr marL="7620" marR="7620" marT="7620" marB="0" anchor="ctr">
+                    <a:solidFill>
+                      <a:schemeClr val="bg1"/>
+                    </a:solidFill>
+                  </a:tcPr>
+                </a:tc>
+                <a:extLst>
+                  <a:ext uri="{0D108BD9-81ED-4DB2-BD59-A6C34878D82A}">
+                    <a16:rowId xmlns:a16="http://schemas.microsoft.com/office/drawing/2014/main" val="503069968"/>
+                  </a:ext>
+                </a:extLst>
+              </a:tr>
+              <a:tr h="527743">
+                <a:tc>
+                  <a:txBody>
+                    <a:bodyPr/>
+                    <a:lstStyle/>
+                    <a:p>
+                      <a:pPr algn="ctr" fontAlgn="ctr"/>
+                      <a:r>
+                        <a:rPr lang="pl-PL" sz="1400" b="1" u="none" strike="noStrike" dirty="0">
+                          <a:effectLst/>
+                        </a:rPr>
+                        <a:t>2</a:t>
+                      </a:r>
+                      <a:endParaRPr lang="pl-PL" sz="1400" b="1" i="0" u="none" strike="noStrike" dirty="0">
+                        <a:solidFill>
+                          <a:srgbClr val="000000"/>
+                        </a:solidFill>
+                        <a:effectLst/>
+                        <a:latin typeface="Calibri" panose="020F0502020204030204" pitchFamily="34" charset="0"/>
+                      </a:endParaRPr>
+                    </a:p>
+                  </a:txBody>
+                  <a:tcPr marL="7620" marR="7620" marT="7620" marB="0" anchor="ctr">
+                    <a:solidFill>
+                      <a:schemeClr val="accent5">
+                        <a:lumMod val="20000"/>
+                        <a:lumOff val="80000"/>
+                      </a:schemeClr>
+                    </a:solidFill>
+                  </a:tcPr>
+                </a:tc>
+                <a:tc>
+                  <a:txBody>
+                    <a:bodyPr/>
+                    <a:lstStyle/>
+                    <a:p>
+                      <a:pPr algn="ctr" fontAlgn="ctr"/>
+                      <a:r>
+                        <a:rPr lang="pl-PL" sz="1400" u="none" strike="noStrike" dirty="0">
+                          <a:effectLst/>
+                        </a:rPr>
+                        <a:t>Mazowieckie</a:t>
+                      </a:r>
+                      <a:endParaRPr lang="pl-PL" sz="1400" b="0" i="0" u="none" strike="noStrike" dirty="0">
+                        <a:solidFill>
+                          <a:srgbClr val="000000"/>
+                        </a:solidFill>
+                        <a:effectLst/>
+                        <a:latin typeface="Calibri" panose="020F0502020204030204" pitchFamily="34" charset="0"/>
+                      </a:endParaRPr>
+                    </a:p>
+                  </a:txBody>
+                  <a:tcPr marL="7620" marR="7620" marT="7620" marB="0" anchor="ctr">
+                    <a:solidFill>
+                      <a:schemeClr val="bg1"/>
+                    </a:solidFill>
+                  </a:tcPr>
+                </a:tc>
+                <a:tc>
+                  <a:txBody>
+                    <a:bodyPr/>
+                    <a:lstStyle/>
+                    <a:p>
+                      <a:pPr algn="ctr" fontAlgn="ctr"/>
+                      <a:r>
+                        <a:rPr lang="pl-PL" sz="1400" u="none" strike="noStrike" dirty="0">
+                          <a:effectLst/>
+                        </a:rPr>
+                        <a:t>Polsko-Japońska Akademia Technik Komputerowych</a:t>
+                      </a:r>
+                      <a:endParaRPr lang="pl-PL" sz="1400" b="0" i="0" u="none" strike="noStrike" dirty="0">
+                        <a:solidFill>
+                          <a:srgbClr val="000000"/>
+                        </a:solidFill>
+                        <a:effectLst/>
+                        <a:latin typeface="Calibri" panose="020F0502020204030204" pitchFamily="34" charset="0"/>
+                      </a:endParaRPr>
+                    </a:p>
+                  </a:txBody>
+                  <a:tcPr marL="7620" marR="7620" marT="7620" marB="0" anchor="ctr">
+                    <a:solidFill>
+                      <a:schemeClr val="bg1"/>
+                    </a:solidFill>
+                  </a:tcPr>
+                </a:tc>
+                <a:tc>
+                  <a:txBody>
+                    <a:bodyPr/>
+                    <a:lstStyle/>
+                    <a:p>
+                      <a:pPr algn="ctr" fontAlgn="ctr"/>
+                      <a:r>
+                        <a:rPr lang="pl-PL" sz="1400" u="none" strike="noStrike" dirty="0">
+                          <a:effectLst/>
+                        </a:rPr>
+                        <a:t>Informatyka, studia niestacjonarne drugiego stopnia, </a:t>
+                      </a:r>
+                      <a:br>
+                        <a:rPr lang="pl-PL" sz="1400" u="none" strike="noStrike" dirty="0">
+                          <a:effectLst/>
+                        </a:rPr>
+                      </a:br>
+                      <a:r>
+                        <a:rPr lang="pl-PL" sz="1400" u="none" strike="noStrike" dirty="0">
+                          <a:effectLst/>
+                        </a:rPr>
+                        <a:t>5-semestralne, profil ogólnoakademicki</a:t>
+                      </a:r>
+                      <a:endParaRPr lang="pl-PL" sz="1400" b="0" i="0" u="none" strike="noStrike" dirty="0">
+                        <a:solidFill>
+                          <a:srgbClr val="000000"/>
+                        </a:solidFill>
+                        <a:effectLst/>
+                        <a:latin typeface="Calibri" panose="020F0502020204030204" pitchFamily="34" charset="0"/>
+                      </a:endParaRPr>
+                    </a:p>
+                  </a:txBody>
+                  <a:tcPr marL="7620" marR="7620" marT="7620" marB="0" anchor="ctr">
+                    <a:solidFill>
+                      <a:schemeClr val="bg1"/>
+                    </a:solidFill>
+                  </a:tcPr>
+                </a:tc>
+                <a:tc>
+                  <a:txBody>
+                    <a:bodyPr/>
+                    <a:lstStyle/>
+                    <a:p>
+                      <a:pPr algn="ctr" fontAlgn="ctr"/>
+                      <a:r>
+                        <a:rPr lang="pl-PL" sz="1400" u="none" strike="noStrike" dirty="0">
+                          <a:effectLst/>
+                        </a:rPr>
+                        <a:t>14264</a:t>
+                      </a:r>
+                      <a:endParaRPr lang="pl-PL" sz="1400" b="0" i="0" u="none" strike="noStrike" dirty="0">
+                        <a:solidFill>
+                          <a:srgbClr val="000000"/>
+                        </a:solidFill>
+                        <a:effectLst/>
+                        <a:latin typeface="Calibri" panose="020F0502020204030204" pitchFamily="34" charset="0"/>
+                      </a:endParaRPr>
+                    </a:p>
+                  </a:txBody>
+                  <a:tcPr marL="7620" marR="7620" marT="7620" marB="0" anchor="ctr">
+                    <a:solidFill>
+                      <a:schemeClr val="bg1"/>
+                    </a:solidFill>
+                  </a:tcPr>
+                </a:tc>
+                <a:extLst>
+                  <a:ext uri="{0D108BD9-81ED-4DB2-BD59-A6C34878D82A}">
+                    <a16:rowId xmlns:a16="http://schemas.microsoft.com/office/drawing/2014/main" val="89075741"/>
+                  </a:ext>
+                </a:extLst>
+              </a:tr>
+              <a:tr h="527743">
+                <a:tc>
+                  <a:txBody>
+                    <a:bodyPr/>
+                    <a:lstStyle/>
+                    <a:p>
+                      <a:pPr algn="ctr" fontAlgn="ctr"/>
+                      <a:r>
+                        <a:rPr lang="pl-PL" sz="1400" b="1" u="none" strike="noStrike" dirty="0">
+                          <a:effectLst/>
+                        </a:rPr>
+                        <a:t>3</a:t>
+                      </a:r>
+                      <a:endParaRPr lang="pl-PL" sz="1400" b="1" i="0" u="none" strike="noStrike" dirty="0">
+                        <a:solidFill>
+                          <a:srgbClr val="000000"/>
+                        </a:solidFill>
+                        <a:effectLst/>
+                        <a:latin typeface="Calibri" panose="020F0502020204030204" pitchFamily="34" charset="0"/>
+                      </a:endParaRPr>
+                    </a:p>
+                  </a:txBody>
+                  <a:tcPr marL="7620" marR="7620" marT="7620" marB="0" anchor="ctr">
+                    <a:solidFill>
+                      <a:schemeClr val="accent5">
+                        <a:lumMod val="20000"/>
+                        <a:lumOff val="80000"/>
+                      </a:schemeClr>
+                    </a:solidFill>
+                  </a:tcPr>
+                </a:tc>
+                <a:tc>
+                  <a:txBody>
+                    <a:bodyPr/>
+                    <a:lstStyle/>
+                    <a:p>
+                      <a:pPr algn="ctr" fontAlgn="ctr"/>
+                      <a:r>
+                        <a:rPr lang="pl-PL" sz="1400" u="none" strike="noStrike">
+                          <a:effectLst/>
+                        </a:rPr>
+                        <a:t>Pomorskie</a:t>
+                      </a:r>
+                      <a:endParaRPr lang="pl-PL" sz="1400" b="0" i="0" u="none" strike="noStrike">
+                        <a:solidFill>
+                          <a:srgbClr val="000000"/>
+                        </a:solidFill>
+                        <a:effectLst/>
+                        <a:latin typeface="Calibri" panose="020F0502020204030204" pitchFamily="34" charset="0"/>
+                      </a:endParaRPr>
+                    </a:p>
+                  </a:txBody>
+                  <a:tcPr marL="7620" marR="7620" marT="7620" marB="0" anchor="ctr">
+                    <a:solidFill>
+                      <a:schemeClr val="bg1"/>
+                    </a:solidFill>
+                  </a:tcPr>
+                </a:tc>
+                <a:tc>
+                  <a:txBody>
+                    <a:bodyPr/>
+                    <a:lstStyle/>
+                    <a:p>
+                      <a:pPr algn="ctr" fontAlgn="ctr"/>
+                      <a:r>
+                        <a:rPr lang="pl-PL" sz="1400" u="none" strike="noStrike">
+                          <a:effectLst/>
+                        </a:rPr>
+                        <a:t>Politechnika Gdańska</a:t>
+                      </a:r>
+                      <a:endParaRPr lang="pl-PL" sz="1400" b="0" i="0" u="none" strike="noStrike">
+                        <a:solidFill>
+                          <a:srgbClr val="000000"/>
+                        </a:solidFill>
+                        <a:effectLst/>
+                        <a:latin typeface="Calibri" panose="020F0502020204030204" pitchFamily="34" charset="0"/>
+                      </a:endParaRPr>
+                    </a:p>
+                  </a:txBody>
+                  <a:tcPr marL="7620" marR="7620" marT="7620" marB="0" anchor="ctr">
+                    <a:solidFill>
+                      <a:schemeClr val="bg1"/>
+                    </a:solidFill>
+                  </a:tcPr>
+                </a:tc>
+                <a:tc>
+                  <a:txBody>
+                    <a:bodyPr/>
+                    <a:lstStyle/>
+                    <a:p>
+                      <a:pPr algn="ctr" fontAlgn="ctr"/>
+                      <a:r>
+                        <a:rPr lang="pl-PL" sz="1400" u="none" strike="noStrike" dirty="0">
+                          <a:effectLst/>
+                        </a:rPr>
+                        <a:t>Informatyka, studia stacjonarne drugiego stopnia, </a:t>
+                      </a:r>
+                      <a:br>
+                        <a:rPr lang="pl-PL" sz="1400" u="none" strike="noStrike" dirty="0">
+                          <a:effectLst/>
+                        </a:rPr>
+                      </a:br>
+                      <a:r>
+                        <a:rPr lang="pl-PL" sz="1400" u="none" strike="noStrike" dirty="0">
+                          <a:effectLst/>
+                        </a:rPr>
+                        <a:t>3-semestralne, profil ogólnoakademicki</a:t>
+                      </a:r>
+                      <a:endParaRPr lang="pl-PL" sz="1400" b="0" i="0" u="none" strike="noStrike" dirty="0">
+                        <a:solidFill>
+                          <a:srgbClr val="000000"/>
+                        </a:solidFill>
+                        <a:effectLst/>
+                        <a:latin typeface="Calibri" panose="020F0502020204030204" pitchFamily="34" charset="0"/>
+                      </a:endParaRPr>
+                    </a:p>
+                  </a:txBody>
+                  <a:tcPr marL="7620" marR="7620" marT="7620" marB="0" anchor="ctr">
+                    <a:solidFill>
+                      <a:schemeClr val="bg1"/>
+                    </a:solidFill>
+                  </a:tcPr>
+                </a:tc>
+                <a:tc>
+                  <a:txBody>
+                    <a:bodyPr/>
+                    <a:lstStyle/>
+                    <a:p>
+                      <a:pPr algn="ctr" fontAlgn="ctr"/>
+                      <a:r>
+                        <a:rPr lang="pl-PL" sz="1400" u="none" strike="noStrike" dirty="0">
+                          <a:effectLst/>
+                        </a:rPr>
+                        <a:t>12618</a:t>
+                      </a:r>
+                      <a:endParaRPr lang="pl-PL" sz="1400" b="0" i="0" u="none" strike="noStrike" dirty="0">
+                        <a:solidFill>
+                          <a:srgbClr val="000000"/>
+                        </a:solidFill>
+                        <a:effectLst/>
+                        <a:latin typeface="Calibri" panose="020F0502020204030204" pitchFamily="34" charset="0"/>
+                      </a:endParaRPr>
+                    </a:p>
+                  </a:txBody>
+                  <a:tcPr marL="7620" marR="7620" marT="7620" marB="0" anchor="ctr">
+                    <a:solidFill>
+                      <a:schemeClr val="bg1"/>
+                    </a:solidFill>
+                  </a:tcPr>
+                </a:tc>
+                <a:extLst>
+                  <a:ext uri="{0D108BD9-81ED-4DB2-BD59-A6C34878D82A}">
+                    <a16:rowId xmlns:a16="http://schemas.microsoft.com/office/drawing/2014/main" val="3364037457"/>
+                  </a:ext>
+                </a:extLst>
+              </a:tr>
+              <a:tr h="527743">
+                <a:tc>
+                  <a:txBody>
+                    <a:bodyPr/>
+                    <a:lstStyle/>
+                    <a:p>
+                      <a:pPr algn="ctr" fontAlgn="ctr"/>
+                      <a:r>
+                        <a:rPr lang="pl-PL" sz="1400" b="1" u="none" strike="noStrike" dirty="0">
+                          <a:effectLst/>
+                        </a:rPr>
+                        <a:t>4</a:t>
+                      </a:r>
+                      <a:endParaRPr lang="pl-PL" sz="1400" b="1" i="0" u="none" strike="noStrike" dirty="0">
+                        <a:solidFill>
+                          <a:srgbClr val="000000"/>
+                        </a:solidFill>
+                        <a:effectLst/>
+                        <a:latin typeface="Calibri" panose="020F0502020204030204" pitchFamily="34" charset="0"/>
+                      </a:endParaRPr>
+                    </a:p>
+                  </a:txBody>
+                  <a:tcPr marL="7620" marR="7620" marT="7620" marB="0" anchor="ctr">
+                    <a:solidFill>
+                      <a:schemeClr val="accent5">
+                        <a:lumMod val="20000"/>
+                        <a:lumOff val="80000"/>
+                      </a:schemeClr>
+                    </a:solidFill>
+                  </a:tcPr>
+                </a:tc>
+                <a:tc>
+                  <a:txBody>
+                    <a:bodyPr/>
+                    <a:lstStyle/>
+                    <a:p>
+                      <a:pPr algn="ctr" fontAlgn="ctr"/>
+                      <a:r>
+                        <a:rPr lang="pl-PL" sz="1400" u="none" strike="noStrike">
+                          <a:effectLst/>
+                        </a:rPr>
+                        <a:t>Dolnoślaśkie</a:t>
+                      </a:r>
+                      <a:endParaRPr lang="pl-PL" sz="1400" b="0" i="0" u="none" strike="noStrike">
+                        <a:solidFill>
+                          <a:srgbClr val="000000"/>
+                        </a:solidFill>
+                        <a:effectLst/>
+                        <a:latin typeface="Calibri" panose="020F0502020204030204" pitchFamily="34" charset="0"/>
+                      </a:endParaRPr>
+                    </a:p>
+                  </a:txBody>
+                  <a:tcPr marL="7620" marR="7620" marT="7620" marB="0" anchor="ctr">
+                    <a:solidFill>
+                      <a:schemeClr val="bg1"/>
+                    </a:solidFill>
+                  </a:tcPr>
+                </a:tc>
+                <a:tc>
+                  <a:txBody>
+                    <a:bodyPr/>
+                    <a:lstStyle/>
+                    <a:p>
+                      <a:pPr algn="ctr" fontAlgn="ctr"/>
+                      <a:r>
+                        <a:rPr lang="pl-PL" sz="1400" u="none" strike="noStrike" dirty="0">
+                          <a:effectLst/>
+                        </a:rPr>
+                        <a:t>Politechnika Wrocławska</a:t>
+                      </a:r>
+                      <a:endParaRPr lang="pl-PL" sz="1400" b="0" i="0" u="none" strike="noStrike" dirty="0">
+                        <a:solidFill>
+                          <a:srgbClr val="000000"/>
+                        </a:solidFill>
+                        <a:effectLst/>
+                        <a:latin typeface="Calibri" panose="020F0502020204030204" pitchFamily="34" charset="0"/>
+                      </a:endParaRPr>
+                    </a:p>
+                  </a:txBody>
+                  <a:tcPr marL="7620" marR="7620" marT="7620" marB="0" anchor="ctr">
+                    <a:solidFill>
+                      <a:schemeClr val="bg1"/>
+                    </a:solidFill>
+                  </a:tcPr>
+                </a:tc>
+                <a:tc>
+                  <a:txBody>
+                    <a:bodyPr/>
+                    <a:lstStyle/>
+                    <a:p>
+                      <a:pPr algn="ctr" fontAlgn="ctr"/>
+                      <a:r>
+                        <a:rPr lang="pl-PL" sz="1400" u="none" strike="noStrike" dirty="0">
+                          <a:effectLst/>
+                        </a:rPr>
+                        <a:t>Informatyka, studia stacjonarne drugiego stopnia, </a:t>
+                      </a:r>
+                      <a:br>
+                        <a:rPr lang="pl-PL" sz="1400" u="none" strike="noStrike" dirty="0">
+                          <a:effectLst/>
+                        </a:rPr>
+                      </a:br>
+                      <a:r>
+                        <a:rPr lang="pl-PL" sz="1400" u="none" strike="noStrike" dirty="0">
+                          <a:effectLst/>
+                        </a:rPr>
+                        <a:t>3-semestralne, profil ogólnoakademicki</a:t>
+                      </a:r>
+                      <a:endParaRPr lang="pl-PL" sz="1400" b="0" i="0" u="none" strike="noStrike" dirty="0">
+                        <a:solidFill>
+                          <a:srgbClr val="000000"/>
+                        </a:solidFill>
+                        <a:effectLst/>
+                        <a:latin typeface="Calibri" panose="020F0502020204030204" pitchFamily="34" charset="0"/>
+                      </a:endParaRPr>
+                    </a:p>
+                  </a:txBody>
+                  <a:tcPr marL="7620" marR="7620" marT="7620" marB="0" anchor="ctr">
+                    <a:solidFill>
+                      <a:schemeClr val="bg1"/>
+                    </a:solidFill>
+                  </a:tcPr>
+                </a:tc>
+                <a:tc>
+                  <a:txBody>
+                    <a:bodyPr/>
+                    <a:lstStyle/>
+                    <a:p>
+                      <a:pPr algn="ctr" fontAlgn="ctr"/>
+                      <a:r>
+                        <a:rPr lang="pl-PL" sz="1400" u="none" strike="noStrike" dirty="0">
+                          <a:effectLst/>
+                        </a:rPr>
+                        <a:t>12416</a:t>
+                      </a:r>
+                      <a:endParaRPr lang="pl-PL" sz="1400" b="0" i="0" u="none" strike="noStrike" dirty="0">
+                        <a:solidFill>
+                          <a:srgbClr val="000000"/>
+                        </a:solidFill>
+                        <a:effectLst/>
+                        <a:latin typeface="Calibri" panose="020F0502020204030204" pitchFamily="34" charset="0"/>
+                      </a:endParaRPr>
+                    </a:p>
+                  </a:txBody>
+                  <a:tcPr marL="7620" marR="7620" marT="7620" marB="0" anchor="ctr">
+                    <a:solidFill>
+                      <a:schemeClr val="bg1"/>
+                    </a:solidFill>
+                  </a:tcPr>
+                </a:tc>
+                <a:extLst>
+                  <a:ext uri="{0D108BD9-81ED-4DB2-BD59-A6C34878D82A}">
+                    <a16:rowId xmlns:a16="http://schemas.microsoft.com/office/drawing/2014/main" val="2138256372"/>
+                  </a:ext>
+                </a:extLst>
+              </a:tr>
+              <a:tr h="527743">
+                <a:tc>
+                  <a:txBody>
+                    <a:bodyPr/>
+                    <a:lstStyle/>
+                    <a:p>
+                      <a:pPr algn="ctr" fontAlgn="ctr"/>
+                      <a:r>
+                        <a:rPr lang="pl-PL" sz="1400" b="1" u="none" strike="noStrike" dirty="0">
+                          <a:effectLst/>
+                        </a:rPr>
+                        <a:t>5</a:t>
+                      </a:r>
+                      <a:endParaRPr lang="pl-PL" sz="1400" b="1" i="0" u="none" strike="noStrike" dirty="0">
+                        <a:solidFill>
+                          <a:srgbClr val="000000"/>
+                        </a:solidFill>
+                        <a:effectLst/>
+                        <a:latin typeface="Calibri" panose="020F0502020204030204" pitchFamily="34" charset="0"/>
+                      </a:endParaRPr>
+                    </a:p>
+                  </a:txBody>
+                  <a:tcPr marL="7620" marR="7620" marT="7620" marB="0" anchor="ctr">
+                    <a:solidFill>
+                      <a:schemeClr val="accent5">
+                        <a:lumMod val="20000"/>
+                        <a:lumOff val="80000"/>
+                      </a:schemeClr>
+                    </a:solidFill>
+                  </a:tcPr>
+                </a:tc>
+                <a:tc>
+                  <a:txBody>
+                    <a:bodyPr/>
+                    <a:lstStyle/>
+                    <a:p>
+                      <a:pPr algn="ctr" fontAlgn="ctr"/>
+                      <a:r>
+                        <a:rPr lang="pl-PL" sz="1400" u="none" strike="noStrike">
+                          <a:effectLst/>
+                        </a:rPr>
+                        <a:t>Wielkopolskie</a:t>
+                      </a:r>
+                      <a:endParaRPr lang="pl-PL" sz="1400" b="0" i="0" u="none" strike="noStrike">
+                        <a:solidFill>
+                          <a:srgbClr val="000000"/>
+                        </a:solidFill>
+                        <a:effectLst/>
+                        <a:latin typeface="Calibri" panose="020F0502020204030204" pitchFamily="34" charset="0"/>
+                      </a:endParaRPr>
+                    </a:p>
+                  </a:txBody>
+                  <a:tcPr marL="7620" marR="7620" marT="7620" marB="0" anchor="ctr">
+                    <a:solidFill>
+                      <a:schemeClr val="bg1"/>
+                    </a:solidFill>
+                  </a:tcPr>
+                </a:tc>
+                <a:tc>
+                  <a:txBody>
+                    <a:bodyPr/>
+                    <a:lstStyle/>
+                    <a:p>
+                      <a:pPr algn="ctr" fontAlgn="ctr"/>
+                      <a:r>
+                        <a:rPr lang="pl-PL" sz="1400" u="none" strike="noStrike">
+                          <a:effectLst/>
+                        </a:rPr>
+                        <a:t>Politechnika Poznańska</a:t>
+                      </a:r>
+                      <a:endParaRPr lang="pl-PL" sz="1400" b="0" i="0" u="none" strike="noStrike">
+                        <a:solidFill>
+                          <a:srgbClr val="000000"/>
+                        </a:solidFill>
+                        <a:effectLst/>
+                        <a:latin typeface="Calibri" panose="020F0502020204030204" pitchFamily="34" charset="0"/>
+                      </a:endParaRPr>
+                    </a:p>
+                  </a:txBody>
+                  <a:tcPr marL="7620" marR="7620" marT="7620" marB="0" anchor="ctr">
+                    <a:solidFill>
+                      <a:schemeClr val="bg1"/>
+                    </a:solidFill>
+                  </a:tcPr>
+                </a:tc>
+                <a:tc>
+                  <a:txBody>
+                    <a:bodyPr/>
+                    <a:lstStyle/>
+                    <a:p>
+                      <a:pPr algn="ctr" fontAlgn="ctr"/>
+                      <a:r>
+                        <a:rPr lang="pl-PL" sz="1400" u="none" strike="noStrike" dirty="0">
+                          <a:effectLst/>
+                        </a:rPr>
+                        <a:t>Informatyka, studia niestacjonarne drugiego stopnia, </a:t>
+                      </a:r>
+                      <a:br>
+                        <a:rPr lang="pl-PL" sz="1400" u="none" strike="noStrike" dirty="0">
+                          <a:effectLst/>
+                        </a:rPr>
+                      </a:br>
+                      <a:r>
+                        <a:rPr lang="pl-PL" sz="1400" u="none" strike="noStrike" dirty="0">
+                          <a:effectLst/>
+                        </a:rPr>
+                        <a:t>4-semestralne, profil ogólnoakademicki</a:t>
+                      </a:r>
+                      <a:endParaRPr lang="pl-PL" sz="1400" b="0" i="0" u="none" strike="noStrike" dirty="0">
+                        <a:solidFill>
+                          <a:srgbClr val="000000"/>
+                        </a:solidFill>
+                        <a:effectLst/>
+                        <a:latin typeface="Calibri" panose="020F0502020204030204" pitchFamily="34" charset="0"/>
+                      </a:endParaRPr>
+                    </a:p>
+                  </a:txBody>
+                  <a:tcPr marL="7620" marR="7620" marT="7620" marB="0" anchor="ctr">
+                    <a:solidFill>
+                      <a:schemeClr val="bg1"/>
+                    </a:solidFill>
+                  </a:tcPr>
+                </a:tc>
+                <a:tc>
+                  <a:txBody>
+                    <a:bodyPr/>
+                    <a:lstStyle/>
+                    <a:p>
+                      <a:pPr algn="ctr" fontAlgn="ctr"/>
+                      <a:r>
+                        <a:rPr lang="pl-PL" sz="1400" u="none" strike="noStrike" dirty="0">
+                          <a:effectLst/>
+                        </a:rPr>
+                        <a:t>11190</a:t>
+                      </a:r>
+                      <a:endParaRPr lang="pl-PL" sz="1400" b="0" i="0" u="none" strike="noStrike" dirty="0">
+                        <a:solidFill>
+                          <a:srgbClr val="000000"/>
+                        </a:solidFill>
+                        <a:effectLst/>
+                        <a:latin typeface="Calibri" panose="020F0502020204030204" pitchFamily="34" charset="0"/>
+                      </a:endParaRPr>
+                    </a:p>
+                  </a:txBody>
+                  <a:tcPr marL="7620" marR="7620" marT="7620" marB="0" anchor="ctr">
+                    <a:solidFill>
+                      <a:schemeClr val="bg1"/>
+                    </a:solidFill>
+                  </a:tcPr>
+                </a:tc>
+                <a:extLst>
+                  <a:ext uri="{0D108BD9-81ED-4DB2-BD59-A6C34878D82A}">
+                    <a16:rowId xmlns:a16="http://schemas.microsoft.com/office/drawing/2014/main" val="2586894593"/>
+                  </a:ext>
+                </a:extLst>
+              </a:tr>
+              <a:tr h="527743">
+                <a:tc>
+                  <a:txBody>
+                    <a:bodyPr/>
+                    <a:lstStyle/>
+                    <a:p>
+                      <a:pPr algn="ctr" fontAlgn="ctr"/>
+                      <a:r>
+                        <a:rPr lang="pl-PL" sz="1400" b="1" u="none" strike="noStrike" dirty="0">
+                          <a:effectLst/>
+                        </a:rPr>
+                        <a:t>6</a:t>
+                      </a:r>
+                      <a:endParaRPr lang="pl-PL" sz="1400" b="1" i="0" u="none" strike="noStrike" dirty="0">
+                        <a:solidFill>
+                          <a:srgbClr val="000000"/>
+                        </a:solidFill>
+                        <a:effectLst/>
+                        <a:latin typeface="Calibri" panose="020F0502020204030204" pitchFamily="34" charset="0"/>
+                      </a:endParaRPr>
+                    </a:p>
+                  </a:txBody>
+                  <a:tcPr marL="7620" marR="7620" marT="7620" marB="0" anchor="ctr">
+                    <a:solidFill>
+                      <a:schemeClr val="accent5">
+                        <a:lumMod val="20000"/>
+                        <a:lumOff val="80000"/>
+                      </a:schemeClr>
+                    </a:solidFill>
+                  </a:tcPr>
+                </a:tc>
+                <a:tc>
+                  <a:txBody>
+                    <a:bodyPr/>
+                    <a:lstStyle/>
+                    <a:p>
+                      <a:pPr algn="ctr" fontAlgn="ctr"/>
+                      <a:r>
+                        <a:rPr lang="pl-PL" sz="1400" u="none" strike="noStrike">
+                          <a:effectLst/>
+                        </a:rPr>
+                        <a:t>Warmińsko-mazurskie</a:t>
+                      </a:r>
+                      <a:endParaRPr lang="pl-PL" sz="1400" b="0" i="0" u="none" strike="noStrike">
+                        <a:solidFill>
+                          <a:srgbClr val="000000"/>
+                        </a:solidFill>
+                        <a:effectLst/>
+                        <a:latin typeface="Calibri" panose="020F0502020204030204" pitchFamily="34" charset="0"/>
+                      </a:endParaRPr>
+                    </a:p>
+                  </a:txBody>
+                  <a:tcPr marL="7620" marR="7620" marT="7620" marB="0" anchor="ctr">
+                    <a:solidFill>
+                      <a:schemeClr val="bg1"/>
+                    </a:solidFill>
+                  </a:tcPr>
+                </a:tc>
+                <a:tc>
+                  <a:txBody>
+                    <a:bodyPr/>
+                    <a:lstStyle/>
+                    <a:p>
+                      <a:pPr algn="ctr" fontAlgn="ctr"/>
+                      <a:r>
+                        <a:rPr lang="pl-PL" sz="1400" u="none" strike="noStrike">
+                          <a:effectLst/>
+                        </a:rPr>
+                        <a:t>Uniwersytet Warmińsko-Mazurski w Olsztynie</a:t>
+                      </a:r>
+                      <a:endParaRPr lang="pl-PL" sz="1400" b="0" i="0" u="none" strike="noStrike">
+                        <a:solidFill>
+                          <a:srgbClr val="000000"/>
+                        </a:solidFill>
+                        <a:effectLst/>
+                        <a:latin typeface="Calibri" panose="020F0502020204030204" pitchFamily="34" charset="0"/>
+                      </a:endParaRPr>
+                    </a:p>
+                  </a:txBody>
+                  <a:tcPr marL="7620" marR="7620" marT="7620" marB="0" anchor="ctr">
+                    <a:solidFill>
+                      <a:schemeClr val="bg1"/>
+                    </a:solidFill>
+                  </a:tcPr>
+                </a:tc>
+                <a:tc>
+                  <a:txBody>
+                    <a:bodyPr/>
+                    <a:lstStyle/>
+                    <a:p>
+                      <a:pPr algn="ctr" fontAlgn="ctr"/>
+                      <a:r>
+                        <a:rPr lang="pl-PL" sz="1400" u="none" strike="noStrike" dirty="0">
+                          <a:effectLst/>
+                        </a:rPr>
+                        <a:t>Kierunek lekarski, stacjonarne jednolite studia magisterskie, </a:t>
+                      </a:r>
+                      <a:br>
+                        <a:rPr lang="pl-PL" sz="1400" u="none" strike="noStrike" dirty="0">
+                          <a:effectLst/>
+                        </a:rPr>
+                      </a:br>
+                      <a:r>
+                        <a:rPr lang="pl-PL" sz="1400" u="none" strike="noStrike" dirty="0">
+                          <a:effectLst/>
+                        </a:rPr>
+                        <a:t>10-semestralne, profil praktyczny</a:t>
+                      </a:r>
+                      <a:endParaRPr lang="pl-PL" sz="1400" b="0" i="0" u="none" strike="noStrike" dirty="0">
+                        <a:solidFill>
+                          <a:srgbClr val="000000"/>
+                        </a:solidFill>
+                        <a:effectLst/>
+                        <a:latin typeface="Calibri" panose="020F0502020204030204" pitchFamily="34" charset="0"/>
+                      </a:endParaRPr>
+                    </a:p>
+                  </a:txBody>
+                  <a:tcPr marL="7620" marR="7620" marT="7620" marB="0" anchor="ctr">
+                    <a:solidFill>
+                      <a:schemeClr val="bg1"/>
+                    </a:solidFill>
+                  </a:tcPr>
+                </a:tc>
+                <a:tc>
+                  <a:txBody>
+                    <a:bodyPr/>
+                    <a:lstStyle/>
+                    <a:p>
+                      <a:pPr algn="ctr" fontAlgn="ctr"/>
+                      <a:r>
+                        <a:rPr lang="pl-PL" sz="1400" u="none" strike="noStrike" dirty="0">
+                          <a:effectLst/>
+                        </a:rPr>
+                        <a:t>10247</a:t>
+                      </a:r>
+                      <a:endParaRPr lang="pl-PL" sz="1400" b="0" i="0" u="none" strike="noStrike" dirty="0">
+                        <a:solidFill>
+                          <a:srgbClr val="000000"/>
+                        </a:solidFill>
+                        <a:effectLst/>
+                        <a:latin typeface="Calibri" panose="020F0502020204030204" pitchFamily="34" charset="0"/>
+                      </a:endParaRPr>
+                    </a:p>
+                  </a:txBody>
+                  <a:tcPr marL="7620" marR="7620" marT="7620" marB="0" anchor="ctr">
+                    <a:solidFill>
+                      <a:schemeClr val="bg1"/>
+                    </a:solidFill>
+                  </a:tcPr>
+                </a:tc>
+                <a:extLst>
+                  <a:ext uri="{0D108BD9-81ED-4DB2-BD59-A6C34878D82A}">
+                    <a16:rowId xmlns:a16="http://schemas.microsoft.com/office/drawing/2014/main" val="3991298982"/>
+                  </a:ext>
+                </a:extLst>
+              </a:tr>
+              <a:tr h="527743">
+                <a:tc>
+                  <a:txBody>
+                    <a:bodyPr/>
+                    <a:lstStyle/>
+                    <a:p>
+                      <a:pPr algn="ctr" fontAlgn="ctr"/>
+                      <a:r>
+                        <a:rPr lang="pl-PL" sz="1400" b="1" u="none" strike="noStrike" dirty="0">
+                          <a:effectLst/>
+                        </a:rPr>
+                        <a:t>7</a:t>
+                      </a:r>
+                      <a:endParaRPr lang="pl-PL" sz="1400" b="1" i="0" u="none" strike="noStrike" dirty="0">
+                        <a:solidFill>
+                          <a:srgbClr val="000000"/>
+                        </a:solidFill>
+                        <a:effectLst/>
+                        <a:latin typeface="Calibri" panose="020F0502020204030204" pitchFamily="34" charset="0"/>
+                      </a:endParaRPr>
+                    </a:p>
+                  </a:txBody>
+                  <a:tcPr marL="7620" marR="7620" marT="7620" marB="0" anchor="ctr">
+                    <a:solidFill>
+                      <a:schemeClr val="accent5">
+                        <a:lumMod val="20000"/>
+                        <a:lumOff val="80000"/>
+                      </a:schemeClr>
+                    </a:solidFill>
+                  </a:tcPr>
+                </a:tc>
+                <a:tc>
+                  <a:txBody>
+                    <a:bodyPr/>
+                    <a:lstStyle/>
+                    <a:p>
+                      <a:pPr algn="ctr" fontAlgn="ctr"/>
+                      <a:r>
+                        <a:rPr lang="pl-PL" sz="1400" u="none" strike="noStrike">
+                          <a:effectLst/>
+                        </a:rPr>
+                        <a:t>Łódzkie</a:t>
+                      </a:r>
+                      <a:endParaRPr lang="pl-PL" sz="1400" b="0" i="0" u="none" strike="noStrike">
+                        <a:solidFill>
+                          <a:srgbClr val="000000"/>
+                        </a:solidFill>
+                        <a:effectLst/>
+                        <a:latin typeface="Calibri" panose="020F0502020204030204" pitchFamily="34" charset="0"/>
+                      </a:endParaRPr>
+                    </a:p>
+                  </a:txBody>
+                  <a:tcPr marL="7620" marR="7620" marT="7620" marB="0" anchor="ctr">
+                    <a:solidFill>
+                      <a:schemeClr val="bg1"/>
+                    </a:solidFill>
+                  </a:tcPr>
+                </a:tc>
+                <a:tc>
+                  <a:txBody>
+                    <a:bodyPr/>
+                    <a:lstStyle/>
+                    <a:p>
+                      <a:pPr algn="ctr" fontAlgn="ctr"/>
+                      <a:r>
+                        <a:rPr lang="pl-PL" sz="1400" u="none" strike="noStrike">
+                          <a:effectLst/>
+                        </a:rPr>
+                        <a:t>Politechnika Łódzka</a:t>
+                      </a:r>
+                      <a:endParaRPr lang="pl-PL" sz="1400" b="0" i="0" u="none" strike="noStrike">
+                        <a:solidFill>
+                          <a:srgbClr val="000000"/>
+                        </a:solidFill>
+                        <a:effectLst/>
+                        <a:latin typeface="Calibri" panose="020F0502020204030204" pitchFamily="34" charset="0"/>
+                      </a:endParaRPr>
+                    </a:p>
+                  </a:txBody>
+                  <a:tcPr marL="7620" marR="7620" marT="7620" marB="0" anchor="ctr">
+                    <a:solidFill>
+                      <a:schemeClr val="bg1"/>
+                    </a:solidFill>
+                  </a:tcPr>
+                </a:tc>
+                <a:tc>
+                  <a:txBody>
+                    <a:bodyPr/>
+                    <a:lstStyle/>
+                    <a:p>
+                      <a:pPr algn="ctr" fontAlgn="ctr"/>
+                      <a:r>
+                        <a:rPr lang="pl-PL" sz="1400" u="none" strike="noStrike" dirty="0">
+                          <a:effectLst/>
+                        </a:rPr>
+                        <a:t>Informatyka, studia stacjonarne drugiego stopnia,</a:t>
+                      </a:r>
+                      <a:br>
+                        <a:rPr lang="pl-PL" sz="1400" u="none" strike="noStrike" dirty="0">
+                          <a:effectLst/>
+                        </a:rPr>
+                      </a:br>
+                      <a:r>
+                        <a:rPr lang="pl-PL" sz="1400" u="none" strike="noStrike" dirty="0">
+                          <a:effectLst/>
+                        </a:rPr>
+                        <a:t> 3-semestralne, profil ogólnoakademicki</a:t>
+                      </a:r>
+                      <a:endParaRPr lang="pl-PL" sz="1400" b="0" i="0" u="none" strike="noStrike" dirty="0">
+                        <a:solidFill>
+                          <a:srgbClr val="000000"/>
+                        </a:solidFill>
+                        <a:effectLst/>
+                        <a:latin typeface="Calibri" panose="020F0502020204030204" pitchFamily="34" charset="0"/>
+                      </a:endParaRPr>
+                    </a:p>
+                  </a:txBody>
+                  <a:tcPr marL="7620" marR="7620" marT="7620" marB="0" anchor="ctr">
+                    <a:solidFill>
+                      <a:schemeClr val="bg1"/>
+                    </a:solidFill>
+                  </a:tcPr>
+                </a:tc>
+                <a:tc>
+                  <a:txBody>
+                    <a:bodyPr/>
+                    <a:lstStyle/>
+                    <a:p>
+                      <a:pPr algn="ctr" fontAlgn="ctr"/>
+                      <a:r>
+                        <a:rPr lang="pl-PL" sz="1400" u="none" strike="noStrike" dirty="0">
+                          <a:effectLst/>
+                        </a:rPr>
+                        <a:t>10025</a:t>
+                      </a:r>
+                      <a:endParaRPr lang="pl-PL" sz="1400" b="0" i="0" u="none" strike="noStrike" dirty="0">
+                        <a:solidFill>
+                          <a:srgbClr val="000000"/>
+                        </a:solidFill>
+                        <a:effectLst/>
+                        <a:latin typeface="Calibri" panose="020F0502020204030204" pitchFamily="34" charset="0"/>
+                      </a:endParaRPr>
+                    </a:p>
+                  </a:txBody>
+                  <a:tcPr marL="7620" marR="7620" marT="7620" marB="0" anchor="ctr">
+                    <a:solidFill>
+                      <a:schemeClr val="bg1"/>
+                    </a:solidFill>
+                  </a:tcPr>
+                </a:tc>
+                <a:extLst>
+                  <a:ext uri="{0D108BD9-81ED-4DB2-BD59-A6C34878D82A}">
+                    <a16:rowId xmlns:a16="http://schemas.microsoft.com/office/drawing/2014/main" val="559506221"/>
+                  </a:ext>
+                </a:extLst>
+              </a:tr>
+              <a:tr h="527743">
+                <a:tc>
+                  <a:txBody>
+                    <a:bodyPr/>
+                    <a:lstStyle/>
+                    <a:p>
+                      <a:pPr algn="ctr" fontAlgn="ctr"/>
+                      <a:r>
+                        <a:rPr lang="pl-PL" sz="1400" b="1" u="none" strike="noStrike" dirty="0">
+                          <a:effectLst/>
+                        </a:rPr>
+                        <a:t>8</a:t>
+                      </a:r>
+                      <a:endParaRPr lang="pl-PL" sz="1400" b="1" i="0" u="none" strike="noStrike" dirty="0">
+                        <a:solidFill>
+                          <a:srgbClr val="000000"/>
+                        </a:solidFill>
+                        <a:effectLst/>
+                        <a:latin typeface="Calibri" panose="020F0502020204030204" pitchFamily="34" charset="0"/>
+                      </a:endParaRPr>
+                    </a:p>
+                  </a:txBody>
+                  <a:tcPr marL="7620" marR="7620" marT="7620" marB="0" anchor="ctr">
+                    <a:solidFill>
+                      <a:schemeClr val="accent5">
+                        <a:lumMod val="20000"/>
+                        <a:lumOff val="80000"/>
+                      </a:schemeClr>
+                    </a:solidFill>
+                  </a:tcPr>
+                </a:tc>
+                <a:tc>
+                  <a:txBody>
+                    <a:bodyPr/>
+                    <a:lstStyle/>
+                    <a:p>
+                      <a:pPr algn="ctr" fontAlgn="ctr"/>
+                      <a:r>
+                        <a:rPr lang="pl-PL" sz="1400" u="none" strike="noStrike" dirty="0">
+                          <a:effectLst/>
+                        </a:rPr>
+                        <a:t>Lubuskie</a:t>
+                      </a:r>
+                      <a:endParaRPr lang="pl-PL" sz="1400" b="0" i="0" u="none" strike="noStrike" dirty="0">
+                        <a:solidFill>
+                          <a:srgbClr val="000000"/>
+                        </a:solidFill>
+                        <a:effectLst/>
+                        <a:latin typeface="Calibri" panose="020F0502020204030204" pitchFamily="34" charset="0"/>
+                      </a:endParaRPr>
+                    </a:p>
+                  </a:txBody>
+                  <a:tcPr marL="7620" marR="7620" marT="7620" marB="0" anchor="ctr">
+                    <a:solidFill>
+                      <a:schemeClr val="bg1"/>
+                    </a:solidFill>
+                  </a:tcPr>
+                </a:tc>
+                <a:tc>
+                  <a:txBody>
+                    <a:bodyPr/>
+                    <a:lstStyle/>
+                    <a:p>
+                      <a:pPr algn="ctr" fontAlgn="ctr"/>
+                      <a:r>
+                        <a:rPr lang="pl-PL" sz="1400" u="none" strike="noStrike" dirty="0">
+                          <a:effectLst/>
+                        </a:rPr>
+                        <a:t>Uniwersytet Zielonogórski</a:t>
+                      </a:r>
+                      <a:endParaRPr lang="pl-PL" sz="1400" b="0" i="0" u="none" strike="noStrike" dirty="0">
+                        <a:solidFill>
+                          <a:srgbClr val="000000"/>
+                        </a:solidFill>
+                        <a:effectLst/>
+                        <a:latin typeface="Calibri" panose="020F0502020204030204" pitchFamily="34" charset="0"/>
+                      </a:endParaRPr>
+                    </a:p>
+                  </a:txBody>
+                  <a:tcPr marL="7620" marR="7620" marT="7620" marB="0" anchor="ctr">
+                    <a:solidFill>
+                      <a:schemeClr val="bg1"/>
+                    </a:solidFill>
+                  </a:tcPr>
+                </a:tc>
+                <a:tc>
+                  <a:txBody>
+                    <a:bodyPr/>
+                    <a:lstStyle/>
+                    <a:p>
+                      <a:pPr algn="ctr" fontAlgn="ctr"/>
+                      <a:r>
+                        <a:rPr lang="pl-PL" sz="1400" u="none" strike="noStrike" dirty="0">
+                          <a:effectLst/>
+                        </a:rPr>
+                        <a:t>Mechanika i budowa maszyn, studia niestacjonarne drugiego stopnia, </a:t>
+                      </a:r>
+                      <a:br>
+                        <a:rPr lang="pl-PL" sz="1400" u="none" strike="noStrike" dirty="0">
+                          <a:effectLst/>
+                        </a:rPr>
+                      </a:br>
+                      <a:r>
+                        <a:rPr lang="pl-PL" sz="1400" u="none" strike="noStrike" dirty="0">
+                          <a:effectLst/>
+                        </a:rPr>
+                        <a:t>3-semestralne, profil ogólnoakademicki</a:t>
+                      </a:r>
+                      <a:endParaRPr lang="pl-PL" sz="1400" b="0" i="0" u="none" strike="noStrike" dirty="0">
+                        <a:solidFill>
+                          <a:srgbClr val="000000"/>
+                        </a:solidFill>
+                        <a:effectLst/>
+                        <a:latin typeface="Calibri" panose="020F0502020204030204" pitchFamily="34" charset="0"/>
+                      </a:endParaRPr>
+                    </a:p>
+                  </a:txBody>
+                  <a:tcPr marL="7620" marR="7620" marT="7620" marB="0" anchor="ctr">
+                    <a:solidFill>
+                      <a:schemeClr val="bg1"/>
+                    </a:solidFill>
+                  </a:tcPr>
+                </a:tc>
+                <a:tc>
+                  <a:txBody>
+                    <a:bodyPr/>
+                    <a:lstStyle/>
+                    <a:p>
+                      <a:pPr algn="ctr" fontAlgn="ctr"/>
+                      <a:r>
+                        <a:rPr lang="pl-PL" sz="1400" u="none" strike="noStrike" dirty="0">
+                          <a:effectLst/>
+                        </a:rPr>
+                        <a:t>9672</a:t>
+                      </a:r>
+                      <a:endParaRPr lang="pl-PL" sz="1400" b="0" i="0" u="none" strike="noStrike" dirty="0">
+                        <a:solidFill>
+                          <a:srgbClr val="000000"/>
+                        </a:solidFill>
+                        <a:effectLst/>
+                        <a:latin typeface="Calibri" panose="020F0502020204030204" pitchFamily="34" charset="0"/>
+                      </a:endParaRPr>
+                    </a:p>
+                  </a:txBody>
+                  <a:tcPr marL="7620" marR="7620" marT="7620" marB="0" anchor="ctr">
+                    <a:solidFill>
+                      <a:schemeClr val="bg1"/>
+                    </a:solidFill>
+                  </a:tcPr>
+                </a:tc>
+                <a:extLst>
+                  <a:ext uri="{0D108BD9-81ED-4DB2-BD59-A6C34878D82A}">
+                    <a16:rowId xmlns:a16="http://schemas.microsoft.com/office/drawing/2014/main" val="225634550"/>
+                  </a:ext>
+                </a:extLst>
+              </a:tr>
+            </a:tbl>
+          </a:graphicData>
+        </a:graphic>
+      </p:graphicFrame>
+      <p:sp>
+        <p:nvSpPr>
+          <p:cNvPr id="7" name="Symbol zastępczy zawartości 12">
+            <a:extLst>
+              <a:ext uri="{FF2B5EF4-FFF2-40B4-BE49-F238E27FC236}">
+                <a16:creationId xmlns:a16="http://schemas.microsoft.com/office/drawing/2014/main" id="{28670177-31EF-45B8-9694-7BE806BE5EC0}"/>
+              </a:ext>
+            </a:extLst>
+          </p:cNvPr>
+          <p:cNvSpPr txBox="1">
+            <a:spLocks/>
+          </p:cNvSpPr>
+          <p:nvPr/>
+        </p:nvSpPr>
+        <p:spPr>
+          <a:xfrm>
+            <a:off x="0" y="6260951"/>
+            <a:ext cx="12192000" cy="417047"/>
+          </a:xfrm>
+          <a:prstGeom prst="rect">
+            <a:avLst/>
+          </a:prstGeom>
+        </p:spPr>
+        <p:txBody>
+          <a:bodyPr vert="horz" lIns="91440" tIns="45720" rIns="91440" bIns="45720" rtlCol="0">
+            <a:normAutofit/>
+          </a:bodyPr>
+          <a:lstStyle>
+            <a:lvl1pPr marL="228600" indent="-228600" algn="l" defTabSz="914400" rtl="0" eaLnBrk="1" latinLnBrk="0" hangingPunct="1">
+              <a:lnSpc>
+                <a:spcPct val="90000"/>
+              </a:lnSpc>
+              <a:spcBef>
+                <a:spcPts val="1000"/>
+              </a:spcBef>
+              <a:buFont typeface="Arial" panose="020B0604020202020204" pitchFamily="34" charset="0"/>
+              <a:buChar char="•"/>
+              <a:defRPr sz="2800" kern="1200">
+                <a:solidFill>
+                  <a:schemeClr val="tx1"/>
+                </a:solidFill>
+                <a:latin typeface="+mn-lt"/>
+                <a:ea typeface="+mn-ea"/>
+                <a:cs typeface="+mn-cs"/>
+              </a:defRPr>
+            </a:lvl1pPr>
+            <a:lvl2pPr marL="685800" indent="-228600" algn="l" defTabSz="914400" rtl="0" eaLnBrk="1" latinLnBrk="0" hangingPunct="1">
+              <a:lnSpc>
+                <a:spcPct val="90000"/>
+              </a:lnSpc>
+              <a:spcBef>
+                <a:spcPts val="500"/>
+              </a:spcBef>
+              <a:buFont typeface="Arial" panose="020B0604020202020204" pitchFamily="34" charset="0"/>
+              <a:buChar char="•"/>
+              <a:defRPr sz="2400" kern="1200">
+                <a:solidFill>
+                  <a:schemeClr val="tx1"/>
+                </a:solidFill>
+                <a:latin typeface="+mn-lt"/>
+                <a:ea typeface="+mn-ea"/>
+                <a:cs typeface="+mn-cs"/>
+              </a:defRPr>
+            </a:lvl2pPr>
+            <a:lvl3pPr marL="1143000" indent="-228600" algn="l" defTabSz="914400" rtl="0" eaLnBrk="1" latinLnBrk="0" hangingPunct="1">
+              <a:lnSpc>
+                <a:spcPct val="90000"/>
+              </a:lnSpc>
+              <a:spcBef>
+                <a:spcPts val="500"/>
+              </a:spcBef>
+              <a:buFont typeface="Arial" panose="020B0604020202020204" pitchFamily="34" charset="0"/>
+              <a:buChar char="•"/>
+              <a:defRPr sz="2000" kern="1200">
+                <a:solidFill>
+                  <a:schemeClr val="tx1"/>
+                </a:solidFill>
+                <a:latin typeface="+mn-lt"/>
+                <a:ea typeface="+mn-ea"/>
+                <a:cs typeface="+mn-cs"/>
+              </a:defRPr>
+            </a:lvl3pPr>
+            <a:lvl4pPr marL="1600200" indent="-228600" algn="l" defTabSz="914400" rtl="0" eaLnBrk="1" latinLnBrk="0" hangingPunct="1">
+              <a:lnSpc>
+                <a:spcPct val="90000"/>
+              </a:lnSpc>
+              <a:spcBef>
+                <a:spcPts val="500"/>
+              </a:spcBef>
+              <a:buFont typeface="Arial" panose="020B0604020202020204" pitchFamily="34" charset="0"/>
+              <a:buChar char="•"/>
+              <a:defRPr sz="1800" kern="1200">
+                <a:solidFill>
+                  <a:schemeClr val="tx1"/>
+                </a:solidFill>
+                <a:latin typeface="+mn-lt"/>
+                <a:ea typeface="+mn-ea"/>
+                <a:cs typeface="+mn-cs"/>
+              </a:defRPr>
+            </a:lvl4pPr>
+            <a:lvl5pPr marL="2057400" indent="-228600" algn="l" defTabSz="914400" rtl="0" eaLnBrk="1" latinLnBrk="0" hangingPunct="1">
+              <a:lnSpc>
+                <a:spcPct val="90000"/>
+              </a:lnSpc>
+              <a:spcBef>
+                <a:spcPts val="500"/>
+              </a:spcBef>
+              <a:buFont typeface="Arial" panose="020B0604020202020204" pitchFamily="34" charset="0"/>
+              <a:buChar char="•"/>
+              <a:defRPr sz="1800" kern="1200">
+                <a:solidFill>
+                  <a:schemeClr val="tx1"/>
+                </a:solidFill>
+                <a:latin typeface="+mn-lt"/>
+                <a:ea typeface="+mn-ea"/>
+                <a:cs typeface="+mn-cs"/>
+              </a:defRPr>
+            </a:lvl5pPr>
+            <a:lvl6pPr marL="2514600" indent="-228600" algn="l" defTabSz="914400" rtl="0" eaLnBrk="1" latinLnBrk="0" hangingPunct="1">
+              <a:lnSpc>
+                <a:spcPct val="90000"/>
+              </a:lnSpc>
+              <a:spcBef>
+                <a:spcPts val="500"/>
+              </a:spcBef>
+              <a:buFont typeface="Arial" panose="020B0604020202020204" pitchFamily="34" charset="0"/>
+              <a:buChar char="•"/>
+              <a:defRPr sz="1800" kern="1200">
+                <a:solidFill>
+                  <a:schemeClr val="tx1"/>
+                </a:solidFill>
+                <a:latin typeface="+mn-lt"/>
+                <a:ea typeface="+mn-ea"/>
+                <a:cs typeface="+mn-cs"/>
+              </a:defRPr>
+            </a:lvl6pPr>
+            <a:lvl7pPr marL="2971800" indent="-228600" algn="l" defTabSz="914400" rtl="0" eaLnBrk="1" latinLnBrk="0" hangingPunct="1">
+              <a:lnSpc>
+                <a:spcPct val="90000"/>
+              </a:lnSpc>
+              <a:spcBef>
+                <a:spcPts val="500"/>
+              </a:spcBef>
+              <a:buFont typeface="Arial" panose="020B0604020202020204" pitchFamily="34" charset="0"/>
+              <a:buChar char="•"/>
+              <a:defRPr sz="1800" kern="1200">
+                <a:solidFill>
+                  <a:schemeClr val="tx1"/>
+                </a:solidFill>
+                <a:latin typeface="+mn-lt"/>
+                <a:ea typeface="+mn-ea"/>
+                <a:cs typeface="+mn-cs"/>
+              </a:defRPr>
+            </a:lvl7pPr>
+            <a:lvl8pPr marL="3429000" indent="-228600" algn="l" defTabSz="914400" rtl="0" eaLnBrk="1" latinLnBrk="0" hangingPunct="1">
+              <a:lnSpc>
+                <a:spcPct val="90000"/>
+              </a:lnSpc>
+              <a:spcBef>
+                <a:spcPts val="500"/>
+              </a:spcBef>
+              <a:buFont typeface="Arial" panose="020B0604020202020204" pitchFamily="34" charset="0"/>
+              <a:buChar char="•"/>
+              <a:defRPr sz="1800" kern="1200">
+                <a:solidFill>
+                  <a:schemeClr val="tx1"/>
+                </a:solidFill>
+                <a:latin typeface="+mn-lt"/>
+                <a:ea typeface="+mn-ea"/>
+                <a:cs typeface="+mn-cs"/>
+              </a:defRPr>
+            </a:lvl8pPr>
+            <a:lvl9pPr marL="3886200" indent="-228600" algn="l" defTabSz="914400" rtl="0" eaLnBrk="1" latinLnBrk="0" hangingPunct="1">
+              <a:lnSpc>
+                <a:spcPct val="90000"/>
+              </a:lnSpc>
+              <a:spcBef>
+                <a:spcPts val="500"/>
+              </a:spcBef>
+              <a:buFont typeface="Arial" panose="020B0604020202020204" pitchFamily="34" charset="0"/>
+              <a:buChar char="•"/>
+              <a:defRPr sz="1800" kern="1200">
+                <a:solidFill>
+                  <a:schemeClr val="tx1"/>
+                </a:solidFill>
+                <a:latin typeface="+mn-lt"/>
+                <a:ea typeface="+mn-ea"/>
+                <a:cs typeface="+mn-cs"/>
+              </a:defRPr>
+            </a:lvl9pPr>
+          </a:lstStyle>
+          <a:p>
+            <a:pPr marL="0" indent="0" algn="ctr">
+              <a:buFont typeface="Arial" panose="020B0604020202020204" pitchFamily="34" charset="0"/>
+              <a:buNone/>
+            </a:pPr>
+            <a:r>
+              <a:rPr lang="pl-PL" sz="2000" dirty="0">
+                <a:latin typeface="Arial" panose="020B0604020202020204" pitchFamily="34" charset="0"/>
+                <a:cs typeface="Arial" panose="020B0604020202020204" pitchFamily="34" charset="0"/>
+              </a:rPr>
+              <a:t>9</a:t>
+            </a:r>
+            <a:endParaRPr lang="pl-PL" sz="1800" dirty="0">
+              <a:latin typeface="Arial" panose="020B0604020202020204" pitchFamily="34" charset="0"/>
+              <a:cs typeface="Arial" panose="020B0604020202020204" pitchFamily="34" charset="0"/>
+            </a:endParaRPr>
+          </a:p>
+        </p:txBody>
+      </p:sp>
+      <p:cxnSp>
+        <p:nvCxnSpPr>
+          <p:cNvPr id="6" name="Łącznik prosty 5">
+            <a:extLst>
+              <a:ext uri="{FF2B5EF4-FFF2-40B4-BE49-F238E27FC236}">
+                <a16:creationId xmlns:a16="http://schemas.microsoft.com/office/drawing/2014/main" id="{1FA19DE5-53A0-4CCD-B251-25F5D2FDFE97}"/>
+              </a:ext>
+            </a:extLst>
+          </p:cNvPr>
+          <p:cNvCxnSpPr>
+            <a:cxnSpLocks/>
+          </p:cNvCxnSpPr>
+          <p:nvPr/>
+        </p:nvCxnSpPr>
+        <p:spPr>
+          <a:xfrm>
+            <a:off x="1080000" y="1064313"/>
+            <a:ext cx="10032000" cy="0"/>
+          </a:xfrm>
+          <a:prstGeom prst="line">
+            <a:avLst/>
+          </a:prstGeom>
+          <a:ln w="22225">
+            <a:solidFill>
+              <a:schemeClr val="accent6"/>
+            </a:solidFill>
+          </a:ln>
+        </p:spPr>
+        <p:style>
+          <a:lnRef idx="1">
+            <a:schemeClr val="accent1"/>
+          </a:lnRef>
+          <a:fillRef idx="0">
+            <a:schemeClr val="accent1"/>
+          </a:fillRef>
+          <a:effectRef idx="0">
+            <a:schemeClr val="accent1"/>
+          </a:effectRef>
+          <a:fontRef idx="minor">
+            <a:schemeClr val="tx1"/>
+          </a:fontRef>
+        </p:style>
+      </p:cxnSp>
+    </p:spTree>
+    <p:extLst>
+      <p:ext uri="{BB962C8B-B14F-4D97-AF65-F5344CB8AC3E}">
+        <p14:creationId xmlns:p14="http://schemas.microsoft.com/office/powerpoint/2010/main" val="3883173109"/>
+      </p:ext>
+    </p:extLst>
+  </p:cSld>
+  <p:clrMapOvr>
+    <a:masterClrMapping/>
+  </p:clrMapOvr>
+</p:sld>
+</file>
+
+<file path=ppt/slides/slide11.xml><?xml version="1.0" encoding="utf-8"?>
+<p:sld xmlns:a="http://schemas.openxmlformats.org/drawingml/2006/main" xmlns:r="http://schemas.openxmlformats.org/officeDocument/2006/relationships" xmlns:p="http://schemas.openxmlformats.org/presentationml/2006/main">
+  <p:cSld>
+    <p:bg>
+      <p:bgPr>
+        <a:solidFill>
+          <a:srgbClr val="EFEDEF"/>
+        </a:solidFill>
+        <a:effectLst/>
+      </p:bgPr>
+    </p:bg>
+    <p:spTree>
+      <p:nvGrpSpPr>
+        <p:cNvPr id="1" name=""/>
+        <p:cNvGrpSpPr/>
+        <p:nvPr/>
+      </p:nvGrpSpPr>
+      <p:grpSpPr>
+        <a:xfrm>
+          <a:off x="0" y="0"/>
+          <a:ext cx="0" cy="0"/>
+          <a:chOff x="0" y="0"/>
+          <a:chExt cx="0" cy="0"/>
+        </a:xfrm>
+      </p:grpSpPr>
+      <p:sp>
+        <p:nvSpPr>
+          <p:cNvPr id="6" name="Prostokąt 10">
+            <a:extLst>
+              <a:ext uri="{FF2B5EF4-FFF2-40B4-BE49-F238E27FC236}">
+                <a16:creationId xmlns:a16="http://schemas.microsoft.com/office/drawing/2014/main" id="{3992C568-EC22-48E5-994A-707B8C30BA8F}"/>
+              </a:ext>
+            </a:extLst>
+          </p:cNvPr>
+          <p:cNvSpPr/>
+          <p:nvPr/>
+        </p:nvSpPr>
+        <p:spPr>
+          <a:xfrm>
+            <a:off x="1055370" y="650240"/>
+            <a:ext cx="10415270" cy="130582"/>
+          </a:xfrm>
+          <a:custGeom>
+            <a:avLst/>
+            <a:gdLst>
+              <a:gd name="connsiteX0" fmla="*/ 0 w 4573337"/>
+              <a:gd name="connsiteY0" fmla="*/ 0 h 111368"/>
+              <a:gd name="connsiteX1" fmla="*/ 4573337 w 4573337"/>
+              <a:gd name="connsiteY1" fmla="*/ 0 h 111368"/>
+              <a:gd name="connsiteX2" fmla="*/ 4573337 w 4573337"/>
+              <a:gd name="connsiteY2" fmla="*/ 111368 h 111368"/>
+              <a:gd name="connsiteX3" fmla="*/ 0 w 4573337"/>
+              <a:gd name="connsiteY3" fmla="*/ 111368 h 111368"/>
+              <a:gd name="connsiteX4" fmla="*/ 0 w 4573337"/>
+              <a:gd name="connsiteY4" fmla="*/ 0 h 111368"/>
+              <a:gd name="connsiteX0" fmla="*/ 386861 w 4573337"/>
+              <a:gd name="connsiteY0" fmla="*/ 0 h 123091"/>
+              <a:gd name="connsiteX1" fmla="*/ 4573337 w 4573337"/>
+              <a:gd name="connsiteY1" fmla="*/ 11723 h 123091"/>
+              <a:gd name="connsiteX2" fmla="*/ 4573337 w 4573337"/>
+              <a:gd name="connsiteY2" fmla="*/ 123091 h 123091"/>
+              <a:gd name="connsiteX3" fmla="*/ 0 w 4573337"/>
+              <a:gd name="connsiteY3" fmla="*/ 123091 h 123091"/>
+              <a:gd name="connsiteX4" fmla="*/ 386861 w 4573337"/>
+              <a:gd name="connsiteY4" fmla="*/ 0 h 123091"/>
+              <a:gd name="connsiteX0" fmla="*/ 386861 w 4573337"/>
+              <a:gd name="connsiteY0" fmla="*/ 0 h 123091"/>
+              <a:gd name="connsiteX1" fmla="*/ 4573337 w 4573337"/>
+              <a:gd name="connsiteY1" fmla="*/ 11723 h 123091"/>
+              <a:gd name="connsiteX2" fmla="*/ 4464319 w 4573337"/>
+              <a:gd name="connsiteY2" fmla="*/ 118880 h 123091"/>
+              <a:gd name="connsiteX3" fmla="*/ 0 w 4573337"/>
+              <a:gd name="connsiteY3" fmla="*/ 123091 h 123091"/>
+              <a:gd name="connsiteX4" fmla="*/ 386861 w 4573337"/>
+              <a:gd name="connsiteY4" fmla="*/ 0 h 123091"/>
+              <a:gd name="connsiteX0" fmla="*/ 386861 w 4730807"/>
+              <a:gd name="connsiteY0" fmla="*/ 13543 h 136634"/>
+              <a:gd name="connsiteX1" fmla="*/ 4730807 w 4730807"/>
+              <a:gd name="connsiteY1" fmla="*/ 0 h 136634"/>
+              <a:gd name="connsiteX2" fmla="*/ 4464319 w 4730807"/>
+              <a:gd name="connsiteY2" fmla="*/ 132423 h 136634"/>
+              <a:gd name="connsiteX3" fmla="*/ 0 w 4730807"/>
+              <a:gd name="connsiteY3" fmla="*/ 136634 h 136634"/>
+              <a:gd name="connsiteX4" fmla="*/ 386861 w 4730807"/>
+              <a:gd name="connsiteY4" fmla="*/ 13543 h 136634"/>
+              <a:gd name="connsiteX0" fmla="*/ 386861 w 4674279"/>
+              <a:gd name="connsiteY0" fmla="*/ 17754 h 140845"/>
+              <a:gd name="connsiteX1" fmla="*/ 4674279 w 4674279"/>
+              <a:gd name="connsiteY1" fmla="*/ 0 h 140845"/>
+              <a:gd name="connsiteX2" fmla="*/ 4464319 w 4674279"/>
+              <a:gd name="connsiteY2" fmla="*/ 136634 h 140845"/>
+              <a:gd name="connsiteX3" fmla="*/ 0 w 4674279"/>
+              <a:gd name="connsiteY3" fmla="*/ 140845 h 140845"/>
+              <a:gd name="connsiteX4" fmla="*/ 386861 w 4674279"/>
+              <a:gd name="connsiteY4" fmla="*/ 17754 h 140845"/>
+              <a:gd name="connsiteX0" fmla="*/ 633161 w 4920579"/>
+              <a:gd name="connsiteY0" fmla="*/ 17754 h 149267"/>
+              <a:gd name="connsiteX1" fmla="*/ 4920579 w 4920579"/>
+              <a:gd name="connsiteY1" fmla="*/ 0 h 149267"/>
+              <a:gd name="connsiteX2" fmla="*/ 4710619 w 4920579"/>
+              <a:gd name="connsiteY2" fmla="*/ 136634 h 149267"/>
+              <a:gd name="connsiteX3" fmla="*/ 0 w 4920579"/>
+              <a:gd name="connsiteY3" fmla="*/ 149267 h 149267"/>
+              <a:gd name="connsiteX4" fmla="*/ 633161 w 4920579"/>
+              <a:gd name="connsiteY4" fmla="*/ 17754 h 149267"/>
+              <a:gd name="connsiteX0" fmla="*/ 366673 w 4920579"/>
+              <a:gd name="connsiteY0" fmla="*/ 9332 h 149267"/>
+              <a:gd name="connsiteX1" fmla="*/ 4920579 w 4920579"/>
+              <a:gd name="connsiteY1" fmla="*/ 0 h 149267"/>
+              <a:gd name="connsiteX2" fmla="*/ 4710619 w 4920579"/>
+              <a:gd name="connsiteY2" fmla="*/ 136634 h 149267"/>
+              <a:gd name="connsiteX3" fmla="*/ 0 w 4920579"/>
+              <a:gd name="connsiteY3" fmla="*/ 149267 h 149267"/>
+              <a:gd name="connsiteX4" fmla="*/ 366673 w 4920579"/>
+              <a:gd name="connsiteY4" fmla="*/ 9332 h 149267"/>
+              <a:gd name="connsiteX0" fmla="*/ 289957 w 4920579"/>
+              <a:gd name="connsiteY0" fmla="*/ 76708 h 149267"/>
+              <a:gd name="connsiteX1" fmla="*/ 4920579 w 4920579"/>
+              <a:gd name="connsiteY1" fmla="*/ 0 h 149267"/>
+              <a:gd name="connsiteX2" fmla="*/ 4710619 w 4920579"/>
+              <a:gd name="connsiteY2" fmla="*/ 136634 h 149267"/>
+              <a:gd name="connsiteX3" fmla="*/ 0 w 4920579"/>
+              <a:gd name="connsiteY3" fmla="*/ 149267 h 149267"/>
+              <a:gd name="connsiteX4" fmla="*/ 289957 w 4920579"/>
+              <a:gd name="connsiteY4" fmla="*/ 76708 h 149267"/>
+              <a:gd name="connsiteX0" fmla="*/ 253617 w 4920579"/>
+              <a:gd name="connsiteY0" fmla="*/ 55653 h 149267"/>
+              <a:gd name="connsiteX1" fmla="*/ 4920579 w 4920579"/>
+              <a:gd name="connsiteY1" fmla="*/ 0 h 149267"/>
+              <a:gd name="connsiteX2" fmla="*/ 4710619 w 4920579"/>
+              <a:gd name="connsiteY2" fmla="*/ 136634 h 149267"/>
+              <a:gd name="connsiteX3" fmla="*/ 0 w 4920579"/>
+              <a:gd name="connsiteY3" fmla="*/ 149267 h 149267"/>
+              <a:gd name="connsiteX4" fmla="*/ 253617 w 4920579"/>
+              <a:gd name="connsiteY4" fmla="*/ 55653 h 149267"/>
+              <a:gd name="connsiteX0" fmla="*/ 152675 w 4920579"/>
+              <a:gd name="connsiteY0" fmla="*/ 51442 h 149267"/>
+              <a:gd name="connsiteX1" fmla="*/ 4920579 w 4920579"/>
+              <a:gd name="connsiteY1" fmla="*/ 0 h 149267"/>
+              <a:gd name="connsiteX2" fmla="*/ 4710619 w 4920579"/>
+              <a:gd name="connsiteY2" fmla="*/ 136634 h 149267"/>
+              <a:gd name="connsiteX3" fmla="*/ 0 w 4920579"/>
+              <a:gd name="connsiteY3" fmla="*/ 149267 h 149267"/>
+              <a:gd name="connsiteX4" fmla="*/ 152675 w 4920579"/>
+              <a:gd name="connsiteY4" fmla="*/ 51442 h 149267"/>
+            </a:gdLst>
+            <a:ahLst/>
+            <a:cxnLst>
+              <a:cxn ang="0">
+                <a:pos x="connsiteX0" y="connsiteY0"/>
+              </a:cxn>
+              <a:cxn ang="0">
+                <a:pos x="connsiteX1" y="connsiteY1"/>
+              </a:cxn>
+              <a:cxn ang="0">
+                <a:pos x="connsiteX2" y="connsiteY2"/>
+              </a:cxn>
+              <a:cxn ang="0">
+                <a:pos x="connsiteX3" y="connsiteY3"/>
+              </a:cxn>
+              <a:cxn ang="0">
+                <a:pos x="connsiteX4" y="connsiteY4"/>
+              </a:cxn>
+            </a:cxnLst>
+            <a:rect l="l" t="t" r="r" b="b"/>
+            <a:pathLst>
+              <a:path w="4920579" h="149267">
+                <a:moveTo>
+                  <a:pt x="152675" y="51442"/>
+                </a:moveTo>
+                <a:lnTo>
+                  <a:pt x="4920579" y="0"/>
+                </a:lnTo>
+                <a:lnTo>
+                  <a:pt x="4710619" y="136634"/>
+                </a:lnTo>
+                <a:lnTo>
+                  <a:pt x="0" y="149267"/>
+                </a:lnTo>
+                <a:lnTo>
+                  <a:pt x="152675" y="51442"/>
+                </a:lnTo>
+                <a:close/>
+              </a:path>
+            </a:pathLst>
+          </a:custGeom>
+          <a:solidFill>
+            <a:schemeClr val="accent4">
+              <a:lumMod val="40000"/>
+              <a:lumOff val="60000"/>
+              <a:alpha val="50196"/>
+            </a:schemeClr>
+          </a:solidFill>
+          <a:ln>
+            <a:noFill/>
+          </a:ln>
+        </p:spPr>
+        <p:style>
+          <a:lnRef idx="2">
+            <a:schemeClr val="accent1">
+              <a:shade val="50000"/>
+            </a:schemeClr>
+          </a:lnRef>
+          <a:fillRef idx="1">
+            <a:schemeClr val="accent1"/>
+          </a:fillRef>
+          <a:effectRef idx="0">
+            <a:schemeClr val="accent1"/>
+          </a:effectRef>
+          <a:fontRef idx="minor">
+            <a:schemeClr val="lt1"/>
+          </a:fontRef>
+        </p:style>
+        <p:txBody>
+          <a:bodyPr rtlCol="0" anchor="ctr"/>
+          <a:lstStyle/>
+          <a:p>
+            <a:pPr algn="ctr"/>
+            <a:endParaRPr lang="pl-PL"/>
+          </a:p>
+        </p:txBody>
+      </p:sp>
+      <p:sp>
+        <p:nvSpPr>
+          <p:cNvPr id="11" name="Tytuł 10">
+            <a:extLst>
+              <a:ext uri="{FF2B5EF4-FFF2-40B4-BE49-F238E27FC236}">
+                <a16:creationId xmlns:a16="http://schemas.microsoft.com/office/drawing/2014/main" id="{E6572A4F-AEE0-4C43-A19A-0A4EFDB11758}"/>
+              </a:ext>
+            </a:extLst>
+          </p:cNvPr>
+          <p:cNvSpPr>
+            <a:spLocks noGrp="1"/>
+          </p:cNvSpPr>
+          <p:nvPr>
+            <p:ph type="title"/>
+          </p:nvPr>
+        </p:nvSpPr>
+        <p:spPr>
+          <a:xfrm>
+            <a:off x="0" y="180001"/>
+            <a:ext cx="12192000" cy="758980"/>
+          </a:xfrm>
+        </p:spPr>
+        <p:txBody>
+          <a:bodyPr>
+            <a:normAutofit/>
+          </a:bodyPr>
+          <a:lstStyle/>
+          <a:p>
+            <a:pPr marL="1080000"/>
+            <a:r>
+              <a:rPr lang="pl-PL" sz="4000" dirty="0">
+                <a:solidFill>
+                  <a:srgbClr val="002060"/>
+                </a:solidFill>
+                <a:latin typeface="Arial" panose="020B0604020202020204" pitchFamily="34" charset="0"/>
+                <a:cs typeface="Arial" panose="020B0604020202020204" pitchFamily="34" charset="0"/>
+              </a:rPr>
+              <a:t>Najlepiej opłacane kierunki w województwach</a:t>
+            </a:r>
+          </a:p>
+        </p:txBody>
+      </p:sp>
+      <p:graphicFrame>
+        <p:nvGraphicFramePr>
+          <p:cNvPr id="3" name="Symbol zastępczy zawartości 2">
+            <a:extLst>
+              <a:ext uri="{FF2B5EF4-FFF2-40B4-BE49-F238E27FC236}">
+                <a16:creationId xmlns:a16="http://schemas.microsoft.com/office/drawing/2014/main" id="{415C6C03-B991-4632-BB00-C69DD95177E3}"/>
+              </a:ext>
+            </a:extLst>
+          </p:cNvPr>
+          <p:cNvGraphicFramePr>
+            <a:graphicFrameLocks noGrp="1"/>
+          </p:cNvGraphicFramePr>
+          <p:nvPr>
+            <p:ph idx="1"/>
+            <p:extLst>
+              <p:ext uri="{D42A27DB-BD31-4B8C-83A1-F6EECF244321}">
+                <p14:modId xmlns:p14="http://schemas.microsoft.com/office/powerpoint/2010/main" val="3576116149"/>
+              </p:ext>
+            </p:extLst>
+          </p:nvPr>
+        </p:nvGraphicFramePr>
+        <p:xfrm>
+          <a:off x="539750" y="1188236"/>
+          <a:ext cx="11123929" cy="4491201"/>
+        </p:xfrm>
+        <a:graphic>
+          <a:graphicData uri="http://schemas.openxmlformats.org/drawingml/2006/table">
+            <a:tbl>
+              <a:tblPr>
+                <a:tableStyleId>{5940675A-B579-460E-94D1-54222C63F5DA}</a:tableStyleId>
+              </a:tblPr>
+              <a:tblGrid>
+                <a:gridCol w="384810">
+                  <a:extLst>
+                    <a:ext uri="{9D8B030D-6E8A-4147-A177-3AD203B41FA5}">
+                      <a16:colId xmlns:a16="http://schemas.microsoft.com/office/drawing/2014/main" val="286682112"/>
+                    </a:ext>
+                  </a:extLst>
+                </a:gridCol>
+                <a:gridCol w="1666240">
+                  <a:extLst>
+                    <a:ext uri="{9D8B030D-6E8A-4147-A177-3AD203B41FA5}">
+                      <a16:colId xmlns:a16="http://schemas.microsoft.com/office/drawing/2014/main" val="2371264202"/>
+                    </a:ext>
+                  </a:extLst>
+                </a:gridCol>
+                <a:gridCol w="1930400">
+                  <a:extLst>
+                    <a:ext uri="{9D8B030D-6E8A-4147-A177-3AD203B41FA5}">
+                      <a16:colId xmlns:a16="http://schemas.microsoft.com/office/drawing/2014/main" val="411073058"/>
+                    </a:ext>
+                  </a:extLst>
+                </a:gridCol>
+                <a:gridCol w="5201920">
+                  <a:extLst>
+                    <a:ext uri="{9D8B030D-6E8A-4147-A177-3AD203B41FA5}">
+                      <a16:colId xmlns:a16="http://schemas.microsoft.com/office/drawing/2014/main" val="2559168455"/>
+                    </a:ext>
+                  </a:extLst>
+                </a:gridCol>
+                <a:gridCol w="1940559">
+                  <a:extLst>
+                    <a:ext uri="{9D8B030D-6E8A-4147-A177-3AD203B41FA5}">
+                      <a16:colId xmlns:a16="http://schemas.microsoft.com/office/drawing/2014/main" val="3708089434"/>
+                    </a:ext>
+                  </a:extLst>
+                </a:gridCol>
+              </a:tblGrid>
+              <a:tr h="269257">
+                <a:tc>
+                  <a:txBody>
+                    <a:bodyPr/>
+                    <a:lstStyle/>
+                    <a:p>
+                      <a:pPr algn="ctr" fontAlgn="ctr"/>
+                      <a:r>
+                        <a:rPr lang="pl-PL" sz="1400" b="1" u="none" strike="noStrike" dirty="0">
+                          <a:effectLst/>
+                        </a:rPr>
+                        <a:t> LP</a:t>
+                      </a:r>
+                      <a:endParaRPr lang="pl-PL" sz="1400" b="1" i="0" u="none" strike="noStrike" dirty="0">
+                        <a:solidFill>
+                          <a:srgbClr val="000000"/>
+                        </a:solidFill>
+                        <a:effectLst/>
+                        <a:latin typeface="Calibri" panose="020F0502020204030204" pitchFamily="34" charset="0"/>
+                      </a:endParaRPr>
+                    </a:p>
+                  </a:txBody>
+                  <a:tcPr marL="7620" marR="7620" marT="7620" marB="0" anchor="ctr">
+                    <a:solidFill>
+                      <a:schemeClr val="accent5">
+                        <a:lumMod val="20000"/>
+                        <a:lumOff val="80000"/>
+                      </a:schemeClr>
+                    </a:solidFill>
+                  </a:tcPr>
+                </a:tc>
+                <a:tc>
+                  <a:txBody>
+                    <a:bodyPr/>
+                    <a:lstStyle/>
+                    <a:p>
+                      <a:pPr algn="ctr" fontAlgn="ctr"/>
+                      <a:r>
+                        <a:rPr lang="pl-PL" sz="1400" b="1" u="none" strike="noStrike" dirty="0">
+                          <a:effectLst/>
+                        </a:rPr>
+                        <a:t>Województwo</a:t>
+                      </a:r>
+                      <a:endParaRPr lang="pl-PL" sz="1400" b="1" i="0" u="none" strike="noStrike" dirty="0">
+                        <a:solidFill>
+                          <a:srgbClr val="000000"/>
+                        </a:solidFill>
+                        <a:effectLst/>
+                        <a:latin typeface="Calibri" panose="020F0502020204030204" pitchFamily="34" charset="0"/>
+                      </a:endParaRPr>
+                    </a:p>
+                  </a:txBody>
+                  <a:tcPr marL="7620" marR="7620" marT="7620" marB="0" anchor="ctr">
+                    <a:solidFill>
+                      <a:schemeClr val="accent5">
+                        <a:lumMod val="20000"/>
+                        <a:lumOff val="80000"/>
+                      </a:schemeClr>
+                    </a:solidFill>
+                  </a:tcPr>
+                </a:tc>
+                <a:tc>
+                  <a:txBody>
+                    <a:bodyPr/>
+                    <a:lstStyle/>
+                    <a:p>
+                      <a:pPr algn="ctr" fontAlgn="ctr"/>
+                      <a:r>
+                        <a:rPr lang="pl-PL" sz="1400" b="1" u="none" strike="noStrike" dirty="0">
+                          <a:effectLst/>
+                        </a:rPr>
+                        <a:t>Nazwa uczelni</a:t>
+                      </a:r>
+                      <a:endParaRPr lang="pl-PL" sz="1400" b="1" i="0" u="none" strike="noStrike" dirty="0">
+                        <a:solidFill>
+                          <a:srgbClr val="000000"/>
+                        </a:solidFill>
+                        <a:effectLst/>
+                        <a:latin typeface="Calibri" panose="020F0502020204030204" pitchFamily="34" charset="0"/>
+                      </a:endParaRPr>
+                    </a:p>
+                  </a:txBody>
+                  <a:tcPr marL="7620" marR="7620" marT="7620" marB="0" anchor="ctr">
+                    <a:solidFill>
+                      <a:schemeClr val="accent5">
+                        <a:lumMod val="20000"/>
+                        <a:lumOff val="80000"/>
+                      </a:schemeClr>
+                    </a:solidFill>
+                  </a:tcPr>
+                </a:tc>
+                <a:tc>
+                  <a:txBody>
+                    <a:bodyPr/>
+                    <a:lstStyle/>
+                    <a:p>
+                      <a:pPr algn="ctr" fontAlgn="ctr"/>
+                      <a:r>
+                        <a:rPr lang="pl-PL" sz="1400" b="1" u="none" strike="noStrike" dirty="0">
+                          <a:effectLst/>
+                        </a:rPr>
+                        <a:t>Nazwa kierunku</a:t>
+                      </a:r>
+                      <a:endParaRPr lang="pl-PL" sz="1400" b="1" i="0" u="none" strike="noStrike" dirty="0">
+                        <a:solidFill>
+                          <a:srgbClr val="000000"/>
+                        </a:solidFill>
+                        <a:effectLst/>
+                        <a:latin typeface="Calibri" panose="020F0502020204030204" pitchFamily="34" charset="0"/>
+                      </a:endParaRPr>
+                    </a:p>
+                  </a:txBody>
+                  <a:tcPr marL="7620" marR="7620" marT="7620" marB="0" anchor="ctr">
+                    <a:solidFill>
+                      <a:schemeClr val="accent5">
+                        <a:lumMod val="20000"/>
+                        <a:lumOff val="80000"/>
+                      </a:schemeClr>
+                    </a:solidFill>
+                  </a:tcPr>
+                </a:tc>
+                <a:tc>
+                  <a:txBody>
+                    <a:bodyPr/>
+                    <a:lstStyle/>
+                    <a:p>
+                      <a:pPr algn="ctr" fontAlgn="ctr"/>
+                      <a:r>
+                        <a:rPr lang="pl-PL" sz="1400" b="1" u="none" strike="noStrike" dirty="0">
+                          <a:effectLst/>
+                        </a:rPr>
+                        <a:t>Mediana zarobków (PLN)</a:t>
+                      </a:r>
+                      <a:endParaRPr lang="pl-PL" sz="1400" b="1" i="0" u="none" strike="noStrike" dirty="0">
+                        <a:solidFill>
+                          <a:srgbClr val="000000"/>
+                        </a:solidFill>
+                        <a:effectLst/>
+                        <a:latin typeface="Calibri" panose="020F0502020204030204" pitchFamily="34" charset="0"/>
+                      </a:endParaRPr>
+                    </a:p>
+                  </a:txBody>
+                  <a:tcPr marL="7620" marR="7620" marT="7620" marB="0" anchor="ctr">
+                    <a:solidFill>
+                      <a:schemeClr val="accent5">
+                        <a:lumMod val="20000"/>
+                        <a:lumOff val="80000"/>
+                      </a:schemeClr>
+                    </a:solidFill>
+                  </a:tcPr>
+                </a:tc>
+                <a:extLst>
+                  <a:ext uri="{0D108BD9-81ED-4DB2-BD59-A6C34878D82A}">
+                    <a16:rowId xmlns:a16="http://schemas.microsoft.com/office/drawing/2014/main" val="4098597411"/>
+                  </a:ext>
+                </a:extLst>
+              </a:tr>
+              <a:tr h="527743">
+                <a:tc>
+                  <a:txBody>
+                    <a:bodyPr/>
+                    <a:lstStyle/>
+                    <a:p>
+                      <a:pPr algn="ctr" fontAlgn="ctr"/>
+                      <a:r>
+                        <a:rPr lang="pl-PL" sz="1400" b="1" i="0" u="none" strike="noStrike">
+                          <a:solidFill>
+                            <a:srgbClr val="000000"/>
+                          </a:solidFill>
+                          <a:effectLst/>
+                          <a:latin typeface="Calibri" panose="020F0502020204030204" pitchFamily="34" charset="0"/>
+                        </a:rPr>
+                        <a:t>9</a:t>
+                      </a:r>
+                    </a:p>
+                  </a:txBody>
+                  <a:tcPr marL="7620" marR="7620" marT="7620" marB="0" anchor="ctr">
+                    <a:solidFill>
+                      <a:schemeClr val="accent5">
+                        <a:lumMod val="20000"/>
+                        <a:lumOff val="80000"/>
+                      </a:schemeClr>
+                    </a:solidFill>
+                  </a:tcPr>
+                </a:tc>
+                <a:tc>
+                  <a:txBody>
+                    <a:bodyPr/>
+                    <a:lstStyle/>
+                    <a:p>
+                      <a:pPr algn="ctr" fontAlgn="ctr"/>
+                      <a:r>
+                        <a:rPr lang="pl-PL" sz="1400" b="0" i="0" u="none" strike="noStrike">
+                          <a:solidFill>
+                            <a:srgbClr val="000000"/>
+                          </a:solidFill>
+                          <a:effectLst/>
+                          <a:latin typeface="Calibri" panose="020F0502020204030204" pitchFamily="34" charset="0"/>
+                        </a:rPr>
+                        <a:t>Śląskie</a:t>
+                      </a:r>
+                    </a:p>
+                  </a:txBody>
+                  <a:tcPr marL="7620" marR="7620" marT="7620" marB="0" anchor="ctr">
+                    <a:solidFill>
+                      <a:schemeClr val="bg1"/>
+                    </a:solidFill>
+                  </a:tcPr>
+                </a:tc>
+                <a:tc>
+                  <a:txBody>
+                    <a:bodyPr/>
+                    <a:lstStyle/>
+                    <a:p>
+                      <a:pPr algn="ctr" fontAlgn="ctr"/>
+                      <a:r>
+                        <a:rPr lang="pl-PL" sz="1400" b="0" i="0" u="none" strike="noStrike">
+                          <a:solidFill>
+                            <a:srgbClr val="000000"/>
+                          </a:solidFill>
+                          <a:effectLst/>
+                          <a:latin typeface="Calibri" panose="020F0502020204030204" pitchFamily="34" charset="0"/>
+                        </a:rPr>
+                        <a:t>Politechnika Śląska</a:t>
+                      </a:r>
+                    </a:p>
+                  </a:txBody>
+                  <a:tcPr marL="7620" marR="7620" marT="7620" marB="0" anchor="ctr">
+                    <a:solidFill>
+                      <a:schemeClr val="bg1"/>
+                    </a:solidFill>
+                  </a:tcPr>
+                </a:tc>
+                <a:tc>
+                  <a:txBody>
+                    <a:bodyPr/>
+                    <a:lstStyle/>
+                    <a:p>
+                      <a:pPr algn="ctr" fontAlgn="ctr"/>
+                      <a:r>
+                        <a:rPr lang="pl-PL" sz="1400" b="0" i="0" u="none" strike="noStrike" dirty="0">
+                          <a:solidFill>
+                            <a:srgbClr val="000000"/>
+                          </a:solidFill>
+                          <a:effectLst/>
+                          <a:latin typeface="Calibri" panose="020F0502020204030204" pitchFamily="34" charset="0"/>
+                        </a:rPr>
+                        <a:t>Informatyka, studia niestacjonarne drugiego stopnia, </a:t>
+                      </a:r>
+                      <a:br>
+                        <a:rPr lang="pl-PL" sz="1400" b="0" i="0" u="none" strike="noStrike" dirty="0">
+                          <a:solidFill>
+                            <a:srgbClr val="000000"/>
+                          </a:solidFill>
+                          <a:effectLst/>
+                          <a:latin typeface="Calibri" panose="020F0502020204030204" pitchFamily="34" charset="0"/>
+                        </a:rPr>
+                      </a:br>
+                      <a:r>
+                        <a:rPr lang="pl-PL" sz="1400" b="0" i="0" u="none" strike="noStrike" dirty="0">
+                          <a:solidFill>
+                            <a:srgbClr val="000000"/>
+                          </a:solidFill>
+                          <a:effectLst/>
+                          <a:latin typeface="Calibri" panose="020F0502020204030204" pitchFamily="34" charset="0"/>
+                        </a:rPr>
+                        <a:t>4-semestralne, profil ogólnoakademicki</a:t>
+                      </a:r>
+                    </a:p>
+                  </a:txBody>
+                  <a:tcPr marL="7620" marR="7620" marT="7620" marB="0" anchor="ctr">
+                    <a:solidFill>
+                      <a:schemeClr val="bg1"/>
+                    </a:solidFill>
+                  </a:tcPr>
+                </a:tc>
+                <a:tc>
+                  <a:txBody>
+                    <a:bodyPr/>
+                    <a:lstStyle/>
+                    <a:p>
+                      <a:pPr algn="ctr" fontAlgn="ctr"/>
+                      <a:r>
+                        <a:rPr lang="pl-PL" sz="1400" b="0" i="0" u="none" strike="noStrike">
+                          <a:solidFill>
+                            <a:srgbClr val="000000"/>
+                          </a:solidFill>
+                          <a:effectLst/>
+                          <a:latin typeface="Calibri" panose="020F0502020204030204" pitchFamily="34" charset="0"/>
+                        </a:rPr>
+                        <a:t>9619</a:t>
+                      </a:r>
+                    </a:p>
+                  </a:txBody>
+                  <a:tcPr marL="7620" marR="7620" marT="7620" marB="0" anchor="ctr">
+                    <a:solidFill>
+                      <a:schemeClr val="bg1"/>
+                    </a:solidFill>
+                  </a:tcPr>
+                </a:tc>
+                <a:extLst>
+                  <a:ext uri="{0D108BD9-81ED-4DB2-BD59-A6C34878D82A}">
+                    <a16:rowId xmlns:a16="http://schemas.microsoft.com/office/drawing/2014/main" val="503069968"/>
+                  </a:ext>
+                </a:extLst>
+              </a:tr>
+              <a:tr h="527743">
+                <a:tc>
+                  <a:txBody>
+                    <a:bodyPr/>
+                    <a:lstStyle/>
+                    <a:p>
+                      <a:pPr algn="ctr" fontAlgn="ctr"/>
+                      <a:r>
+                        <a:rPr lang="pl-PL" sz="1400" b="1" i="0" u="none" strike="noStrike">
+                          <a:solidFill>
+                            <a:srgbClr val="000000"/>
+                          </a:solidFill>
+                          <a:effectLst/>
+                          <a:latin typeface="Calibri" panose="020F0502020204030204" pitchFamily="34" charset="0"/>
+                        </a:rPr>
+                        <a:t>10</a:t>
+                      </a:r>
+                    </a:p>
+                  </a:txBody>
+                  <a:tcPr marL="7620" marR="7620" marT="7620" marB="0" anchor="ctr">
+                    <a:solidFill>
+                      <a:schemeClr val="accent5">
+                        <a:lumMod val="20000"/>
+                        <a:lumOff val="80000"/>
+                      </a:schemeClr>
+                    </a:solidFill>
+                  </a:tcPr>
+                </a:tc>
+                <a:tc>
+                  <a:txBody>
+                    <a:bodyPr/>
+                    <a:lstStyle/>
+                    <a:p>
+                      <a:pPr algn="ctr" fontAlgn="ctr"/>
+                      <a:r>
+                        <a:rPr lang="pl-PL" sz="1400" b="0" i="0" u="none" strike="noStrike">
+                          <a:solidFill>
+                            <a:srgbClr val="000000"/>
+                          </a:solidFill>
+                          <a:effectLst/>
+                          <a:latin typeface="Calibri" panose="020F0502020204030204" pitchFamily="34" charset="0"/>
+                        </a:rPr>
+                        <a:t>Lubelskie</a:t>
+                      </a:r>
+                    </a:p>
+                  </a:txBody>
+                  <a:tcPr marL="7620" marR="7620" marT="7620" marB="0" anchor="ctr">
+                    <a:solidFill>
+                      <a:schemeClr val="bg1"/>
+                    </a:solidFill>
+                  </a:tcPr>
+                </a:tc>
+                <a:tc>
+                  <a:txBody>
+                    <a:bodyPr/>
+                    <a:lstStyle/>
+                    <a:p>
+                      <a:pPr algn="ctr" fontAlgn="ctr"/>
+                      <a:r>
+                        <a:rPr lang="pl-PL" sz="1400" b="0" i="0" u="none" strike="noStrike" dirty="0">
+                          <a:solidFill>
+                            <a:srgbClr val="000000"/>
+                          </a:solidFill>
+                          <a:effectLst/>
+                          <a:latin typeface="Calibri" panose="020F0502020204030204" pitchFamily="34" charset="0"/>
+                        </a:rPr>
+                        <a:t>Uniwersytet Medyczny </a:t>
+                      </a:r>
+                      <a:br>
+                        <a:rPr lang="pl-PL" sz="1400" b="0" i="0" u="none" strike="noStrike" dirty="0">
+                          <a:solidFill>
+                            <a:srgbClr val="000000"/>
+                          </a:solidFill>
+                          <a:effectLst/>
+                          <a:latin typeface="Calibri" panose="020F0502020204030204" pitchFamily="34" charset="0"/>
+                        </a:rPr>
+                      </a:br>
+                      <a:r>
+                        <a:rPr lang="pl-PL" sz="1400" b="0" i="0" u="none" strike="noStrike" dirty="0">
+                          <a:solidFill>
+                            <a:srgbClr val="000000"/>
+                          </a:solidFill>
+                          <a:effectLst/>
+                          <a:latin typeface="Calibri" panose="020F0502020204030204" pitchFamily="34" charset="0"/>
+                        </a:rPr>
+                        <a:t>w Lublinie</a:t>
+                      </a:r>
+                    </a:p>
+                  </a:txBody>
+                  <a:tcPr marL="7620" marR="7620" marT="7620" marB="0" anchor="ctr">
+                    <a:solidFill>
+                      <a:schemeClr val="bg1"/>
+                    </a:solidFill>
+                  </a:tcPr>
+                </a:tc>
+                <a:tc>
+                  <a:txBody>
+                    <a:bodyPr/>
+                    <a:lstStyle/>
+                    <a:p>
+                      <a:pPr algn="ctr" fontAlgn="ctr"/>
+                      <a:r>
+                        <a:rPr lang="pl-PL" sz="1400" b="0" i="0" u="none" strike="noStrike" dirty="0">
+                          <a:solidFill>
+                            <a:srgbClr val="000000"/>
+                          </a:solidFill>
+                          <a:effectLst/>
+                          <a:latin typeface="Calibri" panose="020F0502020204030204" pitchFamily="34" charset="0"/>
+                        </a:rPr>
+                        <a:t>Kierunek lekarski, niestacjonarne jednolite studia magisterskie, </a:t>
+                      </a:r>
+                      <a:br>
+                        <a:rPr lang="pl-PL" sz="1400" b="0" i="0" u="none" strike="noStrike" dirty="0">
+                          <a:solidFill>
+                            <a:srgbClr val="000000"/>
+                          </a:solidFill>
+                          <a:effectLst/>
+                          <a:latin typeface="Calibri" panose="020F0502020204030204" pitchFamily="34" charset="0"/>
+                        </a:rPr>
+                      </a:br>
+                      <a:r>
+                        <a:rPr lang="pl-PL" sz="1400" b="0" i="0" u="none" strike="noStrike" dirty="0">
+                          <a:solidFill>
+                            <a:srgbClr val="000000"/>
+                          </a:solidFill>
+                          <a:effectLst/>
+                          <a:latin typeface="Calibri" panose="020F0502020204030204" pitchFamily="34" charset="0"/>
+                        </a:rPr>
+                        <a:t>12-semestralne, profil nieokreślony</a:t>
+                      </a:r>
+                    </a:p>
+                  </a:txBody>
+                  <a:tcPr marL="7620" marR="7620" marT="7620" marB="0" anchor="ctr">
+                    <a:solidFill>
+                      <a:schemeClr val="bg1"/>
+                    </a:solidFill>
+                  </a:tcPr>
+                </a:tc>
+                <a:tc>
+                  <a:txBody>
+                    <a:bodyPr/>
+                    <a:lstStyle/>
+                    <a:p>
+                      <a:pPr algn="ctr" fontAlgn="ctr"/>
+                      <a:r>
+                        <a:rPr lang="pl-PL" sz="1400" b="0" i="0" u="none" strike="noStrike">
+                          <a:solidFill>
+                            <a:srgbClr val="000000"/>
+                          </a:solidFill>
+                          <a:effectLst/>
+                          <a:latin typeface="Calibri" panose="020F0502020204030204" pitchFamily="34" charset="0"/>
+                        </a:rPr>
+                        <a:t>9086</a:t>
+                      </a:r>
+                    </a:p>
+                  </a:txBody>
+                  <a:tcPr marL="7620" marR="7620" marT="7620" marB="0" anchor="ctr">
+                    <a:solidFill>
+                      <a:schemeClr val="bg1"/>
+                    </a:solidFill>
+                  </a:tcPr>
+                </a:tc>
+                <a:extLst>
+                  <a:ext uri="{0D108BD9-81ED-4DB2-BD59-A6C34878D82A}">
+                    <a16:rowId xmlns:a16="http://schemas.microsoft.com/office/drawing/2014/main" val="89075741"/>
+                  </a:ext>
+                </a:extLst>
+              </a:tr>
+              <a:tr h="527743">
+                <a:tc>
+                  <a:txBody>
+                    <a:bodyPr/>
+                    <a:lstStyle/>
+                    <a:p>
+                      <a:pPr algn="ctr" fontAlgn="ctr"/>
+                      <a:r>
+                        <a:rPr lang="pl-PL" sz="1400" b="1" i="0" u="none" strike="noStrike">
+                          <a:solidFill>
+                            <a:srgbClr val="000000"/>
+                          </a:solidFill>
+                          <a:effectLst/>
+                          <a:latin typeface="Calibri" panose="020F0502020204030204" pitchFamily="34" charset="0"/>
+                        </a:rPr>
+                        <a:t>11</a:t>
+                      </a:r>
+                    </a:p>
+                  </a:txBody>
+                  <a:tcPr marL="7620" marR="7620" marT="7620" marB="0" anchor="ctr">
+                    <a:solidFill>
+                      <a:schemeClr val="accent5">
+                        <a:lumMod val="20000"/>
+                        <a:lumOff val="80000"/>
+                      </a:schemeClr>
+                    </a:solidFill>
+                  </a:tcPr>
+                </a:tc>
+                <a:tc>
+                  <a:txBody>
+                    <a:bodyPr/>
+                    <a:lstStyle/>
+                    <a:p>
+                      <a:pPr algn="ctr" fontAlgn="ctr"/>
+                      <a:r>
+                        <a:rPr lang="pl-PL" sz="1400" b="0" i="0" u="none" strike="noStrike">
+                          <a:solidFill>
+                            <a:srgbClr val="000000"/>
+                          </a:solidFill>
+                          <a:effectLst/>
+                          <a:latin typeface="Calibri" panose="020F0502020204030204" pitchFamily="34" charset="0"/>
+                        </a:rPr>
+                        <a:t>Kujawsko-Pomorskie</a:t>
+                      </a:r>
+                    </a:p>
+                  </a:txBody>
+                  <a:tcPr marL="7620" marR="7620" marT="7620" marB="0" anchor="ctr">
+                    <a:solidFill>
+                      <a:schemeClr val="bg1"/>
+                    </a:solidFill>
+                  </a:tcPr>
+                </a:tc>
+                <a:tc>
+                  <a:txBody>
+                    <a:bodyPr/>
+                    <a:lstStyle/>
+                    <a:p>
+                      <a:pPr algn="ctr" fontAlgn="ctr"/>
+                      <a:r>
+                        <a:rPr lang="pl-PL" sz="1400" b="0" i="0" u="none" strike="noStrike">
+                          <a:solidFill>
+                            <a:srgbClr val="000000"/>
+                          </a:solidFill>
+                          <a:effectLst/>
+                          <a:latin typeface="Calibri" panose="020F0502020204030204" pitchFamily="34" charset="0"/>
+                        </a:rPr>
+                        <a:t>Uniwersytet Mikołaja Kopernika w Toruniu</a:t>
+                      </a:r>
+                    </a:p>
+                  </a:txBody>
+                  <a:tcPr marL="7620" marR="7620" marT="7620" marB="0" anchor="ctr">
+                    <a:solidFill>
+                      <a:schemeClr val="bg1"/>
+                    </a:solidFill>
+                  </a:tcPr>
+                </a:tc>
+                <a:tc>
+                  <a:txBody>
+                    <a:bodyPr/>
+                    <a:lstStyle/>
+                    <a:p>
+                      <a:pPr algn="ctr" fontAlgn="ctr"/>
+                      <a:r>
+                        <a:rPr lang="pl-PL" sz="1400" b="0" i="0" u="none" strike="noStrike" dirty="0">
+                          <a:solidFill>
+                            <a:srgbClr val="000000"/>
+                          </a:solidFill>
+                          <a:effectLst/>
+                          <a:latin typeface="Calibri" panose="020F0502020204030204" pitchFamily="34" charset="0"/>
+                        </a:rPr>
+                        <a:t>Kierunek lekarski, stacjonarne jednolite studia magisterskie, </a:t>
+                      </a:r>
+                      <a:br>
+                        <a:rPr lang="pl-PL" sz="1400" b="0" i="0" u="none" strike="noStrike" dirty="0">
+                          <a:solidFill>
+                            <a:srgbClr val="000000"/>
+                          </a:solidFill>
+                          <a:effectLst/>
+                          <a:latin typeface="Calibri" panose="020F0502020204030204" pitchFamily="34" charset="0"/>
+                        </a:rPr>
+                      </a:br>
+                      <a:r>
+                        <a:rPr lang="pl-PL" sz="1400" b="0" i="0" u="none" strike="noStrike" dirty="0">
+                          <a:solidFill>
+                            <a:srgbClr val="000000"/>
+                          </a:solidFill>
+                          <a:effectLst/>
+                          <a:latin typeface="Calibri" panose="020F0502020204030204" pitchFamily="34" charset="0"/>
+                        </a:rPr>
+                        <a:t>10-semestralne, profil praktyczny</a:t>
+                      </a:r>
+                    </a:p>
+                  </a:txBody>
+                  <a:tcPr marL="7620" marR="7620" marT="7620" marB="0" anchor="ctr">
+                    <a:solidFill>
+                      <a:schemeClr val="bg1"/>
+                    </a:solidFill>
+                  </a:tcPr>
+                </a:tc>
+                <a:tc>
+                  <a:txBody>
+                    <a:bodyPr/>
+                    <a:lstStyle/>
+                    <a:p>
+                      <a:pPr algn="ctr" fontAlgn="ctr"/>
+                      <a:r>
+                        <a:rPr lang="pl-PL" sz="1400" b="0" i="0" u="none" strike="noStrike">
+                          <a:solidFill>
+                            <a:srgbClr val="000000"/>
+                          </a:solidFill>
+                          <a:effectLst/>
+                          <a:latin typeface="Calibri" panose="020F0502020204030204" pitchFamily="34" charset="0"/>
+                        </a:rPr>
+                        <a:t>9033</a:t>
+                      </a:r>
+                    </a:p>
+                  </a:txBody>
+                  <a:tcPr marL="7620" marR="7620" marT="7620" marB="0" anchor="ctr">
+                    <a:solidFill>
+                      <a:schemeClr val="bg1"/>
+                    </a:solidFill>
+                  </a:tcPr>
+                </a:tc>
+                <a:extLst>
+                  <a:ext uri="{0D108BD9-81ED-4DB2-BD59-A6C34878D82A}">
+                    <a16:rowId xmlns:a16="http://schemas.microsoft.com/office/drawing/2014/main" val="3364037457"/>
+                  </a:ext>
+                </a:extLst>
+              </a:tr>
+              <a:tr h="527743">
+                <a:tc>
+                  <a:txBody>
+                    <a:bodyPr/>
+                    <a:lstStyle/>
+                    <a:p>
+                      <a:pPr algn="ctr" fontAlgn="ctr"/>
+                      <a:r>
+                        <a:rPr lang="pl-PL" sz="1400" b="1" i="0" u="none" strike="noStrike">
+                          <a:solidFill>
+                            <a:srgbClr val="000000"/>
+                          </a:solidFill>
+                          <a:effectLst/>
+                          <a:latin typeface="Calibri" panose="020F0502020204030204" pitchFamily="34" charset="0"/>
+                        </a:rPr>
+                        <a:t>12</a:t>
+                      </a:r>
+                    </a:p>
+                  </a:txBody>
+                  <a:tcPr marL="7620" marR="7620" marT="7620" marB="0" anchor="ctr">
+                    <a:solidFill>
+                      <a:schemeClr val="accent5">
+                        <a:lumMod val="20000"/>
+                        <a:lumOff val="80000"/>
+                      </a:schemeClr>
+                    </a:solidFill>
+                  </a:tcPr>
+                </a:tc>
+                <a:tc>
+                  <a:txBody>
+                    <a:bodyPr/>
+                    <a:lstStyle/>
+                    <a:p>
+                      <a:pPr algn="ctr" fontAlgn="ctr"/>
+                      <a:r>
+                        <a:rPr lang="pl-PL" sz="1400" b="0" i="0" u="none" strike="noStrike" dirty="0">
+                          <a:solidFill>
+                            <a:srgbClr val="000000"/>
+                          </a:solidFill>
+                          <a:effectLst/>
+                          <a:latin typeface="Calibri" panose="020F0502020204030204" pitchFamily="34" charset="0"/>
+                        </a:rPr>
+                        <a:t>Zachodniopomorskie</a:t>
+                      </a:r>
+                    </a:p>
+                  </a:txBody>
+                  <a:tcPr marL="7620" marR="7620" marT="7620" marB="0" anchor="ctr">
+                    <a:solidFill>
+                      <a:schemeClr val="bg1"/>
+                    </a:solidFill>
+                  </a:tcPr>
+                </a:tc>
+                <a:tc>
+                  <a:txBody>
+                    <a:bodyPr/>
+                    <a:lstStyle/>
+                    <a:p>
+                      <a:pPr algn="ctr" fontAlgn="ctr"/>
+                      <a:r>
+                        <a:rPr lang="pl-PL" sz="1400" b="0" i="0" u="none" strike="noStrike">
+                          <a:solidFill>
+                            <a:srgbClr val="000000"/>
+                          </a:solidFill>
+                          <a:effectLst/>
+                          <a:latin typeface="Calibri" panose="020F0502020204030204" pitchFamily="34" charset="0"/>
+                        </a:rPr>
+                        <a:t>Pomorski Uniwersytet Medyczny w Szczecinie</a:t>
+                      </a:r>
+                    </a:p>
+                  </a:txBody>
+                  <a:tcPr marL="7620" marR="7620" marT="7620" marB="0" anchor="ctr">
+                    <a:solidFill>
+                      <a:schemeClr val="bg1"/>
+                    </a:solidFill>
+                  </a:tcPr>
+                </a:tc>
+                <a:tc>
+                  <a:txBody>
+                    <a:bodyPr/>
+                    <a:lstStyle/>
+                    <a:p>
+                      <a:pPr algn="ctr" fontAlgn="ctr"/>
+                      <a:r>
+                        <a:rPr lang="pl-PL" sz="1400" b="0" i="0" u="none" strike="noStrike" dirty="0">
+                          <a:solidFill>
+                            <a:srgbClr val="000000"/>
+                          </a:solidFill>
+                          <a:effectLst/>
+                          <a:latin typeface="Calibri" panose="020F0502020204030204" pitchFamily="34" charset="0"/>
+                        </a:rPr>
+                        <a:t>Kierunek lekarski, stacjonarne jednolite studia magisterskie, </a:t>
+                      </a:r>
+                      <a:br>
+                        <a:rPr lang="pl-PL" sz="1400" b="0" i="0" u="none" strike="noStrike" dirty="0">
+                          <a:solidFill>
+                            <a:srgbClr val="000000"/>
+                          </a:solidFill>
+                          <a:effectLst/>
+                          <a:latin typeface="Calibri" panose="020F0502020204030204" pitchFamily="34" charset="0"/>
+                        </a:rPr>
+                      </a:br>
+                      <a:r>
+                        <a:rPr lang="pl-PL" sz="1400" b="0" i="0" u="none" strike="noStrike" dirty="0">
+                          <a:solidFill>
+                            <a:srgbClr val="000000"/>
+                          </a:solidFill>
+                          <a:effectLst/>
+                          <a:latin typeface="Calibri" panose="020F0502020204030204" pitchFamily="34" charset="0"/>
+                        </a:rPr>
+                        <a:t>10-semestralne, profil praktyczny</a:t>
+                      </a:r>
+                    </a:p>
+                  </a:txBody>
+                  <a:tcPr marL="7620" marR="7620" marT="7620" marB="0" anchor="ctr">
+                    <a:solidFill>
+                      <a:schemeClr val="bg1"/>
+                    </a:solidFill>
+                  </a:tcPr>
+                </a:tc>
+                <a:tc>
+                  <a:txBody>
+                    <a:bodyPr/>
+                    <a:lstStyle/>
+                    <a:p>
+                      <a:pPr algn="ctr" fontAlgn="ctr"/>
+                      <a:r>
+                        <a:rPr lang="pl-PL" sz="1400" b="0" i="0" u="none" strike="noStrike">
+                          <a:solidFill>
+                            <a:srgbClr val="000000"/>
+                          </a:solidFill>
+                          <a:effectLst/>
+                          <a:latin typeface="Calibri" panose="020F0502020204030204" pitchFamily="34" charset="0"/>
+                        </a:rPr>
+                        <a:t>9019</a:t>
+                      </a:r>
+                    </a:p>
+                  </a:txBody>
+                  <a:tcPr marL="7620" marR="7620" marT="7620" marB="0" anchor="ctr">
+                    <a:solidFill>
+                      <a:schemeClr val="bg1"/>
+                    </a:solidFill>
+                  </a:tcPr>
+                </a:tc>
+                <a:extLst>
+                  <a:ext uri="{0D108BD9-81ED-4DB2-BD59-A6C34878D82A}">
+                    <a16:rowId xmlns:a16="http://schemas.microsoft.com/office/drawing/2014/main" val="2138256372"/>
+                  </a:ext>
+                </a:extLst>
+              </a:tr>
+              <a:tr h="527743">
+                <a:tc>
+                  <a:txBody>
+                    <a:bodyPr/>
+                    <a:lstStyle/>
+                    <a:p>
+                      <a:pPr algn="ctr" fontAlgn="ctr"/>
+                      <a:r>
+                        <a:rPr lang="pl-PL" sz="1400" b="1" i="0" u="none" strike="noStrike">
+                          <a:solidFill>
+                            <a:srgbClr val="000000"/>
+                          </a:solidFill>
+                          <a:effectLst/>
+                          <a:latin typeface="Calibri" panose="020F0502020204030204" pitchFamily="34" charset="0"/>
+                        </a:rPr>
+                        <a:t>13</a:t>
+                      </a:r>
+                    </a:p>
+                  </a:txBody>
+                  <a:tcPr marL="7620" marR="7620" marT="7620" marB="0" anchor="ctr">
+                    <a:solidFill>
+                      <a:schemeClr val="accent5">
+                        <a:lumMod val="20000"/>
+                        <a:lumOff val="80000"/>
+                      </a:schemeClr>
+                    </a:solidFill>
+                  </a:tcPr>
+                </a:tc>
+                <a:tc>
+                  <a:txBody>
+                    <a:bodyPr/>
+                    <a:lstStyle/>
+                    <a:p>
+                      <a:pPr algn="ctr" fontAlgn="ctr"/>
+                      <a:r>
+                        <a:rPr lang="pl-PL" sz="1400" b="0" i="0" u="none" strike="noStrike">
+                          <a:solidFill>
+                            <a:srgbClr val="000000"/>
+                          </a:solidFill>
+                          <a:effectLst/>
+                          <a:latin typeface="Calibri" panose="020F0502020204030204" pitchFamily="34" charset="0"/>
+                        </a:rPr>
+                        <a:t>Podlaskie</a:t>
+                      </a:r>
+                    </a:p>
+                  </a:txBody>
+                  <a:tcPr marL="7620" marR="7620" marT="7620" marB="0" anchor="ctr">
+                    <a:solidFill>
+                      <a:schemeClr val="bg1"/>
+                    </a:solidFill>
+                  </a:tcPr>
+                </a:tc>
+                <a:tc>
+                  <a:txBody>
+                    <a:bodyPr/>
+                    <a:lstStyle/>
+                    <a:p>
+                      <a:pPr algn="ctr" fontAlgn="ctr"/>
+                      <a:r>
+                        <a:rPr lang="pl-PL" sz="1400" b="0" i="0" u="none" strike="noStrike" dirty="0">
+                          <a:solidFill>
+                            <a:srgbClr val="000000"/>
+                          </a:solidFill>
+                          <a:effectLst/>
+                          <a:latin typeface="Calibri" panose="020F0502020204030204" pitchFamily="34" charset="0"/>
+                        </a:rPr>
+                        <a:t>Uniwersytet Medyczny </a:t>
+                      </a:r>
+                      <a:br>
+                        <a:rPr lang="pl-PL" sz="1400" b="0" i="0" u="none" strike="noStrike" dirty="0">
+                          <a:solidFill>
+                            <a:srgbClr val="000000"/>
+                          </a:solidFill>
+                          <a:effectLst/>
+                          <a:latin typeface="Calibri" panose="020F0502020204030204" pitchFamily="34" charset="0"/>
+                        </a:rPr>
+                      </a:br>
+                      <a:r>
+                        <a:rPr lang="pl-PL" sz="1400" b="0" i="0" u="none" strike="noStrike" dirty="0">
+                          <a:solidFill>
+                            <a:srgbClr val="000000"/>
+                          </a:solidFill>
+                          <a:effectLst/>
+                          <a:latin typeface="Calibri" panose="020F0502020204030204" pitchFamily="34" charset="0"/>
+                        </a:rPr>
+                        <a:t>w Białymstoku</a:t>
+                      </a:r>
+                    </a:p>
+                  </a:txBody>
+                  <a:tcPr marL="7620" marR="7620" marT="7620" marB="0" anchor="ctr">
+                    <a:solidFill>
+                      <a:schemeClr val="bg1"/>
+                    </a:solidFill>
+                  </a:tcPr>
+                </a:tc>
+                <a:tc>
+                  <a:txBody>
+                    <a:bodyPr/>
+                    <a:lstStyle/>
+                    <a:p>
+                      <a:pPr algn="ctr" fontAlgn="ctr"/>
+                      <a:r>
+                        <a:rPr lang="pl-PL" sz="1400" b="0" i="0" u="none" strike="noStrike" dirty="0">
+                          <a:solidFill>
+                            <a:srgbClr val="000000"/>
+                          </a:solidFill>
+                          <a:effectLst/>
+                          <a:latin typeface="Calibri" panose="020F0502020204030204" pitchFamily="34" charset="0"/>
+                        </a:rPr>
+                        <a:t>Kierunek lekarski, stacjonarne jednolite studia magisterskie, </a:t>
+                      </a:r>
+                      <a:br>
+                        <a:rPr lang="pl-PL" sz="1400" b="0" i="0" u="none" strike="noStrike" dirty="0">
+                          <a:solidFill>
+                            <a:srgbClr val="000000"/>
+                          </a:solidFill>
+                          <a:effectLst/>
+                          <a:latin typeface="Calibri" panose="020F0502020204030204" pitchFamily="34" charset="0"/>
+                        </a:rPr>
+                      </a:br>
+                      <a:r>
+                        <a:rPr lang="pl-PL" sz="1400" b="0" i="0" u="none" strike="noStrike" dirty="0">
+                          <a:solidFill>
+                            <a:srgbClr val="000000"/>
+                          </a:solidFill>
+                          <a:effectLst/>
+                          <a:latin typeface="Calibri" panose="020F0502020204030204" pitchFamily="34" charset="0"/>
+                        </a:rPr>
+                        <a:t>10-semestralne, profil praktyczny</a:t>
+                      </a:r>
+                    </a:p>
+                  </a:txBody>
+                  <a:tcPr marL="7620" marR="7620" marT="7620" marB="0" anchor="ctr">
+                    <a:solidFill>
+                      <a:schemeClr val="bg1"/>
+                    </a:solidFill>
+                  </a:tcPr>
+                </a:tc>
+                <a:tc>
+                  <a:txBody>
+                    <a:bodyPr/>
+                    <a:lstStyle/>
+                    <a:p>
+                      <a:pPr algn="ctr" fontAlgn="ctr"/>
+                      <a:r>
+                        <a:rPr lang="pl-PL" sz="1400" b="0" i="0" u="none" strike="noStrike">
+                          <a:solidFill>
+                            <a:srgbClr val="000000"/>
+                          </a:solidFill>
+                          <a:effectLst/>
+                          <a:latin typeface="Calibri" panose="020F0502020204030204" pitchFamily="34" charset="0"/>
+                        </a:rPr>
+                        <a:t>8871</a:t>
+                      </a:r>
+                    </a:p>
+                  </a:txBody>
+                  <a:tcPr marL="7620" marR="7620" marT="7620" marB="0" anchor="ctr">
+                    <a:solidFill>
+                      <a:schemeClr val="bg1"/>
+                    </a:solidFill>
+                  </a:tcPr>
+                </a:tc>
+                <a:extLst>
+                  <a:ext uri="{0D108BD9-81ED-4DB2-BD59-A6C34878D82A}">
+                    <a16:rowId xmlns:a16="http://schemas.microsoft.com/office/drawing/2014/main" val="2586894593"/>
+                  </a:ext>
+                </a:extLst>
+              </a:tr>
+              <a:tr h="527743">
+                <a:tc>
+                  <a:txBody>
+                    <a:bodyPr/>
+                    <a:lstStyle/>
+                    <a:p>
+                      <a:pPr algn="ctr" fontAlgn="ctr"/>
+                      <a:r>
+                        <a:rPr lang="pl-PL" sz="1400" b="1" i="0" u="none" strike="noStrike">
+                          <a:solidFill>
+                            <a:srgbClr val="000000"/>
+                          </a:solidFill>
+                          <a:effectLst/>
+                          <a:latin typeface="Calibri" panose="020F0502020204030204" pitchFamily="34" charset="0"/>
+                        </a:rPr>
+                        <a:t>14</a:t>
+                      </a:r>
+                    </a:p>
+                  </a:txBody>
+                  <a:tcPr marL="7620" marR="7620" marT="7620" marB="0" anchor="ctr">
+                    <a:solidFill>
+                      <a:schemeClr val="accent5">
+                        <a:lumMod val="20000"/>
+                        <a:lumOff val="80000"/>
+                      </a:schemeClr>
+                    </a:solidFill>
+                  </a:tcPr>
+                </a:tc>
+                <a:tc>
+                  <a:txBody>
+                    <a:bodyPr/>
+                    <a:lstStyle/>
+                    <a:p>
+                      <a:pPr algn="ctr" fontAlgn="ctr"/>
+                      <a:r>
+                        <a:rPr lang="pl-PL" sz="1400" b="0" i="0" u="none" strike="noStrike">
+                          <a:solidFill>
+                            <a:srgbClr val="000000"/>
+                          </a:solidFill>
+                          <a:effectLst/>
+                          <a:latin typeface="Calibri" panose="020F0502020204030204" pitchFamily="34" charset="0"/>
+                        </a:rPr>
+                        <a:t>Opolskie</a:t>
+                      </a:r>
+                    </a:p>
+                  </a:txBody>
+                  <a:tcPr marL="7620" marR="7620" marT="7620" marB="0" anchor="ctr">
+                    <a:solidFill>
+                      <a:schemeClr val="bg1"/>
+                    </a:solidFill>
+                  </a:tcPr>
+                </a:tc>
+                <a:tc>
+                  <a:txBody>
+                    <a:bodyPr/>
+                    <a:lstStyle/>
+                    <a:p>
+                      <a:pPr algn="ctr" fontAlgn="ctr"/>
+                      <a:r>
+                        <a:rPr lang="pl-PL" sz="1400" b="0" i="0" u="none" strike="noStrike">
+                          <a:solidFill>
+                            <a:srgbClr val="000000"/>
+                          </a:solidFill>
+                          <a:effectLst/>
+                          <a:latin typeface="Calibri" panose="020F0502020204030204" pitchFamily="34" charset="0"/>
+                        </a:rPr>
+                        <a:t>Politechnika Opolska</a:t>
+                      </a:r>
+                    </a:p>
+                  </a:txBody>
+                  <a:tcPr marL="7620" marR="7620" marT="7620" marB="0" anchor="ctr">
+                    <a:solidFill>
+                      <a:schemeClr val="bg1"/>
+                    </a:solidFill>
+                  </a:tcPr>
+                </a:tc>
+                <a:tc>
+                  <a:txBody>
+                    <a:bodyPr/>
+                    <a:lstStyle/>
+                    <a:p>
+                      <a:pPr algn="ctr" fontAlgn="ctr"/>
+                      <a:r>
+                        <a:rPr lang="pl-PL" sz="1400" b="0" i="0" u="none" strike="noStrike" dirty="0">
+                          <a:solidFill>
+                            <a:srgbClr val="000000"/>
+                          </a:solidFill>
+                          <a:effectLst/>
+                          <a:latin typeface="Calibri" panose="020F0502020204030204" pitchFamily="34" charset="0"/>
+                        </a:rPr>
+                        <a:t>Elektrotechnika, studia niestacjonarne drugiego stopnia, </a:t>
+                      </a:r>
+                      <a:br>
+                        <a:rPr lang="pl-PL" sz="1400" b="0" i="0" u="none" strike="noStrike" dirty="0">
+                          <a:solidFill>
+                            <a:srgbClr val="000000"/>
+                          </a:solidFill>
+                          <a:effectLst/>
+                          <a:latin typeface="Calibri" panose="020F0502020204030204" pitchFamily="34" charset="0"/>
+                        </a:rPr>
+                      </a:br>
+                      <a:r>
+                        <a:rPr lang="pl-PL" sz="1400" b="0" i="0" u="none" strike="noStrike" dirty="0">
+                          <a:solidFill>
+                            <a:srgbClr val="000000"/>
+                          </a:solidFill>
+                          <a:effectLst/>
+                          <a:latin typeface="Calibri" panose="020F0502020204030204" pitchFamily="34" charset="0"/>
+                        </a:rPr>
+                        <a:t>4-semestralne, profil ogólnoakademicki</a:t>
+                      </a:r>
+                    </a:p>
+                  </a:txBody>
+                  <a:tcPr marL="7620" marR="7620" marT="7620" marB="0" anchor="ctr">
+                    <a:solidFill>
+                      <a:schemeClr val="bg1"/>
+                    </a:solidFill>
+                  </a:tcPr>
+                </a:tc>
+                <a:tc>
+                  <a:txBody>
+                    <a:bodyPr/>
+                    <a:lstStyle/>
+                    <a:p>
+                      <a:pPr algn="ctr" fontAlgn="ctr"/>
+                      <a:r>
+                        <a:rPr lang="pl-PL" sz="1400" b="0" i="0" u="none" strike="noStrike">
+                          <a:solidFill>
+                            <a:srgbClr val="000000"/>
+                          </a:solidFill>
+                          <a:effectLst/>
+                          <a:latin typeface="Calibri" panose="020F0502020204030204" pitchFamily="34" charset="0"/>
+                        </a:rPr>
+                        <a:t>8722</a:t>
+                      </a:r>
+                    </a:p>
+                  </a:txBody>
+                  <a:tcPr marL="7620" marR="7620" marT="7620" marB="0" anchor="ctr">
+                    <a:solidFill>
+                      <a:schemeClr val="bg1"/>
+                    </a:solidFill>
+                  </a:tcPr>
+                </a:tc>
+                <a:extLst>
+                  <a:ext uri="{0D108BD9-81ED-4DB2-BD59-A6C34878D82A}">
+                    <a16:rowId xmlns:a16="http://schemas.microsoft.com/office/drawing/2014/main" val="3991298982"/>
+                  </a:ext>
+                </a:extLst>
+              </a:tr>
+              <a:tr h="527743">
+                <a:tc>
+                  <a:txBody>
+                    <a:bodyPr/>
+                    <a:lstStyle/>
+                    <a:p>
+                      <a:pPr algn="ctr" fontAlgn="ctr"/>
+                      <a:r>
+                        <a:rPr lang="pl-PL" sz="1400" b="1" i="0" u="none" strike="noStrike">
+                          <a:solidFill>
+                            <a:srgbClr val="000000"/>
+                          </a:solidFill>
+                          <a:effectLst/>
+                          <a:latin typeface="Calibri" panose="020F0502020204030204" pitchFamily="34" charset="0"/>
+                        </a:rPr>
+                        <a:t>15</a:t>
+                      </a:r>
+                    </a:p>
+                  </a:txBody>
+                  <a:tcPr marL="7620" marR="7620" marT="7620" marB="0" anchor="ctr">
+                    <a:solidFill>
+                      <a:schemeClr val="accent5">
+                        <a:lumMod val="20000"/>
+                        <a:lumOff val="80000"/>
+                      </a:schemeClr>
+                    </a:solidFill>
+                  </a:tcPr>
+                </a:tc>
+                <a:tc>
+                  <a:txBody>
+                    <a:bodyPr/>
+                    <a:lstStyle/>
+                    <a:p>
+                      <a:pPr algn="ctr" fontAlgn="ctr"/>
+                      <a:r>
+                        <a:rPr lang="pl-PL" sz="1400" b="0" i="0" u="none" strike="noStrike">
+                          <a:solidFill>
+                            <a:srgbClr val="000000"/>
+                          </a:solidFill>
+                          <a:effectLst/>
+                          <a:latin typeface="Calibri" panose="020F0502020204030204" pitchFamily="34" charset="0"/>
+                        </a:rPr>
+                        <a:t>Podkarpackie</a:t>
+                      </a:r>
+                    </a:p>
+                  </a:txBody>
+                  <a:tcPr marL="7620" marR="7620" marT="7620" marB="0" anchor="ctr">
+                    <a:solidFill>
+                      <a:schemeClr val="bg1"/>
+                    </a:solidFill>
+                  </a:tcPr>
+                </a:tc>
+                <a:tc>
+                  <a:txBody>
+                    <a:bodyPr/>
+                    <a:lstStyle/>
+                    <a:p>
+                      <a:pPr algn="ctr" fontAlgn="ctr"/>
+                      <a:r>
+                        <a:rPr lang="pl-PL" sz="1400" b="0" i="0" u="none" strike="noStrike">
+                          <a:solidFill>
+                            <a:srgbClr val="000000"/>
+                          </a:solidFill>
+                          <a:effectLst/>
+                          <a:latin typeface="Calibri" panose="020F0502020204030204" pitchFamily="34" charset="0"/>
+                        </a:rPr>
+                        <a:t>Politechnika Rzeszowska im. Ignacego Łukasiewicza</a:t>
+                      </a:r>
+                    </a:p>
+                  </a:txBody>
+                  <a:tcPr marL="7620" marR="7620" marT="7620" marB="0" anchor="ctr">
+                    <a:solidFill>
+                      <a:schemeClr val="bg1"/>
+                    </a:solidFill>
+                  </a:tcPr>
+                </a:tc>
+                <a:tc>
+                  <a:txBody>
+                    <a:bodyPr/>
+                    <a:lstStyle/>
+                    <a:p>
+                      <a:pPr algn="ctr" fontAlgn="ctr"/>
+                      <a:r>
+                        <a:rPr lang="pl-PL" sz="1400" b="0" i="0" u="none" strike="noStrike" dirty="0">
+                          <a:solidFill>
+                            <a:srgbClr val="000000"/>
+                          </a:solidFill>
+                          <a:effectLst/>
+                          <a:latin typeface="Calibri" panose="020F0502020204030204" pitchFamily="34" charset="0"/>
+                        </a:rPr>
+                        <a:t>Lotnictwo i Kosmonautyka, studia stacjonarne drugiego stopnia, </a:t>
+                      </a:r>
+                      <a:br>
+                        <a:rPr lang="pl-PL" sz="1400" b="0" i="0" u="none" strike="noStrike" dirty="0">
+                          <a:solidFill>
+                            <a:srgbClr val="000000"/>
+                          </a:solidFill>
+                          <a:effectLst/>
+                          <a:latin typeface="Calibri" panose="020F0502020204030204" pitchFamily="34" charset="0"/>
+                        </a:rPr>
+                      </a:br>
+                      <a:r>
+                        <a:rPr lang="pl-PL" sz="1400" b="0" i="0" u="none" strike="noStrike" dirty="0">
+                          <a:solidFill>
+                            <a:srgbClr val="000000"/>
+                          </a:solidFill>
+                          <a:effectLst/>
+                          <a:latin typeface="Calibri" panose="020F0502020204030204" pitchFamily="34" charset="0"/>
+                        </a:rPr>
+                        <a:t>3-semestralne, profil ogólnoakademicki</a:t>
+                      </a:r>
+                    </a:p>
+                  </a:txBody>
+                  <a:tcPr marL="7620" marR="7620" marT="7620" marB="0" anchor="ctr">
+                    <a:solidFill>
+                      <a:schemeClr val="bg1"/>
+                    </a:solidFill>
+                  </a:tcPr>
+                </a:tc>
+                <a:tc>
+                  <a:txBody>
+                    <a:bodyPr/>
+                    <a:lstStyle/>
+                    <a:p>
+                      <a:pPr algn="ctr" fontAlgn="ctr"/>
+                      <a:r>
+                        <a:rPr lang="pl-PL" sz="1400" b="0" i="0" u="none" strike="noStrike">
+                          <a:solidFill>
+                            <a:srgbClr val="000000"/>
+                          </a:solidFill>
+                          <a:effectLst/>
+                          <a:latin typeface="Calibri" panose="020F0502020204030204" pitchFamily="34" charset="0"/>
+                        </a:rPr>
+                        <a:t>6612</a:t>
+                      </a:r>
+                    </a:p>
+                  </a:txBody>
+                  <a:tcPr marL="7620" marR="7620" marT="7620" marB="0" anchor="ctr">
+                    <a:solidFill>
+                      <a:schemeClr val="bg1"/>
+                    </a:solidFill>
+                  </a:tcPr>
+                </a:tc>
+                <a:extLst>
+                  <a:ext uri="{0D108BD9-81ED-4DB2-BD59-A6C34878D82A}">
+                    <a16:rowId xmlns:a16="http://schemas.microsoft.com/office/drawing/2014/main" val="559506221"/>
+                  </a:ext>
+                </a:extLst>
+              </a:tr>
+              <a:tr h="527743">
+                <a:tc>
+                  <a:txBody>
+                    <a:bodyPr/>
+                    <a:lstStyle/>
+                    <a:p>
+                      <a:pPr algn="ctr" fontAlgn="ctr"/>
+                      <a:r>
+                        <a:rPr lang="pl-PL" sz="1400" b="1" i="0" u="none" strike="noStrike" dirty="0">
+                          <a:solidFill>
+                            <a:srgbClr val="000000"/>
+                          </a:solidFill>
+                          <a:effectLst/>
+                          <a:latin typeface="Calibri" panose="020F0502020204030204" pitchFamily="34" charset="0"/>
+                        </a:rPr>
+                        <a:t>16</a:t>
+                      </a:r>
+                    </a:p>
+                  </a:txBody>
+                  <a:tcPr marL="7620" marR="7620" marT="7620" marB="0" anchor="ctr">
+                    <a:solidFill>
+                      <a:schemeClr val="accent5">
+                        <a:lumMod val="20000"/>
+                        <a:lumOff val="80000"/>
+                      </a:schemeClr>
+                    </a:solidFill>
+                  </a:tcPr>
+                </a:tc>
+                <a:tc>
+                  <a:txBody>
+                    <a:bodyPr/>
+                    <a:lstStyle/>
+                    <a:p>
+                      <a:pPr algn="ctr" fontAlgn="ctr"/>
+                      <a:r>
+                        <a:rPr lang="pl-PL" sz="1400" b="0" i="0" u="none" strike="noStrike">
+                          <a:solidFill>
+                            <a:srgbClr val="000000"/>
+                          </a:solidFill>
+                          <a:effectLst/>
+                          <a:latin typeface="Calibri" panose="020F0502020204030204" pitchFamily="34" charset="0"/>
+                        </a:rPr>
+                        <a:t>Świętokrzyskie</a:t>
+                      </a:r>
+                    </a:p>
+                  </a:txBody>
+                  <a:tcPr marL="7620" marR="7620" marT="7620" marB="0" anchor="ctr">
+                    <a:solidFill>
+                      <a:schemeClr val="bg1"/>
+                    </a:solidFill>
+                  </a:tcPr>
+                </a:tc>
+                <a:tc>
+                  <a:txBody>
+                    <a:bodyPr/>
+                    <a:lstStyle/>
+                    <a:p>
+                      <a:pPr algn="ctr" fontAlgn="ctr"/>
+                      <a:r>
+                        <a:rPr lang="pl-PL" sz="1400" b="0" i="0" u="none" strike="noStrike">
+                          <a:solidFill>
+                            <a:srgbClr val="000000"/>
+                          </a:solidFill>
+                          <a:effectLst/>
+                          <a:latin typeface="Calibri" panose="020F0502020204030204" pitchFamily="34" charset="0"/>
+                        </a:rPr>
+                        <a:t>Politechnika Świętokrzyska</a:t>
+                      </a:r>
+                    </a:p>
+                  </a:txBody>
+                  <a:tcPr marL="7620" marR="7620" marT="7620" marB="0" anchor="ctr">
+                    <a:solidFill>
+                      <a:schemeClr val="bg1"/>
+                    </a:solidFill>
+                  </a:tcPr>
+                </a:tc>
+                <a:tc>
+                  <a:txBody>
+                    <a:bodyPr/>
+                    <a:lstStyle/>
+                    <a:p>
+                      <a:pPr algn="ctr" fontAlgn="ctr"/>
+                      <a:r>
+                        <a:rPr lang="pl-PL" sz="1400" b="0" i="0" u="none" strike="noStrike" dirty="0">
+                          <a:solidFill>
+                            <a:srgbClr val="000000"/>
+                          </a:solidFill>
+                          <a:effectLst/>
+                          <a:latin typeface="Calibri" panose="020F0502020204030204" pitchFamily="34" charset="0"/>
+                        </a:rPr>
+                        <a:t>Informatyka, studia stacjonarne drugiego stopnia, </a:t>
+                      </a:r>
+                      <a:br>
+                        <a:rPr lang="pl-PL" sz="1400" b="0" i="0" u="none" strike="noStrike" dirty="0">
+                          <a:solidFill>
+                            <a:srgbClr val="000000"/>
+                          </a:solidFill>
+                          <a:effectLst/>
+                          <a:latin typeface="Calibri" panose="020F0502020204030204" pitchFamily="34" charset="0"/>
+                        </a:rPr>
+                      </a:br>
+                      <a:r>
+                        <a:rPr lang="pl-PL" sz="1400" b="0" i="0" u="none" strike="noStrike" dirty="0">
+                          <a:solidFill>
+                            <a:srgbClr val="000000"/>
+                          </a:solidFill>
+                          <a:effectLst/>
+                          <a:latin typeface="Calibri" panose="020F0502020204030204" pitchFamily="34" charset="0"/>
+                        </a:rPr>
+                        <a:t>3-semestralne, profil ogólnoakademicki</a:t>
+                      </a:r>
+                    </a:p>
+                  </a:txBody>
+                  <a:tcPr marL="7620" marR="7620" marT="7620" marB="0" anchor="ctr">
+                    <a:solidFill>
+                      <a:schemeClr val="bg1"/>
+                    </a:solidFill>
+                  </a:tcPr>
+                </a:tc>
+                <a:tc>
+                  <a:txBody>
+                    <a:bodyPr/>
+                    <a:lstStyle/>
+                    <a:p>
+                      <a:pPr algn="ctr" fontAlgn="ctr"/>
+                      <a:r>
+                        <a:rPr lang="pl-PL" sz="1400" b="0" i="0" u="none" strike="noStrike" dirty="0">
+                          <a:solidFill>
+                            <a:srgbClr val="000000"/>
+                          </a:solidFill>
+                          <a:effectLst/>
+                          <a:latin typeface="Calibri" panose="020F0502020204030204" pitchFamily="34" charset="0"/>
+                        </a:rPr>
+                        <a:t>6267</a:t>
+                      </a:r>
+                    </a:p>
+                  </a:txBody>
+                  <a:tcPr marL="7620" marR="7620" marT="7620" marB="0" anchor="ctr">
+                    <a:solidFill>
+                      <a:schemeClr val="bg1"/>
+                    </a:solidFill>
+                  </a:tcPr>
+                </a:tc>
+                <a:extLst>
+                  <a:ext uri="{0D108BD9-81ED-4DB2-BD59-A6C34878D82A}">
+                    <a16:rowId xmlns:a16="http://schemas.microsoft.com/office/drawing/2014/main" val="225634550"/>
+                  </a:ext>
+                </a:extLst>
+              </a:tr>
+            </a:tbl>
+          </a:graphicData>
+        </a:graphic>
+      </p:graphicFrame>
+      <p:sp>
+        <p:nvSpPr>
+          <p:cNvPr id="7" name="Symbol zastępczy zawartości 12">
+            <a:extLst>
+              <a:ext uri="{FF2B5EF4-FFF2-40B4-BE49-F238E27FC236}">
+                <a16:creationId xmlns:a16="http://schemas.microsoft.com/office/drawing/2014/main" id="{28670177-31EF-45B8-9694-7BE806BE5EC0}"/>
+              </a:ext>
+            </a:extLst>
+          </p:cNvPr>
+          <p:cNvSpPr txBox="1">
+            <a:spLocks/>
+          </p:cNvSpPr>
+          <p:nvPr/>
+        </p:nvSpPr>
+        <p:spPr>
+          <a:xfrm>
+            <a:off x="0" y="6260951"/>
+            <a:ext cx="12192000" cy="417047"/>
+          </a:xfrm>
+          <a:prstGeom prst="rect">
+            <a:avLst/>
+          </a:prstGeom>
+        </p:spPr>
+        <p:txBody>
+          <a:bodyPr vert="horz" lIns="91440" tIns="45720" rIns="91440" bIns="45720" rtlCol="0">
+            <a:normAutofit/>
+          </a:bodyPr>
+          <a:lstStyle>
+            <a:lvl1pPr marL="228600" indent="-228600" algn="l" defTabSz="914400" rtl="0" eaLnBrk="1" latinLnBrk="0" hangingPunct="1">
+              <a:lnSpc>
+                <a:spcPct val="90000"/>
+              </a:lnSpc>
+              <a:spcBef>
+                <a:spcPts val="1000"/>
+              </a:spcBef>
+              <a:buFont typeface="Arial" panose="020B0604020202020204" pitchFamily="34" charset="0"/>
+              <a:buChar char="•"/>
+              <a:defRPr sz="2800" kern="1200">
+                <a:solidFill>
+                  <a:schemeClr val="tx1"/>
+                </a:solidFill>
+                <a:latin typeface="+mn-lt"/>
+                <a:ea typeface="+mn-ea"/>
+                <a:cs typeface="+mn-cs"/>
+              </a:defRPr>
+            </a:lvl1pPr>
+            <a:lvl2pPr marL="685800" indent="-228600" algn="l" defTabSz="914400" rtl="0" eaLnBrk="1" latinLnBrk="0" hangingPunct="1">
+              <a:lnSpc>
+                <a:spcPct val="90000"/>
+              </a:lnSpc>
+              <a:spcBef>
+                <a:spcPts val="500"/>
+              </a:spcBef>
+              <a:buFont typeface="Arial" panose="020B0604020202020204" pitchFamily="34" charset="0"/>
+              <a:buChar char="•"/>
+              <a:defRPr sz="2400" kern="1200">
+                <a:solidFill>
+                  <a:schemeClr val="tx1"/>
+                </a:solidFill>
+                <a:latin typeface="+mn-lt"/>
+                <a:ea typeface="+mn-ea"/>
+                <a:cs typeface="+mn-cs"/>
+              </a:defRPr>
+            </a:lvl2pPr>
+            <a:lvl3pPr marL="1143000" indent="-228600" algn="l" defTabSz="914400" rtl="0" eaLnBrk="1" latinLnBrk="0" hangingPunct="1">
+              <a:lnSpc>
+                <a:spcPct val="90000"/>
+              </a:lnSpc>
+              <a:spcBef>
+                <a:spcPts val="500"/>
+              </a:spcBef>
+              <a:buFont typeface="Arial" panose="020B0604020202020204" pitchFamily="34" charset="0"/>
+              <a:buChar char="•"/>
+              <a:defRPr sz="2000" kern="1200">
+                <a:solidFill>
+                  <a:schemeClr val="tx1"/>
+                </a:solidFill>
+                <a:latin typeface="+mn-lt"/>
+                <a:ea typeface="+mn-ea"/>
+                <a:cs typeface="+mn-cs"/>
+              </a:defRPr>
+            </a:lvl3pPr>
+            <a:lvl4pPr marL="1600200" indent="-228600" algn="l" defTabSz="914400" rtl="0" eaLnBrk="1" latinLnBrk="0" hangingPunct="1">
+              <a:lnSpc>
+                <a:spcPct val="90000"/>
+              </a:lnSpc>
+              <a:spcBef>
+                <a:spcPts val="500"/>
+              </a:spcBef>
+              <a:buFont typeface="Arial" panose="020B0604020202020204" pitchFamily="34" charset="0"/>
+              <a:buChar char="•"/>
+              <a:defRPr sz="1800" kern="1200">
+                <a:solidFill>
+                  <a:schemeClr val="tx1"/>
+                </a:solidFill>
+                <a:latin typeface="+mn-lt"/>
+                <a:ea typeface="+mn-ea"/>
+                <a:cs typeface="+mn-cs"/>
+              </a:defRPr>
+            </a:lvl4pPr>
+            <a:lvl5pPr marL="2057400" indent="-228600" algn="l" defTabSz="914400" rtl="0" eaLnBrk="1" latinLnBrk="0" hangingPunct="1">
+              <a:lnSpc>
+                <a:spcPct val="90000"/>
+              </a:lnSpc>
+              <a:spcBef>
+                <a:spcPts val="500"/>
+              </a:spcBef>
+              <a:buFont typeface="Arial" panose="020B0604020202020204" pitchFamily="34" charset="0"/>
+              <a:buChar char="•"/>
+              <a:defRPr sz="1800" kern="1200">
+                <a:solidFill>
+                  <a:schemeClr val="tx1"/>
+                </a:solidFill>
+                <a:latin typeface="+mn-lt"/>
+                <a:ea typeface="+mn-ea"/>
+                <a:cs typeface="+mn-cs"/>
+              </a:defRPr>
+            </a:lvl5pPr>
+            <a:lvl6pPr marL="2514600" indent="-228600" algn="l" defTabSz="914400" rtl="0" eaLnBrk="1" latinLnBrk="0" hangingPunct="1">
+              <a:lnSpc>
+                <a:spcPct val="90000"/>
+              </a:lnSpc>
+              <a:spcBef>
+                <a:spcPts val="500"/>
+              </a:spcBef>
+              <a:buFont typeface="Arial" panose="020B0604020202020204" pitchFamily="34" charset="0"/>
+              <a:buChar char="•"/>
+              <a:defRPr sz="1800" kern="1200">
+                <a:solidFill>
+                  <a:schemeClr val="tx1"/>
+                </a:solidFill>
+                <a:latin typeface="+mn-lt"/>
+                <a:ea typeface="+mn-ea"/>
+                <a:cs typeface="+mn-cs"/>
+              </a:defRPr>
+            </a:lvl6pPr>
+            <a:lvl7pPr marL="2971800" indent="-228600" algn="l" defTabSz="914400" rtl="0" eaLnBrk="1" latinLnBrk="0" hangingPunct="1">
+              <a:lnSpc>
+                <a:spcPct val="90000"/>
+              </a:lnSpc>
+              <a:spcBef>
+                <a:spcPts val="500"/>
+              </a:spcBef>
+              <a:buFont typeface="Arial" panose="020B0604020202020204" pitchFamily="34" charset="0"/>
+              <a:buChar char="•"/>
+              <a:defRPr sz="1800" kern="1200">
+                <a:solidFill>
+                  <a:schemeClr val="tx1"/>
+                </a:solidFill>
+                <a:latin typeface="+mn-lt"/>
+                <a:ea typeface="+mn-ea"/>
+                <a:cs typeface="+mn-cs"/>
+              </a:defRPr>
+            </a:lvl7pPr>
+            <a:lvl8pPr marL="3429000" indent="-228600" algn="l" defTabSz="914400" rtl="0" eaLnBrk="1" latinLnBrk="0" hangingPunct="1">
+              <a:lnSpc>
+                <a:spcPct val="90000"/>
+              </a:lnSpc>
+              <a:spcBef>
+                <a:spcPts val="500"/>
+              </a:spcBef>
+              <a:buFont typeface="Arial" panose="020B0604020202020204" pitchFamily="34" charset="0"/>
+              <a:buChar char="•"/>
+              <a:defRPr sz="1800" kern="1200">
+                <a:solidFill>
+                  <a:schemeClr val="tx1"/>
+                </a:solidFill>
+                <a:latin typeface="+mn-lt"/>
+                <a:ea typeface="+mn-ea"/>
+                <a:cs typeface="+mn-cs"/>
+              </a:defRPr>
+            </a:lvl8pPr>
+            <a:lvl9pPr marL="3886200" indent="-228600" algn="l" defTabSz="914400" rtl="0" eaLnBrk="1" latinLnBrk="0" hangingPunct="1">
+              <a:lnSpc>
+                <a:spcPct val="90000"/>
+              </a:lnSpc>
+              <a:spcBef>
+                <a:spcPts val="500"/>
+              </a:spcBef>
+              <a:buFont typeface="Arial" panose="020B0604020202020204" pitchFamily="34" charset="0"/>
+              <a:buChar char="•"/>
+              <a:defRPr sz="1800" kern="1200">
+                <a:solidFill>
+                  <a:schemeClr val="tx1"/>
+                </a:solidFill>
+                <a:latin typeface="+mn-lt"/>
+                <a:ea typeface="+mn-ea"/>
+                <a:cs typeface="+mn-cs"/>
+              </a:defRPr>
+            </a:lvl9pPr>
+          </a:lstStyle>
+          <a:p>
+            <a:pPr marL="0" indent="0" algn="ctr">
+              <a:buFont typeface="Arial" panose="020B0604020202020204" pitchFamily="34" charset="0"/>
+              <a:buNone/>
+            </a:pPr>
+            <a:r>
+              <a:rPr lang="pl-PL" sz="2000" dirty="0">
+                <a:latin typeface="Arial" panose="020B0604020202020204" pitchFamily="34" charset="0"/>
+                <a:cs typeface="Arial" panose="020B0604020202020204" pitchFamily="34" charset="0"/>
+              </a:rPr>
+              <a:t>10</a:t>
+            </a:r>
+            <a:endParaRPr lang="pl-PL" sz="1800" dirty="0">
+              <a:latin typeface="Arial" panose="020B0604020202020204" pitchFamily="34" charset="0"/>
+              <a:cs typeface="Arial" panose="020B0604020202020204" pitchFamily="34" charset="0"/>
+            </a:endParaRPr>
+          </a:p>
+        </p:txBody>
+      </p:sp>
+      <p:cxnSp>
+        <p:nvCxnSpPr>
+          <p:cNvPr id="8" name="Łącznik prosty 7">
+            <a:extLst>
+              <a:ext uri="{FF2B5EF4-FFF2-40B4-BE49-F238E27FC236}">
+                <a16:creationId xmlns:a16="http://schemas.microsoft.com/office/drawing/2014/main" id="{253B66FE-FA9A-48DE-8EA8-618B1E45C992}"/>
+              </a:ext>
+            </a:extLst>
+          </p:cNvPr>
+          <p:cNvCxnSpPr>
+            <a:cxnSpLocks/>
+          </p:cNvCxnSpPr>
+          <p:nvPr/>
+        </p:nvCxnSpPr>
+        <p:spPr>
+          <a:xfrm>
+            <a:off x="1080000" y="1064313"/>
+            <a:ext cx="10032000" cy="0"/>
+          </a:xfrm>
+          <a:prstGeom prst="line">
+            <a:avLst/>
+          </a:prstGeom>
+          <a:ln w="22225">
+            <a:solidFill>
+              <a:schemeClr val="accent6"/>
+            </a:solidFill>
+          </a:ln>
+        </p:spPr>
+        <p:style>
+          <a:lnRef idx="1">
+            <a:schemeClr val="accent1"/>
+          </a:lnRef>
+          <a:fillRef idx="0">
+            <a:schemeClr val="accent1"/>
+          </a:fillRef>
+          <a:effectRef idx="0">
+            <a:schemeClr val="accent1"/>
+          </a:effectRef>
+          <a:fontRef idx="minor">
+            <a:schemeClr val="tx1"/>
+          </a:fontRef>
+        </p:style>
+      </p:cxnSp>
+    </p:spTree>
+    <p:extLst>
+      <p:ext uri="{BB962C8B-B14F-4D97-AF65-F5344CB8AC3E}">
+        <p14:creationId xmlns:p14="http://schemas.microsoft.com/office/powerpoint/2010/main" val="1544690678"/>
+      </p:ext>
+    </p:extLst>
+  </p:cSld>
+  <p:clrMapOvr>
+    <a:masterClrMapping/>
+  </p:clrMapOvr>
+</p:sld>
+</file>
+
+<file path=ppt/slides/slide12.xml><?xml version="1.0" encoding="utf-8"?>
+<p:sld xmlns:a="http://schemas.openxmlformats.org/drawingml/2006/main" xmlns:r="http://schemas.openxmlformats.org/officeDocument/2006/relationships" xmlns:p="http://schemas.openxmlformats.org/presentationml/2006/main">
+  <p:cSld>
+    <p:bg>
+      <p:bgPr>
+        <a:solidFill>
+          <a:srgbClr val="EFEDEF"/>
+        </a:solidFill>
+        <a:effectLst/>
+      </p:bgPr>
+    </p:bg>
+    <p:spTree>
+      <p:nvGrpSpPr>
+        <p:cNvPr id="1" name=""/>
+        <p:cNvGrpSpPr/>
+        <p:nvPr/>
+      </p:nvGrpSpPr>
+      <p:grpSpPr>
+        <a:xfrm>
+          <a:off x="0" y="0"/>
+          <a:ext cx="0" cy="0"/>
+          <a:chOff x="0" y="0"/>
+          <a:chExt cx="0" cy="0"/>
+        </a:xfrm>
+      </p:grpSpPr>
+      <p:sp>
+        <p:nvSpPr>
+          <p:cNvPr id="5" name="Prostokąt 10">
+            <a:extLst>
+              <a:ext uri="{FF2B5EF4-FFF2-40B4-BE49-F238E27FC236}">
+                <a16:creationId xmlns:a16="http://schemas.microsoft.com/office/drawing/2014/main" id="{A99285A9-50C4-478D-AAE6-D605756309B4}"/>
+              </a:ext>
+            </a:extLst>
+          </p:cNvPr>
+          <p:cNvSpPr/>
+          <p:nvPr/>
+        </p:nvSpPr>
+        <p:spPr>
+          <a:xfrm>
+            <a:off x="1055370" y="624840"/>
+            <a:ext cx="3745230" cy="155982"/>
+          </a:xfrm>
+          <a:custGeom>
+            <a:avLst/>
+            <a:gdLst>
+              <a:gd name="connsiteX0" fmla="*/ 0 w 4573337"/>
+              <a:gd name="connsiteY0" fmla="*/ 0 h 111368"/>
+              <a:gd name="connsiteX1" fmla="*/ 4573337 w 4573337"/>
+              <a:gd name="connsiteY1" fmla="*/ 0 h 111368"/>
+              <a:gd name="connsiteX2" fmla="*/ 4573337 w 4573337"/>
+              <a:gd name="connsiteY2" fmla="*/ 111368 h 111368"/>
+              <a:gd name="connsiteX3" fmla="*/ 0 w 4573337"/>
+              <a:gd name="connsiteY3" fmla="*/ 111368 h 111368"/>
+              <a:gd name="connsiteX4" fmla="*/ 0 w 4573337"/>
+              <a:gd name="connsiteY4" fmla="*/ 0 h 111368"/>
+              <a:gd name="connsiteX0" fmla="*/ 386861 w 4573337"/>
+              <a:gd name="connsiteY0" fmla="*/ 0 h 123091"/>
+              <a:gd name="connsiteX1" fmla="*/ 4573337 w 4573337"/>
+              <a:gd name="connsiteY1" fmla="*/ 11723 h 123091"/>
+              <a:gd name="connsiteX2" fmla="*/ 4573337 w 4573337"/>
+              <a:gd name="connsiteY2" fmla="*/ 123091 h 123091"/>
+              <a:gd name="connsiteX3" fmla="*/ 0 w 4573337"/>
+              <a:gd name="connsiteY3" fmla="*/ 123091 h 123091"/>
+              <a:gd name="connsiteX4" fmla="*/ 386861 w 4573337"/>
+              <a:gd name="connsiteY4" fmla="*/ 0 h 123091"/>
+              <a:gd name="connsiteX0" fmla="*/ 386861 w 4573337"/>
+              <a:gd name="connsiteY0" fmla="*/ 0 h 123091"/>
+              <a:gd name="connsiteX1" fmla="*/ 4573337 w 4573337"/>
+              <a:gd name="connsiteY1" fmla="*/ 11723 h 123091"/>
+              <a:gd name="connsiteX2" fmla="*/ 4464319 w 4573337"/>
+              <a:gd name="connsiteY2" fmla="*/ 118880 h 123091"/>
+              <a:gd name="connsiteX3" fmla="*/ 0 w 4573337"/>
+              <a:gd name="connsiteY3" fmla="*/ 123091 h 123091"/>
+              <a:gd name="connsiteX4" fmla="*/ 386861 w 4573337"/>
+              <a:gd name="connsiteY4" fmla="*/ 0 h 123091"/>
+              <a:gd name="connsiteX0" fmla="*/ 386861 w 4730807"/>
+              <a:gd name="connsiteY0" fmla="*/ 13543 h 136634"/>
+              <a:gd name="connsiteX1" fmla="*/ 4730807 w 4730807"/>
+              <a:gd name="connsiteY1" fmla="*/ 0 h 136634"/>
+              <a:gd name="connsiteX2" fmla="*/ 4464319 w 4730807"/>
+              <a:gd name="connsiteY2" fmla="*/ 132423 h 136634"/>
+              <a:gd name="connsiteX3" fmla="*/ 0 w 4730807"/>
+              <a:gd name="connsiteY3" fmla="*/ 136634 h 136634"/>
+              <a:gd name="connsiteX4" fmla="*/ 386861 w 4730807"/>
+              <a:gd name="connsiteY4" fmla="*/ 13543 h 136634"/>
+              <a:gd name="connsiteX0" fmla="*/ 386861 w 4674279"/>
+              <a:gd name="connsiteY0" fmla="*/ 17754 h 140845"/>
+              <a:gd name="connsiteX1" fmla="*/ 4674279 w 4674279"/>
+              <a:gd name="connsiteY1" fmla="*/ 0 h 140845"/>
+              <a:gd name="connsiteX2" fmla="*/ 4464319 w 4674279"/>
+              <a:gd name="connsiteY2" fmla="*/ 136634 h 140845"/>
+              <a:gd name="connsiteX3" fmla="*/ 0 w 4674279"/>
+              <a:gd name="connsiteY3" fmla="*/ 140845 h 140845"/>
+              <a:gd name="connsiteX4" fmla="*/ 386861 w 4674279"/>
+              <a:gd name="connsiteY4" fmla="*/ 17754 h 140845"/>
+              <a:gd name="connsiteX0" fmla="*/ 633161 w 4920579"/>
+              <a:gd name="connsiteY0" fmla="*/ 17754 h 149267"/>
+              <a:gd name="connsiteX1" fmla="*/ 4920579 w 4920579"/>
+              <a:gd name="connsiteY1" fmla="*/ 0 h 149267"/>
+              <a:gd name="connsiteX2" fmla="*/ 4710619 w 4920579"/>
+              <a:gd name="connsiteY2" fmla="*/ 136634 h 149267"/>
+              <a:gd name="connsiteX3" fmla="*/ 0 w 4920579"/>
+              <a:gd name="connsiteY3" fmla="*/ 149267 h 149267"/>
+              <a:gd name="connsiteX4" fmla="*/ 633161 w 4920579"/>
+              <a:gd name="connsiteY4" fmla="*/ 17754 h 149267"/>
+              <a:gd name="connsiteX0" fmla="*/ 366673 w 4920579"/>
+              <a:gd name="connsiteY0" fmla="*/ 9332 h 149267"/>
+              <a:gd name="connsiteX1" fmla="*/ 4920579 w 4920579"/>
+              <a:gd name="connsiteY1" fmla="*/ 0 h 149267"/>
+              <a:gd name="connsiteX2" fmla="*/ 4710619 w 4920579"/>
+              <a:gd name="connsiteY2" fmla="*/ 136634 h 149267"/>
+              <a:gd name="connsiteX3" fmla="*/ 0 w 4920579"/>
+              <a:gd name="connsiteY3" fmla="*/ 149267 h 149267"/>
+              <a:gd name="connsiteX4" fmla="*/ 366673 w 4920579"/>
+              <a:gd name="connsiteY4" fmla="*/ 9332 h 149267"/>
+              <a:gd name="connsiteX0" fmla="*/ 289957 w 4920579"/>
+              <a:gd name="connsiteY0" fmla="*/ 76708 h 149267"/>
+              <a:gd name="connsiteX1" fmla="*/ 4920579 w 4920579"/>
+              <a:gd name="connsiteY1" fmla="*/ 0 h 149267"/>
+              <a:gd name="connsiteX2" fmla="*/ 4710619 w 4920579"/>
+              <a:gd name="connsiteY2" fmla="*/ 136634 h 149267"/>
+              <a:gd name="connsiteX3" fmla="*/ 0 w 4920579"/>
+              <a:gd name="connsiteY3" fmla="*/ 149267 h 149267"/>
+              <a:gd name="connsiteX4" fmla="*/ 289957 w 4920579"/>
+              <a:gd name="connsiteY4" fmla="*/ 76708 h 149267"/>
+              <a:gd name="connsiteX0" fmla="*/ 253617 w 4920579"/>
+              <a:gd name="connsiteY0" fmla="*/ 55653 h 149267"/>
+              <a:gd name="connsiteX1" fmla="*/ 4920579 w 4920579"/>
+              <a:gd name="connsiteY1" fmla="*/ 0 h 149267"/>
+              <a:gd name="connsiteX2" fmla="*/ 4710619 w 4920579"/>
+              <a:gd name="connsiteY2" fmla="*/ 136634 h 149267"/>
+              <a:gd name="connsiteX3" fmla="*/ 0 w 4920579"/>
+              <a:gd name="connsiteY3" fmla="*/ 149267 h 149267"/>
+              <a:gd name="connsiteX4" fmla="*/ 253617 w 4920579"/>
+              <a:gd name="connsiteY4" fmla="*/ 55653 h 149267"/>
+              <a:gd name="connsiteX0" fmla="*/ 152675 w 4920579"/>
+              <a:gd name="connsiteY0" fmla="*/ 51442 h 149267"/>
+              <a:gd name="connsiteX1" fmla="*/ 4920579 w 4920579"/>
+              <a:gd name="connsiteY1" fmla="*/ 0 h 149267"/>
+              <a:gd name="connsiteX2" fmla="*/ 4710619 w 4920579"/>
+              <a:gd name="connsiteY2" fmla="*/ 136634 h 149267"/>
+              <a:gd name="connsiteX3" fmla="*/ 0 w 4920579"/>
+              <a:gd name="connsiteY3" fmla="*/ 149267 h 149267"/>
+              <a:gd name="connsiteX4" fmla="*/ 152675 w 4920579"/>
+              <a:gd name="connsiteY4" fmla="*/ 51442 h 149267"/>
+            </a:gdLst>
+            <a:ahLst/>
+            <a:cxnLst>
+              <a:cxn ang="0">
+                <a:pos x="connsiteX0" y="connsiteY0"/>
+              </a:cxn>
+              <a:cxn ang="0">
+                <a:pos x="connsiteX1" y="connsiteY1"/>
+              </a:cxn>
+              <a:cxn ang="0">
+                <a:pos x="connsiteX2" y="connsiteY2"/>
+              </a:cxn>
+              <a:cxn ang="0">
+                <a:pos x="connsiteX3" y="connsiteY3"/>
+              </a:cxn>
+              <a:cxn ang="0">
+                <a:pos x="connsiteX4" y="connsiteY4"/>
+              </a:cxn>
+            </a:cxnLst>
+            <a:rect l="l" t="t" r="r" b="b"/>
+            <a:pathLst>
+              <a:path w="4920579" h="149267">
+                <a:moveTo>
+                  <a:pt x="152675" y="51442"/>
+                </a:moveTo>
+                <a:lnTo>
+                  <a:pt x="4920579" y="0"/>
+                </a:lnTo>
+                <a:lnTo>
+                  <a:pt x="4710619" y="136634"/>
+                </a:lnTo>
+                <a:lnTo>
+                  <a:pt x="0" y="149267"/>
+                </a:lnTo>
+                <a:lnTo>
+                  <a:pt x="152675" y="51442"/>
+                </a:lnTo>
+                <a:close/>
+              </a:path>
+            </a:pathLst>
+          </a:custGeom>
+          <a:solidFill>
+            <a:schemeClr val="accent4">
+              <a:lumMod val="40000"/>
+              <a:lumOff val="60000"/>
+              <a:alpha val="50196"/>
+            </a:schemeClr>
+          </a:solidFill>
+          <a:ln>
+            <a:noFill/>
+          </a:ln>
+        </p:spPr>
+        <p:style>
+          <a:lnRef idx="2">
+            <a:schemeClr val="accent1">
+              <a:shade val="50000"/>
+            </a:schemeClr>
+          </a:lnRef>
+          <a:fillRef idx="1">
+            <a:schemeClr val="accent1"/>
+          </a:fillRef>
+          <a:effectRef idx="0">
+            <a:schemeClr val="accent1"/>
+          </a:effectRef>
+          <a:fontRef idx="minor">
+            <a:schemeClr val="lt1"/>
+          </a:fontRef>
+        </p:style>
+        <p:txBody>
+          <a:bodyPr rtlCol="0" anchor="ctr"/>
+          <a:lstStyle/>
+          <a:p>
+            <a:pPr algn="ctr"/>
+            <a:endParaRPr lang="pl-PL"/>
+          </a:p>
+        </p:txBody>
+      </p:sp>
+      <p:sp>
+        <p:nvSpPr>
           <p:cNvPr id="11" name="Tytuł 10">
             <a:extLst>
               <a:ext uri="{FF2B5EF4-FFF2-40B4-BE49-F238E27FC236}">
@@ -3576,19 +8043,37 @@
               <a:buNone/>
             </a:pPr>
             <a:r>
-              <a:rPr lang="pl-PL" sz="2300" dirty="0" err="1">
+              <a:rPr lang="pl-PL" sz="2300" dirty="0">
                 <a:latin typeface="Arial" panose="020B0604020202020204" pitchFamily="34" charset="0"/>
                 <a:cs typeface="Arial" panose="020B0604020202020204" pitchFamily="34" charset="0"/>
               </a:rPr>
-              <a:t>podus</a:t>
+              <a:t>	Najlepiej opłacanymi specjalistami są absolwenci kierunków </a:t>
             </a:r>
-            <a:endParaRPr lang="pl-PL" sz="2300" dirty="0">
-              <a:solidFill>
-                <a:schemeClr val="accent4"/>
-              </a:solidFill>
-              <a:latin typeface="Arial" panose="020B0604020202020204" pitchFamily="34" charset="0"/>
-              <a:cs typeface="Arial" panose="020B0604020202020204" pitchFamily="34" charset="0"/>
-            </a:endParaRPr>
+            <a:br>
+              <a:rPr lang="pl-PL" sz="2300" dirty="0">
+                <a:latin typeface="Arial" panose="020B0604020202020204" pitchFamily="34" charset="0"/>
+                <a:cs typeface="Arial" panose="020B0604020202020204" pitchFamily="34" charset="0"/>
+              </a:rPr>
+            </a:br>
+            <a:r>
+              <a:rPr lang="pl-PL" sz="2300" dirty="0">
+                <a:latin typeface="Arial" panose="020B0604020202020204" pitchFamily="34" charset="0"/>
+                <a:cs typeface="Arial" panose="020B0604020202020204" pitchFamily="34" charset="0"/>
+              </a:rPr>
+              <a:t>w dziedzinach inżynieryjno-technicznych i medycznych. Ukończyli oni studia głównie w formie stacjonarnej, jednak są unikalne uczelnie jak np. PJATK, której absolwenci ukończyli studia niestacjonarne..</a:t>
+            </a:r>
+          </a:p>
+          <a:p>
+            <a:pPr marL="1080000" indent="0" algn="just">
+              <a:buNone/>
+            </a:pPr>
+            <a:r>
+              <a:rPr lang="pl-PL" sz="2300" dirty="0">
+                <a:latin typeface="Arial" panose="020B0604020202020204" pitchFamily="34" charset="0"/>
+                <a:cs typeface="Arial" panose="020B0604020202020204" pitchFamily="34" charset="0"/>
+              </a:rPr>
+              <a:t>	Pierwszą dziesiątkę najlepiej opłacanych kierunków w Polsce zdominowały studia informatyczne. Zmieniając spojrzenie na najlepiej opłacane kierunki w poszczególnych województwach pojawia się wiele studiów lekarskich.</a:t>
+            </a:r>
           </a:p>
         </p:txBody>
       </p:sp>
@@ -3793,7 +8278,7 @@
                 <a:latin typeface="Arial" panose="020B0604020202020204" pitchFamily="34" charset="0"/>
                 <a:cs typeface="Arial" panose="020B0604020202020204" pitchFamily="34" charset="0"/>
               </a:rPr>
-              <a:t>9</a:t>
+              <a:t>11</a:t>
             </a:r>
             <a:endParaRPr lang="pl-PL" sz="1800" dirty="0">
               <a:latin typeface="Arial" panose="020B0604020202020204" pitchFamily="34" charset="0"/>
@@ -3802,90 +8287,53 @@
           </a:p>
         </p:txBody>
       </p:sp>
+      <p:cxnSp>
+        <p:nvCxnSpPr>
+          <p:cNvPr id="6" name="Łącznik prosty 5">
+            <a:extLst>
+              <a:ext uri="{FF2B5EF4-FFF2-40B4-BE49-F238E27FC236}">
+                <a16:creationId xmlns:a16="http://schemas.microsoft.com/office/drawing/2014/main" id="{B6BFAD0F-E6CD-49AE-9981-DA23495150EC}"/>
+              </a:ext>
+            </a:extLst>
+          </p:cNvPr>
+          <p:cNvCxnSpPr>
+            <a:cxnSpLocks/>
+          </p:cNvCxnSpPr>
+          <p:nvPr/>
+        </p:nvCxnSpPr>
+        <p:spPr>
+          <a:xfrm>
+            <a:off x="1080000" y="1064313"/>
+            <a:ext cx="10032000" cy="0"/>
+          </a:xfrm>
+          <a:prstGeom prst="line">
+            <a:avLst/>
+          </a:prstGeom>
+          <a:ln w="22225">
+            <a:solidFill>
+              <a:schemeClr val="accent6"/>
+            </a:solidFill>
+          </a:ln>
+        </p:spPr>
+        <p:style>
+          <a:lnRef idx="1">
+            <a:schemeClr val="accent1"/>
+          </a:lnRef>
+          <a:fillRef idx="0">
+            <a:schemeClr val="accent1"/>
+          </a:fillRef>
+          <a:effectRef idx="0">
+            <a:schemeClr val="accent1"/>
+          </a:effectRef>
+          <a:fontRef idx="minor">
+            <a:schemeClr val="tx1"/>
+          </a:fontRef>
+        </p:style>
+      </p:cxnSp>
     </p:spTree>
     <p:extLst>
       <p:ext uri="{BB962C8B-B14F-4D97-AF65-F5344CB8AC3E}">
         <p14:creationId xmlns:p14="http://schemas.microsoft.com/office/powerpoint/2010/main" val="531703356"/>
-      </p:ext>
-    </p:extLst>
-  </p:cSld>
-  <p:clrMapOvr>
-    <a:masterClrMapping/>
-  </p:clrMapOvr>
-</p:sld>
-</file>
-
-<file path=ppt/slides/slide11.xml><?xml version="1.0" encoding="utf-8"?>
-<p:sld xmlns:a="http://schemas.openxmlformats.org/drawingml/2006/main" xmlns:r="http://schemas.openxmlformats.org/officeDocument/2006/relationships" xmlns:p="http://schemas.openxmlformats.org/presentationml/2006/main">
-  <p:cSld>
-    <p:spTree>
-      <p:nvGrpSpPr>
-        <p:cNvPr id="1" name=""/>
-        <p:cNvGrpSpPr/>
-        <p:nvPr/>
-      </p:nvGrpSpPr>
-      <p:grpSpPr>
-        <a:xfrm>
-          <a:off x="0" y="0"/>
-          <a:ext cx="0" cy="0"/>
-          <a:chOff x="0" y="0"/>
-          <a:chExt cx="0" cy="0"/>
-        </a:xfrm>
-      </p:grpSpPr>
-      <p:sp>
-        <p:nvSpPr>
-          <p:cNvPr id="2" name="Tytuł 1">
-            <a:extLst>
-              <a:ext uri="{FF2B5EF4-FFF2-40B4-BE49-F238E27FC236}">
-                <a16:creationId xmlns:a16="http://schemas.microsoft.com/office/drawing/2014/main" id="{6ABB9CF2-4DE2-42C6-BEC8-4D75F45A853E}"/>
-              </a:ext>
-            </a:extLst>
-          </p:cNvPr>
-          <p:cNvSpPr>
-            <a:spLocks noGrp="1"/>
-          </p:cNvSpPr>
-          <p:nvPr>
-            <p:ph type="title"/>
-          </p:nvPr>
-        </p:nvSpPr>
-        <p:spPr/>
-        <p:txBody>
-          <a:bodyPr/>
-          <a:lstStyle/>
-          <a:p>
-            <a:endParaRPr lang="pl-PL"/>
-          </a:p>
-        </p:txBody>
-      </p:sp>
-      <p:sp>
-        <p:nvSpPr>
-          <p:cNvPr id="3" name="Symbol zastępczy zawartości 2">
-            <a:extLst>
-              <a:ext uri="{FF2B5EF4-FFF2-40B4-BE49-F238E27FC236}">
-                <a16:creationId xmlns:a16="http://schemas.microsoft.com/office/drawing/2014/main" id="{4CAEBF3F-D911-45DE-B52C-66AD055007EE}"/>
-              </a:ext>
-            </a:extLst>
-          </p:cNvPr>
-          <p:cNvSpPr>
-            <a:spLocks noGrp="1"/>
-          </p:cNvSpPr>
-          <p:nvPr>
-            <p:ph idx="1"/>
-          </p:nvPr>
-        </p:nvSpPr>
-        <p:spPr/>
-        <p:txBody>
-          <a:bodyPr/>
-          <a:lstStyle/>
-          <a:p>
-            <a:endParaRPr lang="pl-PL"/>
-          </a:p>
-        </p:txBody>
-      </p:sp>
-    </p:spTree>
-    <p:extLst>
-      <p:ext uri="{BB962C8B-B14F-4D97-AF65-F5344CB8AC3E}">
-        <p14:creationId xmlns:p14="http://schemas.microsoft.com/office/powerpoint/2010/main" val="3294463735"/>
       </p:ext>
     </p:extLst>
   </p:cSld>
@@ -3922,6 +8370,203 @@
       </p:grpSpPr>
       <p:sp>
         <p:nvSpPr>
+          <p:cNvPr id="5" name="Prostokąt 10">
+            <a:extLst>
+              <a:ext uri="{FF2B5EF4-FFF2-40B4-BE49-F238E27FC236}">
+                <a16:creationId xmlns:a16="http://schemas.microsoft.com/office/drawing/2014/main" id="{3FE1C9B0-B27F-4A20-8F09-FF822A6C3AAC}"/>
+              </a:ext>
+            </a:extLst>
+          </p:cNvPr>
+          <p:cNvSpPr/>
+          <p:nvPr/>
+        </p:nvSpPr>
+        <p:spPr>
+          <a:xfrm>
+            <a:off x="1055370" y="632615"/>
+            <a:ext cx="5040630" cy="148208"/>
+          </a:xfrm>
+          <a:custGeom>
+            <a:avLst/>
+            <a:gdLst>
+              <a:gd name="connsiteX0" fmla="*/ 0 w 4573337"/>
+              <a:gd name="connsiteY0" fmla="*/ 0 h 111368"/>
+              <a:gd name="connsiteX1" fmla="*/ 4573337 w 4573337"/>
+              <a:gd name="connsiteY1" fmla="*/ 0 h 111368"/>
+              <a:gd name="connsiteX2" fmla="*/ 4573337 w 4573337"/>
+              <a:gd name="connsiteY2" fmla="*/ 111368 h 111368"/>
+              <a:gd name="connsiteX3" fmla="*/ 0 w 4573337"/>
+              <a:gd name="connsiteY3" fmla="*/ 111368 h 111368"/>
+              <a:gd name="connsiteX4" fmla="*/ 0 w 4573337"/>
+              <a:gd name="connsiteY4" fmla="*/ 0 h 111368"/>
+              <a:gd name="connsiteX0" fmla="*/ 386861 w 4573337"/>
+              <a:gd name="connsiteY0" fmla="*/ 0 h 123091"/>
+              <a:gd name="connsiteX1" fmla="*/ 4573337 w 4573337"/>
+              <a:gd name="connsiteY1" fmla="*/ 11723 h 123091"/>
+              <a:gd name="connsiteX2" fmla="*/ 4573337 w 4573337"/>
+              <a:gd name="connsiteY2" fmla="*/ 123091 h 123091"/>
+              <a:gd name="connsiteX3" fmla="*/ 0 w 4573337"/>
+              <a:gd name="connsiteY3" fmla="*/ 123091 h 123091"/>
+              <a:gd name="connsiteX4" fmla="*/ 386861 w 4573337"/>
+              <a:gd name="connsiteY4" fmla="*/ 0 h 123091"/>
+              <a:gd name="connsiteX0" fmla="*/ 386861 w 4573337"/>
+              <a:gd name="connsiteY0" fmla="*/ 0 h 123091"/>
+              <a:gd name="connsiteX1" fmla="*/ 4573337 w 4573337"/>
+              <a:gd name="connsiteY1" fmla="*/ 11723 h 123091"/>
+              <a:gd name="connsiteX2" fmla="*/ 4464319 w 4573337"/>
+              <a:gd name="connsiteY2" fmla="*/ 118880 h 123091"/>
+              <a:gd name="connsiteX3" fmla="*/ 0 w 4573337"/>
+              <a:gd name="connsiteY3" fmla="*/ 123091 h 123091"/>
+              <a:gd name="connsiteX4" fmla="*/ 386861 w 4573337"/>
+              <a:gd name="connsiteY4" fmla="*/ 0 h 123091"/>
+              <a:gd name="connsiteX0" fmla="*/ 386861 w 4730807"/>
+              <a:gd name="connsiteY0" fmla="*/ 13543 h 136634"/>
+              <a:gd name="connsiteX1" fmla="*/ 4730807 w 4730807"/>
+              <a:gd name="connsiteY1" fmla="*/ 0 h 136634"/>
+              <a:gd name="connsiteX2" fmla="*/ 4464319 w 4730807"/>
+              <a:gd name="connsiteY2" fmla="*/ 132423 h 136634"/>
+              <a:gd name="connsiteX3" fmla="*/ 0 w 4730807"/>
+              <a:gd name="connsiteY3" fmla="*/ 136634 h 136634"/>
+              <a:gd name="connsiteX4" fmla="*/ 386861 w 4730807"/>
+              <a:gd name="connsiteY4" fmla="*/ 13543 h 136634"/>
+              <a:gd name="connsiteX0" fmla="*/ 386861 w 4674279"/>
+              <a:gd name="connsiteY0" fmla="*/ 17754 h 140845"/>
+              <a:gd name="connsiteX1" fmla="*/ 4674279 w 4674279"/>
+              <a:gd name="connsiteY1" fmla="*/ 0 h 140845"/>
+              <a:gd name="connsiteX2" fmla="*/ 4464319 w 4674279"/>
+              <a:gd name="connsiteY2" fmla="*/ 136634 h 140845"/>
+              <a:gd name="connsiteX3" fmla="*/ 0 w 4674279"/>
+              <a:gd name="connsiteY3" fmla="*/ 140845 h 140845"/>
+              <a:gd name="connsiteX4" fmla="*/ 386861 w 4674279"/>
+              <a:gd name="connsiteY4" fmla="*/ 17754 h 140845"/>
+              <a:gd name="connsiteX0" fmla="*/ 633161 w 4920579"/>
+              <a:gd name="connsiteY0" fmla="*/ 17754 h 149267"/>
+              <a:gd name="connsiteX1" fmla="*/ 4920579 w 4920579"/>
+              <a:gd name="connsiteY1" fmla="*/ 0 h 149267"/>
+              <a:gd name="connsiteX2" fmla="*/ 4710619 w 4920579"/>
+              <a:gd name="connsiteY2" fmla="*/ 136634 h 149267"/>
+              <a:gd name="connsiteX3" fmla="*/ 0 w 4920579"/>
+              <a:gd name="connsiteY3" fmla="*/ 149267 h 149267"/>
+              <a:gd name="connsiteX4" fmla="*/ 633161 w 4920579"/>
+              <a:gd name="connsiteY4" fmla="*/ 17754 h 149267"/>
+              <a:gd name="connsiteX0" fmla="*/ 366673 w 4920579"/>
+              <a:gd name="connsiteY0" fmla="*/ 9332 h 149267"/>
+              <a:gd name="connsiteX1" fmla="*/ 4920579 w 4920579"/>
+              <a:gd name="connsiteY1" fmla="*/ 0 h 149267"/>
+              <a:gd name="connsiteX2" fmla="*/ 4710619 w 4920579"/>
+              <a:gd name="connsiteY2" fmla="*/ 136634 h 149267"/>
+              <a:gd name="connsiteX3" fmla="*/ 0 w 4920579"/>
+              <a:gd name="connsiteY3" fmla="*/ 149267 h 149267"/>
+              <a:gd name="connsiteX4" fmla="*/ 366673 w 4920579"/>
+              <a:gd name="connsiteY4" fmla="*/ 9332 h 149267"/>
+              <a:gd name="connsiteX0" fmla="*/ 289957 w 4920579"/>
+              <a:gd name="connsiteY0" fmla="*/ 76708 h 149267"/>
+              <a:gd name="connsiteX1" fmla="*/ 4920579 w 4920579"/>
+              <a:gd name="connsiteY1" fmla="*/ 0 h 149267"/>
+              <a:gd name="connsiteX2" fmla="*/ 4710619 w 4920579"/>
+              <a:gd name="connsiteY2" fmla="*/ 136634 h 149267"/>
+              <a:gd name="connsiteX3" fmla="*/ 0 w 4920579"/>
+              <a:gd name="connsiteY3" fmla="*/ 149267 h 149267"/>
+              <a:gd name="connsiteX4" fmla="*/ 289957 w 4920579"/>
+              <a:gd name="connsiteY4" fmla="*/ 76708 h 149267"/>
+              <a:gd name="connsiteX0" fmla="*/ 253617 w 4920579"/>
+              <a:gd name="connsiteY0" fmla="*/ 55653 h 149267"/>
+              <a:gd name="connsiteX1" fmla="*/ 4920579 w 4920579"/>
+              <a:gd name="connsiteY1" fmla="*/ 0 h 149267"/>
+              <a:gd name="connsiteX2" fmla="*/ 4710619 w 4920579"/>
+              <a:gd name="connsiteY2" fmla="*/ 136634 h 149267"/>
+              <a:gd name="connsiteX3" fmla="*/ 0 w 4920579"/>
+              <a:gd name="connsiteY3" fmla="*/ 149267 h 149267"/>
+              <a:gd name="connsiteX4" fmla="*/ 253617 w 4920579"/>
+              <a:gd name="connsiteY4" fmla="*/ 55653 h 149267"/>
+              <a:gd name="connsiteX0" fmla="*/ 152675 w 4920579"/>
+              <a:gd name="connsiteY0" fmla="*/ 51442 h 149267"/>
+              <a:gd name="connsiteX1" fmla="*/ 4920579 w 4920579"/>
+              <a:gd name="connsiteY1" fmla="*/ 0 h 149267"/>
+              <a:gd name="connsiteX2" fmla="*/ 4710619 w 4920579"/>
+              <a:gd name="connsiteY2" fmla="*/ 136634 h 149267"/>
+              <a:gd name="connsiteX3" fmla="*/ 0 w 4920579"/>
+              <a:gd name="connsiteY3" fmla="*/ 149267 h 149267"/>
+              <a:gd name="connsiteX4" fmla="*/ 152675 w 4920579"/>
+              <a:gd name="connsiteY4" fmla="*/ 51442 h 149267"/>
+            </a:gdLst>
+            <a:ahLst/>
+            <a:cxnLst>
+              <a:cxn ang="0">
+                <a:pos x="connsiteX0" y="connsiteY0"/>
+              </a:cxn>
+              <a:cxn ang="0">
+                <a:pos x="connsiteX1" y="connsiteY1"/>
+              </a:cxn>
+              <a:cxn ang="0">
+                <a:pos x="connsiteX2" y="connsiteY2"/>
+              </a:cxn>
+              <a:cxn ang="0">
+                <a:pos x="connsiteX3" y="connsiteY3"/>
+              </a:cxn>
+              <a:cxn ang="0">
+                <a:pos x="connsiteX4" y="connsiteY4"/>
+              </a:cxn>
+            </a:cxnLst>
+            <a:rect l="l" t="t" r="r" b="b"/>
+            <a:pathLst>
+              <a:path w="4920579" h="149267">
+                <a:moveTo>
+                  <a:pt x="152675" y="51442"/>
+                </a:moveTo>
+                <a:lnTo>
+                  <a:pt x="4920579" y="0"/>
+                </a:lnTo>
+                <a:lnTo>
+                  <a:pt x="4710619" y="136634"/>
+                </a:lnTo>
+                <a:lnTo>
+                  <a:pt x="0" y="149267"/>
+                </a:lnTo>
+                <a:lnTo>
+                  <a:pt x="152675" y="51442"/>
+                </a:lnTo>
+                <a:close/>
+              </a:path>
+            </a:pathLst>
+          </a:custGeom>
+          <a:solidFill>
+            <a:schemeClr val="accent4">
+              <a:lumMod val="40000"/>
+              <a:lumOff val="60000"/>
+              <a:alpha val="50196"/>
+            </a:schemeClr>
+          </a:solidFill>
+          <a:ln>
+            <a:noFill/>
+          </a:ln>
+        </p:spPr>
+        <p:style>
+          <a:lnRef idx="2">
+            <a:schemeClr val="accent1">
+              <a:shade val="50000"/>
+            </a:schemeClr>
+          </a:lnRef>
+          <a:fillRef idx="1">
+            <a:schemeClr val="accent1"/>
+          </a:fillRef>
+          <a:effectRef idx="0">
+            <a:schemeClr val="accent1"/>
+          </a:effectRef>
+          <a:fontRef idx="minor">
+            <a:schemeClr val="lt1"/>
+          </a:fontRef>
+        </p:style>
+        <p:txBody>
+          <a:bodyPr rtlCol="0" anchor="ctr"/>
+          <a:lstStyle/>
+          <a:p>
+            <a:pPr algn="ctr"/>
+            <a:endParaRPr lang="pl-PL"/>
+          </a:p>
+        </p:txBody>
+      </p:sp>
+      <p:sp>
+        <p:nvSpPr>
           <p:cNvPr id="11" name="Tytuł 10">
             <a:extLst>
               <a:ext uri="{FF2B5EF4-FFF2-40B4-BE49-F238E27FC236}">
@@ -4011,7 +8656,7 @@
                 <a:latin typeface="Arial" panose="020B0604020202020204" pitchFamily="34" charset="0"/>
                 <a:cs typeface="Arial" panose="020B0604020202020204" pitchFamily="34" charset="0"/>
               </a:rPr>
-              <a:t>od uzyskaniu dyplomu. Dostępne dane pozwalają na przeprowadzenie analizy bazując na danych o absolwentach lat 2014 i 2015. </a:t>
+              <a:t>od uzyskaniu dyplomu. Dostępne dane pozwalają na przeprowadzenie analizy bazując na danych o absolwentach, którzy uzyskali dyplom </a:t>
             </a:r>
             <a:br>
               <a:rPr lang="pl-PL" sz="2400" dirty="0">
@@ -4024,7 +8669,31 @@
                 <a:latin typeface="Arial" panose="020B0604020202020204" pitchFamily="34" charset="0"/>
                 <a:cs typeface="Arial" panose="020B0604020202020204" pitchFamily="34" charset="0"/>
               </a:rPr>
-              <a:t>Za reprezentację zarobków poszczególnych kierunków przyjęto średnie mediany wynagrodzeń kierunków, których liczności wynosiła co najmniej 30 absolwentów. Uzyskana w ten sposób grupa przedstawia zarobki </a:t>
+              <a:t>w  latach 2014 i 2015. </a:t>
+            </a:r>
+          </a:p>
+          <a:p>
+            <a:pPr marL="1080000" indent="0" algn="just">
+              <a:buNone/>
+            </a:pPr>
+            <a:r>
+              <a:rPr lang="pl-PL" sz="2400" dirty="0">
+                <a:latin typeface="Arial" panose="020B0604020202020204" pitchFamily="34" charset="0"/>
+                <a:cs typeface="Arial" panose="020B0604020202020204" pitchFamily="34" charset="0"/>
+              </a:rPr>
+              <a:t>	Za reprezentację zarobków poszczególnych kierunków na uczelniach przyjęto mediany wynagrodzeń kierunków, których liczności wynosiła co najmniej 30 absolwentów. Uzyskana w ten sposób grupa przedstawia zarobki 314 tysięcy absolwentów prawie 2500 kierunków.</a:t>
+            </a:r>
+          </a:p>
+          <a:p>
+            <a:pPr marL="1080000" indent="0" algn="just">
+              <a:buNone/>
+            </a:pPr>
+            <a:r>
+              <a:rPr lang="pl-PL" sz="2400" dirty="0">
+                <a:latin typeface="Arial" panose="020B0604020202020204" pitchFamily="34" charset="0"/>
+                <a:cs typeface="Arial" panose="020B0604020202020204" pitchFamily="34" charset="0"/>
+              </a:rPr>
+              <a:t>	Wykorzystane w badaniu dane pochodzą z serwisu systemu Ekonomicznych Losów Absolwentów szkół wyższych (ELA), </a:t>
             </a:r>
             <a:br>
               <a:rPr lang="pl-PL" sz="2400" dirty="0">
@@ -4037,19 +8706,7 @@
                 <a:latin typeface="Arial" panose="020B0604020202020204" pitchFamily="34" charset="0"/>
                 <a:cs typeface="Arial" panose="020B0604020202020204" pitchFamily="34" charset="0"/>
               </a:rPr>
-              <a:t>314 tysięcy absolwentów po prawie 2500 kierunków.</a:t>
-            </a:r>
-          </a:p>
-          <a:p>
-            <a:pPr marL="1080000" indent="0" algn="just">
-              <a:buNone/>
-            </a:pPr>
-            <a:r>
-              <a:rPr lang="pl-PL" sz="2400" dirty="0">
-                <a:latin typeface="Arial" panose="020B0604020202020204" pitchFamily="34" charset="0"/>
-                <a:cs typeface="Arial" panose="020B0604020202020204" pitchFamily="34" charset="0"/>
-              </a:rPr>
-              <a:t>	Wykorzystane w badaniu dane pochodzą z serwisu systemu Ekonomicznych Losów Absolwentów szkół wyższych (ELA) </a:t>
+              <a:t>źródło: </a:t>
             </a:r>
             <a:r>
               <a:rPr lang="pl-PL" sz="2400" dirty="0">
@@ -4291,6 +8948,49 @@
           </a:p>
         </p:txBody>
       </p:sp>
+      <p:cxnSp>
+        <p:nvCxnSpPr>
+          <p:cNvPr id="6" name="Łącznik prosty 5">
+            <a:extLst>
+              <a:ext uri="{FF2B5EF4-FFF2-40B4-BE49-F238E27FC236}">
+                <a16:creationId xmlns:a16="http://schemas.microsoft.com/office/drawing/2014/main" id="{F5A1171D-0228-4CEC-9C84-F76C86379CC6}"/>
+              </a:ext>
+            </a:extLst>
+          </p:cNvPr>
+          <p:cNvCxnSpPr>
+            <a:cxnSpLocks/>
+          </p:cNvCxnSpPr>
+          <p:nvPr/>
+        </p:nvCxnSpPr>
+        <p:spPr>
+          <a:xfrm>
+            <a:off x="1080000" y="1064313"/>
+            <a:ext cx="10032000" cy="0"/>
+          </a:xfrm>
+          <a:prstGeom prst="line">
+            <a:avLst/>
+          </a:prstGeom>
+          <a:ln w="22225">
+            <a:solidFill>
+              <a:schemeClr val="accent6"/>
+            </a:solidFill>
+          </a:ln>
+        </p:spPr>
+        <p:style>
+          <a:lnRef idx="1">
+            <a:schemeClr val="accent1"/>
+          </a:lnRef>
+          <a:fillRef idx="0">
+            <a:schemeClr val="accent1"/>
+          </a:fillRef>
+          <a:effectRef idx="0">
+            <a:schemeClr val="accent1"/>
+          </a:effectRef>
+          <a:fontRef idx="minor">
+            <a:schemeClr val="tx1"/>
+          </a:fontRef>
+        </p:style>
+      </p:cxnSp>
     </p:spTree>
     <p:extLst>
       <p:ext uri="{BB962C8B-B14F-4D97-AF65-F5344CB8AC3E}">
@@ -4331,6 +9031,203 @@
       </p:grpSpPr>
       <p:sp>
         <p:nvSpPr>
+          <p:cNvPr id="6" name="Prostokąt 10">
+            <a:extLst>
+              <a:ext uri="{FF2B5EF4-FFF2-40B4-BE49-F238E27FC236}">
+                <a16:creationId xmlns:a16="http://schemas.microsoft.com/office/drawing/2014/main" id="{E8A7116A-BBCD-4EDD-BEED-F430D36F7A68}"/>
+              </a:ext>
+            </a:extLst>
+          </p:cNvPr>
+          <p:cNvSpPr/>
+          <p:nvPr/>
+        </p:nvSpPr>
+        <p:spPr>
+          <a:xfrm>
+            <a:off x="1055370" y="640079"/>
+            <a:ext cx="6625590" cy="140743"/>
+          </a:xfrm>
+          <a:custGeom>
+            <a:avLst/>
+            <a:gdLst>
+              <a:gd name="connsiteX0" fmla="*/ 0 w 4573337"/>
+              <a:gd name="connsiteY0" fmla="*/ 0 h 111368"/>
+              <a:gd name="connsiteX1" fmla="*/ 4573337 w 4573337"/>
+              <a:gd name="connsiteY1" fmla="*/ 0 h 111368"/>
+              <a:gd name="connsiteX2" fmla="*/ 4573337 w 4573337"/>
+              <a:gd name="connsiteY2" fmla="*/ 111368 h 111368"/>
+              <a:gd name="connsiteX3" fmla="*/ 0 w 4573337"/>
+              <a:gd name="connsiteY3" fmla="*/ 111368 h 111368"/>
+              <a:gd name="connsiteX4" fmla="*/ 0 w 4573337"/>
+              <a:gd name="connsiteY4" fmla="*/ 0 h 111368"/>
+              <a:gd name="connsiteX0" fmla="*/ 386861 w 4573337"/>
+              <a:gd name="connsiteY0" fmla="*/ 0 h 123091"/>
+              <a:gd name="connsiteX1" fmla="*/ 4573337 w 4573337"/>
+              <a:gd name="connsiteY1" fmla="*/ 11723 h 123091"/>
+              <a:gd name="connsiteX2" fmla="*/ 4573337 w 4573337"/>
+              <a:gd name="connsiteY2" fmla="*/ 123091 h 123091"/>
+              <a:gd name="connsiteX3" fmla="*/ 0 w 4573337"/>
+              <a:gd name="connsiteY3" fmla="*/ 123091 h 123091"/>
+              <a:gd name="connsiteX4" fmla="*/ 386861 w 4573337"/>
+              <a:gd name="connsiteY4" fmla="*/ 0 h 123091"/>
+              <a:gd name="connsiteX0" fmla="*/ 386861 w 4573337"/>
+              <a:gd name="connsiteY0" fmla="*/ 0 h 123091"/>
+              <a:gd name="connsiteX1" fmla="*/ 4573337 w 4573337"/>
+              <a:gd name="connsiteY1" fmla="*/ 11723 h 123091"/>
+              <a:gd name="connsiteX2" fmla="*/ 4464319 w 4573337"/>
+              <a:gd name="connsiteY2" fmla="*/ 118880 h 123091"/>
+              <a:gd name="connsiteX3" fmla="*/ 0 w 4573337"/>
+              <a:gd name="connsiteY3" fmla="*/ 123091 h 123091"/>
+              <a:gd name="connsiteX4" fmla="*/ 386861 w 4573337"/>
+              <a:gd name="connsiteY4" fmla="*/ 0 h 123091"/>
+              <a:gd name="connsiteX0" fmla="*/ 386861 w 4730807"/>
+              <a:gd name="connsiteY0" fmla="*/ 13543 h 136634"/>
+              <a:gd name="connsiteX1" fmla="*/ 4730807 w 4730807"/>
+              <a:gd name="connsiteY1" fmla="*/ 0 h 136634"/>
+              <a:gd name="connsiteX2" fmla="*/ 4464319 w 4730807"/>
+              <a:gd name="connsiteY2" fmla="*/ 132423 h 136634"/>
+              <a:gd name="connsiteX3" fmla="*/ 0 w 4730807"/>
+              <a:gd name="connsiteY3" fmla="*/ 136634 h 136634"/>
+              <a:gd name="connsiteX4" fmla="*/ 386861 w 4730807"/>
+              <a:gd name="connsiteY4" fmla="*/ 13543 h 136634"/>
+              <a:gd name="connsiteX0" fmla="*/ 386861 w 4674279"/>
+              <a:gd name="connsiteY0" fmla="*/ 17754 h 140845"/>
+              <a:gd name="connsiteX1" fmla="*/ 4674279 w 4674279"/>
+              <a:gd name="connsiteY1" fmla="*/ 0 h 140845"/>
+              <a:gd name="connsiteX2" fmla="*/ 4464319 w 4674279"/>
+              <a:gd name="connsiteY2" fmla="*/ 136634 h 140845"/>
+              <a:gd name="connsiteX3" fmla="*/ 0 w 4674279"/>
+              <a:gd name="connsiteY3" fmla="*/ 140845 h 140845"/>
+              <a:gd name="connsiteX4" fmla="*/ 386861 w 4674279"/>
+              <a:gd name="connsiteY4" fmla="*/ 17754 h 140845"/>
+              <a:gd name="connsiteX0" fmla="*/ 633161 w 4920579"/>
+              <a:gd name="connsiteY0" fmla="*/ 17754 h 149267"/>
+              <a:gd name="connsiteX1" fmla="*/ 4920579 w 4920579"/>
+              <a:gd name="connsiteY1" fmla="*/ 0 h 149267"/>
+              <a:gd name="connsiteX2" fmla="*/ 4710619 w 4920579"/>
+              <a:gd name="connsiteY2" fmla="*/ 136634 h 149267"/>
+              <a:gd name="connsiteX3" fmla="*/ 0 w 4920579"/>
+              <a:gd name="connsiteY3" fmla="*/ 149267 h 149267"/>
+              <a:gd name="connsiteX4" fmla="*/ 633161 w 4920579"/>
+              <a:gd name="connsiteY4" fmla="*/ 17754 h 149267"/>
+              <a:gd name="connsiteX0" fmla="*/ 366673 w 4920579"/>
+              <a:gd name="connsiteY0" fmla="*/ 9332 h 149267"/>
+              <a:gd name="connsiteX1" fmla="*/ 4920579 w 4920579"/>
+              <a:gd name="connsiteY1" fmla="*/ 0 h 149267"/>
+              <a:gd name="connsiteX2" fmla="*/ 4710619 w 4920579"/>
+              <a:gd name="connsiteY2" fmla="*/ 136634 h 149267"/>
+              <a:gd name="connsiteX3" fmla="*/ 0 w 4920579"/>
+              <a:gd name="connsiteY3" fmla="*/ 149267 h 149267"/>
+              <a:gd name="connsiteX4" fmla="*/ 366673 w 4920579"/>
+              <a:gd name="connsiteY4" fmla="*/ 9332 h 149267"/>
+              <a:gd name="connsiteX0" fmla="*/ 289957 w 4920579"/>
+              <a:gd name="connsiteY0" fmla="*/ 76708 h 149267"/>
+              <a:gd name="connsiteX1" fmla="*/ 4920579 w 4920579"/>
+              <a:gd name="connsiteY1" fmla="*/ 0 h 149267"/>
+              <a:gd name="connsiteX2" fmla="*/ 4710619 w 4920579"/>
+              <a:gd name="connsiteY2" fmla="*/ 136634 h 149267"/>
+              <a:gd name="connsiteX3" fmla="*/ 0 w 4920579"/>
+              <a:gd name="connsiteY3" fmla="*/ 149267 h 149267"/>
+              <a:gd name="connsiteX4" fmla="*/ 289957 w 4920579"/>
+              <a:gd name="connsiteY4" fmla="*/ 76708 h 149267"/>
+              <a:gd name="connsiteX0" fmla="*/ 253617 w 4920579"/>
+              <a:gd name="connsiteY0" fmla="*/ 55653 h 149267"/>
+              <a:gd name="connsiteX1" fmla="*/ 4920579 w 4920579"/>
+              <a:gd name="connsiteY1" fmla="*/ 0 h 149267"/>
+              <a:gd name="connsiteX2" fmla="*/ 4710619 w 4920579"/>
+              <a:gd name="connsiteY2" fmla="*/ 136634 h 149267"/>
+              <a:gd name="connsiteX3" fmla="*/ 0 w 4920579"/>
+              <a:gd name="connsiteY3" fmla="*/ 149267 h 149267"/>
+              <a:gd name="connsiteX4" fmla="*/ 253617 w 4920579"/>
+              <a:gd name="connsiteY4" fmla="*/ 55653 h 149267"/>
+              <a:gd name="connsiteX0" fmla="*/ 152675 w 4920579"/>
+              <a:gd name="connsiteY0" fmla="*/ 51442 h 149267"/>
+              <a:gd name="connsiteX1" fmla="*/ 4920579 w 4920579"/>
+              <a:gd name="connsiteY1" fmla="*/ 0 h 149267"/>
+              <a:gd name="connsiteX2" fmla="*/ 4710619 w 4920579"/>
+              <a:gd name="connsiteY2" fmla="*/ 136634 h 149267"/>
+              <a:gd name="connsiteX3" fmla="*/ 0 w 4920579"/>
+              <a:gd name="connsiteY3" fmla="*/ 149267 h 149267"/>
+              <a:gd name="connsiteX4" fmla="*/ 152675 w 4920579"/>
+              <a:gd name="connsiteY4" fmla="*/ 51442 h 149267"/>
+            </a:gdLst>
+            <a:ahLst/>
+            <a:cxnLst>
+              <a:cxn ang="0">
+                <a:pos x="connsiteX0" y="connsiteY0"/>
+              </a:cxn>
+              <a:cxn ang="0">
+                <a:pos x="connsiteX1" y="connsiteY1"/>
+              </a:cxn>
+              <a:cxn ang="0">
+                <a:pos x="connsiteX2" y="connsiteY2"/>
+              </a:cxn>
+              <a:cxn ang="0">
+                <a:pos x="connsiteX3" y="connsiteY3"/>
+              </a:cxn>
+              <a:cxn ang="0">
+                <a:pos x="connsiteX4" y="connsiteY4"/>
+              </a:cxn>
+            </a:cxnLst>
+            <a:rect l="l" t="t" r="r" b="b"/>
+            <a:pathLst>
+              <a:path w="4920579" h="149267">
+                <a:moveTo>
+                  <a:pt x="152675" y="51442"/>
+                </a:moveTo>
+                <a:lnTo>
+                  <a:pt x="4920579" y="0"/>
+                </a:lnTo>
+                <a:lnTo>
+                  <a:pt x="4710619" y="136634"/>
+                </a:lnTo>
+                <a:lnTo>
+                  <a:pt x="0" y="149267"/>
+                </a:lnTo>
+                <a:lnTo>
+                  <a:pt x="152675" y="51442"/>
+                </a:lnTo>
+                <a:close/>
+              </a:path>
+            </a:pathLst>
+          </a:custGeom>
+          <a:solidFill>
+            <a:schemeClr val="accent4">
+              <a:lumMod val="40000"/>
+              <a:lumOff val="60000"/>
+              <a:alpha val="50196"/>
+            </a:schemeClr>
+          </a:solidFill>
+          <a:ln>
+            <a:noFill/>
+          </a:ln>
+        </p:spPr>
+        <p:style>
+          <a:lnRef idx="2">
+            <a:schemeClr val="accent1">
+              <a:shade val="50000"/>
+            </a:schemeClr>
+          </a:lnRef>
+          <a:fillRef idx="1">
+            <a:schemeClr val="accent1"/>
+          </a:fillRef>
+          <a:effectRef idx="0">
+            <a:schemeClr val="accent1"/>
+          </a:effectRef>
+          <a:fontRef idx="minor">
+            <a:schemeClr val="lt1"/>
+          </a:fontRef>
+        </p:style>
+        <p:txBody>
+          <a:bodyPr rtlCol="0" anchor="ctr"/>
+          <a:lstStyle/>
+          <a:p>
+            <a:pPr algn="ctr"/>
+            <a:endParaRPr lang="pl-PL"/>
+          </a:p>
+        </p:txBody>
+      </p:sp>
+      <p:sp>
+        <p:nvSpPr>
           <p:cNvPr id="11" name="Tytuł 10">
             <a:extLst>
               <a:ext uri="{FF2B5EF4-FFF2-40B4-BE49-F238E27FC236}">
@@ -4366,7 +9263,7 @@
                 <a:latin typeface="Arial" panose="020B0604020202020204" pitchFamily="34" charset="0"/>
                 <a:cs typeface="Arial" panose="020B0604020202020204" pitchFamily="34" charset="0"/>
               </a:rPr>
-              <a:t>Dziedzina i forma studiów</a:t>
+              <a:t>Popularność dziedziny nauk</a:t>
             </a:r>
           </a:p>
         </p:txBody>
@@ -4644,10 +9541,10 @@
       </p:sp>
       <p:pic>
         <p:nvPicPr>
-          <p:cNvPr id="3" name="Obraz 2">
+          <p:cNvPr id="4" name="Obraz 3">
             <a:extLst>
               <a:ext uri="{FF2B5EF4-FFF2-40B4-BE49-F238E27FC236}">
-                <a16:creationId xmlns:a16="http://schemas.microsoft.com/office/drawing/2014/main" id="{D1E5B763-1B80-47AF-8D68-F73C433800C0}"/>
+                <a16:creationId xmlns:a16="http://schemas.microsoft.com/office/drawing/2014/main" id="{271ACB23-F404-4937-8156-16C697AEEAAE}"/>
               </a:ext>
             </a:extLst>
           </p:cNvPr>
@@ -4670,14 +9567,57 @@
         </p:blipFill>
         <p:spPr>
           <a:xfrm>
-            <a:off x="1140542" y="2324115"/>
-            <a:ext cx="9910916" cy="4025574"/>
+            <a:off x="1052052" y="2349852"/>
+            <a:ext cx="9900769" cy="4021452"/>
           </a:xfrm>
           <a:prstGeom prst="rect">
             <a:avLst/>
           </a:prstGeom>
         </p:spPr>
       </p:pic>
+      <p:cxnSp>
+        <p:nvCxnSpPr>
+          <p:cNvPr id="8" name="Łącznik prosty 7">
+            <a:extLst>
+              <a:ext uri="{FF2B5EF4-FFF2-40B4-BE49-F238E27FC236}">
+                <a16:creationId xmlns:a16="http://schemas.microsoft.com/office/drawing/2014/main" id="{522DDD22-8D20-4A84-B299-8A9402D9BDA2}"/>
+              </a:ext>
+            </a:extLst>
+          </p:cNvPr>
+          <p:cNvCxnSpPr>
+            <a:cxnSpLocks/>
+          </p:cNvCxnSpPr>
+          <p:nvPr/>
+        </p:nvCxnSpPr>
+        <p:spPr>
+          <a:xfrm>
+            <a:off x="1080000" y="1064313"/>
+            <a:ext cx="10032000" cy="0"/>
+          </a:xfrm>
+          <a:prstGeom prst="line">
+            <a:avLst/>
+          </a:prstGeom>
+          <a:ln w="22225">
+            <a:solidFill>
+              <a:schemeClr val="accent6"/>
+            </a:solidFill>
+          </a:ln>
+        </p:spPr>
+        <p:style>
+          <a:lnRef idx="1">
+            <a:schemeClr val="accent1"/>
+          </a:lnRef>
+          <a:fillRef idx="0">
+            <a:schemeClr val="accent1"/>
+          </a:fillRef>
+          <a:effectRef idx="0">
+            <a:schemeClr val="accent1"/>
+          </a:effectRef>
+          <a:fontRef idx="minor">
+            <a:schemeClr val="tx1"/>
+          </a:fontRef>
+        </p:style>
+      </p:cxnSp>
     </p:spTree>
     <p:extLst>
       <p:ext uri="{BB962C8B-B14F-4D97-AF65-F5344CB8AC3E}">
@@ -4718,6 +9658,203 @@
       </p:grpSpPr>
       <p:sp>
         <p:nvSpPr>
+          <p:cNvPr id="6" name="Prostokąt 10">
+            <a:extLst>
+              <a:ext uri="{FF2B5EF4-FFF2-40B4-BE49-F238E27FC236}">
+                <a16:creationId xmlns:a16="http://schemas.microsoft.com/office/drawing/2014/main" id="{E3AF8EB9-137E-424A-9047-708808AB8D95}"/>
+              </a:ext>
+            </a:extLst>
+          </p:cNvPr>
+          <p:cNvSpPr/>
+          <p:nvPr/>
+        </p:nvSpPr>
+        <p:spPr>
+          <a:xfrm>
+            <a:off x="1055370" y="640079"/>
+            <a:ext cx="6625590" cy="140743"/>
+          </a:xfrm>
+          <a:custGeom>
+            <a:avLst/>
+            <a:gdLst>
+              <a:gd name="connsiteX0" fmla="*/ 0 w 4573337"/>
+              <a:gd name="connsiteY0" fmla="*/ 0 h 111368"/>
+              <a:gd name="connsiteX1" fmla="*/ 4573337 w 4573337"/>
+              <a:gd name="connsiteY1" fmla="*/ 0 h 111368"/>
+              <a:gd name="connsiteX2" fmla="*/ 4573337 w 4573337"/>
+              <a:gd name="connsiteY2" fmla="*/ 111368 h 111368"/>
+              <a:gd name="connsiteX3" fmla="*/ 0 w 4573337"/>
+              <a:gd name="connsiteY3" fmla="*/ 111368 h 111368"/>
+              <a:gd name="connsiteX4" fmla="*/ 0 w 4573337"/>
+              <a:gd name="connsiteY4" fmla="*/ 0 h 111368"/>
+              <a:gd name="connsiteX0" fmla="*/ 386861 w 4573337"/>
+              <a:gd name="connsiteY0" fmla="*/ 0 h 123091"/>
+              <a:gd name="connsiteX1" fmla="*/ 4573337 w 4573337"/>
+              <a:gd name="connsiteY1" fmla="*/ 11723 h 123091"/>
+              <a:gd name="connsiteX2" fmla="*/ 4573337 w 4573337"/>
+              <a:gd name="connsiteY2" fmla="*/ 123091 h 123091"/>
+              <a:gd name="connsiteX3" fmla="*/ 0 w 4573337"/>
+              <a:gd name="connsiteY3" fmla="*/ 123091 h 123091"/>
+              <a:gd name="connsiteX4" fmla="*/ 386861 w 4573337"/>
+              <a:gd name="connsiteY4" fmla="*/ 0 h 123091"/>
+              <a:gd name="connsiteX0" fmla="*/ 386861 w 4573337"/>
+              <a:gd name="connsiteY0" fmla="*/ 0 h 123091"/>
+              <a:gd name="connsiteX1" fmla="*/ 4573337 w 4573337"/>
+              <a:gd name="connsiteY1" fmla="*/ 11723 h 123091"/>
+              <a:gd name="connsiteX2" fmla="*/ 4464319 w 4573337"/>
+              <a:gd name="connsiteY2" fmla="*/ 118880 h 123091"/>
+              <a:gd name="connsiteX3" fmla="*/ 0 w 4573337"/>
+              <a:gd name="connsiteY3" fmla="*/ 123091 h 123091"/>
+              <a:gd name="connsiteX4" fmla="*/ 386861 w 4573337"/>
+              <a:gd name="connsiteY4" fmla="*/ 0 h 123091"/>
+              <a:gd name="connsiteX0" fmla="*/ 386861 w 4730807"/>
+              <a:gd name="connsiteY0" fmla="*/ 13543 h 136634"/>
+              <a:gd name="connsiteX1" fmla="*/ 4730807 w 4730807"/>
+              <a:gd name="connsiteY1" fmla="*/ 0 h 136634"/>
+              <a:gd name="connsiteX2" fmla="*/ 4464319 w 4730807"/>
+              <a:gd name="connsiteY2" fmla="*/ 132423 h 136634"/>
+              <a:gd name="connsiteX3" fmla="*/ 0 w 4730807"/>
+              <a:gd name="connsiteY3" fmla="*/ 136634 h 136634"/>
+              <a:gd name="connsiteX4" fmla="*/ 386861 w 4730807"/>
+              <a:gd name="connsiteY4" fmla="*/ 13543 h 136634"/>
+              <a:gd name="connsiteX0" fmla="*/ 386861 w 4674279"/>
+              <a:gd name="connsiteY0" fmla="*/ 17754 h 140845"/>
+              <a:gd name="connsiteX1" fmla="*/ 4674279 w 4674279"/>
+              <a:gd name="connsiteY1" fmla="*/ 0 h 140845"/>
+              <a:gd name="connsiteX2" fmla="*/ 4464319 w 4674279"/>
+              <a:gd name="connsiteY2" fmla="*/ 136634 h 140845"/>
+              <a:gd name="connsiteX3" fmla="*/ 0 w 4674279"/>
+              <a:gd name="connsiteY3" fmla="*/ 140845 h 140845"/>
+              <a:gd name="connsiteX4" fmla="*/ 386861 w 4674279"/>
+              <a:gd name="connsiteY4" fmla="*/ 17754 h 140845"/>
+              <a:gd name="connsiteX0" fmla="*/ 633161 w 4920579"/>
+              <a:gd name="connsiteY0" fmla="*/ 17754 h 149267"/>
+              <a:gd name="connsiteX1" fmla="*/ 4920579 w 4920579"/>
+              <a:gd name="connsiteY1" fmla="*/ 0 h 149267"/>
+              <a:gd name="connsiteX2" fmla="*/ 4710619 w 4920579"/>
+              <a:gd name="connsiteY2" fmla="*/ 136634 h 149267"/>
+              <a:gd name="connsiteX3" fmla="*/ 0 w 4920579"/>
+              <a:gd name="connsiteY3" fmla="*/ 149267 h 149267"/>
+              <a:gd name="connsiteX4" fmla="*/ 633161 w 4920579"/>
+              <a:gd name="connsiteY4" fmla="*/ 17754 h 149267"/>
+              <a:gd name="connsiteX0" fmla="*/ 366673 w 4920579"/>
+              <a:gd name="connsiteY0" fmla="*/ 9332 h 149267"/>
+              <a:gd name="connsiteX1" fmla="*/ 4920579 w 4920579"/>
+              <a:gd name="connsiteY1" fmla="*/ 0 h 149267"/>
+              <a:gd name="connsiteX2" fmla="*/ 4710619 w 4920579"/>
+              <a:gd name="connsiteY2" fmla="*/ 136634 h 149267"/>
+              <a:gd name="connsiteX3" fmla="*/ 0 w 4920579"/>
+              <a:gd name="connsiteY3" fmla="*/ 149267 h 149267"/>
+              <a:gd name="connsiteX4" fmla="*/ 366673 w 4920579"/>
+              <a:gd name="connsiteY4" fmla="*/ 9332 h 149267"/>
+              <a:gd name="connsiteX0" fmla="*/ 289957 w 4920579"/>
+              <a:gd name="connsiteY0" fmla="*/ 76708 h 149267"/>
+              <a:gd name="connsiteX1" fmla="*/ 4920579 w 4920579"/>
+              <a:gd name="connsiteY1" fmla="*/ 0 h 149267"/>
+              <a:gd name="connsiteX2" fmla="*/ 4710619 w 4920579"/>
+              <a:gd name="connsiteY2" fmla="*/ 136634 h 149267"/>
+              <a:gd name="connsiteX3" fmla="*/ 0 w 4920579"/>
+              <a:gd name="connsiteY3" fmla="*/ 149267 h 149267"/>
+              <a:gd name="connsiteX4" fmla="*/ 289957 w 4920579"/>
+              <a:gd name="connsiteY4" fmla="*/ 76708 h 149267"/>
+              <a:gd name="connsiteX0" fmla="*/ 253617 w 4920579"/>
+              <a:gd name="connsiteY0" fmla="*/ 55653 h 149267"/>
+              <a:gd name="connsiteX1" fmla="*/ 4920579 w 4920579"/>
+              <a:gd name="connsiteY1" fmla="*/ 0 h 149267"/>
+              <a:gd name="connsiteX2" fmla="*/ 4710619 w 4920579"/>
+              <a:gd name="connsiteY2" fmla="*/ 136634 h 149267"/>
+              <a:gd name="connsiteX3" fmla="*/ 0 w 4920579"/>
+              <a:gd name="connsiteY3" fmla="*/ 149267 h 149267"/>
+              <a:gd name="connsiteX4" fmla="*/ 253617 w 4920579"/>
+              <a:gd name="connsiteY4" fmla="*/ 55653 h 149267"/>
+              <a:gd name="connsiteX0" fmla="*/ 152675 w 4920579"/>
+              <a:gd name="connsiteY0" fmla="*/ 51442 h 149267"/>
+              <a:gd name="connsiteX1" fmla="*/ 4920579 w 4920579"/>
+              <a:gd name="connsiteY1" fmla="*/ 0 h 149267"/>
+              <a:gd name="connsiteX2" fmla="*/ 4710619 w 4920579"/>
+              <a:gd name="connsiteY2" fmla="*/ 136634 h 149267"/>
+              <a:gd name="connsiteX3" fmla="*/ 0 w 4920579"/>
+              <a:gd name="connsiteY3" fmla="*/ 149267 h 149267"/>
+              <a:gd name="connsiteX4" fmla="*/ 152675 w 4920579"/>
+              <a:gd name="connsiteY4" fmla="*/ 51442 h 149267"/>
+            </a:gdLst>
+            <a:ahLst/>
+            <a:cxnLst>
+              <a:cxn ang="0">
+                <a:pos x="connsiteX0" y="connsiteY0"/>
+              </a:cxn>
+              <a:cxn ang="0">
+                <a:pos x="connsiteX1" y="connsiteY1"/>
+              </a:cxn>
+              <a:cxn ang="0">
+                <a:pos x="connsiteX2" y="connsiteY2"/>
+              </a:cxn>
+              <a:cxn ang="0">
+                <a:pos x="connsiteX3" y="connsiteY3"/>
+              </a:cxn>
+              <a:cxn ang="0">
+                <a:pos x="connsiteX4" y="connsiteY4"/>
+              </a:cxn>
+            </a:cxnLst>
+            <a:rect l="l" t="t" r="r" b="b"/>
+            <a:pathLst>
+              <a:path w="4920579" h="149267">
+                <a:moveTo>
+                  <a:pt x="152675" y="51442"/>
+                </a:moveTo>
+                <a:lnTo>
+                  <a:pt x="4920579" y="0"/>
+                </a:lnTo>
+                <a:lnTo>
+                  <a:pt x="4710619" y="136634"/>
+                </a:lnTo>
+                <a:lnTo>
+                  <a:pt x="0" y="149267"/>
+                </a:lnTo>
+                <a:lnTo>
+                  <a:pt x="152675" y="51442"/>
+                </a:lnTo>
+                <a:close/>
+              </a:path>
+            </a:pathLst>
+          </a:custGeom>
+          <a:solidFill>
+            <a:schemeClr val="accent4">
+              <a:lumMod val="40000"/>
+              <a:lumOff val="60000"/>
+              <a:alpha val="50196"/>
+            </a:schemeClr>
+          </a:solidFill>
+          <a:ln>
+            <a:noFill/>
+          </a:ln>
+        </p:spPr>
+        <p:style>
+          <a:lnRef idx="2">
+            <a:schemeClr val="accent1">
+              <a:shade val="50000"/>
+            </a:schemeClr>
+          </a:lnRef>
+          <a:fillRef idx="1">
+            <a:schemeClr val="accent1"/>
+          </a:fillRef>
+          <a:effectRef idx="0">
+            <a:schemeClr val="accent1"/>
+          </a:effectRef>
+          <a:fontRef idx="minor">
+            <a:schemeClr val="lt1"/>
+          </a:fontRef>
+        </p:style>
+        <p:txBody>
+          <a:bodyPr rtlCol="0" anchor="ctr"/>
+          <a:lstStyle/>
+          <a:p>
+            <a:pPr algn="ctr"/>
+            <a:endParaRPr lang="pl-PL"/>
+          </a:p>
+        </p:txBody>
+      </p:sp>
+      <p:sp>
+        <p:nvSpPr>
           <p:cNvPr id="11" name="Tytuł 10">
             <a:extLst>
               <a:ext uri="{FF2B5EF4-FFF2-40B4-BE49-F238E27FC236}">
@@ -4753,7 +9890,7 @@
                 <a:latin typeface="Arial" panose="020B0604020202020204" pitchFamily="34" charset="0"/>
                 <a:cs typeface="Arial" panose="020B0604020202020204" pitchFamily="34" charset="0"/>
               </a:rPr>
-              <a:t>Dziedzina i forma studiów</a:t>
+              <a:t>Forma ukończonych studiów</a:t>
             </a:r>
           </a:p>
         </p:txBody>
@@ -5058,6 +10195,49 @@
           </a:prstGeom>
         </p:spPr>
       </p:pic>
+      <p:cxnSp>
+        <p:nvCxnSpPr>
+          <p:cNvPr id="8" name="Łącznik prosty 7">
+            <a:extLst>
+              <a:ext uri="{FF2B5EF4-FFF2-40B4-BE49-F238E27FC236}">
+                <a16:creationId xmlns:a16="http://schemas.microsoft.com/office/drawing/2014/main" id="{E2687C28-D5C8-4984-B099-1EA1537B8A9F}"/>
+              </a:ext>
+            </a:extLst>
+          </p:cNvPr>
+          <p:cNvCxnSpPr>
+            <a:cxnSpLocks/>
+          </p:cNvCxnSpPr>
+          <p:nvPr/>
+        </p:nvCxnSpPr>
+        <p:spPr>
+          <a:xfrm>
+            <a:off x="1080000" y="1064313"/>
+            <a:ext cx="10032000" cy="0"/>
+          </a:xfrm>
+          <a:prstGeom prst="line">
+            <a:avLst/>
+          </a:prstGeom>
+          <a:ln w="22225">
+            <a:solidFill>
+              <a:schemeClr val="accent6"/>
+            </a:solidFill>
+          </a:ln>
+        </p:spPr>
+        <p:style>
+          <a:lnRef idx="1">
+            <a:schemeClr val="accent1"/>
+          </a:lnRef>
+          <a:fillRef idx="0">
+            <a:schemeClr val="accent1"/>
+          </a:fillRef>
+          <a:effectRef idx="0">
+            <a:schemeClr val="accent1"/>
+          </a:effectRef>
+          <a:fontRef idx="minor">
+            <a:schemeClr val="tx1"/>
+          </a:fontRef>
+        </p:style>
+      </p:cxnSp>
     </p:spTree>
     <p:extLst>
       <p:ext uri="{BB962C8B-B14F-4D97-AF65-F5344CB8AC3E}">
@@ -5098,6 +10278,203 @@
       </p:grpSpPr>
       <p:sp>
         <p:nvSpPr>
+          <p:cNvPr id="6" name="Prostokąt 10">
+            <a:extLst>
+              <a:ext uri="{FF2B5EF4-FFF2-40B4-BE49-F238E27FC236}">
+                <a16:creationId xmlns:a16="http://schemas.microsoft.com/office/drawing/2014/main" id="{A39A7106-FB7F-4CE6-9002-909C500A9200}"/>
+              </a:ext>
+            </a:extLst>
+          </p:cNvPr>
+          <p:cNvSpPr/>
+          <p:nvPr/>
+        </p:nvSpPr>
+        <p:spPr>
+          <a:xfrm>
+            <a:off x="1055370" y="646176"/>
+            <a:ext cx="9124950" cy="134646"/>
+          </a:xfrm>
+          <a:custGeom>
+            <a:avLst/>
+            <a:gdLst>
+              <a:gd name="connsiteX0" fmla="*/ 0 w 4573337"/>
+              <a:gd name="connsiteY0" fmla="*/ 0 h 111368"/>
+              <a:gd name="connsiteX1" fmla="*/ 4573337 w 4573337"/>
+              <a:gd name="connsiteY1" fmla="*/ 0 h 111368"/>
+              <a:gd name="connsiteX2" fmla="*/ 4573337 w 4573337"/>
+              <a:gd name="connsiteY2" fmla="*/ 111368 h 111368"/>
+              <a:gd name="connsiteX3" fmla="*/ 0 w 4573337"/>
+              <a:gd name="connsiteY3" fmla="*/ 111368 h 111368"/>
+              <a:gd name="connsiteX4" fmla="*/ 0 w 4573337"/>
+              <a:gd name="connsiteY4" fmla="*/ 0 h 111368"/>
+              <a:gd name="connsiteX0" fmla="*/ 386861 w 4573337"/>
+              <a:gd name="connsiteY0" fmla="*/ 0 h 123091"/>
+              <a:gd name="connsiteX1" fmla="*/ 4573337 w 4573337"/>
+              <a:gd name="connsiteY1" fmla="*/ 11723 h 123091"/>
+              <a:gd name="connsiteX2" fmla="*/ 4573337 w 4573337"/>
+              <a:gd name="connsiteY2" fmla="*/ 123091 h 123091"/>
+              <a:gd name="connsiteX3" fmla="*/ 0 w 4573337"/>
+              <a:gd name="connsiteY3" fmla="*/ 123091 h 123091"/>
+              <a:gd name="connsiteX4" fmla="*/ 386861 w 4573337"/>
+              <a:gd name="connsiteY4" fmla="*/ 0 h 123091"/>
+              <a:gd name="connsiteX0" fmla="*/ 386861 w 4573337"/>
+              <a:gd name="connsiteY0" fmla="*/ 0 h 123091"/>
+              <a:gd name="connsiteX1" fmla="*/ 4573337 w 4573337"/>
+              <a:gd name="connsiteY1" fmla="*/ 11723 h 123091"/>
+              <a:gd name="connsiteX2" fmla="*/ 4464319 w 4573337"/>
+              <a:gd name="connsiteY2" fmla="*/ 118880 h 123091"/>
+              <a:gd name="connsiteX3" fmla="*/ 0 w 4573337"/>
+              <a:gd name="connsiteY3" fmla="*/ 123091 h 123091"/>
+              <a:gd name="connsiteX4" fmla="*/ 386861 w 4573337"/>
+              <a:gd name="connsiteY4" fmla="*/ 0 h 123091"/>
+              <a:gd name="connsiteX0" fmla="*/ 386861 w 4730807"/>
+              <a:gd name="connsiteY0" fmla="*/ 13543 h 136634"/>
+              <a:gd name="connsiteX1" fmla="*/ 4730807 w 4730807"/>
+              <a:gd name="connsiteY1" fmla="*/ 0 h 136634"/>
+              <a:gd name="connsiteX2" fmla="*/ 4464319 w 4730807"/>
+              <a:gd name="connsiteY2" fmla="*/ 132423 h 136634"/>
+              <a:gd name="connsiteX3" fmla="*/ 0 w 4730807"/>
+              <a:gd name="connsiteY3" fmla="*/ 136634 h 136634"/>
+              <a:gd name="connsiteX4" fmla="*/ 386861 w 4730807"/>
+              <a:gd name="connsiteY4" fmla="*/ 13543 h 136634"/>
+              <a:gd name="connsiteX0" fmla="*/ 386861 w 4674279"/>
+              <a:gd name="connsiteY0" fmla="*/ 17754 h 140845"/>
+              <a:gd name="connsiteX1" fmla="*/ 4674279 w 4674279"/>
+              <a:gd name="connsiteY1" fmla="*/ 0 h 140845"/>
+              <a:gd name="connsiteX2" fmla="*/ 4464319 w 4674279"/>
+              <a:gd name="connsiteY2" fmla="*/ 136634 h 140845"/>
+              <a:gd name="connsiteX3" fmla="*/ 0 w 4674279"/>
+              <a:gd name="connsiteY3" fmla="*/ 140845 h 140845"/>
+              <a:gd name="connsiteX4" fmla="*/ 386861 w 4674279"/>
+              <a:gd name="connsiteY4" fmla="*/ 17754 h 140845"/>
+              <a:gd name="connsiteX0" fmla="*/ 633161 w 4920579"/>
+              <a:gd name="connsiteY0" fmla="*/ 17754 h 149267"/>
+              <a:gd name="connsiteX1" fmla="*/ 4920579 w 4920579"/>
+              <a:gd name="connsiteY1" fmla="*/ 0 h 149267"/>
+              <a:gd name="connsiteX2" fmla="*/ 4710619 w 4920579"/>
+              <a:gd name="connsiteY2" fmla="*/ 136634 h 149267"/>
+              <a:gd name="connsiteX3" fmla="*/ 0 w 4920579"/>
+              <a:gd name="connsiteY3" fmla="*/ 149267 h 149267"/>
+              <a:gd name="connsiteX4" fmla="*/ 633161 w 4920579"/>
+              <a:gd name="connsiteY4" fmla="*/ 17754 h 149267"/>
+              <a:gd name="connsiteX0" fmla="*/ 366673 w 4920579"/>
+              <a:gd name="connsiteY0" fmla="*/ 9332 h 149267"/>
+              <a:gd name="connsiteX1" fmla="*/ 4920579 w 4920579"/>
+              <a:gd name="connsiteY1" fmla="*/ 0 h 149267"/>
+              <a:gd name="connsiteX2" fmla="*/ 4710619 w 4920579"/>
+              <a:gd name="connsiteY2" fmla="*/ 136634 h 149267"/>
+              <a:gd name="connsiteX3" fmla="*/ 0 w 4920579"/>
+              <a:gd name="connsiteY3" fmla="*/ 149267 h 149267"/>
+              <a:gd name="connsiteX4" fmla="*/ 366673 w 4920579"/>
+              <a:gd name="connsiteY4" fmla="*/ 9332 h 149267"/>
+              <a:gd name="connsiteX0" fmla="*/ 289957 w 4920579"/>
+              <a:gd name="connsiteY0" fmla="*/ 76708 h 149267"/>
+              <a:gd name="connsiteX1" fmla="*/ 4920579 w 4920579"/>
+              <a:gd name="connsiteY1" fmla="*/ 0 h 149267"/>
+              <a:gd name="connsiteX2" fmla="*/ 4710619 w 4920579"/>
+              <a:gd name="connsiteY2" fmla="*/ 136634 h 149267"/>
+              <a:gd name="connsiteX3" fmla="*/ 0 w 4920579"/>
+              <a:gd name="connsiteY3" fmla="*/ 149267 h 149267"/>
+              <a:gd name="connsiteX4" fmla="*/ 289957 w 4920579"/>
+              <a:gd name="connsiteY4" fmla="*/ 76708 h 149267"/>
+              <a:gd name="connsiteX0" fmla="*/ 253617 w 4920579"/>
+              <a:gd name="connsiteY0" fmla="*/ 55653 h 149267"/>
+              <a:gd name="connsiteX1" fmla="*/ 4920579 w 4920579"/>
+              <a:gd name="connsiteY1" fmla="*/ 0 h 149267"/>
+              <a:gd name="connsiteX2" fmla="*/ 4710619 w 4920579"/>
+              <a:gd name="connsiteY2" fmla="*/ 136634 h 149267"/>
+              <a:gd name="connsiteX3" fmla="*/ 0 w 4920579"/>
+              <a:gd name="connsiteY3" fmla="*/ 149267 h 149267"/>
+              <a:gd name="connsiteX4" fmla="*/ 253617 w 4920579"/>
+              <a:gd name="connsiteY4" fmla="*/ 55653 h 149267"/>
+              <a:gd name="connsiteX0" fmla="*/ 152675 w 4920579"/>
+              <a:gd name="connsiteY0" fmla="*/ 51442 h 149267"/>
+              <a:gd name="connsiteX1" fmla="*/ 4920579 w 4920579"/>
+              <a:gd name="connsiteY1" fmla="*/ 0 h 149267"/>
+              <a:gd name="connsiteX2" fmla="*/ 4710619 w 4920579"/>
+              <a:gd name="connsiteY2" fmla="*/ 136634 h 149267"/>
+              <a:gd name="connsiteX3" fmla="*/ 0 w 4920579"/>
+              <a:gd name="connsiteY3" fmla="*/ 149267 h 149267"/>
+              <a:gd name="connsiteX4" fmla="*/ 152675 w 4920579"/>
+              <a:gd name="connsiteY4" fmla="*/ 51442 h 149267"/>
+            </a:gdLst>
+            <a:ahLst/>
+            <a:cxnLst>
+              <a:cxn ang="0">
+                <a:pos x="connsiteX0" y="connsiteY0"/>
+              </a:cxn>
+              <a:cxn ang="0">
+                <a:pos x="connsiteX1" y="connsiteY1"/>
+              </a:cxn>
+              <a:cxn ang="0">
+                <a:pos x="connsiteX2" y="connsiteY2"/>
+              </a:cxn>
+              <a:cxn ang="0">
+                <a:pos x="connsiteX3" y="connsiteY3"/>
+              </a:cxn>
+              <a:cxn ang="0">
+                <a:pos x="connsiteX4" y="connsiteY4"/>
+              </a:cxn>
+            </a:cxnLst>
+            <a:rect l="l" t="t" r="r" b="b"/>
+            <a:pathLst>
+              <a:path w="4920579" h="149267">
+                <a:moveTo>
+                  <a:pt x="152675" y="51442"/>
+                </a:moveTo>
+                <a:lnTo>
+                  <a:pt x="4920579" y="0"/>
+                </a:lnTo>
+                <a:lnTo>
+                  <a:pt x="4710619" y="136634"/>
+                </a:lnTo>
+                <a:lnTo>
+                  <a:pt x="0" y="149267"/>
+                </a:lnTo>
+                <a:lnTo>
+                  <a:pt x="152675" y="51442"/>
+                </a:lnTo>
+                <a:close/>
+              </a:path>
+            </a:pathLst>
+          </a:custGeom>
+          <a:solidFill>
+            <a:schemeClr val="accent4">
+              <a:lumMod val="40000"/>
+              <a:lumOff val="60000"/>
+              <a:alpha val="50196"/>
+            </a:schemeClr>
+          </a:solidFill>
+          <a:ln>
+            <a:noFill/>
+          </a:ln>
+        </p:spPr>
+        <p:style>
+          <a:lnRef idx="2">
+            <a:schemeClr val="accent1">
+              <a:shade val="50000"/>
+            </a:schemeClr>
+          </a:lnRef>
+          <a:fillRef idx="1">
+            <a:schemeClr val="accent1"/>
+          </a:fillRef>
+          <a:effectRef idx="0">
+            <a:schemeClr val="accent1"/>
+          </a:effectRef>
+          <a:fontRef idx="minor">
+            <a:schemeClr val="lt1"/>
+          </a:fontRef>
+        </p:style>
+        <p:txBody>
+          <a:bodyPr rtlCol="0" anchor="ctr"/>
+          <a:lstStyle/>
+          <a:p>
+            <a:pPr algn="ctr"/>
+            <a:endParaRPr lang="pl-PL"/>
+          </a:p>
+        </p:txBody>
+      </p:sp>
+      <p:sp>
+        <p:nvSpPr>
           <p:cNvPr id="11" name="Tytuł 10">
             <a:extLst>
               <a:ext uri="{FF2B5EF4-FFF2-40B4-BE49-F238E27FC236}">
@@ -5133,7 +10510,7 @@
                 <a:latin typeface="Arial" panose="020B0604020202020204" pitchFamily="34" charset="0"/>
                 <a:cs typeface="Arial" panose="020B0604020202020204" pitchFamily="34" charset="0"/>
               </a:rPr>
-              <a:t>Dziedzina i forma studiów</a:t>
+              <a:t>Dziedzina i forma ukończonych studiów</a:t>
             </a:r>
           </a:p>
         </p:txBody>
@@ -5437,10 +10814,10 @@
       </p:sp>
       <p:pic>
         <p:nvPicPr>
-          <p:cNvPr id="4" name="Obraz 3">
+          <p:cNvPr id="3" name="Obraz 2">
             <a:extLst>
               <a:ext uri="{FF2B5EF4-FFF2-40B4-BE49-F238E27FC236}">
-                <a16:creationId xmlns:a16="http://schemas.microsoft.com/office/drawing/2014/main" id="{21925CB9-6D42-480D-AF4F-8D3E6117105E}"/>
+                <a16:creationId xmlns:a16="http://schemas.microsoft.com/office/drawing/2014/main" id="{83C41020-DA2B-4840-A1C2-2D55D0AD05E5}"/>
               </a:ext>
             </a:extLst>
           </p:cNvPr>
@@ -5463,14 +10840,57 @@
         </p:blipFill>
         <p:spPr>
           <a:xfrm>
-            <a:off x="1080000" y="2516282"/>
-            <a:ext cx="9537290" cy="3873816"/>
+            <a:off x="1080000" y="2376561"/>
+            <a:ext cx="10028128" cy="4073182"/>
           </a:xfrm>
           <a:prstGeom prst="rect">
             <a:avLst/>
           </a:prstGeom>
         </p:spPr>
       </p:pic>
+      <p:cxnSp>
+        <p:nvCxnSpPr>
+          <p:cNvPr id="8" name="Łącznik prosty 7">
+            <a:extLst>
+              <a:ext uri="{FF2B5EF4-FFF2-40B4-BE49-F238E27FC236}">
+                <a16:creationId xmlns:a16="http://schemas.microsoft.com/office/drawing/2014/main" id="{0E23A9A4-16CC-422F-9B5E-E19750B7D94A}"/>
+              </a:ext>
+            </a:extLst>
+          </p:cNvPr>
+          <p:cNvCxnSpPr>
+            <a:cxnSpLocks/>
+          </p:cNvCxnSpPr>
+          <p:nvPr/>
+        </p:nvCxnSpPr>
+        <p:spPr>
+          <a:xfrm>
+            <a:off x="1080000" y="1064313"/>
+            <a:ext cx="10032000" cy="0"/>
+          </a:xfrm>
+          <a:prstGeom prst="line">
+            <a:avLst/>
+          </a:prstGeom>
+          <a:ln w="22225">
+            <a:solidFill>
+              <a:schemeClr val="accent6"/>
+            </a:solidFill>
+          </a:ln>
+        </p:spPr>
+        <p:style>
+          <a:lnRef idx="1">
+            <a:schemeClr val="accent1"/>
+          </a:lnRef>
+          <a:fillRef idx="0">
+            <a:schemeClr val="accent1"/>
+          </a:fillRef>
+          <a:effectRef idx="0">
+            <a:schemeClr val="accent1"/>
+          </a:effectRef>
+          <a:fontRef idx="minor">
+            <a:schemeClr val="tx1"/>
+          </a:fontRef>
+        </p:style>
+      </p:cxnSp>
     </p:spTree>
     <p:extLst>
       <p:ext uri="{BB962C8B-B14F-4D97-AF65-F5344CB8AC3E}">
@@ -5511,6 +10931,203 @@
       </p:grpSpPr>
       <p:sp>
         <p:nvSpPr>
+          <p:cNvPr id="6" name="Prostokąt 10">
+            <a:extLst>
+              <a:ext uri="{FF2B5EF4-FFF2-40B4-BE49-F238E27FC236}">
+                <a16:creationId xmlns:a16="http://schemas.microsoft.com/office/drawing/2014/main" id="{BB8D411E-CDF3-4342-BF7B-BC81ACE537D6}"/>
+              </a:ext>
+            </a:extLst>
+          </p:cNvPr>
+          <p:cNvSpPr/>
+          <p:nvPr/>
+        </p:nvSpPr>
+        <p:spPr>
+          <a:xfrm>
+            <a:off x="1055370" y="652272"/>
+            <a:ext cx="7570470" cy="128550"/>
+          </a:xfrm>
+          <a:custGeom>
+            <a:avLst/>
+            <a:gdLst>
+              <a:gd name="connsiteX0" fmla="*/ 0 w 4573337"/>
+              <a:gd name="connsiteY0" fmla="*/ 0 h 111368"/>
+              <a:gd name="connsiteX1" fmla="*/ 4573337 w 4573337"/>
+              <a:gd name="connsiteY1" fmla="*/ 0 h 111368"/>
+              <a:gd name="connsiteX2" fmla="*/ 4573337 w 4573337"/>
+              <a:gd name="connsiteY2" fmla="*/ 111368 h 111368"/>
+              <a:gd name="connsiteX3" fmla="*/ 0 w 4573337"/>
+              <a:gd name="connsiteY3" fmla="*/ 111368 h 111368"/>
+              <a:gd name="connsiteX4" fmla="*/ 0 w 4573337"/>
+              <a:gd name="connsiteY4" fmla="*/ 0 h 111368"/>
+              <a:gd name="connsiteX0" fmla="*/ 386861 w 4573337"/>
+              <a:gd name="connsiteY0" fmla="*/ 0 h 123091"/>
+              <a:gd name="connsiteX1" fmla="*/ 4573337 w 4573337"/>
+              <a:gd name="connsiteY1" fmla="*/ 11723 h 123091"/>
+              <a:gd name="connsiteX2" fmla="*/ 4573337 w 4573337"/>
+              <a:gd name="connsiteY2" fmla="*/ 123091 h 123091"/>
+              <a:gd name="connsiteX3" fmla="*/ 0 w 4573337"/>
+              <a:gd name="connsiteY3" fmla="*/ 123091 h 123091"/>
+              <a:gd name="connsiteX4" fmla="*/ 386861 w 4573337"/>
+              <a:gd name="connsiteY4" fmla="*/ 0 h 123091"/>
+              <a:gd name="connsiteX0" fmla="*/ 386861 w 4573337"/>
+              <a:gd name="connsiteY0" fmla="*/ 0 h 123091"/>
+              <a:gd name="connsiteX1" fmla="*/ 4573337 w 4573337"/>
+              <a:gd name="connsiteY1" fmla="*/ 11723 h 123091"/>
+              <a:gd name="connsiteX2" fmla="*/ 4464319 w 4573337"/>
+              <a:gd name="connsiteY2" fmla="*/ 118880 h 123091"/>
+              <a:gd name="connsiteX3" fmla="*/ 0 w 4573337"/>
+              <a:gd name="connsiteY3" fmla="*/ 123091 h 123091"/>
+              <a:gd name="connsiteX4" fmla="*/ 386861 w 4573337"/>
+              <a:gd name="connsiteY4" fmla="*/ 0 h 123091"/>
+              <a:gd name="connsiteX0" fmla="*/ 386861 w 4730807"/>
+              <a:gd name="connsiteY0" fmla="*/ 13543 h 136634"/>
+              <a:gd name="connsiteX1" fmla="*/ 4730807 w 4730807"/>
+              <a:gd name="connsiteY1" fmla="*/ 0 h 136634"/>
+              <a:gd name="connsiteX2" fmla="*/ 4464319 w 4730807"/>
+              <a:gd name="connsiteY2" fmla="*/ 132423 h 136634"/>
+              <a:gd name="connsiteX3" fmla="*/ 0 w 4730807"/>
+              <a:gd name="connsiteY3" fmla="*/ 136634 h 136634"/>
+              <a:gd name="connsiteX4" fmla="*/ 386861 w 4730807"/>
+              <a:gd name="connsiteY4" fmla="*/ 13543 h 136634"/>
+              <a:gd name="connsiteX0" fmla="*/ 386861 w 4674279"/>
+              <a:gd name="connsiteY0" fmla="*/ 17754 h 140845"/>
+              <a:gd name="connsiteX1" fmla="*/ 4674279 w 4674279"/>
+              <a:gd name="connsiteY1" fmla="*/ 0 h 140845"/>
+              <a:gd name="connsiteX2" fmla="*/ 4464319 w 4674279"/>
+              <a:gd name="connsiteY2" fmla="*/ 136634 h 140845"/>
+              <a:gd name="connsiteX3" fmla="*/ 0 w 4674279"/>
+              <a:gd name="connsiteY3" fmla="*/ 140845 h 140845"/>
+              <a:gd name="connsiteX4" fmla="*/ 386861 w 4674279"/>
+              <a:gd name="connsiteY4" fmla="*/ 17754 h 140845"/>
+              <a:gd name="connsiteX0" fmla="*/ 633161 w 4920579"/>
+              <a:gd name="connsiteY0" fmla="*/ 17754 h 149267"/>
+              <a:gd name="connsiteX1" fmla="*/ 4920579 w 4920579"/>
+              <a:gd name="connsiteY1" fmla="*/ 0 h 149267"/>
+              <a:gd name="connsiteX2" fmla="*/ 4710619 w 4920579"/>
+              <a:gd name="connsiteY2" fmla="*/ 136634 h 149267"/>
+              <a:gd name="connsiteX3" fmla="*/ 0 w 4920579"/>
+              <a:gd name="connsiteY3" fmla="*/ 149267 h 149267"/>
+              <a:gd name="connsiteX4" fmla="*/ 633161 w 4920579"/>
+              <a:gd name="connsiteY4" fmla="*/ 17754 h 149267"/>
+              <a:gd name="connsiteX0" fmla="*/ 366673 w 4920579"/>
+              <a:gd name="connsiteY0" fmla="*/ 9332 h 149267"/>
+              <a:gd name="connsiteX1" fmla="*/ 4920579 w 4920579"/>
+              <a:gd name="connsiteY1" fmla="*/ 0 h 149267"/>
+              <a:gd name="connsiteX2" fmla="*/ 4710619 w 4920579"/>
+              <a:gd name="connsiteY2" fmla="*/ 136634 h 149267"/>
+              <a:gd name="connsiteX3" fmla="*/ 0 w 4920579"/>
+              <a:gd name="connsiteY3" fmla="*/ 149267 h 149267"/>
+              <a:gd name="connsiteX4" fmla="*/ 366673 w 4920579"/>
+              <a:gd name="connsiteY4" fmla="*/ 9332 h 149267"/>
+              <a:gd name="connsiteX0" fmla="*/ 289957 w 4920579"/>
+              <a:gd name="connsiteY0" fmla="*/ 76708 h 149267"/>
+              <a:gd name="connsiteX1" fmla="*/ 4920579 w 4920579"/>
+              <a:gd name="connsiteY1" fmla="*/ 0 h 149267"/>
+              <a:gd name="connsiteX2" fmla="*/ 4710619 w 4920579"/>
+              <a:gd name="connsiteY2" fmla="*/ 136634 h 149267"/>
+              <a:gd name="connsiteX3" fmla="*/ 0 w 4920579"/>
+              <a:gd name="connsiteY3" fmla="*/ 149267 h 149267"/>
+              <a:gd name="connsiteX4" fmla="*/ 289957 w 4920579"/>
+              <a:gd name="connsiteY4" fmla="*/ 76708 h 149267"/>
+              <a:gd name="connsiteX0" fmla="*/ 253617 w 4920579"/>
+              <a:gd name="connsiteY0" fmla="*/ 55653 h 149267"/>
+              <a:gd name="connsiteX1" fmla="*/ 4920579 w 4920579"/>
+              <a:gd name="connsiteY1" fmla="*/ 0 h 149267"/>
+              <a:gd name="connsiteX2" fmla="*/ 4710619 w 4920579"/>
+              <a:gd name="connsiteY2" fmla="*/ 136634 h 149267"/>
+              <a:gd name="connsiteX3" fmla="*/ 0 w 4920579"/>
+              <a:gd name="connsiteY3" fmla="*/ 149267 h 149267"/>
+              <a:gd name="connsiteX4" fmla="*/ 253617 w 4920579"/>
+              <a:gd name="connsiteY4" fmla="*/ 55653 h 149267"/>
+              <a:gd name="connsiteX0" fmla="*/ 152675 w 4920579"/>
+              <a:gd name="connsiteY0" fmla="*/ 51442 h 149267"/>
+              <a:gd name="connsiteX1" fmla="*/ 4920579 w 4920579"/>
+              <a:gd name="connsiteY1" fmla="*/ 0 h 149267"/>
+              <a:gd name="connsiteX2" fmla="*/ 4710619 w 4920579"/>
+              <a:gd name="connsiteY2" fmla="*/ 136634 h 149267"/>
+              <a:gd name="connsiteX3" fmla="*/ 0 w 4920579"/>
+              <a:gd name="connsiteY3" fmla="*/ 149267 h 149267"/>
+              <a:gd name="connsiteX4" fmla="*/ 152675 w 4920579"/>
+              <a:gd name="connsiteY4" fmla="*/ 51442 h 149267"/>
+            </a:gdLst>
+            <a:ahLst/>
+            <a:cxnLst>
+              <a:cxn ang="0">
+                <a:pos x="connsiteX0" y="connsiteY0"/>
+              </a:cxn>
+              <a:cxn ang="0">
+                <a:pos x="connsiteX1" y="connsiteY1"/>
+              </a:cxn>
+              <a:cxn ang="0">
+                <a:pos x="connsiteX2" y="connsiteY2"/>
+              </a:cxn>
+              <a:cxn ang="0">
+                <a:pos x="connsiteX3" y="connsiteY3"/>
+              </a:cxn>
+              <a:cxn ang="0">
+                <a:pos x="connsiteX4" y="connsiteY4"/>
+              </a:cxn>
+            </a:cxnLst>
+            <a:rect l="l" t="t" r="r" b="b"/>
+            <a:pathLst>
+              <a:path w="4920579" h="149267">
+                <a:moveTo>
+                  <a:pt x="152675" y="51442"/>
+                </a:moveTo>
+                <a:lnTo>
+                  <a:pt x="4920579" y="0"/>
+                </a:lnTo>
+                <a:lnTo>
+                  <a:pt x="4710619" y="136634"/>
+                </a:lnTo>
+                <a:lnTo>
+                  <a:pt x="0" y="149267"/>
+                </a:lnTo>
+                <a:lnTo>
+                  <a:pt x="152675" y="51442"/>
+                </a:lnTo>
+                <a:close/>
+              </a:path>
+            </a:pathLst>
+          </a:custGeom>
+          <a:solidFill>
+            <a:schemeClr val="accent4">
+              <a:lumMod val="40000"/>
+              <a:lumOff val="60000"/>
+              <a:alpha val="50196"/>
+            </a:schemeClr>
+          </a:solidFill>
+          <a:ln>
+            <a:noFill/>
+          </a:ln>
+        </p:spPr>
+        <p:style>
+          <a:lnRef idx="2">
+            <a:schemeClr val="accent1">
+              <a:shade val="50000"/>
+            </a:schemeClr>
+          </a:lnRef>
+          <a:fillRef idx="1">
+            <a:schemeClr val="accent1"/>
+          </a:fillRef>
+          <a:effectRef idx="0">
+            <a:schemeClr val="accent1"/>
+          </a:effectRef>
+          <a:fontRef idx="minor">
+            <a:schemeClr val="lt1"/>
+          </a:fontRef>
+        </p:style>
+        <p:txBody>
+          <a:bodyPr rtlCol="0" anchor="ctr"/>
+          <a:lstStyle/>
+          <a:p>
+            <a:pPr algn="ctr"/>
+            <a:endParaRPr lang="pl-PL"/>
+          </a:p>
+        </p:txBody>
+      </p:sp>
+      <p:sp>
+        <p:nvSpPr>
           <p:cNvPr id="11" name="Tytuł 10">
             <a:extLst>
               <a:ext uri="{FF2B5EF4-FFF2-40B4-BE49-F238E27FC236}">
@@ -5546,7 +11163,7 @@
                 <a:latin typeface="Arial" panose="020B0604020202020204" pitchFamily="34" charset="0"/>
                 <a:cs typeface="Arial" panose="020B0604020202020204" pitchFamily="34" charset="0"/>
               </a:rPr>
-              <a:t>Zarobki absolwentów</a:t>
+              <a:t>Zarobki wszystkich absolwentów</a:t>
             </a:r>
           </a:p>
         </p:txBody>
@@ -5811,10 +11428,10 @@
       </p:sp>
       <p:pic>
         <p:nvPicPr>
-          <p:cNvPr id="3" name="Obraz 2">
+          <p:cNvPr id="4" name="Obraz 3">
             <a:extLst>
               <a:ext uri="{FF2B5EF4-FFF2-40B4-BE49-F238E27FC236}">
-                <a16:creationId xmlns:a16="http://schemas.microsoft.com/office/drawing/2014/main" id="{120EF48A-1AB1-41AE-A34A-CEC407663B41}"/>
+                <a16:creationId xmlns:a16="http://schemas.microsoft.com/office/drawing/2014/main" id="{624C889A-2C39-40F6-A1DA-E4E08F4AACF0}"/>
               </a:ext>
             </a:extLst>
           </p:cNvPr>
@@ -5837,14 +11454,57 @@
         </p:blipFill>
         <p:spPr>
           <a:xfrm>
-            <a:off x="1932405" y="2439500"/>
-            <a:ext cx="8327189" cy="3574025"/>
+            <a:off x="1474838" y="2036894"/>
+            <a:ext cx="9242323" cy="3966800"/>
           </a:xfrm>
           <a:prstGeom prst="rect">
             <a:avLst/>
           </a:prstGeom>
         </p:spPr>
       </p:pic>
+      <p:cxnSp>
+        <p:nvCxnSpPr>
+          <p:cNvPr id="8" name="Łącznik prosty 7">
+            <a:extLst>
+              <a:ext uri="{FF2B5EF4-FFF2-40B4-BE49-F238E27FC236}">
+                <a16:creationId xmlns:a16="http://schemas.microsoft.com/office/drawing/2014/main" id="{61F7290C-BEF9-4F55-9F9B-501E086B76D4}"/>
+              </a:ext>
+            </a:extLst>
+          </p:cNvPr>
+          <p:cNvCxnSpPr>
+            <a:cxnSpLocks/>
+          </p:cNvCxnSpPr>
+          <p:nvPr/>
+        </p:nvCxnSpPr>
+        <p:spPr>
+          <a:xfrm>
+            <a:off x="1080000" y="1064313"/>
+            <a:ext cx="10032000" cy="0"/>
+          </a:xfrm>
+          <a:prstGeom prst="line">
+            <a:avLst/>
+          </a:prstGeom>
+          <a:ln w="22225">
+            <a:solidFill>
+              <a:schemeClr val="accent6"/>
+            </a:solidFill>
+          </a:ln>
+        </p:spPr>
+        <p:style>
+          <a:lnRef idx="1">
+            <a:schemeClr val="accent1"/>
+          </a:lnRef>
+          <a:fillRef idx="0">
+            <a:schemeClr val="accent1"/>
+          </a:fillRef>
+          <a:effectRef idx="0">
+            <a:schemeClr val="accent1"/>
+          </a:effectRef>
+          <a:fontRef idx="minor">
+            <a:schemeClr val="tx1"/>
+          </a:fontRef>
+        </p:style>
+      </p:cxnSp>
     </p:spTree>
     <p:extLst>
       <p:ext uri="{BB962C8B-B14F-4D97-AF65-F5344CB8AC3E}">
@@ -5885,6 +11545,203 @@
       </p:grpSpPr>
       <p:sp>
         <p:nvSpPr>
+          <p:cNvPr id="6" name="Prostokąt 10">
+            <a:extLst>
+              <a:ext uri="{FF2B5EF4-FFF2-40B4-BE49-F238E27FC236}">
+                <a16:creationId xmlns:a16="http://schemas.microsoft.com/office/drawing/2014/main" id="{283BC90F-C148-4A4D-BD92-F3808604DECE}"/>
+              </a:ext>
+            </a:extLst>
+          </p:cNvPr>
+          <p:cNvSpPr/>
+          <p:nvPr/>
+        </p:nvSpPr>
+        <p:spPr>
+          <a:xfrm>
+            <a:off x="1055370" y="586740"/>
+            <a:ext cx="10173068" cy="171222"/>
+          </a:xfrm>
+          <a:custGeom>
+            <a:avLst/>
+            <a:gdLst>
+              <a:gd name="connsiteX0" fmla="*/ 0 w 4573337"/>
+              <a:gd name="connsiteY0" fmla="*/ 0 h 111368"/>
+              <a:gd name="connsiteX1" fmla="*/ 4573337 w 4573337"/>
+              <a:gd name="connsiteY1" fmla="*/ 0 h 111368"/>
+              <a:gd name="connsiteX2" fmla="*/ 4573337 w 4573337"/>
+              <a:gd name="connsiteY2" fmla="*/ 111368 h 111368"/>
+              <a:gd name="connsiteX3" fmla="*/ 0 w 4573337"/>
+              <a:gd name="connsiteY3" fmla="*/ 111368 h 111368"/>
+              <a:gd name="connsiteX4" fmla="*/ 0 w 4573337"/>
+              <a:gd name="connsiteY4" fmla="*/ 0 h 111368"/>
+              <a:gd name="connsiteX0" fmla="*/ 386861 w 4573337"/>
+              <a:gd name="connsiteY0" fmla="*/ 0 h 123091"/>
+              <a:gd name="connsiteX1" fmla="*/ 4573337 w 4573337"/>
+              <a:gd name="connsiteY1" fmla="*/ 11723 h 123091"/>
+              <a:gd name="connsiteX2" fmla="*/ 4573337 w 4573337"/>
+              <a:gd name="connsiteY2" fmla="*/ 123091 h 123091"/>
+              <a:gd name="connsiteX3" fmla="*/ 0 w 4573337"/>
+              <a:gd name="connsiteY3" fmla="*/ 123091 h 123091"/>
+              <a:gd name="connsiteX4" fmla="*/ 386861 w 4573337"/>
+              <a:gd name="connsiteY4" fmla="*/ 0 h 123091"/>
+              <a:gd name="connsiteX0" fmla="*/ 386861 w 4573337"/>
+              <a:gd name="connsiteY0" fmla="*/ 0 h 123091"/>
+              <a:gd name="connsiteX1" fmla="*/ 4573337 w 4573337"/>
+              <a:gd name="connsiteY1" fmla="*/ 11723 h 123091"/>
+              <a:gd name="connsiteX2" fmla="*/ 4464319 w 4573337"/>
+              <a:gd name="connsiteY2" fmla="*/ 118880 h 123091"/>
+              <a:gd name="connsiteX3" fmla="*/ 0 w 4573337"/>
+              <a:gd name="connsiteY3" fmla="*/ 123091 h 123091"/>
+              <a:gd name="connsiteX4" fmla="*/ 386861 w 4573337"/>
+              <a:gd name="connsiteY4" fmla="*/ 0 h 123091"/>
+              <a:gd name="connsiteX0" fmla="*/ 386861 w 4730807"/>
+              <a:gd name="connsiteY0" fmla="*/ 13543 h 136634"/>
+              <a:gd name="connsiteX1" fmla="*/ 4730807 w 4730807"/>
+              <a:gd name="connsiteY1" fmla="*/ 0 h 136634"/>
+              <a:gd name="connsiteX2" fmla="*/ 4464319 w 4730807"/>
+              <a:gd name="connsiteY2" fmla="*/ 132423 h 136634"/>
+              <a:gd name="connsiteX3" fmla="*/ 0 w 4730807"/>
+              <a:gd name="connsiteY3" fmla="*/ 136634 h 136634"/>
+              <a:gd name="connsiteX4" fmla="*/ 386861 w 4730807"/>
+              <a:gd name="connsiteY4" fmla="*/ 13543 h 136634"/>
+              <a:gd name="connsiteX0" fmla="*/ 386861 w 4674279"/>
+              <a:gd name="connsiteY0" fmla="*/ 17754 h 140845"/>
+              <a:gd name="connsiteX1" fmla="*/ 4674279 w 4674279"/>
+              <a:gd name="connsiteY1" fmla="*/ 0 h 140845"/>
+              <a:gd name="connsiteX2" fmla="*/ 4464319 w 4674279"/>
+              <a:gd name="connsiteY2" fmla="*/ 136634 h 140845"/>
+              <a:gd name="connsiteX3" fmla="*/ 0 w 4674279"/>
+              <a:gd name="connsiteY3" fmla="*/ 140845 h 140845"/>
+              <a:gd name="connsiteX4" fmla="*/ 386861 w 4674279"/>
+              <a:gd name="connsiteY4" fmla="*/ 17754 h 140845"/>
+              <a:gd name="connsiteX0" fmla="*/ 633161 w 4920579"/>
+              <a:gd name="connsiteY0" fmla="*/ 17754 h 149267"/>
+              <a:gd name="connsiteX1" fmla="*/ 4920579 w 4920579"/>
+              <a:gd name="connsiteY1" fmla="*/ 0 h 149267"/>
+              <a:gd name="connsiteX2" fmla="*/ 4710619 w 4920579"/>
+              <a:gd name="connsiteY2" fmla="*/ 136634 h 149267"/>
+              <a:gd name="connsiteX3" fmla="*/ 0 w 4920579"/>
+              <a:gd name="connsiteY3" fmla="*/ 149267 h 149267"/>
+              <a:gd name="connsiteX4" fmla="*/ 633161 w 4920579"/>
+              <a:gd name="connsiteY4" fmla="*/ 17754 h 149267"/>
+              <a:gd name="connsiteX0" fmla="*/ 366673 w 4920579"/>
+              <a:gd name="connsiteY0" fmla="*/ 9332 h 149267"/>
+              <a:gd name="connsiteX1" fmla="*/ 4920579 w 4920579"/>
+              <a:gd name="connsiteY1" fmla="*/ 0 h 149267"/>
+              <a:gd name="connsiteX2" fmla="*/ 4710619 w 4920579"/>
+              <a:gd name="connsiteY2" fmla="*/ 136634 h 149267"/>
+              <a:gd name="connsiteX3" fmla="*/ 0 w 4920579"/>
+              <a:gd name="connsiteY3" fmla="*/ 149267 h 149267"/>
+              <a:gd name="connsiteX4" fmla="*/ 366673 w 4920579"/>
+              <a:gd name="connsiteY4" fmla="*/ 9332 h 149267"/>
+              <a:gd name="connsiteX0" fmla="*/ 289957 w 4920579"/>
+              <a:gd name="connsiteY0" fmla="*/ 76708 h 149267"/>
+              <a:gd name="connsiteX1" fmla="*/ 4920579 w 4920579"/>
+              <a:gd name="connsiteY1" fmla="*/ 0 h 149267"/>
+              <a:gd name="connsiteX2" fmla="*/ 4710619 w 4920579"/>
+              <a:gd name="connsiteY2" fmla="*/ 136634 h 149267"/>
+              <a:gd name="connsiteX3" fmla="*/ 0 w 4920579"/>
+              <a:gd name="connsiteY3" fmla="*/ 149267 h 149267"/>
+              <a:gd name="connsiteX4" fmla="*/ 289957 w 4920579"/>
+              <a:gd name="connsiteY4" fmla="*/ 76708 h 149267"/>
+              <a:gd name="connsiteX0" fmla="*/ 253617 w 4920579"/>
+              <a:gd name="connsiteY0" fmla="*/ 55653 h 149267"/>
+              <a:gd name="connsiteX1" fmla="*/ 4920579 w 4920579"/>
+              <a:gd name="connsiteY1" fmla="*/ 0 h 149267"/>
+              <a:gd name="connsiteX2" fmla="*/ 4710619 w 4920579"/>
+              <a:gd name="connsiteY2" fmla="*/ 136634 h 149267"/>
+              <a:gd name="connsiteX3" fmla="*/ 0 w 4920579"/>
+              <a:gd name="connsiteY3" fmla="*/ 149267 h 149267"/>
+              <a:gd name="connsiteX4" fmla="*/ 253617 w 4920579"/>
+              <a:gd name="connsiteY4" fmla="*/ 55653 h 149267"/>
+              <a:gd name="connsiteX0" fmla="*/ 152675 w 4920579"/>
+              <a:gd name="connsiteY0" fmla="*/ 51442 h 149267"/>
+              <a:gd name="connsiteX1" fmla="*/ 4920579 w 4920579"/>
+              <a:gd name="connsiteY1" fmla="*/ 0 h 149267"/>
+              <a:gd name="connsiteX2" fmla="*/ 4710619 w 4920579"/>
+              <a:gd name="connsiteY2" fmla="*/ 136634 h 149267"/>
+              <a:gd name="connsiteX3" fmla="*/ 0 w 4920579"/>
+              <a:gd name="connsiteY3" fmla="*/ 149267 h 149267"/>
+              <a:gd name="connsiteX4" fmla="*/ 152675 w 4920579"/>
+              <a:gd name="connsiteY4" fmla="*/ 51442 h 149267"/>
+            </a:gdLst>
+            <a:ahLst/>
+            <a:cxnLst>
+              <a:cxn ang="0">
+                <a:pos x="connsiteX0" y="connsiteY0"/>
+              </a:cxn>
+              <a:cxn ang="0">
+                <a:pos x="connsiteX1" y="connsiteY1"/>
+              </a:cxn>
+              <a:cxn ang="0">
+                <a:pos x="connsiteX2" y="connsiteY2"/>
+              </a:cxn>
+              <a:cxn ang="0">
+                <a:pos x="connsiteX3" y="connsiteY3"/>
+              </a:cxn>
+              <a:cxn ang="0">
+                <a:pos x="connsiteX4" y="connsiteY4"/>
+              </a:cxn>
+            </a:cxnLst>
+            <a:rect l="l" t="t" r="r" b="b"/>
+            <a:pathLst>
+              <a:path w="4920579" h="149267">
+                <a:moveTo>
+                  <a:pt x="152675" y="51442"/>
+                </a:moveTo>
+                <a:lnTo>
+                  <a:pt x="4920579" y="0"/>
+                </a:lnTo>
+                <a:lnTo>
+                  <a:pt x="4710619" y="136634"/>
+                </a:lnTo>
+                <a:lnTo>
+                  <a:pt x="0" y="149267"/>
+                </a:lnTo>
+                <a:lnTo>
+                  <a:pt x="152675" y="51442"/>
+                </a:lnTo>
+                <a:close/>
+              </a:path>
+            </a:pathLst>
+          </a:custGeom>
+          <a:solidFill>
+            <a:schemeClr val="accent4">
+              <a:lumMod val="40000"/>
+              <a:lumOff val="60000"/>
+              <a:alpha val="50196"/>
+            </a:schemeClr>
+          </a:solidFill>
+          <a:ln>
+            <a:noFill/>
+          </a:ln>
+        </p:spPr>
+        <p:style>
+          <a:lnRef idx="2">
+            <a:schemeClr val="accent1">
+              <a:shade val="50000"/>
+            </a:schemeClr>
+          </a:lnRef>
+          <a:fillRef idx="1">
+            <a:schemeClr val="accent1"/>
+          </a:fillRef>
+          <a:effectRef idx="0">
+            <a:schemeClr val="accent1"/>
+          </a:effectRef>
+          <a:fontRef idx="minor">
+            <a:schemeClr val="lt1"/>
+          </a:fontRef>
+        </p:style>
+        <p:txBody>
+          <a:bodyPr rtlCol="0" anchor="ctr"/>
+          <a:lstStyle/>
+          <a:p>
+            <a:pPr algn="ctr"/>
+            <a:endParaRPr lang="pl-PL"/>
+          </a:p>
+        </p:txBody>
+      </p:sp>
+      <p:sp>
+        <p:nvSpPr>
           <p:cNvPr id="11" name="Tytuł 10">
             <a:extLst>
               <a:ext uri="{FF2B5EF4-FFF2-40B4-BE49-F238E27FC236}">
@@ -5920,7 +11777,7 @@
                 <a:latin typeface="Arial" panose="020B0604020202020204" pitchFamily="34" charset="0"/>
                 <a:cs typeface="Arial" panose="020B0604020202020204" pitchFamily="34" charset="0"/>
               </a:rPr>
-              <a:t>Zarobki absolwentów</a:t>
+              <a:t>Średnie zarobki absolwentów w dziedzinach</a:t>
             </a:r>
           </a:p>
         </p:txBody>
@@ -5961,7 +11818,7 @@
                 <a:latin typeface="Arial" panose="020B0604020202020204" pitchFamily="34" charset="0"/>
                 <a:cs typeface="Arial" panose="020B0604020202020204" pitchFamily="34" charset="0"/>
               </a:rPr>
-              <a:t>	Zarobki absolwentów po studiach inżynieryjno-technicznych wyróżniają się na tle pozostałych kierunków.</a:t>
+              <a:t>Średnia zarobków absolwentów po studiach inżynieryjno-technicznych wyróżnia się na tle pozostałych kierunków.</a:t>
             </a:r>
             <a:endParaRPr lang="pl-PL" sz="2300" dirty="0">
               <a:solidFill>
@@ -6185,10 +12042,10 @@
       </p:sp>
       <p:pic>
         <p:nvPicPr>
-          <p:cNvPr id="3" name="Obraz 2">
+          <p:cNvPr id="12" name="Obraz 11">
             <a:extLst>
               <a:ext uri="{FF2B5EF4-FFF2-40B4-BE49-F238E27FC236}">
-                <a16:creationId xmlns:a16="http://schemas.microsoft.com/office/drawing/2014/main" id="{D432E957-F8B6-4F00-BC2A-000EAF4EE1D6}"/>
+                <a16:creationId xmlns:a16="http://schemas.microsoft.com/office/drawing/2014/main" id="{933B1919-3399-4FAE-98A6-8E4351D2F611}"/>
               </a:ext>
             </a:extLst>
           </p:cNvPr>
@@ -6211,14 +12068,57 @@
         </p:blipFill>
         <p:spPr>
           <a:xfrm>
-            <a:off x="1179870" y="2274692"/>
-            <a:ext cx="9665110" cy="3986259"/>
+            <a:off x="688257" y="2122303"/>
+            <a:ext cx="10540181" cy="4347171"/>
           </a:xfrm>
           <a:prstGeom prst="rect">
             <a:avLst/>
           </a:prstGeom>
         </p:spPr>
       </p:pic>
+      <p:cxnSp>
+        <p:nvCxnSpPr>
+          <p:cNvPr id="8" name="Łącznik prosty 7">
+            <a:extLst>
+              <a:ext uri="{FF2B5EF4-FFF2-40B4-BE49-F238E27FC236}">
+                <a16:creationId xmlns:a16="http://schemas.microsoft.com/office/drawing/2014/main" id="{4CECA8CC-F00E-478F-B41D-411179FD1B39}"/>
+              </a:ext>
+            </a:extLst>
+          </p:cNvPr>
+          <p:cNvCxnSpPr>
+            <a:cxnSpLocks/>
+          </p:cNvCxnSpPr>
+          <p:nvPr/>
+        </p:nvCxnSpPr>
+        <p:spPr>
+          <a:xfrm>
+            <a:off x="1080000" y="1064313"/>
+            <a:ext cx="10032000" cy="0"/>
+          </a:xfrm>
+          <a:prstGeom prst="line">
+            <a:avLst/>
+          </a:prstGeom>
+          <a:ln w="22225">
+            <a:solidFill>
+              <a:schemeClr val="accent6"/>
+            </a:solidFill>
+          </a:ln>
+        </p:spPr>
+        <p:style>
+          <a:lnRef idx="1">
+            <a:schemeClr val="accent1"/>
+          </a:lnRef>
+          <a:fillRef idx="0">
+            <a:schemeClr val="accent1"/>
+          </a:fillRef>
+          <a:effectRef idx="0">
+            <a:schemeClr val="accent1"/>
+          </a:effectRef>
+          <a:fontRef idx="minor">
+            <a:schemeClr val="tx1"/>
+          </a:fontRef>
+        </p:style>
+      </p:cxnSp>
     </p:spTree>
     <p:extLst>
       <p:ext uri="{BB962C8B-B14F-4D97-AF65-F5344CB8AC3E}">
@@ -6259,6 +12159,203 @@
       </p:grpSpPr>
       <p:sp>
         <p:nvSpPr>
+          <p:cNvPr id="8" name="Prostokąt 10">
+            <a:extLst>
+              <a:ext uri="{FF2B5EF4-FFF2-40B4-BE49-F238E27FC236}">
+                <a16:creationId xmlns:a16="http://schemas.microsoft.com/office/drawing/2014/main" id="{D135A1C6-E294-43F2-A9AA-5DE034AB77E7}"/>
+              </a:ext>
+            </a:extLst>
+          </p:cNvPr>
+          <p:cNvSpPr/>
+          <p:nvPr/>
+        </p:nvSpPr>
+        <p:spPr>
+          <a:xfrm>
+            <a:off x="1055370" y="569462"/>
+            <a:ext cx="9307830" cy="211360"/>
+          </a:xfrm>
+          <a:custGeom>
+            <a:avLst/>
+            <a:gdLst>
+              <a:gd name="connsiteX0" fmla="*/ 0 w 4573337"/>
+              <a:gd name="connsiteY0" fmla="*/ 0 h 111368"/>
+              <a:gd name="connsiteX1" fmla="*/ 4573337 w 4573337"/>
+              <a:gd name="connsiteY1" fmla="*/ 0 h 111368"/>
+              <a:gd name="connsiteX2" fmla="*/ 4573337 w 4573337"/>
+              <a:gd name="connsiteY2" fmla="*/ 111368 h 111368"/>
+              <a:gd name="connsiteX3" fmla="*/ 0 w 4573337"/>
+              <a:gd name="connsiteY3" fmla="*/ 111368 h 111368"/>
+              <a:gd name="connsiteX4" fmla="*/ 0 w 4573337"/>
+              <a:gd name="connsiteY4" fmla="*/ 0 h 111368"/>
+              <a:gd name="connsiteX0" fmla="*/ 386861 w 4573337"/>
+              <a:gd name="connsiteY0" fmla="*/ 0 h 123091"/>
+              <a:gd name="connsiteX1" fmla="*/ 4573337 w 4573337"/>
+              <a:gd name="connsiteY1" fmla="*/ 11723 h 123091"/>
+              <a:gd name="connsiteX2" fmla="*/ 4573337 w 4573337"/>
+              <a:gd name="connsiteY2" fmla="*/ 123091 h 123091"/>
+              <a:gd name="connsiteX3" fmla="*/ 0 w 4573337"/>
+              <a:gd name="connsiteY3" fmla="*/ 123091 h 123091"/>
+              <a:gd name="connsiteX4" fmla="*/ 386861 w 4573337"/>
+              <a:gd name="connsiteY4" fmla="*/ 0 h 123091"/>
+              <a:gd name="connsiteX0" fmla="*/ 386861 w 4573337"/>
+              <a:gd name="connsiteY0" fmla="*/ 0 h 123091"/>
+              <a:gd name="connsiteX1" fmla="*/ 4573337 w 4573337"/>
+              <a:gd name="connsiteY1" fmla="*/ 11723 h 123091"/>
+              <a:gd name="connsiteX2" fmla="*/ 4464319 w 4573337"/>
+              <a:gd name="connsiteY2" fmla="*/ 118880 h 123091"/>
+              <a:gd name="connsiteX3" fmla="*/ 0 w 4573337"/>
+              <a:gd name="connsiteY3" fmla="*/ 123091 h 123091"/>
+              <a:gd name="connsiteX4" fmla="*/ 386861 w 4573337"/>
+              <a:gd name="connsiteY4" fmla="*/ 0 h 123091"/>
+              <a:gd name="connsiteX0" fmla="*/ 386861 w 4730807"/>
+              <a:gd name="connsiteY0" fmla="*/ 13543 h 136634"/>
+              <a:gd name="connsiteX1" fmla="*/ 4730807 w 4730807"/>
+              <a:gd name="connsiteY1" fmla="*/ 0 h 136634"/>
+              <a:gd name="connsiteX2" fmla="*/ 4464319 w 4730807"/>
+              <a:gd name="connsiteY2" fmla="*/ 132423 h 136634"/>
+              <a:gd name="connsiteX3" fmla="*/ 0 w 4730807"/>
+              <a:gd name="connsiteY3" fmla="*/ 136634 h 136634"/>
+              <a:gd name="connsiteX4" fmla="*/ 386861 w 4730807"/>
+              <a:gd name="connsiteY4" fmla="*/ 13543 h 136634"/>
+              <a:gd name="connsiteX0" fmla="*/ 386861 w 4674279"/>
+              <a:gd name="connsiteY0" fmla="*/ 17754 h 140845"/>
+              <a:gd name="connsiteX1" fmla="*/ 4674279 w 4674279"/>
+              <a:gd name="connsiteY1" fmla="*/ 0 h 140845"/>
+              <a:gd name="connsiteX2" fmla="*/ 4464319 w 4674279"/>
+              <a:gd name="connsiteY2" fmla="*/ 136634 h 140845"/>
+              <a:gd name="connsiteX3" fmla="*/ 0 w 4674279"/>
+              <a:gd name="connsiteY3" fmla="*/ 140845 h 140845"/>
+              <a:gd name="connsiteX4" fmla="*/ 386861 w 4674279"/>
+              <a:gd name="connsiteY4" fmla="*/ 17754 h 140845"/>
+              <a:gd name="connsiteX0" fmla="*/ 633161 w 4920579"/>
+              <a:gd name="connsiteY0" fmla="*/ 17754 h 149267"/>
+              <a:gd name="connsiteX1" fmla="*/ 4920579 w 4920579"/>
+              <a:gd name="connsiteY1" fmla="*/ 0 h 149267"/>
+              <a:gd name="connsiteX2" fmla="*/ 4710619 w 4920579"/>
+              <a:gd name="connsiteY2" fmla="*/ 136634 h 149267"/>
+              <a:gd name="connsiteX3" fmla="*/ 0 w 4920579"/>
+              <a:gd name="connsiteY3" fmla="*/ 149267 h 149267"/>
+              <a:gd name="connsiteX4" fmla="*/ 633161 w 4920579"/>
+              <a:gd name="connsiteY4" fmla="*/ 17754 h 149267"/>
+              <a:gd name="connsiteX0" fmla="*/ 366673 w 4920579"/>
+              <a:gd name="connsiteY0" fmla="*/ 9332 h 149267"/>
+              <a:gd name="connsiteX1" fmla="*/ 4920579 w 4920579"/>
+              <a:gd name="connsiteY1" fmla="*/ 0 h 149267"/>
+              <a:gd name="connsiteX2" fmla="*/ 4710619 w 4920579"/>
+              <a:gd name="connsiteY2" fmla="*/ 136634 h 149267"/>
+              <a:gd name="connsiteX3" fmla="*/ 0 w 4920579"/>
+              <a:gd name="connsiteY3" fmla="*/ 149267 h 149267"/>
+              <a:gd name="connsiteX4" fmla="*/ 366673 w 4920579"/>
+              <a:gd name="connsiteY4" fmla="*/ 9332 h 149267"/>
+              <a:gd name="connsiteX0" fmla="*/ 289957 w 4920579"/>
+              <a:gd name="connsiteY0" fmla="*/ 76708 h 149267"/>
+              <a:gd name="connsiteX1" fmla="*/ 4920579 w 4920579"/>
+              <a:gd name="connsiteY1" fmla="*/ 0 h 149267"/>
+              <a:gd name="connsiteX2" fmla="*/ 4710619 w 4920579"/>
+              <a:gd name="connsiteY2" fmla="*/ 136634 h 149267"/>
+              <a:gd name="connsiteX3" fmla="*/ 0 w 4920579"/>
+              <a:gd name="connsiteY3" fmla="*/ 149267 h 149267"/>
+              <a:gd name="connsiteX4" fmla="*/ 289957 w 4920579"/>
+              <a:gd name="connsiteY4" fmla="*/ 76708 h 149267"/>
+              <a:gd name="connsiteX0" fmla="*/ 253617 w 4920579"/>
+              <a:gd name="connsiteY0" fmla="*/ 55653 h 149267"/>
+              <a:gd name="connsiteX1" fmla="*/ 4920579 w 4920579"/>
+              <a:gd name="connsiteY1" fmla="*/ 0 h 149267"/>
+              <a:gd name="connsiteX2" fmla="*/ 4710619 w 4920579"/>
+              <a:gd name="connsiteY2" fmla="*/ 136634 h 149267"/>
+              <a:gd name="connsiteX3" fmla="*/ 0 w 4920579"/>
+              <a:gd name="connsiteY3" fmla="*/ 149267 h 149267"/>
+              <a:gd name="connsiteX4" fmla="*/ 253617 w 4920579"/>
+              <a:gd name="connsiteY4" fmla="*/ 55653 h 149267"/>
+              <a:gd name="connsiteX0" fmla="*/ 152675 w 4920579"/>
+              <a:gd name="connsiteY0" fmla="*/ 51442 h 149267"/>
+              <a:gd name="connsiteX1" fmla="*/ 4920579 w 4920579"/>
+              <a:gd name="connsiteY1" fmla="*/ 0 h 149267"/>
+              <a:gd name="connsiteX2" fmla="*/ 4710619 w 4920579"/>
+              <a:gd name="connsiteY2" fmla="*/ 136634 h 149267"/>
+              <a:gd name="connsiteX3" fmla="*/ 0 w 4920579"/>
+              <a:gd name="connsiteY3" fmla="*/ 149267 h 149267"/>
+              <a:gd name="connsiteX4" fmla="*/ 152675 w 4920579"/>
+              <a:gd name="connsiteY4" fmla="*/ 51442 h 149267"/>
+            </a:gdLst>
+            <a:ahLst/>
+            <a:cxnLst>
+              <a:cxn ang="0">
+                <a:pos x="connsiteX0" y="connsiteY0"/>
+              </a:cxn>
+              <a:cxn ang="0">
+                <a:pos x="connsiteX1" y="connsiteY1"/>
+              </a:cxn>
+              <a:cxn ang="0">
+                <a:pos x="connsiteX2" y="connsiteY2"/>
+              </a:cxn>
+              <a:cxn ang="0">
+                <a:pos x="connsiteX3" y="connsiteY3"/>
+              </a:cxn>
+              <a:cxn ang="0">
+                <a:pos x="connsiteX4" y="connsiteY4"/>
+              </a:cxn>
+            </a:cxnLst>
+            <a:rect l="l" t="t" r="r" b="b"/>
+            <a:pathLst>
+              <a:path w="4920579" h="149267">
+                <a:moveTo>
+                  <a:pt x="152675" y="51442"/>
+                </a:moveTo>
+                <a:lnTo>
+                  <a:pt x="4920579" y="0"/>
+                </a:lnTo>
+                <a:lnTo>
+                  <a:pt x="4710619" y="136634"/>
+                </a:lnTo>
+                <a:lnTo>
+                  <a:pt x="0" y="149267"/>
+                </a:lnTo>
+                <a:lnTo>
+                  <a:pt x="152675" y="51442"/>
+                </a:lnTo>
+                <a:close/>
+              </a:path>
+            </a:pathLst>
+          </a:custGeom>
+          <a:solidFill>
+            <a:schemeClr val="accent4">
+              <a:lumMod val="40000"/>
+              <a:lumOff val="60000"/>
+              <a:alpha val="50196"/>
+            </a:schemeClr>
+          </a:solidFill>
+          <a:ln>
+            <a:noFill/>
+          </a:ln>
+        </p:spPr>
+        <p:style>
+          <a:lnRef idx="2">
+            <a:schemeClr val="accent1">
+              <a:shade val="50000"/>
+            </a:schemeClr>
+          </a:lnRef>
+          <a:fillRef idx="1">
+            <a:schemeClr val="accent1"/>
+          </a:fillRef>
+          <a:effectRef idx="0">
+            <a:schemeClr val="accent1"/>
+          </a:effectRef>
+          <a:fontRef idx="minor">
+            <a:schemeClr val="lt1"/>
+          </a:fontRef>
+        </p:style>
+        <p:txBody>
+          <a:bodyPr rtlCol="0" anchor="ctr"/>
+          <a:lstStyle/>
+          <a:p>
+            <a:pPr algn="ctr"/>
+            <a:endParaRPr lang="pl-PL"/>
+          </a:p>
+        </p:txBody>
+      </p:sp>
+      <p:sp>
+        <p:nvSpPr>
           <p:cNvPr id="11" name="Tytuł 10">
             <a:extLst>
               <a:ext uri="{FF2B5EF4-FFF2-40B4-BE49-F238E27FC236}">
@@ -6275,19 +12372,19 @@
         </p:nvSpPr>
         <p:spPr>
           <a:xfrm>
-            <a:off x="0" y="180001"/>
-            <a:ext cx="12192000" cy="758980"/>
+            <a:off x="-1" y="180002"/>
+            <a:ext cx="10717162" cy="758980"/>
           </a:xfrm>
         </p:spPr>
         <p:txBody>
           <a:bodyPr>
-            <a:normAutofit/>
+            <a:normAutofit fontScale="90000"/>
           </a:bodyPr>
           <a:lstStyle/>
           <a:p>
             <a:pPr marL="1080000"/>
             <a:r>
-              <a:rPr lang="pl-PL" sz="4000" dirty="0">
+              <a:rPr lang="pl-PL" sz="3800" dirty="0">
                 <a:solidFill>
                   <a:srgbClr val="002060"/>
                 </a:solidFill>
@@ -6559,10 +12656,10 @@
       </p:sp>
       <p:pic>
         <p:nvPicPr>
-          <p:cNvPr id="3" name="Obraz 2" descr="Obraz zawierający tekst, grafika wektorowa&#10;&#10;Opis wygenerowany automatycznie">
+          <p:cNvPr id="6" name="Obraz 5">
             <a:extLst>
               <a:ext uri="{FF2B5EF4-FFF2-40B4-BE49-F238E27FC236}">
-                <a16:creationId xmlns:a16="http://schemas.microsoft.com/office/drawing/2014/main" id="{BAA48698-DB7A-46C1-BC85-EB710B159D45}"/>
+                <a16:creationId xmlns:a16="http://schemas.microsoft.com/office/drawing/2014/main" id="{3D35603E-4C68-4625-92FF-B6A4048B41A8}"/>
               </a:ext>
             </a:extLst>
           </p:cNvPr>
@@ -6585,14 +12682,57 @@
         </p:blipFill>
         <p:spPr>
           <a:xfrm>
-            <a:off x="1071716" y="2675412"/>
-            <a:ext cx="10471355" cy="3090688"/>
+            <a:off x="983226" y="2389295"/>
+            <a:ext cx="10717161" cy="3376805"/>
           </a:xfrm>
           <a:prstGeom prst="rect">
             <a:avLst/>
           </a:prstGeom>
         </p:spPr>
       </p:pic>
+      <p:cxnSp>
+        <p:nvCxnSpPr>
+          <p:cNvPr id="9" name="Łącznik prosty 8">
+            <a:extLst>
+              <a:ext uri="{FF2B5EF4-FFF2-40B4-BE49-F238E27FC236}">
+                <a16:creationId xmlns:a16="http://schemas.microsoft.com/office/drawing/2014/main" id="{583E3DCA-658D-4AF4-A875-4BC7D4C3343F}"/>
+              </a:ext>
+            </a:extLst>
+          </p:cNvPr>
+          <p:cNvCxnSpPr>
+            <a:cxnSpLocks/>
+          </p:cNvCxnSpPr>
+          <p:nvPr/>
+        </p:nvCxnSpPr>
+        <p:spPr>
+          <a:xfrm>
+            <a:off x="1080000" y="1064313"/>
+            <a:ext cx="10032000" cy="0"/>
+          </a:xfrm>
+          <a:prstGeom prst="line">
+            <a:avLst/>
+          </a:prstGeom>
+          <a:ln w="22225">
+            <a:solidFill>
+              <a:schemeClr val="accent6"/>
+            </a:solidFill>
+          </a:ln>
+        </p:spPr>
+        <p:style>
+          <a:lnRef idx="1">
+            <a:schemeClr val="accent1"/>
+          </a:lnRef>
+          <a:fillRef idx="0">
+            <a:schemeClr val="accent1"/>
+          </a:fillRef>
+          <a:effectRef idx="0">
+            <a:schemeClr val="accent1"/>
+          </a:effectRef>
+          <a:fontRef idx="minor">
+            <a:schemeClr val="tx1"/>
+          </a:fontRef>
+        </p:style>
+      </p:cxnSp>
     </p:spTree>
     <p:extLst>
       <p:ext uri="{BB962C8B-B14F-4D97-AF65-F5344CB8AC3E}">
@@ -6633,6 +12773,203 @@
       </p:grpSpPr>
       <p:sp>
         <p:nvSpPr>
+          <p:cNvPr id="6" name="Prostokąt 10">
+            <a:extLst>
+              <a:ext uri="{FF2B5EF4-FFF2-40B4-BE49-F238E27FC236}">
+                <a16:creationId xmlns:a16="http://schemas.microsoft.com/office/drawing/2014/main" id="{7F8FDB4C-2264-466B-ABF7-500691D443C3}"/>
+              </a:ext>
+            </a:extLst>
+          </p:cNvPr>
+          <p:cNvSpPr/>
+          <p:nvPr/>
+        </p:nvSpPr>
+        <p:spPr>
+          <a:xfrm>
+            <a:off x="1055370" y="668169"/>
+            <a:ext cx="8159750" cy="112653"/>
+          </a:xfrm>
+          <a:custGeom>
+            <a:avLst/>
+            <a:gdLst>
+              <a:gd name="connsiteX0" fmla="*/ 0 w 4573337"/>
+              <a:gd name="connsiteY0" fmla="*/ 0 h 111368"/>
+              <a:gd name="connsiteX1" fmla="*/ 4573337 w 4573337"/>
+              <a:gd name="connsiteY1" fmla="*/ 0 h 111368"/>
+              <a:gd name="connsiteX2" fmla="*/ 4573337 w 4573337"/>
+              <a:gd name="connsiteY2" fmla="*/ 111368 h 111368"/>
+              <a:gd name="connsiteX3" fmla="*/ 0 w 4573337"/>
+              <a:gd name="connsiteY3" fmla="*/ 111368 h 111368"/>
+              <a:gd name="connsiteX4" fmla="*/ 0 w 4573337"/>
+              <a:gd name="connsiteY4" fmla="*/ 0 h 111368"/>
+              <a:gd name="connsiteX0" fmla="*/ 386861 w 4573337"/>
+              <a:gd name="connsiteY0" fmla="*/ 0 h 123091"/>
+              <a:gd name="connsiteX1" fmla="*/ 4573337 w 4573337"/>
+              <a:gd name="connsiteY1" fmla="*/ 11723 h 123091"/>
+              <a:gd name="connsiteX2" fmla="*/ 4573337 w 4573337"/>
+              <a:gd name="connsiteY2" fmla="*/ 123091 h 123091"/>
+              <a:gd name="connsiteX3" fmla="*/ 0 w 4573337"/>
+              <a:gd name="connsiteY3" fmla="*/ 123091 h 123091"/>
+              <a:gd name="connsiteX4" fmla="*/ 386861 w 4573337"/>
+              <a:gd name="connsiteY4" fmla="*/ 0 h 123091"/>
+              <a:gd name="connsiteX0" fmla="*/ 386861 w 4573337"/>
+              <a:gd name="connsiteY0" fmla="*/ 0 h 123091"/>
+              <a:gd name="connsiteX1" fmla="*/ 4573337 w 4573337"/>
+              <a:gd name="connsiteY1" fmla="*/ 11723 h 123091"/>
+              <a:gd name="connsiteX2" fmla="*/ 4464319 w 4573337"/>
+              <a:gd name="connsiteY2" fmla="*/ 118880 h 123091"/>
+              <a:gd name="connsiteX3" fmla="*/ 0 w 4573337"/>
+              <a:gd name="connsiteY3" fmla="*/ 123091 h 123091"/>
+              <a:gd name="connsiteX4" fmla="*/ 386861 w 4573337"/>
+              <a:gd name="connsiteY4" fmla="*/ 0 h 123091"/>
+              <a:gd name="connsiteX0" fmla="*/ 386861 w 4730807"/>
+              <a:gd name="connsiteY0" fmla="*/ 13543 h 136634"/>
+              <a:gd name="connsiteX1" fmla="*/ 4730807 w 4730807"/>
+              <a:gd name="connsiteY1" fmla="*/ 0 h 136634"/>
+              <a:gd name="connsiteX2" fmla="*/ 4464319 w 4730807"/>
+              <a:gd name="connsiteY2" fmla="*/ 132423 h 136634"/>
+              <a:gd name="connsiteX3" fmla="*/ 0 w 4730807"/>
+              <a:gd name="connsiteY3" fmla="*/ 136634 h 136634"/>
+              <a:gd name="connsiteX4" fmla="*/ 386861 w 4730807"/>
+              <a:gd name="connsiteY4" fmla="*/ 13543 h 136634"/>
+              <a:gd name="connsiteX0" fmla="*/ 386861 w 4674279"/>
+              <a:gd name="connsiteY0" fmla="*/ 17754 h 140845"/>
+              <a:gd name="connsiteX1" fmla="*/ 4674279 w 4674279"/>
+              <a:gd name="connsiteY1" fmla="*/ 0 h 140845"/>
+              <a:gd name="connsiteX2" fmla="*/ 4464319 w 4674279"/>
+              <a:gd name="connsiteY2" fmla="*/ 136634 h 140845"/>
+              <a:gd name="connsiteX3" fmla="*/ 0 w 4674279"/>
+              <a:gd name="connsiteY3" fmla="*/ 140845 h 140845"/>
+              <a:gd name="connsiteX4" fmla="*/ 386861 w 4674279"/>
+              <a:gd name="connsiteY4" fmla="*/ 17754 h 140845"/>
+              <a:gd name="connsiteX0" fmla="*/ 633161 w 4920579"/>
+              <a:gd name="connsiteY0" fmla="*/ 17754 h 149267"/>
+              <a:gd name="connsiteX1" fmla="*/ 4920579 w 4920579"/>
+              <a:gd name="connsiteY1" fmla="*/ 0 h 149267"/>
+              <a:gd name="connsiteX2" fmla="*/ 4710619 w 4920579"/>
+              <a:gd name="connsiteY2" fmla="*/ 136634 h 149267"/>
+              <a:gd name="connsiteX3" fmla="*/ 0 w 4920579"/>
+              <a:gd name="connsiteY3" fmla="*/ 149267 h 149267"/>
+              <a:gd name="connsiteX4" fmla="*/ 633161 w 4920579"/>
+              <a:gd name="connsiteY4" fmla="*/ 17754 h 149267"/>
+              <a:gd name="connsiteX0" fmla="*/ 366673 w 4920579"/>
+              <a:gd name="connsiteY0" fmla="*/ 9332 h 149267"/>
+              <a:gd name="connsiteX1" fmla="*/ 4920579 w 4920579"/>
+              <a:gd name="connsiteY1" fmla="*/ 0 h 149267"/>
+              <a:gd name="connsiteX2" fmla="*/ 4710619 w 4920579"/>
+              <a:gd name="connsiteY2" fmla="*/ 136634 h 149267"/>
+              <a:gd name="connsiteX3" fmla="*/ 0 w 4920579"/>
+              <a:gd name="connsiteY3" fmla="*/ 149267 h 149267"/>
+              <a:gd name="connsiteX4" fmla="*/ 366673 w 4920579"/>
+              <a:gd name="connsiteY4" fmla="*/ 9332 h 149267"/>
+              <a:gd name="connsiteX0" fmla="*/ 289957 w 4920579"/>
+              <a:gd name="connsiteY0" fmla="*/ 76708 h 149267"/>
+              <a:gd name="connsiteX1" fmla="*/ 4920579 w 4920579"/>
+              <a:gd name="connsiteY1" fmla="*/ 0 h 149267"/>
+              <a:gd name="connsiteX2" fmla="*/ 4710619 w 4920579"/>
+              <a:gd name="connsiteY2" fmla="*/ 136634 h 149267"/>
+              <a:gd name="connsiteX3" fmla="*/ 0 w 4920579"/>
+              <a:gd name="connsiteY3" fmla="*/ 149267 h 149267"/>
+              <a:gd name="connsiteX4" fmla="*/ 289957 w 4920579"/>
+              <a:gd name="connsiteY4" fmla="*/ 76708 h 149267"/>
+              <a:gd name="connsiteX0" fmla="*/ 253617 w 4920579"/>
+              <a:gd name="connsiteY0" fmla="*/ 55653 h 149267"/>
+              <a:gd name="connsiteX1" fmla="*/ 4920579 w 4920579"/>
+              <a:gd name="connsiteY1" fmla="*/ 0 h 149267"/>
+              <a:gd name="connsiteX2" fmla="*/ 4710619 w 4920579"/>
+              <a:gd name="connsiteY2" fmla="*/ 136634 h 149267"/>
+              <a:gd name="connsiteX3" fmla="*/ 0 w 4920579"/>
+              <a:gd name="connsiteY3" fmla="*/ 149267 h 149267"/>
+              <a:gd name="connsiteX4" fmla="*/ 253617 w 4920579"/>
+              <a:gd name="connsiteY4" fmla="*/ 55653 h 149267"/>
+              <a:gd name="connsiteX0" fmla="*/ 152675 w 4920579"/>
+              <a:gd name="connsiteY0" fmla="*/ 51442 h 149267"/>
+              <a:gd name="connsiteX1" fmla="*/ 4920579 w 4920579"/>
+              <a:gd name="connsiteY1" fmla="*/ 0 h 149267"/>
+              <a:gd name="connsiteX2" fmla="*/ 4710619 w 4920579"/>
+              <a:gd name="connsiteY2" fmla="*/ 136634 h 149267"/>
+              <a:gd name="connsiteX3" fmla="*/ 0 w 4920579"/>
+              <a:gd name="connsiteY3" fmla="*/ 149267 h 149267"/>
+              <a:gd name="connsiteX4" fmla="*/ 152675 w 4920579"/>
+              <a:gd name="connsiteY4" fmla="*/ 51442 h 149267"/>
+            </a:gdLst>
+            <a:ahLst/>
+            <a:cxnLst>
+              <a:cxn ang="0">
+                <a:pos x="connsiteX0" y="connsiteY0"/>
+              </a:cxn>
+              <a:cxn ang="0">
+                <a:pos x="connsiteX1" y="connsiteY1"/>
+              </a:cxn>
+              <a:cxn ang="0">
+                <a:pos x="connsiteX2" y="connsiteY2"/>
+              </a:cxn>
+              <a:cxn ang="0">
+                <a:pos x="connsiteX3" y="connsiteY3"/>
+              </a:cxn>
+              <a:cxn ang="0">
+                <a:pos x="connsiteX4" y="connsiteY4"/>
+              </a:cxn>
+            </a:cxnLst>
+            <a:rect l="l" t="t" r="r" b="b"/>
+            <a:pathLst>
+              <a:path w="4920579" h="149267">
+                <a:moveTo>
+                  <a:pt x="152675" y="51442"/>
+                </a:moveTo>
+                <a:lnTo>
+                  <a:pt x="4920579" y="0"/>
+                </a:lnTo>
+                <a:lnTo>
+                  <a:pt x="4710619" y="136634"/>
+                </a:lnTo>
+                <a:lnTo>
+                  <a:pt x="0" y="149267"/>
+                </a:lnTo>
+                <a:lnTo>
+                  <a:pt x="152675" y="51442"/>
+                </a:lnTo>
+                <a:close/>
+              </a:path>
+            </a:pathLst>
+          </a:custGeom>
+          <a:solidFill>
+            <a:schemeClr val="accent4">
+              <a:lumMod val="40000"/>
+              <a:lumOff val="60000"/>
+              <a:alpha val="50196"/>
+            </a:schemeClr>
+          </a:solidFill>
+          <a:ln>
+            <a:noFill/>
+          </a:ln>
+        </p:spPr>
+        <p:style>
+          <a:lnRef idx="2">
+            <a:schemeClr val="accent1">
+              <a:shade val="50000"/>
+            </a:schemeClr>
+          </a:lnRef>
+          <a:fillRef idx="1">
+            <a:schemeClr val="accent1"/>
+          </a:fillRef>
+          <a:effectRef idx="0">
+            <a:schemeClr val="accent1"/>
+          </a:effectRef>
+          <a:fontRef idx="minor">
+            <a:schemeClr val="lt1"/>
+          </a:fontRef>
+        </p:style>
+        <p:txBody>
+          <a:bodyPr rtlCol="0" anchor="ctr"/>
+          <a:lstStyle/>
+          <a:p>
+            <a:pPr algn="ctr"/>
+            <a:endParaRPr lang="pl-PL"/>
+          </a:p>
+        </p:txBody>
+      </p:sp>
+      <p:sp>
+        <p:nvSpPr>
           <p:cNvPr id="11" name="Tytuł 10">
             <a:extLst>
               <a:ext uri="{FF2B5EF4-FFF2-40B4-BE49-F238E27FC236}">
@@ -6661,14 +12998,14 @@
           <a:p>
             <a:pPr marL="1080000"/>
             <a:r>
-              <a:rPr lang="pl-PL" sz="4000" dirty="0">
+              <a:rPr lang="pl-PL" sz="3800" dirty="0">
                 <a:solidFill>
                   <a:srgbClr val="002060"/>
                 </a:solidFill>
                 <a:latin typeface="Arial" panose="020B0604020202020204" pitchFamily="34" charset="0"/>
                 <a:cs typeface="Arial" panose="020B0604020202020204" pitchFamily="34" charset="0"/>
               </a:rPr>
-              <a:t>Ranking kierunków pod względem zarobków</a:t>
+              <a:t>Najlepiej opłacane kierunki w Polsce</a:t>
             </a:r>
           </a:p>
         </p:txBody>
@@ -6946,14 +13283,14 @@
           <p:nvPr>
             <p:extLst>
               <p:ext uri="{D42A27DB-BD31-4B8C-83A1-F6EECF244321}">
-                <p14:modId xmlns:p14="http://schemas.microsoft.com/office/powerpoint/2010/main" val="4017999556"/>
+                <p14:modId xmlns:p14="http://schemas.microsoft.com/office/powerpoint/2010/main" val="2815133103"/>
               </p:ext>
             </p:extLst>
           </p:nvPr>
         </p:nvGraphicFramePr>
         <p:xfrm>
-          <a:off x="1164348" y="1091900"/>
-          <a:ext cx="9863303" cy="5100017"/>
+          <a:off x="1001907" y="1163020"/>
+          <a:ext cx="10235382" cy="5100017"/>
         </p:xfrm>
         <a:graphic>
           <a:graphicData uri="http://schemas.openxmlformats.org/drawingml/2006/table">
@@ -6962,28 +13299,28 @@
                 <a:tableStyleId>{616DA210-FB5B-4158-B5E0-FEB733F419BA}</a:tableStyleId>
               </a:tblPr>
               <a:tblGrid>
-                <a:gridCol w="273032">
+                <a:gridCol w="411640">
                   <a:extLst>
                     <a:ext uri="{9D8B030D-6E8A-4147-A177-3AD203B41FA5}">
                       <a16:colId xmlns:a16="http://schemas.microsoft.com/office/drawing/2014/main" val="2933899059"/>
                     </a:ext>
                   </a:extLst>
                 </a:gridCol>
-                <a:gridCol w="2269584">
+                <a:gridCol w="2324836">
                   <a:extLst>
                     <a:ext uri="{9D8B030D-6E8A-4147-A177-3AD203B41FA5}">
                       <a16:colId xmlns:a16="http://schemas.microsoft.com/office/drawing/2014/main" val="353010117"/>
                     </a:ext>
                   </a:extLst>
                 </a:gridCol>
-                <a:gridCol w="5716621">
+                <a:gridCol w="5591447">
                   <a:extLst>
                     <a:ext uri="{9D8B030D-6E8A-4147-A177-3AD203B41FA5}">
                       <a16:colId xmlns:a16="http://schemas.microsoft.com/office/drawing/2014/main" val="3963521193"/>
                     </a:ext>
                   </a:extLst>
                 </a:gridCol>
-                <a:gridCol w="1604066">
+                <a:gridCol w="1907459">
                   <a:extLst>
                     <a:ext uri="{9D8B030D-6E8A-4147-A177-3AD203B41FA5}">
                       <a16:colId xmlns:a16="http://schemas.microsoft.com/office/drawing/2014/main" val="1385609779"/>
@@ -6999,40 +13336,10 @@
                     <a:p>
                       <a:pPr algn="ctr" fontAlgn="ctr"/>
                       <a:r>
-                        <a:rPr lang="pl-PL" sz="1400" u="none" strike="noStrike">
+                        <a:rPr lang="pl-PL" sz="1400" b="1" u="none" strike="noStrike" dirty="0">
                           <a:effectLst/>
                         </a:rPr>
                         <a:t>LP</a:t>
-                      </a:r>
-                      <a:endParaRPr lang="pl-PL" sz="1400" b="1" i="0" u="none" strike="noStrike">
-                        <a:solidFill>
-                          <a:srgbClr val="000000"/>
-                        </a:solidFill>
-                        <a:effectLst/>
-                        <a:latin typeface="Calibri" panose="020F0502020204030204" pitchFamily="34" charset="0"/>
-                      </a:endParaRPr>
-                    </a:p>
-                  </a:txBody>
-                  <a:tcPr marL="7554" marR="7554" marT="7554" marB="0" anchor="ctr">
-                    <a:solidFill>
-                      <a:schemeClr val="accent5">
-                        <a:lumMod val="20000"/>
-                        <a:lumOff val="80000"/>
-                      </a:schemeClr>
-                    </a:solidFill>
-                  </a:tcPr>
-                </a:tc>
-                <a:tc>
-                  <a:txBody>
-                    <a:bodyPr/>
-                    <a:lstStyle/>
-                    <a:p>
-                      <a:pPr algn="ctr" fontAlgn="ctr"/>
-                      <a:r>
-                        <a:rPr lang="pl-PL" sz="1400" u="none" strike="noStrike" dirty="0">
-                          <a:effectLst/>
-                        </a:rPr>
-                        <a:t>Nazwa uczelni</a:t>
                       </a:r>
                       <a:endParaRPr lang="pl-PL" sz="1400" b="1" i="0" u="none" strike="noStrike" dirty="0">
                         <a:solidFill>
@@ -7059,10 +13366,10 @@
                     <a:p>
                       <a:pPr algn="ctr" fontAlgn="ctr"/>
                       <a:r>
-                        <a:rPr lang="pl-PL" sz="1400" u="none" strike="noStrike" dirty="0">
-                          <a:effectLst/>
-                        </a:rPr>
-                        <a:t>Nazwa kierunku</a:t>
+                        <a:rPr lang="pl-PL" sz="1400" b="1" u="none" strike="noStrike" dirty="0">
+                          <a:effectLst/>
+                        </a:rPr>
+                        <a:t>Nazwa uczelni</a:t>
                       </a:r>
                       <a:endParaRPr lang="pl-PL" sz="1400" b="1" i="0" u="none" strike="noStrike" dirty="0">
                         <a:solidFill>
@@ -7089,10 +13396,40 @@
                     <a:p>
                       <a:pPr algn="ctr" fontAlgn="ctr"/>
                       <a:r>
-                        <a:rPr lang="pl-PL" sz="1400" u="none" strike="noStrike" dirty="0">
-                          <a:effectLst/>
-                        </a:rPr>
-                        <a:t>Mediana zarobków</a:t>
+                        <a:rPr lang="pl-PL" sz="1400" b="1" u="none" strike="noStrike" dirty="0">
+                          <a:effectLst/>
+                        </a:rPr>
+                        <a:t>Nazwa kierunku</a:t>
+                      </a:r>
+                      <a:endParaRPr lang="pl-PL" sz="1400" b="1" i="0" u="none" strike="noStrike" dirty="0">
+                        <a:solidFill>
+                          <a:srgbClr val="000000"/>
+                        </a:solidFill>
+                        <a:effectLst/>
+                        <a:latin typeface="Calibri" panose="020F0502020204030204" pitchFamily="34" charset="0"/>
+                      </a:endParaRPr>
+                    </a:p>
+                  </a:txBody>
+                  <a:tcPr marL="7554" marR="7554" marT="7554" marB="0" anchor="ctr">
+                    <a:solidFill>
+                      <a:schemeClr val="accent5">
+                        <a:lumMod val="20000"/>
+                        <a:lumOff val="80000"/>
+                      </a:schemeClr>
+                    </a:solidFill>
+                  </a:tcPr>
+                </a:tc>
+                <a:tc>
+                  <a:txBody>
+                    <a:bodyPr/>
+                    <a:lstStyle/>
+                    <a:p>
+                      <a:pPr algn="ctr" fontAlgn="ctr"/>
+                      <a:r>
+                        <a:rPr lang="pl-PL" sz="1400" b="1" u="none" strike="noStrike" dirty="0">
+                          <a:effectLst/>
+                        </a:rPr>
+                        <a:t>Mediana zarobków (PLN)</a:t>
                       </a:r>
                       <a:endParaRPr lang="pl-PL" sz="1400" b="1" i="0" u="none" strike="noStrike" dirty="0">
                         <a:solidFill>
@@ -7126,7 +13463,7 @@
                     <a:p>
                       <a:pPr algn="ctr" fontAlgn="ctr"/>
                       <a:r>
-                        <a:rPr lang="pl-PL" sz="1400" u="none" strike="noStrike" dirty="0">
+                        <a:rPr lang="pl-PL" sz="1400" b="1" u="none" strike="noStrike" dirty="0">
                           <a:effectLst/>
                         </a:rPr>
                         <a:t>1</a:t>
@@ -7159,7 +13496,18 @@
                         <a:rPr lang="pl-PL" sz="1400" u="none" strike="noStrike" dirty="0">
                           <a:effectLst/>
                         </a:rPr>
-                        <a:t>Akademia Górniczo-Hutnicza im. Stanisława Staszica w Krakowie</a:t>
+                        <a:t>Akademia Górniczo-Hutnicza im. Stanisława Staszica </a:t>
+                      </a:r>
+                      <a:br>
+                        <a:rPr lang="pl-PL" sz="1400" u="none" strike="noStrike" dirty="0">
+                          <a:effectLst/>
+                        </a:rPr>
+                      </a:br>
+                      <a:r>
+                        <a:rPr lang="pl-PL" sz="1400" u="none" strike="noStrike" dirty="0">
+                          <a:effectLst/>
+                        </a:rPr>
+                        <a:t>w Krakowie</a:t>
                       </a:r>
                       <a:endParaRPr lang="pl-PL" sz="1400" b="0" i="0" u="none" strike="noStrike" dirty="0">
                         <a:solidFill>
@@ -7186,7 +13534,18 @@
                         <a:rPr lang="pl-PL" sz="1400" u="none" strike="noStrike" dirty="0">
                           <a:effectLst/>
                         </a:rPr>
-                        <a:t>Informatyka, studia stacjonarne drugiego stopnia, 3-semestralne, profil ogólnoakademicki</a:t>
+                        <a:t>Informatyka, studia stacjonarne drugiego stopnia, </a:t>
+                      </a:r>
+                      <a:br>
+                        <a:rPr lang="pl-PL" sz="1400" u="none" strike="noStrike" dirty="0">
+                          <a:effectLst/>
+                        </a:rPr>
+                      </a:br>
+                      <a:r>
+                        <a:rPr lang="pl-PL" sz="1400" u="none" strike="noStrike" dirty="0">
+                          <a:effectLst/>
+                        </a:rPr>
+                        <a:t>3-semestralne, profil ogólnoakademicki</a:t>
                       </a:r>
                       <a:endParaRPr lang="pl-PL" sz="1400" b="0" i="0" u="none" strike="noStrike" dirty="0">
                         <a:solidFill>
@@ -7210,12 +13569,12 @@
                     <a:p>
                       <a:pPr algn="ctr" fontAlgn="ctr"/>
                       <a:r>
-                        <a:rPr lang="pl-PL" sz="1400" u="none" strike="noStrike">
-                          <a:effectLst/>
-                        </a:rPr>
-                        <a:t>15177,51</a:t>
-                      </a:r>
-                      <a:endParaRPr lang="pl-PL" sz="1400" b="0" i="0" u="none" strike="noStrike">
+                        <a:rPr lang="pl-PL" sz="1400" u="none" strike="noStrike" dirty="0">
+                          <a:effectLst/>
+                        </a:rPr>
+                        <a:t>15177</a:t>
+                      </a:r>
+                      <a:endParaRPr lang="pl-PL" sz="1400" b="0" i="0" u="none" strike="noStrike" dirty="0">
                         <a:solidFill>
                           <a:srgbClr val="000000"/>
                         </a:solidFill>
@@ -7244,7 +13603,7 @@
                     <a:p>
                       <a:pPr algn="ctr" fontAlgn="ctr"/>
                       <a:r>
-                        <a:rPr lang="pl-PL" sz="1400" u="none" strike="noStrike" dirty="0">
+                        <a:rPr lang="pl-PL" sz="1400" b="1" u="none" strike="noStrike" dirty="0">
                           <a:effectLst/>
                         </a:rPr>
                         <a:t>2</a:t>
@@ -7304,7 +13663,18 @@
                         <a:rPr lang="pl-PL" sz="1400" u="none" strike="noStrike" dirty="0">
                           <a:effectLst/>
                         </a:rPr>
-                        <a:t>Informatyka, studia niestacjonarne drugiego stopnia, 5-semestralne, profil ogólnoakademicki</a:t>
+                        <a:t>Informatyka, studia niestacjonarne drugiego stopnia, </a:t>
+                      </a:r>
+                      <a:br>
+                        <a:rPr lang="pl-PL" sz="1400" u="none" strike="noStrike" dirty="0">
+                          <a:effectLst/>
+                        </a:rPr>
+                      </a:br>
+                      <a:r>
+                        <a:rPr lang="pl-PL" sz="1400" u="none" strike="noStrike" dirty="0">
+                          <a:effectLst/>
+                        </a:rPr>
+                        <a:t>5-semestralne, profil ogólnoakademicki</a:t>
                       </a:r>
                       <a:endParaRPr lang="pl-PL" sz="1400" b="0" i="0" u="none" strike="noStrike" dirty="0">
                         <a:solidFill>
@@ -7328,12 +13698,12 @@
                     <a:p>
                       <a:pPr algn="ctr" fontAlgn="ctr"/>
                       <a:r>
-                        <a:rPr lang="pl-PL" sz="1400" u="none" strike="noStrike">
-                          <a:effectLst/>
-                        </a:rPr>
-                        <a:t>14264,42</a:t>
-                      </a:r>
-                      <a:endParaRPr lang="pl-PL" sz="1400" b="0" i="0" u="none" strike="noStrike">
+                        <a:rPr lang="pl-PL" sz="1400" u="none" strike="noStrike" dirty="0">
+                          <a:effectLst/>
+                        </a:rPr>
+                        <a:t>14264</a:t>
+                      </a:r>
+                      <a:endParaRPr lang="pl-PL" sz="1400" b="0" i="0" u="none" strike="noStrike" dirty="0">
                         <a:solidFill>
                           <a:srgbClr val="000000"/>
                         </a:solidFill>
@@ -7362,7 +13732,7 @@
                     <a:p>
                       <a:pPr algn="ctr" fontAlgn="ctr"/>
                       <a:r>
-                        <a:rPr lang="pl-PL" sz="1400" u="none" strike="noStrike">
+                        <a:rPr lang="pl-PL" sz="1400" b="1" u="none" strike="noStrike">
                           <a:effectLst/>
                         </a:rPr>
                         <a:t>3</a:t>
@@ -7422,7 +13792,18 @@
                         <a:rPr lang="pl-PL" sz="1400" u="none" strike="noStrike" dirty="0">
                           <a:effectLst/>
                         </a:rPr>
-                        <a:t>Informatyka, studia stacjonarne drugiego stopnia, 4-semestralne, profil ogólnoakademicki</a:t>
+                        <a:t>Informatyka, studia stacjonarne drugiego stopnia,</a:t>
+                      </a:r>
+                      <a:br>
+                        <a:rPr lang="pl-PL" sz="1400" u="none" strike="noStrike" dirty="0">
+                          <a:effectLst/>
+                        </a:rPr>
+                      </a:br>
+                      <a:r>
+                        <a:rPr lang="pl-PL" sz="1400" u="none" strike="noStrike" dirty="0">
+                          <a:effectLst/>
+                        </a:rPr>
+                        <a:t> 4-semestralne, profil ogólnoakademicki</a:t>
                       </a:r>
                       <a:endParaRPr lang="pl-PL" sz="1400" b="0" i="0" u="none" strike="noStrike" dirty="0">
                         <a:solidFill>
@@ -7446,12 +13827,12 @@
                     <a:p>
                       <a:pPr algn="ctr" fontAlgn="ctr"/>
                       <a:r>
-                        <a:rPr lang="pl-PL" sz="1400" u="none" strike="noStrike">
-                          <a:effectLst/>
-                        </a:rPr>
-                        <a:t>14038,355</a:t>
-                      </a:r>
-                      <a:endParaRPr lang="pl-PL" sz="1400" b="0" i="0" u="none" strike="noStrike">
+                        <a:rPr lang="pl-PL" sz="1400" u="none" strike="noStrike" dirty="0">
+                          <a:effectLst/>
+                        </a:rPr>
+                        <a:t>14038</a:t>
+                      </a:r>
+                      <a:endParaRPr lang="pl-PL" sz="1400" b="0" i="0" u="none" strike="noStrike" dirty="0">
                         <a:solidFill>
                           <a:srgbClr val="000000"/>
                         </a:solidFill>
@@ -7480,7 +13861,7 @@
                     <a:p>
                       <a:pPr algn="ctr" fontAlgn="ctr"/>
                       <a:r>
-                        <a:rPr lang="pl-PL" sz="1400" u="none" strike="noStrike" dirty="0">
+                        <a:rPr lang="pl-PL" sz="1400" b="1" u="none" strike="noStrike" dirty="0">
                           <a:effectLst/>
                         </a:rPr>
                         <a:t>4</a:t>
@@ -7540,7 +13921,18 @@
                         <a:rPr lang="pl-PL" sz="1400" u="none" strike="noStrike" dirty="0">
                           <a:effectLst/>
                         </a:rPr>
-                        <a:t>Informatyka, studia niestacjonarne drugiego stopnia, 5-semestralne, profil praktyczny</a:t>
+                        <a:t>Informatyka, studia niestacjonarne drugiego stopnia, </a:t>
+                      </a:r>
+                      <a:br>
+                        <a:rPr lang="pl-PL" sz="1400" u="none" strike="noStrike" dirty="0">
+                          <a:effectLst/>
+                        </a:rPr>
+                      </a:br>
+                      <a:r>
+                        <a:rPr lang="pl-PL" sz="1400" u="none" strike="noStrike" dirty="0">
+                          <a:effectLst/>
+                        </a:rPr>
+                        <a:t>5-semestralne, profil praktyczny</a:t>
                       </a:r>
                       <a:endParaRPr lang="pl-PL" sz="1400" b="0" i="0" u="none" strike="noStrike" dirty="0">
                         <a:solidFill>
@@ -7567,7 +13959,7 @@
                         <a:rPr lang="pl-PL" sz="1400" u="none" strike="noStrike" dirty="0">
                           <a:effectLst/>
                         </a:rPr>
-                        <a:t>13586,03</a:t>
+                        <a:t>13586</a:t>
                       </a:r>
                       <a:endParaRPr lang="pl-PL" sz="1400" b="0" i="0" u="none" strike="noStrike" dirty="0">
                         <a:solidFill>
@@ -7598,7 +13990,7 @@
                     <a:p>
                       <a:pPr algn="ctr" fontAlgn="ctr"/>
                       <a:r>
-                        <a:rPr lang="pl-PL" sz="1400" u="none" strike="noStrike" dirty="0">
+                        <a:rPr lang="pl-PL" sz="1400" b="1" u="none" strike="noStrike" dirty="0">
                           <a:effectLst/>
                         </a:rPr>
                         <a:t>5</a:t>
@@ -7658,7 +14050,18 @@
                         <a:rPr lang="pl-PL" sz="1400" u="none" strike="noStrike" dirty="0">
                           <a:effectLst/>
                         </a:rPr>
-                        <a:t>Informatyka, studia stacjonarne drugiego stopnia, 4-semestralne, profil ogólnoakademicki</a:t>
+                        <a:t>Informatyka, studia stacjonarne drugiego stopnia, </a:t>
+                      </a:r>
+                      <a:br>
+                        <a:rPr lang="pl-PL" sz="1400" u="none" strike="noStrike" dirty="0">
+                          <a:effectLst/>
+                        </a:rPr>
+                      </a:br>
+                      <a:r>
+                        <a:rPr lang="pl-PL" sz="1400" u="none" strike="noStrike" dirty="0">
+                          <a:effectLst/>
+                        </a:rPr>
+                        <a:t>4-semestralne, profil ogólnoakademicki</a:t>
                       </a:r>
                       <a:endParaRPr lang="pl-PL" sz="1400" b="0" i="0" u="none" strike="noStrike" dirty="0">
                         <a:solidFill>
@@ -7682,12 +14085,12 @@
                     <a:p>
                       <a:pPr algn="ctr" fontAlgn="ctr"/>
                       <a:r>
-                        <a:rPr lang="pl-PL" sz="1400" u="none" strike="noStrike">
-                          <a:effectLst/>
-                        </a:rPr>
-                        <a:t>13216,63</a:t>
-                      </a:r>
-                      <a:endParaRPr lang="pl-PL" sz="1400" b="0" i="0" u="none" strike="noStrike">
+                        <a:rPr lang="pl-PL" sz="1400" u="none" strike="noStrike" dirty="0">
+                          <a:effectLst/>
+                        </a:rPr>
+                        <a:t>13216</a:t>
+                      </a:r>
+                      <a:endParaRPr lang="pl-PL" sz="1400" b="0" i="0" u="none" strike="noStrike" dirty="0">
                         <a:solidFill>
                           <a:srgbClr val="000000"/>
                         </a:solidFill>
@@ -7716,7 +14119,7 @@
                     <a:p>
                       <a:pPr algn="ctr" fontAlgn="ctr"/>
                       <a:r>
-                        <a:rPr lang="pl-PL" sz="1400" u="none" strike="noStrike" dirty="0">
+                        <a:rPr lang="pl-PL" sz="1400" b="1" u="none" strike="noStrike" dirty="0">
                           <a:effectLst/>
                         </a:rPr>
                         <a:t>6</a:t>
@@ -7746,37 +14149,21 @@
                     <a:p>
                       <a:pPr algn="ctr" fontAlgn="ctr"/>
                       <a:r>
-                        <a:rPr lang="pl-PL" sz="1400" u="none" strike="noStrike">
-                          <a:effectLst/>
-                        </a:rPr>
-                        <a:t>Akademia Górniczo-Hutnicza im. Stanisława Staszica w Krakowie</a:t>
-                      </a:r>
-                      <a:endParaRPr lang="pl-PL" sz="1400" b="0" i="0" u="none" strike="noStrike">
-                        <a:solidFill>
-                          <a:srgbClr val="000000"/>
-                        </a:solidFill>
-                        <a:effectLst/>
-                        <a:latin typeface="Calibri" panose="020F0502020204030204" pitchFamily="34" charset="0"/>
-                      </a:endParaRPr>
-                    </a:p>
-                  </a:txBody>
-                  <a:tcPr marL="7554" marR="7554" marT="7554" marB="0" anchor="ctr">
-                    <a:solidFill>
-                      <a:schemeClr val="bg1"/>
-                    </a:solidFill>
-                  </a:tcPr>
-                </a:tc>
-                <a:tc>
-                  <a:txBody>
-                    <a:bodyPr/>
-                    <a:lstStyle/>
-                    <a:p>
-                      <a:pPr algn="ctr" fontAlgn="ctr"/>
-                      <a:r>
                         <a:rPr lang="pl-PL" sz="1400" u="none" strike="noStrike" dirty="0">
                           <a:effectLst/>
                         </a:rPr>
-                        <a:t>Informatyka stosowana, studia stacjonarne drugiego stopnia, 3-semestralne, profil ogólnoakademicki</a:t>
+                        <a:t>Akademia Górniczo-Hutnicza im. Stanisława Staszica </a:t>
+                      </a:r>
+                      <a:br>
+                        <a:rPr lang="pl-PL" sz="1400" u="none" strike="noStrike" dirty="0">
+                          <a:effectLst/>
+                        </a:rPr>
+                      </a:br>
+                      <a:r>
+                        <a:rPr lang="pl-PL" sz="1400" u="none" strike="noStrike" dirty="0">
+                          <a:effectLst/>
+                        </a:rPr>
+                        <a:t>w Krakowie</a:t>
                       </a:r>
                       <a:endParaRPr lang="pl-PL" sz="1400" b="0" i="0" u="none" strike="noStrike" dirty="0">
                         <a:solidFill>
@@ -7800,12 +14187,50 @@
                     <a:p>
                       <a:pPr algn="ctr" fontAlgn="ctr"/>
                       <a:r>
-                        <a:rPr lang="pl-PL" sz="1400" u="none" strike="noStrike">
-                          <a:effectLst/>
-                        </a:rPr>
-                        <a:t>12756,725</a:t>
-                      </a:r>
-                      <a:endParaRPr lang="pl-PL" sz="1400" b="0" i="0" u="none" strike="noStrike">
+                        <a:rPr lang="pl-PL" sz="1400" u="none" strike="noStrike" dirty="0">
+                          <a:effectLst/>
+                        </a:rPr>
+                        <a:t>Informatyka stosowana, studia stacjonarne drugiego stopnia, </a:t>
+                      </a:r>
+                      <a:br>
+                        <a:rPr lang="pl-PL" sz="1400" u="none" strike="noStrike" dirty="0">
+                          <a:effectLst/>
+                        </a:rPr>
+                      </a:br>
+                      <a:r>
+                        <a:rPr lang="pl-PL" sz="1400" u="none" strike="noStrike" dirty="0">
+                          <a:effectLst/>
+                        </a:rPr>
+                        <a:t>3-semestralne, profil ogólnoakademicki</a:t>
+                      </a:r>
+                      <a:endParaRPr lang="pl-PL" sz="1400" b="0" i="0" u="none" strike="noStrike" dirty="0">
+                        <a:solidFill>
+                          <a:srgbClr val="000000"/>
+                        </a:solidFill>
+                        <a:effectLst/>
+                        <a:latin typeface="Calibri" panose="020F0502020204030204" pitchFamily="34" charset="0"/>
+                      </a:endParaRPr>
+                    </a:p>
+                  </a:txBody>
+                  <a:tcPr marL="7554" marR="7554" marT="7554" marB="0" anchor="ctr">
+                    <a:solidFill>
+                      <a:schemeClr val="bg1"/>
+                    </a:solidFill>
+                  </a:tcPr>
+                </a:tc>
+                <a:tc>
+                  <a:txBody>
+                    <a:bodyPr/>
+                    <a:lstStyle/>
+                    <a:p>
+                      <a:pPr algn="ctr" fontAlgn="ctr"/>
+                      <a:r>
+                        <a:rPr lang="pl-PL" sz="1400" u="none" strike="noStrike" dirty="0">
+                          <a:effectLst/>
+                        </a:rPr>
+                        <a:t>12756</a:t>
+                      </a:r>
+                      <a:endParaRPr lang="pl-PL" sz="1400" b="0" i="0" u="none" strike="noStrike" dirty="0">
                         <a:solidFill>
                           <a:srgbClr val="000000"/>
                         </a:solidFill>
@@ -7834,7 +14259,7 @@
                     <a:p>
                       <a:pPr algn="ctr" fontAlgn="ctr"/>
                       <a:r>
-                        <a:rPr lang="pl-PL" sz="1400" u="none" strike="noStrike" dirty="0">
+                        <a:rPr lang="pl-PL" sz="1400" b="1" u="none" strike="noStrike" dirty="0">
                           <a:effectLst/>
                         </a:rPr>
                         <a:t>7</a:t>
@@ -7894,7 +14319,18 @@
                         <a:rPr lang="pl-PL" sz="1400" u="none" strike="noStrike" dirty="0">
                           <a:effectLst/>
                         </a:rPr>
-                        <a:t>Informatyka, studia niestacjonarne drugiego stopnia, 5-semestralne, profil praktyczny</a:t>
+                        <a:t>Informatyka, studia niestacjonarne drugiego stopnia, </a:t>
+                      </a:r>
+                      <a:br>
+                        <a:rPr lang="pl-PL" sz="1400" u="none" strike="noStrike" dirty="0">
+                          <a:effectLst/>
+                        </a:rPr>
+                      </a:br>
+                      <a:r>
+                        <a:rPr lang="pl-PL" sz="1400" u="none" strike="noStrike" dirty="0">
+                          <a:effectLst/>
+                        </a:rPr>
+                        <a:t>5-semestralne, profil praktyczny</a:t>
                       </a:r>
                       <a:endParaRPr lang="pl-PL" sz="1400" b="0" i="0" u="none" strike="noStrike" dirty="0">
                         <a:solidFill>
@@ -7921,7 +14357,7 @@
                         <a:rPr lang="pl-PL" sz="1400" u="none" strike="noStrike" dirty="0">
                           <a:effectLst/>
                         </a:rPr>
-                        <a:t>12740,78</a:t>
+                        <a:t>12740</a:t>
                       </a:r>
                       <a:endParaRPr lang="pl-PL" sz="1400" b="0" i="0" u="none" strike="noStrike" dirty="0">
                         <a:solidFill>
@@ -7952,7 +14388,7 @@
                     <a:p>
                       <a:pPr algn="ctr" fontAlgn="ctr"/>
                       <a:r>
-                        <a:rPr lang="pl-PL" sz="1400" u="none" strike="noStrike" dirty="0">
+                        <a:rPr lang="pl-PL" sz="1400" b="1" u="none" strike="noStrike" dirty="0">
                           <a:effectLst/>
                         </a:rPr>
                         <a:t>8</a:t>
@@ -8012,7 +14448,18 @@
                         <a:rPr lang="pl-PL" sz="1400" u="none" strike="noStrike" dirty="0">
                           <a:effectLst/>
                         </a:rPr>
-                        <a:t>Informatyka, studia stacjonarne drugiego stopnia, 3-semestralne, profil ogólnoakademicki</a:t>
+                        <a:t>Informatyka, studia stacjonarne drugiego stopnia, </a:t>
+                      </a:r>
+                      <a:br>
+                        <a:rPr lang="pl-PL" sz="1400" u="none" strike="noStrike" dirty="0">
+                          <a:effectLst/>
+                        </a:rPr>
+                      </a:br>
+                      <a:r>
+                        <a:rPr lang="pl-PL" sz="1400" u="none" strike="noStrike" dirty="0">
+                          <a:effectLst/>
+                        </a:rPr>
+                        <a:t>3-semestralne, profil ogólnoakademicki</a:t>
                       </a:r>
                       <a:endParaRPr lang="pl-PL" sz="1400" b="0" i="0" u="none" strike="noStrike" dirty="0">
                         <a:solidFill>
@@ -8039,7 +14486,7 @@
                         <a:rPr lang="pl-PL" sz="1400" u="none" strike="noStrike" dirty="0">
                           <a:effectLst/>
                         </a:rPr>
-                        <a:t>12618,515</a:t>
+                        <a:t>12618</a:t>
                       </a:r>
                       <a:endParaRPr lang="pl-PL" sz="1400" b="0" i="0" u="none" strike="noStrike" dirty="0">
                         <a:solidFill>
@@ -8070,7 +14517,7 @@
                     <a:p>
                       <a:pPr algn="ctr" fontAlgn="ctr"/>
                       <a:r>
-                        <a:rPr lang="pl-PL" sz="1400" u="none" strike="noStrike">
+                        <a:rPr lang="pl-PL" sz="1400" b="1" u="none" strike="noStrike">
                           <a:effectLst/>
                         </a:rPr>
                         <a:t>9</a:t>
@@ -8130,7 +14577,18 @@
                         <a:rPr lang="pl-PL" sz="1400" u="none" strike="noStrike" dirty="0">
                           <a:effectLst/>
                         </a:rPr>
-                        <a:t>Informatyka, studia stacjonarne drugiego stopnia, 3-semestralne, profil ogólnoakademicki</a:t>
+                        <a:t>Informatyka, studia stacjonarne drugiego stopnia, </a:t>
+                      </a:r>
+                      <a:br>
+                        <a:rPr lang="pl-PL" sz="1400" u="none" strike="noStrike" dirty="0">
+                          <a:effectLst/>
+                        </a:rPr>
+                      </a:br>
+                      <a:r>
+                        <a:rPr lang="pl-PL" sz="1400" u="none" strike="noStrike" dirty="0">
+                          <a:effectLst/>
+                        </a:rPr>
+                        <a:t>3-semestralne, profil ogólnoakademicki</a:t>
                       </a:r>
                       <a:endParaRPr lang="pl-PL" sz="1400" b="0" i="0" u="none" strike="noStrike" dirty="0">
                         <a:solidFill>
@@ -8157,7 +14615,7 @@
                         <a:rPr lang="pl-PL" sz="1400" u="none" strike="noStrike" dirty="0">
                           <a:effectLst/>
                         </a:rPr>
-                        <a:t>12416,86</a:t>
+                        <a:t>12416</a:t>
                       </a:r>
                       <a:endParaRPr lang="pl-PL" sz="1400" b="0" i="0" u="none" strike="noStrike" dirty="0">
                         <a:solidFill>
@@ -8188,7 +14646,7 @@
                     <a:p>
                       <a:pPr algn="ctr" fontAlgn="ctr"/>
                       <a:r>
-                        <a:rPr lang="pl-PL" sz="1400" u="none" strike="noStrike" dirty="0">
+                        <a:rPr lang="pl-PL" sz="1400" b="1" u="none" strike="noStrike" dirty="0">
                           <a:effectLst/>
                         </a:rPr>
                         <a:t>10</a:t>
@@ -8221,7 +14679,18 @@
                         <a:rPr lang="pl-PL" sz="1400" u="none" strike="noStrike" dirty="0">
                           <a:effectLst/>
                         </a:rPr>
-                        <a:t>Uniwersytet Jagielloński w Krakowie</a:t>
+                        <a:t>Uniwersytet Jagielloński </a:t>
+                      </a:r>
+                      <a:br>
+                        <a:rPr lang="pl-PL" sz="1400" u="none" strike="noStrike" dirty="0">
+                          <a:effectLst/>
+                        </a:rPr>
+                      </a:br>
+                      <a:r>
+                        <a:rPr lang="pl-PL" sz="1400" u="none" strike="noStrike" dirty="0">
+                          <a:effectLst/>
+                        </a:rPr>
+                        <a:t>w Krakowie</a:t>
                       </a:r>
                       <a:endParaRPr lang="pl-PL" sz="1400" b="0" i="0" u="none" strike="noStrike" dirty="0">
                         <a:solidFill>
@@ -8248,7 +14717,18 @@
                         <a:rPr lang="pl-PL" sz="1400" u="none" strike="noStrike" dirty="0">
                           <a:effectLst/>
                         </a:rPr>
-                        <a:t>Informatyka, studia stacjonarne drugiego stopnia, 4-semestralne, profil ogólnoakademicki</a:t>
+                        <a:t>Informatyka, studia stacjonarne drugiego stopnia, </a:t>
+                      </a:r>
+                      <a:br>
+                        <a:rPr lang="pl-PL" sz="1400" u="none" strike="noStrike" dirty="0">
+                          <a:effectLst/>
+                        </a:rPr>
+                      </a:br>
+                      <a:r>
+                        <a:rPr lang="pl-PL" sz="1400" u="none" strike="noStrike" dirty="0">
+                          <a:effectLst/>
+                        </a:rPr>
+                        <a:t>4-semestralne, profil ogólnoakademicki</a:t>
                       </a:r>
                       <a:endParaRPr lang="pl-PL" sz="1400" b="0" i="0" u="none" strike="noStrike" dirty="0">
                         <a:solidFill>
@@ -8275,7 +14755,7 @@
                         <a:rPr lang="pl-PL" sz="1400" u="none" strike="noStrike" dirty="0">
                           <a:effectLst/>
                         </a:rPr>
-                        <a:t>12326,155</a:t>
+                        <a:t>12326</a:t>
                       </a:r>
                       <a:endParaRPr lang="pl-PL" sz="1400" b="0" i="0" u="none" strike="noStrike" dirty="0">
                         <a:solidFill>
@@ -8302,6 +14782,49 @@
           </a:graphicData>
         </a:graphic>
       </p:graphicFrame>
+      <p:cxnSp>
+        <p:nvCxnSpPr>
+          <p:cNvPr id="8" name="Łącznik prosty 7">
+            <a:extLst>
+              <a:ext uri="{FF2B5EF4-FFF2-40B4-BE49-F238E27FC236}">
+                <a16:creationId xmlns:a16="http://schemas.microsoft.com/office/drawing/2014/main" id="{93672542-9C1B-4634-9ADC-FA9580A7DA57}"/>
+              </a:ext>
+            </a:extLst>
+          </p:cNvPr>
+          <p:cNvCxnSpPr>
+            <a:cxnSpLocks/>
+          </p:cNvCxnSpPr>
+          <p:nvPr/>
+        </p:nvCxnSpPr>
+        <p:spPr>
+          <a:xfrm>
+            <a:off x="1080000" y="1064313"/>
+            <a:ext cx="10032000" cy="0"/>
+          </a:xfrm>
+          <a:prstGeom prst="line">
+            <a:avLst/>
+          </a:prstGeom>
+          <a:ln w="22225">
+            <a:solidFill>
+              <a:schemeClr val="accent6"/>
+            </a:solidFill>
+          </a:ln>
+        </p:spPr>
+        <p:style>
+          <a:lnRef idx="1">
+            <a:schemeClr val="accent1"/>
+          </a:lnRef>
+          <a:fillRef idx="0">
+            <a:schemeClr val="accent1"/>
+          </a:fillRef>
+          <a:effectRef idx="0">
+            <a:schemeClr val="accent1"/>
+          </a:effectRef>
+          <a:fontRef idx="minor">
+            <a:schemeClr val="tx1"/>
+          </a:fontRef>
+        </p:style>
+      </p:cxnSp>
     </p:spTree>
     <p:extLst>
       <p:ext uri="{BB962C8B-B14F-4D97-AF65-F5344CB8AC3E}">

--- a/casestudy.pptx
+++ b/casestudy.pptx
@@ -8072,7 +8072,21 @@
                 <a:latin typeface="Arial" panose="020B0604020202020204" pitchFamily="34" charset="0"/>
                 <a:cs typeface="Arial" panose="020B0604020202020204" pitchFamily="34" charset="0"/>
               </a:rPr>
-              <a:t>	Pierwszą dziesiątkę najlepiej opłacanych kierunków w Polsce zdominowały studia informatyczne. Zmieniając spojrzenie na najlepiej opłacane kierunki w poszczególnych województwach pojawia się wiele studiów lekarskich.</a:t>
+              <a:t>	Pierwszą dziesiątkę najlepiej opłacanych kierunków w Polsce zdominowały studia informatyczne. Zmieniając spojrzenie na najlepiej opłacane kierunki w poszczególnych województwach pojawia się </a:t>
+            </a:r>
+            <a:r>
+              <a:rPr lang="pl-PL" sz="2300">
+                <a:latin typeface="Arial" panose="020B0604020202020204" pitchFamily="34" charset="0"/>
+                <a:cs typeface="Arial" panose="020B0604020202020204" pitchFamily="34" charset="0"/>
+              </a:rPr>
+              <a:t>wiele kierunków </a:t>
+            </a:r>
+            <a:r>
+              <a:rPr lang="pl-PL" sz="2300" dirty="0">
+                <a:latin typeface="Arial" panose="020B0604020202020204" pitchFamily="34" charset="0"/>
+                <a:cs typeface="Arial" panose="020B0604020202020204" pitchFamily="34" charset="0"/>
+              </a:rPr>
+              <a:t>lekarskich.</a:t>
             </a:r>
           </a:p>
         </p:txBody>
